--- a/1. Lectures/Introducción a la Optimización aplicada a Sistemas de Energía Eléctrica/Dia 2/5. Power Flow.pptx
+++ b/1. Lectures/Introducción a la Optimización aplicada a Sistemas de Energía Eléctrica/Dia 2/5. Power Flow.pptx
@@ -230,7 +230,7 @@
             <a:fld id="{20597DA6-5F4F-42D3-8A01-E860A9714D40}" type="datetimeFigureOut">
               <a:rPr lang="es-ES" smtClean="0"/>
               <a:pPr/>
-              <a:t>26/02/2019</a:t>
+              <a:t>14/03/2019</a:t>
             </a:fld>
             <a:endParaRPr lang="es-ES"/>
           </a:p>
@@ -401,7 +401,7 @@
             <a:fld id="{D23D6ABD-B407-4DBB-94E4-3909D8A64036}" type="datetimeFigureOut">
               <a:rPr lang="es-ES" smtClean="0"/>
               <a:pPr/>
-              <a:t>26/02/2019</a:t>
+              <a:t>14/03/2019</a:t>
             </a:fld>
             <a:endParaRPr lang="es-ES"/>
           </a:p>
@@ -4774,111 +4774,13 @@
           <a:lstStyle/>
           <a:p>
             <a:r>
-              <a:rPr lang="en-US" sz="2400" kern="1400" cap="small" dirty="0" err="1">
-                <a:solidFill>
-                  <a:schemeClr val="bg1"/>
-                </a:solidFill>
-                <a:latin typeface="Bookman Old Style" panose="02050604050505020204" pitchFamily="18" charset="0"/>
-              </a:rPr>
-              <a:t>Introducción</a:t>
-            </a:r>
-            <a:r>
               <a:rPr lang="en-US" sz="2400" kern="1400" cap="small" dirty="0">
                 <a:solidFill>
                   <a:schemeClr val="bg1"/>
                 </a:solidFill>
                 <a:latin typeface="Bookman Old Style" panose="02050604050505020204" pitchFamily="18" charset="0"/>
               </a:rPr>
-              <a:t> a la </a:t>
-            </a:r>
-            <a:r>
-              <a:rPr lang="en-US" sz="2400" kern="1400" cap="small" dirty="0" err="1">
-                <a:solidFill>
-                  <a:schemeClr val="bg1"/>
-                </a:solidFill>
-                <a:latin typeface="Bookman Old Style" panose="02050604050505020204" pitchFamily="18" charset="0"/>
-              </a:rPr>
-              <a:t>Optimización</a:t>
-            </a:r>
-            <a:r>
-              <a:rPr lang="en-US" sz="2400" kern="1400" cap="small" dirty="0">
-                <a:solidFill>
-                  <a:schemeClr val="bg1"/>
-                </a:solidFill>
-                <a:latin typeface="Bookman Old Style" panose="02050604050505020204" pitchFamily="18" charset="0"/>
-              </a:rPr>
-              <a:t> </a:t>
-            </a:r>
-            <a:br>
-              <a:rPr lang="en-US" sz="2400" kern="1400" cap="small" dirty="0">
-                <a:solidFill>
-                  <a:schemeClr val="bg1"/>
-                </a:solidFill>
-                <a:latin typeface="Bookman Old Style" panose="02050604050505020204" pitchFamily="18" charset="0"/>
-              </a:rPr>
-            </a:br>
-            <a:r>
-              <a:rPr lang="en-US" sz="2400" kern="1400" cap="small" dirty="0" err="1">
-                <a:solidFill>
-                  <a:schemeClr val="bg1"/>
-                </a:solidFill>
-                <a:latin typeface="Bookman Old Style" panose="02050604050505020204" pitchFamily="18" charset="0"/>
-              </a:rPr>
-              <a:t>en</a:t>
-            </a:r>
-            <a:r>
-              <a:rPr lang="en-US" sz="2400" kern="1400" cap="small" dirty="0">
-                <a:solidFill>
-                  <a:schemeClr val="bg1"/>
-                </a:solidFill>
-                <a:latin typeface="Bookman Old Style" panose="02050604050505020204" pitchFamily="18" charset="0"/>
-              </a:rPr>
-              <a:t> </a:t>
-            </a:r>
-            <a:r>
-              <a:rPr lang="en-US" sz="2400" kern="1400" cap="small" dirty="0" err="1">
-                <a:solidFill>
-                  <a:schemeClr val="bg1"/>
-                </a:solidFill>
-                <a:latin typeface="Bookman Old Style" panose="02050604050505020204" pitchFamily="18" charset="0"/>
-              </a:rPr>
-              <a:t>Sistemas</a:t>
-            </a:r>
-            <a:r>
-              <a:rPr lang="en-US" sz="2400" kern="1400" cap="small" dirty="0">
-                <a:solidFill>
-                  <a:schemeClr val="bg1"/>
-                </a:solidFill>
-                <a:latin typeface="Bookman Old Style" panose="02050604050505020204" pitchFamily="18" charset="0"/>
-              </a:rPr>
-              <a:t> </a:t>
-            </a:r>
-            <a:r>
-              <a:rPr lang="en-US" sz="2400" kern="1400" cap="small" dirty="0" err="1">
-                <a:solidFill>
-                  <a:schemeClr val="bg1"/>
-                </a:solidFill>
-                <a:latin typeface="Bookman Old Style" panose="02050604050505020204" pitchFamily="18" charset="0"/>
-              </a:rPr>
-              <a:t>Eléctricos</a:t>
-            </a:r>
-            <a:r>
-              <a:rPr lang="en-US" sz="2400" kern="1400" cap="small" dirty="0">
-                <a:solidFill>
-                  <a:schemeClr val="bg1"/>
-                </a:solidFill>
-                <a:latin typeface="Bookman Old Style" panose="02050604050505020204" pitchFamily="18" charset="0"/>
-              </a:rPr>
-              <a:t> de </a:t>
-            </a:r>
-            <a:r>
-              <a:rPr lang="en-US" sz="2400" kern="1400" cap="small" dirty="0" err="1">
-                <a:solidFill>
-                  <a:schemeClr val="bg1"/>
-                </a:solidFill>
-                <a:latin typeface="Bookman Old Style" panose="02050604050505020204" pitchFamily="18" charset="0"/>
-              </a:rPr>
-              <a:t>Potencia</a:t>
+              <a:t>Power Flow</a:t>
             </a:r>
             <a:endParaRPr lang="es-ES" sz="2400" cap="small" dirty="0">
               <a:solidFill>
@@ -5102,8 +5004,8 @@
         </p:nvSpPr>
         <p:spPr>
           <a:xfrm>
-            <a:off x="3383691" y="355303"/>
-            <a:ext cx="2521844" cy="769441"/>
+            <a:off x="3775625" y="355303"/>
+            <a:ext cx="1737976" cy="769441"/>
           </a:xfrm>
           <a:prstGeom prst="rect">
             <a:avLst/>
@@ -5117,11 +5019,14 @@
           <a:lstStyle/>
           <a:p>
             <a:r>
-              <a:rPr lang="en-US" sz="4400" dirty="0">
+              <a:rPr lang="en-US" sz="4400" dirty="0" err="1">
                 <a:latin typeface="Old English Text MT" panose="03040902040508030806" pitchFamily="66" charset="0"/>
               </a:rPr>
-              <a:t>Workshop</a:t>
-            </a:r>
+              <a:t>Tópico</a:t>
+            </a:r>
+            <a:endParaRPr lang="en-US" sz="4400" dirty="0">
+              <a:latin typeface="Old English Text MT" panose="03040902040508030806" pitchFamily="66" charset="0"/>
+            </a:endParaRPr>
           </a:p>
         </p:txBody>
       </p:sp>

--- a/1. Lectures/Introducción a la Optimización aplicada a Sistemas de Energía Eléctrica/Dia 2/5. Power Flow.pptx
+++ b/1. Lectures/Introducción a la Optimización aplicada a Sistemas de Energía Eléctrica/Dia 2/5. Power Flow.pptx
@@ -5,10 +5,10 @@
     <p:sldMasterId id="2147483732" r:id="rId1"/>
   </p:sldMasterIdLst>
   <p:notesMasterIdLst>
-    <p:notesMasterId r:id="rId13"/>
+    <p:notesMasterId r:id="rId17"/>
   </p:notesMasterIdLst>
   <p:handoutMasterIdLst>
-    <p:handoutMasterId r:id="rId14"/>
+    <p:handoutMasterId r:id="rId18"/>
   </p:handoutMasterIdLst>
   <p:sldIdLst>
     <p:sldId id="256" r:id="rId2"/>
@@ -18,10 +18,14 @@
     <p:sldId id="395" r:id="rId6"/>
     <p:sldId id="396" r:id="rId7"/>
     <p:sldId id="397" r:id="rId8"/>
-    <p:sldId id="398" r:id="rId9"/>
-    <p:sldId id="400" r:id="rId10"/>
-    <p:sldId id="401" r:id="rId11"/>
-    <p:sldId id="305" r:id="rId12"/>
+    <p:sldId id="403" r:id="rId9"/>
+    <p:sldId id="398" r:id="rId10"/>
+    <p:sldId id="400" r:id="rId11"/>
+    <p:sldId id="401" r:id="rId12"/>
+    <p:sldId id="402" r:id="rId13"/>
+    <p:sldId id="404" r:id="rId14"/>
+    <p:sldId id="405" r:id="rId15"/>
+    <p:sldId id="305" r:id="rId16"/>
   </p:sldIdLst>
   <p:sldSz cx="9144000" cy="6858000" type="screen4x3"/>
   <p:notesSz cx="6858000" cy="9144000"/>
@@ -132,9 +136,13 @@
             <p14:sldId id="395"/>
             <p14:sldId id="396"/>
             <p14:sldId id="397"/>
+            <p14:sldId id="403"/>
             <p14:sldId id="398"/>
             <p14:sldId id="400"/>
             <p14:sldId id="401"/>
+            <p14:sldId id="402"/>
+            <p14:sldId id="404"/>
+            <p14:sldId id="405"/>
             <p14:sldId id="305"/>
           </p14:sldIdLst>
         </p14:section>
@@ -311,7 +319,7 @@
             <a:fld id="{27A565BD-2940-4473-877F-C1308FF5E531}" type="slidenum">
               <a:rPr lang="es-ES" smtClean="0"/>
               <a:pPr/>
-              <a:t>‹nº›</a:t>
+              <a:t>‹Nº›</a:t>
             </a:fld>
             <a:endParaRPr lang="es-ES"/>
           </a:p>
@@ -574,7 +582,7 @@
             <a:fld id="{8AD6E850-6E96-4E89-86F1-2DE46BB95531}" type="slidenum">
               <a:rPr lang="es-ES" smtClean="0"/>
               <a:pPr/>
-              <a:t>‹nº›</a:t>
+              <a:t>‹Nº›</a:t>
             </a:fld>
             <a:endParaRPr lang="es-ES"/>
           </a:p>
@@ -996,7 +1004,7 @@
             <a:fld id="{64BD7E74-CBD2-4D88-9109-2EA8081AE675}" type="slidenum">
               <a:rPr lang="es-ES" smtClean="0"/>
               <a:pPr/>
-              <a:t>‹nº›</a:t>
+              <a:t>‹Nº›</a:t>
             </a:fld>
             <a:endParaRPr lang="es-ES"/>
           </a:p>
@@ -1426,7 +1434,7 @@
             <a:fld id="{64BD7E74-CBD2-4D88-9109-2EA8081AE675}" type="slidenum">
               <a:rPr lang="es-ES" smtClean="0"/>
               <a:pPr/>
-              <a:t>‹nº›</a:t>
+              <a:t>‹Nº›</a:t>
             </a:fld>
             <a:endParaRPr lang="es-ES"/>
           </a:p>
@@ -1617,7 +1625,7 @@
             <a:fld id="{64BD7E74-CBD2-4D88-9109-2EA8081AE675}" type="slidenum">
               <a:rPr lang="es-ES" smtClean="0"/>
               <a:pPr/>
-              <a:t>‹nº›</a:t>
+              <a:t>‹Nº›</a:t>
             </a:fld>
             <a:endParaRPr lang="es-ES"/>
           </a:p>
@@ -1755,7 +1763,7 @@
             <a:fld id="{64BD7E74-CBD2-4D88-9109-2EA8081AE675}" type="slidenum">
               <a:rPr lang="es-ES" smtClean="0"/>
               <a:pPr/>
-              <a:t>‹nº›</a:t>
+              <a:t>‹Nº›</a:t>
             </a:fld>
             <a:endParaRPr lang="es-ES"/>
           </a:p>
@@ -2276,7 +2284,7 @@
             <a:fld id="{64BD7E74-CBD2-4D88-9109-2EA8081AE675}" type="slidenum">
               <a:rPr lang="es-ES" smtClean="0"/>
               <a:pPr/>
-              <a:t>‹nº›</a:t>
+              <a:t>‹Nº›</a:t>
             </a:fld>
             <a:endParaRPr lang="es-ES"/>
           </a:p>
@@ -2405,7 +2413,7 @@
             <a:fld id="{64BD7E74-CBD2-4D88-9109-2EA8081AE675}" type="slidenum">
               <a:rPr lang="es-ES" smtClean="0"/>
               <a:pPr/>
-              <a:t>‹nº›</a:t>
+              <a:t>‹Nº›</a:t>
             </a:fld>
             <a:endParaRPr lang="es-ES"/>
           </a:p>
@@ -2783,7 +2791,7 @@
             <a:fld id="{64BD7E74-CBD2-4D88-9109-2EA8081AE675}" type="slidenum">
               <a:rPr lang="es-ES" smtClean="0"/>
               <a:pPr/>
-              <a:t>‹nº›</a:t>
+              <a:t>‹Nº›</a:t>
             </a:fld>
             <a:endParaRPr lang="es-ES"/>
           </a:p>
@@ -3036,7 +3044,7 @@
             <a:fld id="{64BD7E74-CBD2-4D88-9109-2EA8081AE675}" type="slidenum">
               <a:rPr lang="es-ES" smtClean="0"/>
               <a:pPr/>
-              <a:t>‹nº›</a:t>
+              <a:t>‹Nº›</a:t>
             </a:fld>
             <a:endParaRPr lang="es-ES"/>
           </a:p>
@@ -3172,7 +3180,7 @@
             <a:fld id="{64BD7E74-CBD2-4D88-9109-2EA8081AE675}" type="slidenum">
               <a:rPr lang="es-ES" smtClean="0"/>
               <a:pPr/>
-              <a:t>‹nº›</a:t>
+              <a:t>‹Nº›</a:t>
             </a:fld>
             <a:endParaRPr lang="es-ES"/>
           </a:p>
@@ -3455,7 +3463,7 @@
             <a:fld id="{64BD7E74-CBD2-4D88-9109-2EA8081AE675}" type="slidenum">
               <a:rPr lang="es-ES" smtClean="0"/>
               <a:pPr/>
-              <a:t>‹nº›</a:t>
+              <a:t>‹Nº›</a:t>
             </a:fld>
             <a:endParaRPr lang="es-ES"/>
           </a:p>
@@ -3704,7 +3712,7 @@
             <a:fld id="{64BD7E74-CBD2-4D88-9109-2EA8081AE675}" type="slidenum">
               <a:rPr lang="es-ES" smtClean="0"/>
               <a:pPr/>
-              <a:t>‹nº›</a:t>
+              <a:t>‹Nº›</a:t>
             </a:fld>
             <a:endParaRPr lang="es-ES"/>
           </a:p>
@@ -4176,7 +4184,7 @@
             <a:fld id="{64BD7E74-CBD2-4D88-9109-2EA8081AE675}" type="slidenum">
               <a:rPr lang="es-ES" smtClean="0"/>
               <a:pPr/>
-              <a:t>‹nº›</a:t>
+              <a:t>‹Nº›</a:t>
             </a:fld>
             <a:endParaRPr lang="es-ES" dirty="0"/>
           </a:p>
@@ -5358,8 +5366,8 @@
           </a:p>
         </p:txBody>
       </p:sp>
-      <mc:AlternateContent xmlns:mc="http://schemas.openxmlformats.org/markup-compatibility/2006">
-        <mc:Choice xmlns:a14="http://schemas.microsoft.com/office/drawing/2010/main" Requires="a14">
+      <mc:AlternateContent xmlns:mc="http://schemas.openxmlformats.org/markup-compatibility/2006" xmlns:a14="http://schemas.microsoft.com/office/drawing/2010/main">
+        <mc:Choice Requires="a14">
           <p:sp>
             <p:nvSpPr>
               <p:cNvPr id="4" name="Retângulo 3">
@@ -5449,7 +5457,7 @@
             </p:txBody>
           </p:sp>
         </mc:Choice>
-        <mc:Fallback>
+        <mc:Fallback xmlns="">
           <p:sp>
             <p:nvSpPr>
               <p:cNvPr id="4" name="Retângulo 3">
@@ -5598,8 +5606,8 @@
           </a:fontRef>
         </p:style>
       </p:cxnSp>
-      <mc:AlternateContent xmlns:mc="http://schemas.openxmlformats.org/markup-compatibility/2006">
-        <mc:Choice xmlns:a14="http://schemas.microsoft.com/office/drawing/2010/main" Requires="a14">
+      <mc:AlternateContent xmlns:mc="http://schemas.openxmlformats.org/markup-compatibility/2006" xmlns:a14="http://schemas.microsoft.com/office/drawing/2010/main">
+        <mc:Choice Requires="a14">
           <p:sp>
             <p:nvSpPr>
               <p:cNvPr id="13" name="CaixaDeTexto 12">
@@ -5628,6 +5636,7 @@
               </a:bodyPr>
               <a:lstStyle/>
               <a:p>
+                <a:pPr/>
                 <a14:m>
                   <m:oMathPara xmlns:m="http://schemas.openxmlformats.org/officeDocument/2006/math">
                     <m:oMathParaPr>
@@ -5667,7 +5676,7 @@
             </p:txBody>
           </p:sp>
         </mc:Choice>
-        <mc:Fallback>
+        <mc:Fallback xmlns="">
           <p:sp>
             <p:nvSpPr>
               <p:cNvPr id="13" name="CaixaDeTexto 12">
@@ -5806,8 +5815,8 @@
           </a:fontRef>
         </p:style>
       </p:cxnSp>
-      <mc:AlternateContent xmlns:mc="http://schemas.openxmlformats.org/markup-compatibility/2006">
-        <mc:Choice xmlns:a14="http://schemas.microsoft.com/office/drawing/2010/main" Requires="a14">
+      <mc:AlternateContent xmlns:mc="http://schemas.openxmlformats.org/markup-compatibility/2006" xmlns:a14="http://schemas.microsoft.com/office/drawing/2010/main">
+        <mc:Choice Requires="a14">
           <p:sp>
             <p:nvSpPr>
               <p:cNvPr id="46" name="CaixaDeTexto 45">
@@ -5836,6 +5845,7 @@
               </a:bodyPr>
               <a:lstStyle/>
               <a:p>
+                <a:pPr/>
                 <a14:m>
                   <m:oMathPara xmlns:m="http://schemas.openxmlformats.org/officeDocument/2006/math">
                     <m:oMathParaPr>
@@ -5875,7 +5885,7 @@
             </p:txBody>
           </p:sp>
         </mc:Choice>
-        <mc:Fallback>
+        <mc:Fallback xmlns="">
           <p:sp>
             <p:nvSpPr>
               <p:cNvPr id="46" name="CaixaDeTexto 45">
@@ -6002,8 +6012,8 @@
           </a:fontRef>
         </p:style>
       </p:cxnSp>
-      <mc:AlternateContent xmlns:mc="http://schemas.openxmlformats.org/markup-compatibility/2006">
-        <mc:Choice xmlns:a14="http://schemas.microsoft.com/office/drawing/2010/main" Requires="a14">
+      <mc:AlternateContent xmlns:mc="http://schemas.openxmlformats.org/markup-compatibility/2006" xmlns:a14="http://schemas.microsoft.com/office/drawing/2010/main">
+        <mc:Choice Requires="a14">
           <p:sp>
             <p:nvSpPr>
               <p:cNvPr id="23" name="CaixaDeTexto 22">
@@ -6032,6 +6042,7 @@
               </a:bodyPr>
               <a:lstStyle/>
               <a:p>
+                <a:pPr/>
                 <a14:m>
                   <m:oMathPara xmlns:m="http://schemas.openxmlformats.org/officeDocument/2006/math">
                     <m:oMathParaPr>
@@ -6208,7 +6219,7 @@
             </p:txBody>
           </p:sp>
         </mc:Choice>
-        <mc:Fallback>
+        <mc:Fallback xmlns="">
           <p:sp>
             <p:nvSpPr>
               <p:cNvPr id="23" name="CaixaDeTexto 22">
@@ -6409,8 +6420,8 @@
           </a:p>
         </p:txBody>
       </p:sp>
-      <mc:AlternateContent xmlns:mc="http://schemas.openxmlformats.org/markup-compatibility/2006">
-        <mc:Choice xmlns:a14="http://schemas.microsoft.com/office/drawing/2010/main" Requires="a14">
+      <mc:AlternateContent xmlns:mc="http://schemas.openxmlformats.org/markup-compatibility/2006" xmlns:a14="http://schemas.microsoft.com/office/drawing/2010/main">
+        <mc:Choice Requires="a14">
           <p:sp>
             <p:nvSpPr>
               <p:cNvPr id="25" name="CaixaDeTexto 24">
@@ -6439,6 +6450,7 @@
               </a:bodyPr>
               <a:lstStyle/>
               <a:p>
+                <a:pPr/>
                 <a14:m>
                   <m:oMathPara xmlns:m="http://schemas.openxmlformats.org/officeDocument/2006/math">
                     <m:oMathParaPr>
@@ -6576,7 +6588,7 @@
             </p:txBody>
           </p:sp>
         </mc:Choice>
-        <mc:Fallback>
+        <mc:Fallback xmlns="">
           <p:sp>
             <p:nvSpPr>
               <p:cNvPr id="25" name="CaixaDeTexto 24">
@@ -6621,8 +6633,8 @@
           </p:sp>
         </mc:Fallback>
       </mc:AlternateContent>
-      <mc:AlternateContent xmlns:mc="http://schemas.openxmlformats.org/markup-compatibility/2006">
-        <mc:Choice xmlns:a14="http://schemas.microsoft.com/office/drawing/2010/main" Requires="a14">
+      <mc:AlternateContent xmlns:mc="http://schemas.openxmlformats.org/markup-compatibility/2006" xmlns:a14="http://schemas.microsoft.com/office/drawing/2010/main">
+        <mc:Choice Requires="a14">
           <p:sp>
             <p:nvSpPr>
               <p:cNvPr id="58" name="CaixaDeTexto 57">
@@ -6651,6 +6663,7 @@
               </a:bodyPr>
               <a:lstStyle/>
               <a:p>
+                <a:pPr/>
                 <a14:m>
                   <m:oMathPara xmlns:m="http://schemas.openxmlformats.org/officeDocument/2006/math">
                     <m:oMathParaPr>
@@ -6904,7 +6917,7 @@
             </p:txBody>
           </p:sp>
         </mc:Choice>
-        <mc:Fallback>
+        <mc:Fallback xmlns="">
           <p:sp>
             <p:nvSpPr>
               <p:cNvPr id="58" name="CaixaDeTexto 57">
@@ -6949,8 +6962,8 @@
           </p:sp>
         </mc:Fallback>
       </mc:AlternateContent>
-      <mc:AlternateContent xmlns:mc="http://schemas.openxmlformats.org/markup-compatibility/2006">
-        <mc:Choice xmlns:a14="http://schemas.microsoft.com/office/drawing/2010/main" Requires="a14">
+      <mc:AlternateContent xmlns:mc="http://schemas.openxmlformats.org/markup-compatibility/2006" xmlns:a14="http://schemas.microsoft.com/office/drawing/2010/main">
+        <mc:Choice Requires="a14">
           <p:sp>
             <p:nvSpPr>
               <p:cNvPr id="60" name="CaixaDeTexto 59">
@@ -6979,6 +6992,7 @@
               </a:bodyPr>
               <a:lstStyle/>
               <a:p>
+                <a:pPr/>
                 <a14:m>
                   <m:oMathPara xmlns:m="http://schemas.openxmlformats.org/officeDocument/2006/math">
                     <m:oMathParaPr>
@@ -7232,7 +7246,7 @@
             </p:txBody>
           </p:sp>
         </mc:Choice>
-        <mc:Fallback>
+        <mc:Fallback xmlns="">
           <p:sp>
             <p:nvSpPr>
               <p:cNvPr id="60" name="CaixaDeTexto 59">
@@ -7277,8 +7291,8 @@
           </p:sp>
         </mc:Fallback>
       </mc:AlternateContent>
-      <mc:AlternateContent xmlns:mc="http://schemas.openxmlformats.org/markup-compatibility/2006">
-        <mc:Choice xmlns:a14="http://schemas.microsoft.com/office/drawing/2010/main" Requires="a14">
+      <mc:AlternateContent xmlns:mc="http://schemas.openxmlformats.org/markup-compatibility/2006" xmlns:a14="http://schemas.microsoft.com/office/drawing/2010/main">
+        <mc:Choice Requires="a14">
           <p:sp>
             <p:nvSpPr>
               <p:cNvPr id="26" name="CaixaDeTexto 25">
@@ -7307,6 +7321,7 @@
               </a:bodyPr>
               <a:lstStyle/>
               <a:p>
+                <a:pPr/>
                 <a14:m>
                   <m:oMathPara xmlns:m="http://schemas.openxmlformats.org/officeDocument/2006/math">
                     <m:oMathParaPr>
@@ -7335,7 +7350,7 @@
             </p:txBody>
           </p:sp>
         </mc:Choice>
-        <mc:Fallback>
+        <mc:Fallback xmlns="">
           <p:sp>
             <p:nvSpPr>
               <p:cNvPr id="26" name="CaixaDeTexto 25">
@@ -7434,7 +7449,7 @@
     </p:spTree>
     <p:extLst>
       <p:ext uri="{BB962C8B-B14F-4D97-AF65-F5344CB8AC3E}">
-        <p14:creationId xmlns:p14="http://schemas.microsoft.com/office/powerpoint/2010/main" val="1420479825"/>
+        <p14:creationId xmlns:p14="http://schemas.microsoft.com/office/powerpoint/2010/main" val="1089826976"/>
       </p:ext>
     </p:extLst>
   </p:cSld>
@@ -7466,6 +7481,5808 @@
       </p:grpSpPr>
       <p:sp>
         <p:nvSpPr>
+          <p:cNvPr id="2" name="Marcador de número de diapositiva 1"/>
+          <p:cNvSpPr>
+            <a:spLocks noGrp="1"/>
+          </p:cNvSpPr>
+          <p:nvPr>
+            <p:ph type="sldNum" sz="quarter" idx="12"/>
+          </p:nvPr>
+        </p:nvSpPr>
+        <p:spPr/>
+        <p:txBody>
+          <a:bodyPr/>
+          <a:lstStyle/>
+          <a:p>
+            <a:fld id="{64BD7E74-CBD2-4D88-9109-2EA8081AE675}" type="slidenum">
+              <a:rPr lang="es-ES" smtClean="0"/>
+              <a:pPr/>
+              <a:t>11</a:t>
+            </a:fld>
+            <a:endParaRPr lang="es-ES"/>
+          </a:p>
+        </p:txBody>
+      </p:sp>
+      <p:sp>
+        <p:nvSpPr>
+          <p:cNvPr id="3" name="4 Título"/>
+          <p:cNvSpPr txBox="1">
+            <a:spLocks/>
+          </p:cNvSpPr>
+          <p:nvPr/>
+        </p:nvSpPr>
+        <p:spPr>
+          <a:xfrm>
+            <a:off x="611560" y="188640"/>
+            <a:ext cx="8784976" cy="457120"/>
+          </a:xfrm>
+          <a:prstGeom prst="rect">
+            <a:avLst/>
+          </a:prstGeom>
+        </p:spPr>
+        <p:txBody>
+          <a:bodyPr bIns="91440" anchor="b" anchorCtr="0">
+            <a:noAutofit/>
+          </a:bodyPr>
+          <a:lstStyle>
+            <a:lvl1pPr>
+              <a:spcBef>
+                <a:spcPct val="0"/>
+              </a:spcBef>
+              <a:buNone/>
+              <a:defRPr kumimoji="0" sz="2400">
+                <a:ln w="0"/>
+                <a:solidFill>
+                  <a:schemeClr val="tx2"/>
+                </a:solidFill>
+                <a:effectLst>
+                  <a:outerShdw blurRad="38100" dist="19050" dir="2700000" algn="tl" rotWithShape="0">
+                    <a:schemeClr val="dk1">
+                      <a:alpha val="40000"/>
+                    </a:schemeClr>
+                  </a:outerShdw>
+                </a:effectLst>
+                <a:latin typeface="+mj-lt"/>
+                <a:ea typeface="+mj-ea"/>
+                <a:cs typeface="+mj-cs"/>
+              </a:defRPr>
+            </a:lvl1pPr>
+          </a:lstStyle>
+          <a:p>
+            <a:r>
+              <a:rPr lang="es-PE" altLang="en-US" dirty="0"/>
+              <a:t>Línea de transmisión: Modelo “Pi”</a:t>
+            </a:r>
+          </a:p>
+        </p:txBody>
+      </p:sp>
+      <mc:AlternateContent xmlns:mc="http://schemas.openxmlformats.org/markup-compatibility/2006" xmlns:a14="http://schemas.microsoft.com/office/drawing/2010/main">
+        <mc:Choice Requires="a14">
+          <p:sp>
+            <p:nvSpPr>
+              <p:cNvPr id="4" name="Retângulo 3">
+                <a:extLst>
+                  <a:ext uri="{FF2B5EF4-FFF2-40B4-BE49-F238E27FC236}">
+                    <a16:creationId xmlns:a16="http://schemas.microsoft.com/office/drawing/2014/main" id="{82427D91-6E57-4FCC-A029-F1ECE99B7202}"/>
+                  </a:ext>
+                </a:extLst>
+              </p:cNvPr>
+              <p:cNvSpPr/>
+              <p:nvPr/>
+            </p:nvSpPr>
+            <p:spPr>
+              <a:xfrm>
+                <a:off x="3995936" y="1387704"/>
+                <a:ext cx="1152128" cy="457120"/>
+              </a:xfrm>
+              <a:prstGeom prst="rect">
+                <a:avLst/>
+              </a:prstGeom>
+              <a:noFill/>
+              <a:ln w="28575" cap="flat" cmpd="sng" algn="ctr">
+                <a:solidFill>
+                  <a:schemeClr val="dk1"/>
+                </a:solidFill>
+                <a:prstDash val="solid"/>
+                <a:round/>
+                <a:headEnd type="none" w="med" len="med"/>
+                <a:tailEnd type="none" w="med" len="med"/>
+              </a:ln>
+            </p:spPr>
+            <p:style>
+              <a:lnRef idx="0">
+                <a:scrgbClr r="0" g="0" b="0"/>
+              </a:lnRef>
+              <a:fillRef idx="0">
+                <a:scrgbClr r="0" g="0" b="0"/>
+              </a:fillRef>
+              <a:effectRef idx="0">
+                <a:scrgbClr r="0" g="0" b="0"/>
+              </a:effectRef>
+              <a:fontRef idx="minor">
+                <a:schemeClr val="dk1"/>
+              </a:fontRef>
+            </p:style>
+            <p:txBody>
+              <a:bodyPr rtlCol="0" anchor="ctr"/>
+              <a:lstStyle/>
+              <a:p>
+                <a:pPr algn="ctr"/>
+                <a14:m>
+                  <m:oMathPara xmlns:m="http://schemas.openxmlformats.org/officeDocument/2006/math">
+                    <m:oMathParaPr>
+                      <m:jc m:val="centerGroup"/>
+                    </m:oMathParaPr>
+                    <m:oMath xmlns:m="http://schemas.openxmlformats.org/officeDocument/2006/math">
+                      <m:sSub>
+                        <m:sSubPr>
+                          <m:ctrlPr>
+                            <a:rPr lang="es-PE" i="1" smtClean="0">
+                              <a:latin typeface="Cambria Math" panose="02040503050406030204" pitchFamily="18" charset="0"/>
+                            </a:rPr>
+                          </m:ctrlPr>
+                        </m:sSubPr>
+                        <m:e>
+                          <m:r>
+                            <a:rPr lang="pt-BR" b="1" i="1" smtClean="0">
+                              <a:latin typeface="Cambria Math" panose="02040503050406030204" pitchFamily="18" charset="0"/>
+                            </a:rPr>
+                            <m:t>𝒀</m:t>
+                          </m:r>
+                        </m:e>
+                        <m:sub>
+                          <m:r>
+                            <a:rPr lang="pt-BR" b="0" i="1" smtClean="0">
+                              <a:latin typeface="Cambria Math" panose="02040503050406030204" pitchFamily="18" charset="0"/>
+                            </a:rPr>
+                            <m:t>𝑖𝑗</m:t>
+                          </m:r>
+                        </m:sub>
+                      </m:sSub>
+                    </m:oMath>
+                  </m:oMathPara>
+                </a14:m>
+                <a:endParaRPr lang="es-PE" dirty="0"/>
+              </a:p>
+            </p:txBody>
+          </p:sp>
+        </mc:Choice>
+        <mc:Fallback xmlns="">
+          <p:sp>
+            <p:nvSpPr>
+              <p:cNvPr id="4" name="Retângulo 3">
+                <a:extLst>
+                  <a:ext uri="{FF2B5EF4-FFF2-40B4-BE49-F238E27FC236}">
+                    <a16:creationId xmlns:a16="http://schemas.microsoft.com/office/drawing/2014/main" id="{82427D91-6E57-4FCC-A029-F1ECE99B7202}"/>
+                  </a:ext>
+                </a:extLst>
+              </p:cNvPr>
+              <p:cNvSpPr>
+                <a:spLocks noRot="1" noChangeAspect="1" noMove="1" noResize="1" noEditPoints="1" noAdjustHandles="1" noChangeArrowheads="1" noChangeShapeType="1" noTextEdit="1"/>
+              </p:cNvSpPr>
+              <p:nvPr/>
+            </p:nvSpPr>
+            <p:spPr>
+              <a:xfrm>
+                <a:off x="3995936" y="1387704"/>
+                <a:ext cx="1152128" cy="457120"/>
+              </a:xfrm>
+              <a:prstGeom prst="rect">
+                <a:avLst/>
+              </a:prstGeom>
+              <a:blipFill>
+                <a:blip r:embed="rId2"/>
+                <a:stretch>
+                  <a:fillRect/>
+                </a:stretch>
+              </a:blipFill>
+              <a:ln w="28575" cap="flat" cmpd="sng" algn="ctr">
+                <a:solidFill>
+                  <a:schemeClr val="dk1"/>
+                </a:solidFill>
+                <a:prstDash val="solid"/>
+                <a:round/>
+                <a:headEnd type="none" w="med" len="med"/>
+                <a:tailEnd type="none" w="med" len="med"/>
+              </a:ln>
+            </p:spPr>
+            <p:txBody>
+              <a:bodyPr/>
+              <a:lstStyle/>
+              <a:p>
+                <a:r>
+                  <a:rPr lang="es-PE">
+                    <a:noFill/>
+                  </a:rPr>
+                  <a:t> </a:t>
+                </a:r>
+              </a:p>
+            </p:txBody>
+          </p:sp>
+        </mc:Fallback>
+      </mc:AlternateContent>
+      <p:sp>
+        <p:nvSpPr>
+          <p:cNvPr id="5" name="Elipse 4">
+            <a:extLst>
+              <a:ext uri="{FF2B5EF4-FFF2-40B4-BE49-F238E27FC236}">
+                <a16:creationId xmlns:a16="http://schemas.microsoft.com/office/drawing/2014/main" id="{96536000-70A4-48B9-8F01-E78DE9087F9B}"/>
+              </a:ext>
+            </a:extLst>
+          </p:cNvPr>
+          <p:cNvSpPr/>
+          <p:nvPr/>
+        </p:nvSpPr>
+        <p:spPr>
+          <a:xfrm>
+            <a:off x="7668344" y="1508252"/>
+            <a:ext cx="216024" cy="216024"/>
+          </a:xfrm>
+          <a:prstGeom prst="ellipse">
+            <a:avLst/>
+          </a:prstGeom>
+          <a:noFill/>
+          <a:ln w="28575" cap="flat" cmpd="sng" algn="ctr">
+            <a:solidFill>
+              <a:schemeClr val="dk1"/>
+            </a:solidFill>
+            <a:prstDash val="solid"/>
+            <a:round/>
+            <a:headEnd type="none" w="med" len="med"/>
+            <a:tailEnd type="none" w="med" len="med"/>
+          </a:ln>
+        </p:spPr>
+        <p:style>
+          <a:lnRef idx="0">
+            <a:scrgbClr r="0" g="0" b="0"/>
+          </a:lnRef>
+          <a:fillRef idx="0">
+            <a:scrgbClr r="0" g="0" b="0"/>
+          </a:fillRef>
+          <a:effectRef idx="0">
+            <a:scrgbClr r="0" g="0" b="0"/>
+          </a:effectRef>
+          <a:fontRef idx="minor">
+            <a:schemeClr val="dk1"/>
+          </a:fontRef>
+        </p:style>
+        <p:txBody>
+          <a:bodyPr rtlCol="0" anchor="ctr"/>
+          <a:lstStyle/>
+          <a:p>
+            <a:pPr algn="ctr"/>
+            <a:endParaRPr lang="es-PE"/>
+          </a:p>
+        </p:txBody>
+      </p:sp>
+      <p:cxnSp>
+        <p:nvCxnSpPr>
+          <p:cNvPr id="10" name="Conector reto 9">
+            <a:extLst>
+              <a:ext uri="{FF2B5EF4-FFF2-40B4-BE49-F238E27FC236}">
+                <a16:creationId xmlns:a16="http://schemas.microsoft.com/office/drawing/2014/main" id="{B69E918F-931E-484D-B43D-760D75FB38A3}"/>
+              </a:ext>
+            </a:extLst>
+          </p:cNvPr>
+          <p:cNvCxnSpPr>
+            <a:cxnSpLocks/>
+            <a:stCxn id="5" idx="2"/>
+            <a:endCxn id="4" idx="3"/>
+          </p:cNvCxnSpPr>
+          <p:nvPr/>
+        </p:nvCxnSpPr>
+        <p:spPr>
+          <a:xfrm flipH="1">
+            <a:off x="5148064" y="1616264"/>
+            <a:ext cx="2520280" cy="0"/>
+          </a:xfrm>
+          <a:prstGeom prst="line">
+            <a:avLst/>
+          </a:prstGeom>
+          <a:ln w="28575"/>
+        </p:spPr>
+        <p:style>
+          <a:lnRef idx="1">
+            <a:schemeClr val="dk1"/>
+          </a:lnRef>
+          <a:fillRef idx="0">
+            <a:schemeClr val="dk1"/>
+          </a:fillRef>
+          <a:effectRef idx="0">
+            <a:schemeClr val="dk1"/>
+          </a:effectRef>
+          <a:fontRef idx="minor">
+            <a:schemeClr val="tx1"/>
+          </a:fontRef>
+        </p:style>
+      </p:cxnSp>
+      <mc:AlternateContent xmlns:mc="http://schemas.openxmlformats.org/markup-compatibility/2006" xmlns:a14="http://schemas.microsoft.com/office/drawing/2010/main">
+        <mc:Choice Requires="a14">
+          <p:sp>
+            <p:nvSpPr>
+              <p:cNvPr id="13" name="CaixaDeTexto 12">
+                <a:extLst>
+                  <a:ext uri="{FF2B5EF4-FFF2-40B4-BE49-F238E27FC236}">
+                    <a16:creationId xmlns:a16="http://schemas.microsoft.com/office/drawing/2014/main" id="{EF091E1B-B075-43B1-8374-516CCA695777}"/>
+                  </a:ext>
+                </a:extLst>
+              </p:cNvPr>
+              <p:cNvSpPr txBox="1"/>
+              <p:nvPr/>
+            </p:nvSpPr>
+            <p:spPr>
+              <a:xfrm>
+                <a:off x="7683719" y="1197736"/>
+                <a:ext cx="238270" cy="299313"/>
+              </a:xfrm>
+              <a:prstGeom prst="rect">
+                <a:avLst/>
+              </a:prstGeom>
+              <a:noFill/>
+            </p:spPr>
+            <p:txBody>
+              <a:bodyPr wrap="none" lIns="0" tIns="0" rIns="0" bIns="0" rtlCol="0">
+                <a:spAutoFit/>
+              </a:bodyPr>
+              <a:lstStyle/>
+              <a:p>
+                <a:pPr/>
+                <a14:m>
+                  <m:oMathPara xmlns:m="http://schemas.openxmlformats.org/officeDocument/2006/math">
+                    <m:oMathParaPr>
+                      <m:jc m:val="centerGroup"/>
+                    </m:oMathParaPr>
+                    <m:oMath xmlns:m="http://schemas.openxmlformats.org/officeDocument/2006/math">
+                      <m:sSub>
+                        <m:sSubPr>
+                          <m:ctrlPr>
+                            <a:rPr lang="es-PE" i="1" smtClean="0">
+                              <a:latin typeface="Cambria Math" panose="02040503050406030204" pitchFamily="18" charset="0"/>
+                            </a:rPr>
+                          </m:ctrlPr>
+                        </m:sSubPr>
+                        <m:e>
+                          <m:r>
+                            <a:rPr lang="pt-BR" b="0" i="1" smtClean="0">
+                              <a:latin typeface="Cambria Math" panose="02040503050406030204" pitchFamily="18" charset="0"/>
+                            </a:rPr>
+                            <m:t>𝑉</m:t>
+                          </m:r>
+                        </m:e>
+                        <m:sub>
+                          <m:r>
+                            <a:rPr lang="pt-BR" b="0" i="1" smtClean="0">
+                              <a:latin typeface="Cambria Math" panose="02040503050406030204" pitchFamily="18" charset="0"/>
+                            </a:rPr>
+                            <m:t>𝑗</m:t>
+                          </m:r>
+                        </m:sub>
+                      </m:sSub>
+                    </m:oMath>
+                  </m:oMathPara>
+                </a14:m>
+                <a:endParaRPr lang="es-PE" dirty="0"/>
+              </a:p>
+            </p:txBody>
+          </p:sp>
+        </mc:Choice>
+        <mc:Fallback xmlns="">
+          <p:sp>
+            <p:nvSpPr>
+              <p:cNvPr id="13" name="CaixaDeTexto 12">
+                <a:extLst>
+                  <a:ext uri="{FF2B5EF4-FFF2-40B4-BE49-F238E27FC236}">
+                    <a16:creationId xmlns:a16="http://schemas.microsoft.com/office/drawing/2014/main" id="{EF091E1B-B075-43B1-8374-516CCA695777}"/>
+                  </a:ext>
+                </a:extLst>
+              </p:cNvPr>
+              <p:cNvSpPr txBox="1">
+                <a:spLocks noRot="1" noChangeAspect="1" noMove="1" noResize="1" noEditPoints="1" noAdjustHandles="1" noChangeArrowheads="1" noChangeShapeType="1" noTextEdit="1"/>
+              </p:cNvSpPr>
+              <p:nvPr/>
+            </p:nvSpPr>
+            <p:spPr>
+              <a:xfrm>
+                <a:off x="7683719" y="1197736"/>
+                <a:ext cx="238270" cy="299313"/>
+              </a:xfrm>
+              <a:prstGeom prst="rect">
+                <a:avLst/>
+              </a:prstGeom>
+              <a:blipFill>
+                <a:blip r:embed="rId3"/>
+                <a:stretch>
+                  <a:fillRect l="-22500" r="-15000" b="-24000"/>
+                </a:stretch>
+              </a:blipFill>
+            </p:spPr>
+            <p:txBody>
+              <a:bodyPr/>
+              <a:lstStyle/>
+              <a:p>
+                <a:r>
+                  <a:rPr lang="es-PE">
+                    <a:noFill/>
+                  </a:rPr>
+                  <a:t> </a:t>
+                </a:r>
+              </a:p>
+            </p:txBody>
+          </p:sp>
+        </mc:Fallback>
+      </mc:AlternateContent>
+      <p:sp>
+        <p:nvSpPr>
+          <p:cNvPr id="45" name="Elipse 44">
+            <a:extLst>
+              <a:ext uri="{FF2B5EF4-FFF2-40B4-BE49-F238E27FC236}">
+                <a16:creationId xmlns:a16="http://schemas.microsoft.com/office/drawing/2014/main" id="{3C3F3252-2EE7-43EE-8ADE-09119F27775A}"/>
+              </a:ext>
+            </a:extLst>
+          </p:cNvPr>
+          <p:cNvSpPr/>
+          <p:nvPr/>
+        </p:nvSpPr>
+        <p:spPr>
+          <a:xfrm>
+            <a:off x="1259632" y="1508252"/>
+            <a:ext cx="216024" cy="216024"/>
+          </a:xfrm>
+          <a:prstGeom prst="ellipse">
+            <a:avLst/>
+          </a:prstGeom>
+          <a:noFill/>
+          <a:ln w="28575" cap="flat" cmpd="sng" algn="ctr">
+            <a:solidFill>
+              <a:schemeClr val="dk1"/>
+            </a:solidFill>
+            <a:prstDash val="solid"/>
+            <a:round/>
+            <a:headEnd type="none" w="med" len="med"/>
+            <a:tailEnd type="none" w="med" len="med"/>
+          </a:ln>
+        </p:spPr>
+        <p:style>
+          <a:lnRef idx="0">
+            <a:scrgbClr r="0" g="0" b="0"/>
+          </a:lnRef>
+          <a:fillRef idx="0">
+            <a:scrgbClr r="0" g="0" b="0"/>
+          </a:fillRef>
+          <a:effectRef idx="0">
+            <a:scrgbClr r="0" g="0" b="0"/>
+          </a:effectRef>
+          <a:fontRef idx="minor">
+            <a:schemeClr val="dk1"/>
+          </a:fontRef>
+        </p:style>
+        <p:txBody>
+          <a:bodyPr rtlCol="0" anchor="ctr"/>
+          <a:lstStyle/>
+          <a:p>
+            <a:pPr algn="ctr"/>
+            <a:endParaRPr lang="es-PE"/>
+          </a:p>
+        </p:txBody>
+      </p:sp>
+      <p:cxnSp>
+        <p:nvCxnSpPr>
+          <p:cNvPr id="18" name="Conector reto 17">
+            <a:extLst>
+              <a:ext uri="{FF2B5EF4-FFF2-40B4-BE49-F238E27FC236}">
+                <a16:creationId xmlns:a16="http://schemas.microsoft.com/office/drawing/2014/main" id="{81855FCB-014A-4962-9045-A348AC195096}"/>
+              </a:ext>
+            </a:extLst>
+          </p:cNvPr>
+          <p:cNvCxnSpPr>
+            <a:stCxn id="4" idx="1"/>
+            <a:endCxn id="45" idx="6"/>
+          </p:cNvCxnSpPr>
+          <p:nvPr/>
+        </p:nvCxnSpPr>
+        <p:spPr>
+          <a:xfrm flipH="1">
+            <a:off x="1475656" y="1616264"/>
+            <a:ext cx="2520280" cy="0"/>
+          </a:xfrm>
+          <a:prstGeom prst="line">
+            <a:avLst/>
+          </a:prstGeom>
+          <a:ln w="28575"/>
+        </p:spPr>
+        <p:style>
+          <a:lnRef idx="1">
+            <a:schemeClr val="dk1"/>
+          </a:lnRef>
+          <a:fillRef idx="0">
+            <a:schemeClr val="dk1"/>
+          </a:fillRef>
+          <a:effectRef idx="0">
+            <a:schemeClr val="dk1"/>
+          </a:effectRef>
+          <a:fontRef idx="minor">
+            <a:schemeClr val="tx1"/>
+          </a:fontRef>
+        </p:style>
+      </p:cxnSp>
+      <mc:AlternateContent xmlns:mc="http://schemas.openxmlformats.org/markup-compatibility/2006" xmlns:a14="http://schemas.microsoft.com/office/drawing/2010/main">
+        <mc:Choice Requires="a14">
+          <p:sp>
+            <p:nvSpPr>
+              <p:cNvPr id="46" name="CaixaDeTexto 45">
+                <a:extLst>
+                  <a:ext uri="{FF2B5EF4-FFF2-40B4-BE49-F238E27FC236}">
+                    <a16:creationId xmlns:a16="http://schemas.microsoft.com/office/drawing/2014/main" id="{F294E811-2C90-4E89-99CA-281AB8E13340}"/>
+                  </a:ext>
+                </a:extLst>
+              </p:cNvPr>
+              <p:cNvSpPr txBox="1"/>
+              <p:nvPr/>
+            </p:nvSpPr>
+            <p:spPr>
+              <a:xfrm>
+                <a:off x="1259632" y="1197736"/>
+                <a:ext cx="239553" cy="276999"/>
+              </a:xfrm>
+              <a:prstGeom prst="rect">
+                <a:avLst/>
+              </a:prstGeom>
+              <a:noFill/>
+            </p:spPr>
+            <p:txBody>
+              <a:bodyPr wrap="none" lIns="0" tIns="0" rIns="0" bIns="0" rtlCol="0">
+                <a:spAutoFit/>
+              </a:bodyPr>
+              <a:lstStyle/>
+              <a:p>
+                <a:pPr/>
+                <a14:m>
+                  <m:oMathPara xmlns:m="http://schemas.openxmlformats.org/officeDocument/2006/math">
+                    <m:oMathParaPr>
+                      <m:jc m:val="centerGroup"/>
+                    </m:oMathParaPr>
+                    <m:oMath xmlns:m="http://schemas.openxmlformats.org/officeDocument/2006/math">
+                      <m:sSub>
+                        <m:sSubPr>
+                          <m:ctrlPr>
+                            <a:rPr lang="es-PE" i="1" smtClean="0">
+                              <a:latin typeface="Cambria Math" panose="02040503050406030204" pitchFamily="18" charset="0"/>
+                            </a:rPr>
+                          </m:ctrlPr>
+                        </m:sSubPr>
+                        <m:e>
+                          <m:r>
+                            <a:rPr lang="pt-BR" b="0" i="1" smtClean="0">
+                              <a:latin typeface="Cambria Math" panose="02040503050406030204" pitchFamily="18" charset="0"/>
+                            </a:rPr>
+                            <m:t>𝑉</m:t>
+                          </m:r>
+                        </m:e>
+                        <m:sub>
+                          <m:r>
+                            <a:rPr lang="pt-BR" b="0" i="1" smtClean="0">
+                              <a:latin typeface="Cambria Math" panose="02040503050406030204" pitchFamily="18" charset="0"/>
+                            </a:rPr>
+                            <m:t>𝑖</m:t>
+                          </m:r>
+                        </m:sub>
+                      </m:sSub>
+                    </m:oMath>
+                  </m:oMathPara>
+                </a14:m>
+                <a:endParaRPr lang="es-PE" dirty="0"/>
+              </a:p>
+            </p:txBody>
+          </p:sp>
+        </mc:Choice>
+        <mc:Fallback xmlns="">
+          <p:sp>
+            <p:nvSpPr>
+              <p:cNvPr id="46" name="CaixaDeTexto 45">
+                <a:extLst>
+                  <a:ext uri="{FF2B5EF4-FFF2-40B4-BE49-F238E27FC236}">
+                    <a16:creationId xmlns:a16="http://schemas.microsoft.com/office/drawing/2014/main" id="{F294E811-2C90-4E89-99CA-281AB8E13340}"/>
+                  </a:ext>
+                </a:extLst>
+              </p:cNvPr>
+              <p:cNvSpPr txBox="1">
+                <a:spLocks noRot="1" noChangeAspect="1" noMove="1" noResize="1" noEditPoints="1" noAdjustHandles="1" noChangeArrowheads="1" noChangeShapeType="1" noTextEdit="1"/>
+              </p:cNvSpPr>
+              <p:nvPr/>
+            </p:nvSpPr>
+            <p:spPr>
+              <a:xfrm>
+                <a:off x="1259632" y="1197736"/>
+                <a:ext cx="239553" cy="276999"/>
+              </a:xfrm>
+              <a:prstGeom prst="rect">
+                <a:avLst/>
+              </a:prstGeom>
+              <a:blipFill>
+                <a:blip r:embed="rId4"/>
+                <a:stretch>
+                  <a:fillRect l="-25641" r="-10256" b="-13043"/>
+                </a:stretch>
+              </a:blipFill>
+            </p:spPr>
+            <p:txBody>
+              <a:bodyPr/>
+              <a:lstStyle/>
+              <a:p>
+                <a:r>
+                  <a:rPr lang="es-PE">
+                    <a:noFill/>
+                  </a:rPr>
+                  <a:t> </a:t>
+                </a:r>
+              </a:p>
+            </p:txBody>
+          </p:sp>
+        </mc:Fallback>
+      </mc:AlternateContent>
+      <p:cxnSp>
+        <p:nvCxnSpPr>
+          <p:cNvPr id="20" name="Conector de Seta Reta 19">
+            <a:extLst>
+              <a:ext uri="{FF2B5EF4-FFF2-40B4-BE49-F238E27FC236}">
+                <a16:creationId xmlns:a16="http://schemas.microsoft.com/office/drawing/2014/main" id="{A45B75C4-A3C1-451F-AE2F-C33AE7B393FB}"/>
+              </a:ext>
+            </a:extLst>
+          </p:cNvPr>
+          <p:cNvCxnSpPr>
+            <a:stCxn id="5" idx="2"/>
+          </p:cNvCxnSpPr>
+          <p:nvPr/>
+        </p:nvCxnSpPr>
+        <p:spPr>
+          <a:xfrm flipH="1">
+            <a:off x="6444208" y="1616264"/>
+            <a:ext cx="1224136" cy="0"/>
+          </a:xfrm>
+          <a:prstGeom prst="straightConnector1">
+            <a:avLst/>
+          </a:prstGeom>
+          <a:ln w="28575">
+            <a:tailEnd type="triangle"/>
+          </a:ln>
+        </p:spPr>
+        <p:style>
+          <a:lnRef idx="1">
+            <a:schemeClr val="dk1"/>
+          </a:lnRef>
+          <a:fillRef idx="0">
+            <a:schemeClr val="dk1"/>
+          </a:fillRef>
+          <a:effectRef idx="0">
+            <a:schemeClr val="dk1"/>
+          </a:effectRef>
+          <a:fontRef idx="minor">
+            <a:schemeClr val="tx1"/>
+          </a:fontRef>
+        </p:style>
+      </p:cxnSp>
+      <p:cxnSp>
+        <p:nvCxnSpPr>
+          <p:cNvPr id="22" name="Conector de Seta Reta 21">
+            <a:extLst>
+              <a:ext uri="{FF2B5EF4-FFF2-40B4-BE49-F238E27FC236}">
+                <a16:creationId xmlns:a16="http://schemas.microsoft.com/office/drawing/2014/main" id="{653FCAC3-60A8-4306-960A-43E527CE1800}"/>
+              </a:ext>
+            </a:extLst>
+          </p:cNvPr>
+          <p:cNvCxnSpPr>
+            <a:stCxn id="45" idx="6"/>
+          </p:cNvCxnSpPr>
+          <p:nvPr/>
+        </p:nvCxnSpPr>
+        <p:spPr>
+          <a:xfrm>
+            <a:off x="1475656" y="1616264"/>
+            <a:ext cx="1224136" cy="0"/>
+          </a:xfrm>
+          <a:prstGeom prst="straightConnector1">
+            <a:avLst/>
+          </a:prstGeom>
+          <a:ln>
+            <a:tailEnd type="triangle"/>
+          </a:ln>
+        </p:spPr>
+        <p:style>
+          <a:lnRef idx="1">
+            <a:schemeClr val="dk1"/>
+          </a:lnRef>
+          <a:fillRef idx="0">
+            <a:schemeClr val="dk1"/>
+          </a:fillRef>
+          <a:effectRef idx="0">
+            <a:schemeClr val="dk1"/>
+          </a:effectRef>
+          <a:fontRef idx="minor">
+            <a:schemeClr val="tx1"/>
+          </a:fontRef>
+        </p:style>
+      </p:cxnSp>
+      <p:sp>
+        <p:nvSpPr>
+          <p:cNvPr id="24" name="CaixaDeTexto 23">
+            <a:extLst>
+              <a:ext uri="{FF2B5EF4-FFF2-40B4-BE49-F238E27FC236}">
+                <a16:creationId xmlns:a16="http://schemas.microsoft.com/office/drawing/2014/main" id="{F70545E6-D70D-4994-A102-2E80DC080479}"/>
+              </a:ext>
+            </a:extLst>
+          </p:cNvPr>
+          <p:cNvSpPr txBox="1"/>
+          <p:nvPr/>
+        </p:nvSpPr>
+        <p:spPr>
+          <a:xfrm>
+            <a:off x="622695" y="3356992"/>
+            <a:ext cx="2492157" cy="369332"/>
+          </a:xfrm>
+          <a:prstGeom prst="rect">
+            <a:avLst/>
+          </a:prstGeom>
+          <a:noFill/>
+        </p:spPr>
+        <p:txBody>
+          <a:bodyPr wrap="none" rtlCol="0">
+            <a:spAutoFit/>
+          </a:bodyPr>
+          <a:lstStyle/>
+          <a:p>
+            <a:pPr marL="285750" indent="-285750">
+              <a:buFont typeface="Arial" panose="020B0604020202020204" pitchFamily="34" charset="0"/>
+              <a:buChar char="•"/>
+            </a:pPr>
+            <a:r>
+              <a:rPr lang="es-PE" dirty="0"/>
+              <a:t>Conecta barras en la red</a:t>
+            </a:r>
+          </a:p>
+        </p:txBody>
+      </p:sp>
+      <p:sp>
+        <p:nvSpPr>
+          <p:cNvPr id="50" name="CaixaDeTexto 49">
+            <a:extLst>
+              <a:ext uri="{FF2B5EF4-FFF2-40B4-BE49-F238E27FC236}">
+                <a16:creationId xmlns:a16="http://schemas.microsoft.com/office/drawing/2014/main" id="{EFD6272C-0EC5-4FCF-BE66-2903F4654031}"/>
+              </a:ext>
+            </a:extLst>
+          </p:cNvPr>
+          <p:cNvSpPr txBox="1"/>
+          <p:nvPr/>
+        </p:nvSpPr>
+        <p:spPr>
+          <a:xfrm>
+            <a:off x="622695" y="3816635"/>
+            <a:ext cx="2133276" cy="369332"/>
+          </a:xfrm>
+          <a:prstGeom prst="rect">
+            <a:avLst/>
+          </a:prstGeom>
+          <a:noFill/>
+        </p:spPr>
+        <p:txBody>
+          <a:bodyPr wrap="none" rtlCol="0">
+            <a:spAutoFit/>
+          </a:bodyPr>
+          <a:lstStyle/>
+          <a:p>
+            <a:pPr marL="285750" indent="-285750">
+              <a:buFont typeface="Arial" panose="020B0604020202020204" pitchFamily="34" charset="0"/>
+              <a:buChar char="•"/>
+            </a:pPr>
+            <a:r>
+              <a:rPr lang="es-PE" dirty="0"/>
+              <a:t>Modelo más realista</a:t>
+            </a:r>
+          </a:p>
+        </p:txBody>
+      </p:sp>
+      <p:sp>
+        <p:nvSpPr>
+          <p:cNvPr id="52" name="CaixaDeTexto 51">
+            <a:extLst>
+              <a:ext uri="{FF2B5EF4-FFF2-40B4-BE49-F238E27FC236}">
+                <a16:creationId xmlns:a16="http://schemas.microsoft.com/office/drawing/2014/main" id="{C18BA5D5-8C0D-453A-A494-564A03C563FE}"/>
+              </a:ext>
+            </a:extLst>
+          </p:cNvPr>
+          <p:cNvSpPr txBox="1"/>
+          <p:nvPr/>
+        </p:nvSpPr>
+        <p:spPr>
+          <a:xfrm>
+            <a:off x="622695" y="4731063"/>
+            <a:ext cx="1972015" cy="369332"/>
+          </a:xfrm>
+          <a:prstGeom prst="rect">
+            <a:avLst/>
+          </a:prstGeom>
+          <a:noFill/>
+        </p:spPr>
+        <p:txBody>
+          <a:bodyPr wrap="none" rtlCol="0">
+            <a:spAutoFit/>
+          </a:bodyPr>
+          <a:lstStyle/>
+          <a:p>
+            <a:pPr marL="285750" indent="-285750">
+              <a:buFont typeface="Arial" panose="020B0604020202020204" pitchFamily="34" charset="0"/>
+              <a:buChar char="•"/>
+            </a:pPr>
+            <a:r>
+              <a:rPr lang="es-PE" dirty="0"/>
+              <a:t>Flujo de potencia:</a:t>
+            </a:r>
+          </a:p>
+        </p:txBody>
+      </p:sp>
+      <mc:AlternateContent xmlns:mc="http://schemas.openxmlformats.org/markup-compatibility/2006">
+        <mc:Choice xmlns:a14="http://schemas.microsoft.com/office/drawing/2010/main" Requires="a14">
+          <p:sp>
+            <p:nvSpPr>
+              <p:cNvPr id="58" name="CaixaDeTexto 57">
+                <a:extLst>
+                  <a:ext uri="{FF2B5EF4-FFF2-40B4-BE49-F238E27FC236}">
+                    <a16:creationId xmlns:a16="http://schemas.microsoft.com/office/drawing/2014/main" id="{DE48C7C5-FC79-441D-A92C-8033BD6FE0BB}"/>
+                  </a:ext>
+                </a:extLst>
+              </p:cNvPr>
+              <p:cNvSpPr txBox="1"/>
+              <p:nvPr/>
+            </p:nvSpPr>
+            <p:spPr>
+              <a:xfrm>
+                <a:off x="2594710" y="4737891"/>
+                <a:ext cx="6180282" cy="441916"/>
+              </a:xfrm>
+              <a:prstGeom prst="rect">
+                <a:avLst/>
+              </a:prstGeom>
+              <a:noFill/>
+            </p:spPr>
+            <p:txBody>
+              <a:bodyPr wrap="none" lIns="0" tIns="0" rIns="0" bIns="0" rtlCol="0">
+                <a:spAutoFit/>
+              </a:bodyPr>
+              <a:lstStyle/>
+              <a:p>
+                <a:pPr/>
+                <a14:m>
+                  <m:oMathPara xmlns:m="http://schemas.openxmlformats.org/officeDocument/2006/math">
+                    <m:oMathParaPr>
+                      <m:jc m:val="centerGroup"/>
+                    </m:oMathParaPr>
+                    <m:oMath xmlns:m="http://schemas.openxmlformats.org/officeDocument/2006/math">
+                      <m:sSub>
+                        <m:sSubPr>
+                          <m:ctrlPr>
+                            <a:rPr lang="es-PE" i="1" smtClean="0">
+                              <a:latin typeface="Cambria Math" panose="02040503050406030204" pitchFamily="18" charset="0"/>
+                            </a:rPr>
+                          </m:ctrlPr>
+                        </m:sSubPr>
+                        <m:e>
+                          <m:r>
+                            <a:rPr lang="pt-BR" b="0" i="1" smtClean="0">
+                              <a:latin typeface="Cambria Math" panose="02040503050406030204" pitchFamily="18" charset="0"/>
+                            </a:rPr>
+                            <m:t>𝑆</m:t>
+                          </m:r>
+                        </m:e>
+                        <m:sub>
+                          <m:r>
+                            <a:rPr lang="pt-BR" b="0" i="1" smtClean="0">
+                              <a:latin typeface="Cambria Math" panose="02040503050406030204" pitchFamily="18" charset="0"/>
+                            </a:rPr>
+                            <m:t>𝑖𝑗</m:t>
+                          </m:r>
+                        </m:sub>
+                      </m:sSub>
+                      <m:r>
+                        <a:rPr lang="pt-BR" b="0" i="1" smtClean="0">
+                          <a:latin typeface="Cambria Math" panose="02040503050406030204" pitchFamily="18" charset="0"/>
+                        </a:rPr>
+                        <m:t>=</m:t>
+                      </m:r>
+                      <m:sSub>
+                        <m:sSubPr>
+                          <m:ctrlPr>
+                            <a:rPr lang="pt-BR" b="0" i="1" smtClean="0">
+                              <a:latin typeface="Cambria Math" panose="02040503050406030204" pitchFamily="18" charset="0"/>
+                            </a:rPr>
+                          </m:ctrlPr>
+                        </m:sSubPr>
+                        <m:e>
+                          <m:r>
+                            <a:rPr lang="pt-BR" b="0" i="1" smtClean="0">
+                              <a:latin typeface="Cambria Math" panose="02040503050406030204" pitchFamily="18" charset="0"/>
+                            </a:rPr>
+                            <m:t>𝑉</m:t>
+                          </m:r>
+                        </m:e>
+                        <m:sub>
+                          <m:r>
+                            <a:rPr lang="pt-BR" b="0" i="1" smtClean="0">
+                              <a:latin typeface="Cambria Math" panose="02040503050406030204" pitchFamily="18" charset="0"/>
+                            </a:rPr>
+                            <m:t>𝑖</m:t>
+                          </m:r>
+                        </m:sub>
+                      </m:sSub>
+                      <m:sSup>
+                        <m:sSupPr>
+                          <m:ctrlPr>
+                            <a:rPr lang="pt-BR" b="0" i="1" smtClean="0">
+                              <a:latin typeface="Cambria Math" panose="02040503050406030204" pitchFamily="18" charset="0"/>
+                            </a:rPr>
+                          </m:ctrlPr>
+                        </m:sSupPr>
+                        <m:e>
+                          <m:d>
+                            <m:dPr>
+                              <m:ctrlPr>
+                                <a:rPr lang="pt-BR" i="1">
+                                  <a:latin typeface="Cambria Math" panose="02040503050406030204" pitchFamily="18" charset="0"/>
+                                </a:rPr>
+                              </m:ctrlPr>
+                            </m:dPr>
+                            <m:e>
+                              <m:d>
+                                <m:dPr>
+                                  <m:ctrlPr>
+                                    <a:rPr lang="pt-BR" i="1" smtClean="0">
+                                      <a:latin typeface="Cambria Math" panose="02040503050406030204" pitchFamily="18" charset="0"/>
+                                    </a:rPr>
+                                  </m:ctrlPr>
+                                </m:dPr>
+                                <m:e>
+                                  <m:sSub>
+                                    <m:sSubPr>
+                                      <m:ctrlPr>
+                                        <a:rPr lang="pt-BR" i="1" smtClean="0">
+                                          <a:latin typeface="Cambria Math" panose="02040503050406030204" pitchFamily="18" charset="0"/>
+                                        </a:rPr>
+                                      </m:ctrlPr>
+                                    </m:sSubPr>
+                                    <m:e>
+                                      <m:r>
+                                        <a:rPr lang="es-PE" b="1" i="1" smtClean="0">
+                                          <a:latin typeface="Cambria Math" panose="02040503050406030204" pitchFamily="18" charset="0"/>
+                                        </a:rPr>
+                                        <m:t>𝒀</m:t>
+                                      </m:r>
+                                    </m:e>
+                                    <m:sub>
+                                      <m:r>
+                                        <a:rPr lang="es-PE" b="0" i="1" smtClean="0">
+                                          <a:latin typeface="Cambria Math" panose="02040503050406030204" pitchFamily="18" charset="0"/>
+                                        </a:rPr>
+                                        <m:t>𝑖𝑗</m:t>
+                                      </m:r>
+                                    </m:sub>
+                                  </m:sSub>
+                                  <m:r>
+                                    <a:rPr lang="es-PE" b="0" i="1" smtClean="0">
+                                      <a:latin typeface="Cambria Math" panose="02040503050406030204" pitchFamily="18" charset="0"/>
+                                    </a:rPr>
+                                    <m:t>+</m:t>
+                                  </m:r>
+                                  <m:sSubSup>
+                                    <m:sSubSupPr>
+                                      <m:ctrlPr>
+                                        <a:rPr lang="es-PE" b="0" i="1" smtClean="0">
+                                          <a:latin typeface="Cambria Math" panose="02040503050406030204" pitchFamily="18" charset="0"/>
+                                        </a:rPr>
+                                      </m:ctrlPr>
+                                    </m:sSubSupPr>
+                                    <m:e>
+                                      <m:r>
+                                        <a:rPr lang="es-PE" b="1" i="1" smtClean="0">
+                                          <a:latin typeface="Cambria Math" panose="02040503050406030204" pitchFamily="18" charset="0"/>
+                                        </a:rPr>
+                                        <m:t>𝒀</m:t>
+                                      </m:r>
+                                    </m:e>
+                                    <m:sub>
+                                      <m:r>
+                                        <a:rPr lang="es-PE" b="0" i="1" smtClean="0">
+                                          <a:latin typeface="Cambria Math" panose="02040503050406030204" pitchFamily="18" charset="0"/>
+                                        </a:rPr>
+                                        <m:t>𝑖𝑗</m:t>
+                                      </m:r>
+                                    </m:sub>
+                                    <m:sup>
+                                      <m:r>
+                                        <a:rPr lang="es-PE" b="0" i="1" smtClean="0">
+                                          <a:latin typeface="Cambria Math" panose="02040503050406030204" pitchFamily="18" charset="0"/>
+                                        </a:rPr>
+                                        <m:t>𝑐</m:t>
+                                      </m:r>
+                                    </m:sup>
+                                  </m:sSubSup>
+                                </m:e>
+                              </m:d>
+                              <m:sSub>
+                                <m:sSubPr>
+                                  <m:ctrlPr>
+                                    <a:rPr lang="pt-BR" i="1">
+                                      <a:latin typeface="Cambria Math" panose="02040503050406030204" pitchFamily="18" charset="0"/>
+                                    </a:rPr>
+                                  </m:ctrlPr>
+                                </m:sSubPr>
+                                <m:e>
+                                  <m:r>
+                                    <a:rPr lang="pt-BR" i="1">
+                                      <a:latin typeface="Cambria Math" panose="02040503050406030204" pitchFamily="18" charset="0"/>
+                                    </a:rPr>
+                                    <m:t>𝑉</m:t>
+                                  </m:r>
+                                </m:e>
+                                <m:sub>
+                                  <m:r>
+                                    <a:rPr lang="pt-BR" i="1">
+                                      <a:latin typeface="Cambria Math" panose="02040503050406030204" pitchFamily="18" charset="0"/>
+                                    </a:rPr>
+                                    <m:t>𝑖</m:t>
+                                  </m:r>
+                                </m:sub>
+                              </m:sSub>
+                              <m:r>
+                                <a:rPr lang="pt-BR" i="1">
+                                  <a:latin typeface="Cambria Math" panose="02040503050406030204" pitchFamily="18" charset="0"/>
+                                </a:rPr>
+                                <m:t>−</m:t>
+                              </m:r>
+                              <m:sSub>
+                                <m:sSubPr>
+                                  <m:ctrlPr>
+                                    <a:rPr lang="pt-BR" i="1">
+                                      <a:latin typeface="Cambria Math" panose="02040503050406030204" pitchFamily="18" charset="0"/>
+                                    </a:rPr>
+                                  </m:ctrlPr>
+                                </m:sSubPr>
+                                <m:e>
+                                  <m:sSub>
+                                    <m:sSubPr>
+                                      <m:ctrlPr>
+                                        <a:rPr lang="pt-BR" i="1" smtClean="0">
+                                          <a:latin typeface="Cambria Math" panose="02040503050406030204" pitchFamily="18" charset="0"/>
+                                        </a:rPr>
+                                      </m:ctrlPr>
+                                    </m:sSubPr>
+                                    <m:e>
+                                      <m:r>
+                                        <a:rPr lang="es-PE" b="1" i="1" smtClean="0">
+                                          <a:latin typeface="Cambria Math" panose="02040503050406030204" pitchFamily="18" charset="0"/>
+                                        </a:rPr>
+                                        <m:t>𝒀</m:t>
+                                      </m:r>
+                                    </m:e>
+                                    <m:sub>
+                                      <m:r>
+                                        <a:rPr lang="es-PE" b="0" i="1" smtClean="0">
+                                          <a:latin typeface="Cambria Math" panose="02040503050406030204" pitchFamily="18" charset="0"/>
+                                        </a:rPr>
+                                        <m:t>𝑖𝑗</m:t>
+                                      </m:r>
+                                    </m:sub>
+                                  </m:sSub>
+                                  <m:r>
+                                    <a:rPr lang="pt-BR" i="1">
+                                      <a:latin typeface="Cambria Math" panose="02040503050406030204" pitchFamily="18" charset="0"/>
+                                    </a:rPr>
+                                    <m:t>𝑉</m:t>
+                                  </m:r>
+                                </m:e>
+                                <m:sub>
+                                  <m:r>
+                                    <a:rPr lang="pt-BR" i="1">
+                                      <a:latin typeface="Cambria Math" panose="02040503050406030204" pitchFamily="18" charset="0"/>
+                                    </a:rPr>
+                                    <m:t>𝑗</m:t>
+                                  </m:r>
+                                </m:sub>
+                              </m:sSub>
+                            </m:e>
+                          </m:d>
+                        </m:e>
+                        <m:sup>
+                          <m:r>
+                            <a:rPr lang="pt-BR" b="0" i="1" smtClean="0">
+                              <a:latin typeface="Cambria Math" panose="02040503050406030204" pitchFamily="18" charset="0"/>
+                            </a:rPr>
+                            <m:t>∗</m:t>
+                          </m:r>
+                        </m:sup>
+                      </m:sSup>
+                      <m:r>
+                        <a:rPr lang="es-PE" b="0" i="1" smtClean="0">
+                          <a:latin typeface="Cambria Math" panose="02040503050406030204" pitchFamily="18" charset="0"/>
+                        </a:rPr>
+                        <m:t>=</m:t>
+                      </m:r>
+                      <m:d>
+                        <m:dPr>
+                          <m:ctrlPr>
+                            <a:rPr lang="es-PE" b="0" i="1" smtClean="0">
+                              <a:latin typeface="Cambria Math" panose="02040503050406030204" pitchFamily="18" charset="0"/>
+                            </a:rPr>
+                          </m:ctrlPr>
+                        </m:dPr>
+                        <m:e>
+                          <m:sSubSup>
+                            <m:sSubSupPr>
+                              <m:ctrlPr>
+                                <a:rPr lang="es-PE" b="0" i="1" smtClean="0">
+                                  <a:latin typeface="Cambria Math" panose="02040503050406030204" pitchFamily="18" charset="0"/>
+                                </a:rPr>
+                              </m:ctrlPr>
+                            </m:sSubSupPr>
+                            <m:e>
+                              <m:r>
+                                <a:rPr lang="es-PE" b="1" i="1" smtClean="0">
+                                  <a:latin typeface="Cambria Math" panose="02040503050406030204" pitchFamily="18" charset="0"/>
+                                </a:rPr>
+                                <m:t>𝒀</m:t>
+                              </m:r>
+                            </m:e>
+                            <m:sub>
+                              <m:r>
+                                <a:rPr lang="es-PE" b="0" i="1" smtClean="0">
+                                  <a:latin typeface="Cambria Math" panose="02040503050406030204" pitchFamily="18" charset="0"/>
+                                </a:rPr>
+                                <m:t>𝑖𝑗</m:t>
+                              </m:r>
+                            </m:sub>
+                            <m:sup>
+                              <m:r>
+                                <a:rPr lang="es-PE" b="0" i="1" smtClean="0">
+                                  <a:latin typeface="Cambria Math" panose="02040503050406030204" pitchFamily="18" charset="0"/>
+                                </a:rPr>
+                                <m:t>∗</m:t>
+                              </m:r>
+                            </m:sup>
+                          </m:sSubSup>
+                          <m:r>
+                            <a:rPr lang="es-PE" b="0" i="1" smtClean="0">
+                              <a:latin typeface="Cambria Math" panose="02040503050406030204" pitchFamily="18" charset="0"/>
+                            </a:rPr>
+                            <m:t>+</m:t>
+                          </m:r>
+                          <m:sSubSup>
+                            <m:sSubSupPr>
+                              <m:ctrlPr>
+                                <a:rPr lang="es-PE" b="0" i="1" smtClean="0">
+                                  <a:latin typeface="Cambria Math" panose="02040503050406030204" pitchFamily="18" charset="0"/>
+                                </a:rPr>
+                              </m:ctrlPr>
+                            </m:sSubSupPr>
+                            <m:e>
+                              <m:r>
+                                <a:rPr lang="es-PE" b="1" i="1" smtClean="0">
+                                  <a:latin typeface="Cambria Math" panose="02040503050406030204" pitchFamily="18" charset="0"/>
+                                </a:rPr>
+                                <m:t>𝒀</m:t>
+                              </m:r>
+                            </m:e>
+                            <m:sub>
+                              <m:r>
+                                <a:rPr lang="es-PE" b="0" i="1" smtClean="0">
+                                  <a:latin typeface="Cambria Math" panose="02040503050406030204" pitchFamily="18" charset="0"/>
+                                </a:rPr>
+                                <m:t>𝑖𝑗</m:t>
+                              </m:r>
+                            </m:sub>
+                            <m:sup>
+                              <m:r>
+                                <a:rPr lang="es-PE" b="0" i="1" smtClean="0">
+                                  <a:latin typeface="Cambria Math" panose="02040503050406030204" pitchFamily="18" charset="0"/>
+                                </a:rPr>
+                                <m:t>𝑐</m:t>
+                              </m:r>
+                              <m:r>
+                                <a:rPr lang="es-PE" b="0" i="1" smtClean="0">
+                                  <a:latin typeface="Cambria Math" panose="02040503050406030204" pitchFamily="18" charset="0"/>
+                                </a:rPr>
+                                <m:t>∗</m:t>
+                              </m:r>
+                            </m:sup>
+                          </m:sSubSup>
+                        </m:e>
+                      </m:d>
+                      <m:sSub>
+                        <m:sSubPr>
+                          <m:ctrlPr>
+                            <a:rPr lang="es-PE" b="0" i="1" smtClean="0">
+                              <a:latin typeface="Cambria Math" panose="02040503050406030204" pitchFamily="18" charset="0"/>
+                            </a:rPr>
+                          </m:ctrlPr>
+                        </m:sSubPr>
+                        <m:e>
+                          <m:r>
+                            <a:rPr lang="es-PE" b="0" i="1" smtClean="0">
+                              <a:latin typeface="Cambria Math" panose="02040503050406030204" pitchFamily="18" charset="0"/>
+                            </a:rPr>
+                            <m:t>𝑉</m:t>
+                          </m:r>
+                        </m:e>
+                        <m:sub>
+                          <m:r>
+                            <a:rPr lang="es-PE" b="0" i="1" smtClean="0">
+                              <a:latin typeface="Cambria Math" panose="02040503050406030204" pitchFamily="18" charset="0"/>
+                            </a:rPr>
+                            <m:t>𝑖</m:t>
+                          </m:r>
+                        </m:sub>
+                      </m:sSub>
+                      <m:sSubSup>
+                        <m:sSubSupPr>
+                          <m:ctrlPr>
+                            <a:rPr lang="es-PE" b="0" i="1" smtClean="0">
+                              <a:latin typeface="Cambria Math" panose="02040503050406030204" pitchFamily="18" charset="0"/>
+                            </a:rPr>
+                          </m:ctrlPr>
+                        </m:sSubSupPr>
+                        <m:e>
+                          <m:r>
+                            <a:rPr lang="es-PE" b="0" i="1" smtClean="0">
+                              <a:latin typeface="Cambria Math" panose="02040503050406030204" pitchFamily="18" charset="0"/>
+                            </a:rPr>
+                            <m:t>𝑉</m:t>
+                          </m:r>
+                        </m:e>
+                        <m:sub>
+                          <m:r>
+                            <a:rPr lang="es-PE" b="0" i="1" smtClean="0">
+                              <a:latin typeface="Cambria Math" panose="02040503050406030204" pitchFamily="18" charset="0"/>
+                            </a:rPr>
+                            <m:t>𝑖</m:t>
+                          </m:r>
+                        </m:sub>
+                        <m:sup>
+                          <m:r>
+                            <a:rPr lang="es-PE" b="0" i="1" smtClean="0">
+                              <a:latin typeface="Cambria Math" panose="02040503050406030204" pitchFamily="18" charset="0"/>
+                            </a:rPr>
+                            <m:t>∗</m:t>
+                          </m:r>
+                        </m:sup>
+                      </m:sSubSup>
+                      <m:r>
+                        <a:rPr lang="es-PE" b="0" i="1" smtClean="0">
+                          <a:latin typeface="Cambria Math" panose="02040503050406030204" pitchFamily="18" charset="0"/>
+                        </a:rPr>
+                        <m:t>−</m:t>
+                      </m:r>
+                      <m:sSubSup>
+                        <m:sSubSupPr>
+                          <m:ctrlPr>
+                            <a:rPr lang="es-PE" b="0" i="1" smtClean="0">
+                              <a:latin typeface="Cambria Math" panose="02040503050406030204" pitchFamily="18" charset="0"/>
+                            </a:rPr>
+                          </m:ctrlPr>
+                        </m:sSubSupPr>
+                        <m:e>
+                          <m:r>
+                            <a:rPr lang="es-PE" b="1" i="1" smtClean="0">
+                              <a:latin typeface="Cambria Math" panose="02040503050406030204" pitchFamily="18" charset="0"/>
+                            </a:rPr>
+                            <m:t>𝒀</m:t>
+                          </m:r>
+                        </m:e>
+                        <m:sub>
+                          <m:r>
+                            <a:rPr lang="es-PE" b="0" i="1" smtClean="0">
+                              <a:latin typeface="Cambria Math" panose="02040503050406030204" pitchFamily="18" charset="0"/>
+                            </a:rPr>
+                            <m:t>𝑖𝑗</m:t>
+                          </m:r>
+                        </m:sub>
+                        <m:sup>
+                          <m:r>
+                            <a:rPr lang="es-PE" b="0" i="1" smtClean="0">
+                              <a:latin typeface="Cambria Math" panose="02040503050406030204" pitchFamily="18" charset="0"/>
+                            </a:rPr>
+                            <m:t>∗</m:t>
+                          </m:r>
+                        </m:sup>
+                      </m:sSubSup>
+                      <m:sSub>
+                        <m:sSubPr>
+                          <m:ctrlPr>
+                            <a:rPr lang="es-PE" b="0" i="1" smtClean="0">
+                              <a:latin typeface="Cambria Math" panose="02040503050406030204" pitchFamily="18" charset="0"/>
+                            </a:rPr>
+                          </m:ctrlPr>
+                        </m:sSubPr>
+                        <m:e>
+                          <m:r>
+                            <a:rPr lang="es-PE" b="0" i="1" smtClean="0">
+                              <a:latin typeface="Cambria Math" panose="02040503050406030204" pitchFamily="18" charset="0"/>
+                            </a:rPr>
+                            <m:t>𝑉</m:t>
+                          </m:r>
+                        </m:e>
+                        <m:sub>
+                          <m:r>
+                            <a:rPr lang="es-PE" b="0" i="1" smtClean="0">
+                              <a:latin typeface="Cambria Math" panose="02040503050406030204" pitchFamily="18" charset="0"/>
+                            </a:rPr>
+                            <m:t>𝑖</m:t>
+                          </m:r>
+                        </m:sub>
+                      </m:sSub>
+                      <m:sSubSup>
+                        <m:sSubSupPr>
+                          <m:ctrlPr>
+                            <a:rPr lang="es-PE" b="0" i="1" smtClean="0">
+                              <a:latin typeface="Cambria Math" panose="02040503050406030204" pitchFamily="18" charset="0"/>
+                            </a:rPr>
+                          </m:ctrlPr>
+                        </m:sSubSupPr>
+                        <m:e>
+                          <m:r>
+                            <a:rPr lang="es-PE" b="0" i="1" smtClean="0">
+                              <a:latin typeface="Cambria Math" panose="02040503050406030204" pitchFamily="18" charset="0"/>
+                            </a:rPr>
+                            <m:t>𝑉</m:t>
+                          </m:r>
+                        </m:e>
+                        <m:sub>
+                          <m:r>
+                            <a:rPr lang="es-PE" b="0" i="1" smtClean="0">
+                              <a:latin typeface="Cambria Math" panose="02040503050406030204" pitchFamily="18" charset="0"/>
+                            </a:rPr>
+                            <m:t>𝑗</m:t>
+                          </m:r>
+                        </m:sub>
+                        <m:sup>
+                          <m:r>
+                            <a:rPr lang="es-PE" b="0" i="1" smtClean="0">
+                              <a:latin typeface="Cambria Math" panose="02040503050406030204" pitchFamily="18" charset="0"/>
+                            </a:rPr>
+                            <m:t>∗</m:t>
+                          </m:r>
+                        </m:sup>
+                      </m:sSubSup>
+                    </m:oMath>
+                  </m:oMathPara>
+                </a14:m>
+                <a:endParaRPr lang="es-PE" dirty="0"/>
+              </a:p>
+            </p:txBody>
+          </p:sp>
+        </mc:Choice>
+        <mc:Fallback>
+          <p:sp>
+            <p:nvSpPr>
+              <p:cNvPr id="58" name="CaixaDeTexto 57">
+                <a:extLst>
+                  <a:ext uri="{FF2B5EF4-FFF2-40B4-BE49-F238E27FC236}">
+                    <a16:creationId xmlns:a16="http://schemas.microsoft.com/office/drawing/2014/main" id="{DE48C7C5-FC79-441D-A92C-8033BD6FE0BB}"/>
+                  </a:ext>
+                </a:extLst>
+              </p:cNvPr>
+              <p:cNvSpPr txBox="1">
+                <a:spLocks noRot="1" noChangeAspect="1" noMove="1" noResize="1" noEditPoints="1" noAdjustHandles="1" noChangeArrowheads="1" noChangeShapeType="1" noTextEdit="1"/>
+              </p:cNvSpPr>
+              <p:nvPr/>
+            </p:nvSpPr>
+            <p:spPr>
+              <a:xfrm>
+                <a:off x="2594710" y="4737891"/>
+                <a:ext cx="6180282" cy="441916"/>
+              </a:xfrm>
+              <a:prstGeom prst="rect">
+                <a:avLst/>
+              </a:prstGeom>
+              <a:blipFill>
+                <a:blip r:embed="rId5"/>
+                <a:stretch>
+                  <a:fillRect/>
+                </a:stretch>
+              </a:blipFill>
+            </p:spPr>
+            <p:txBody>
+              <a:bodyPr/>
+              <a:lstStyle/>
+              <a:p>
+                <a:r>
+                  <a:rPr lang="es-PE">
+                    <a:noFill/>
+                  </a:rPr>
+                  <a:t> </a:t>
+                </a:r>
+              </a:p>
+            </p:txBody>
+          </p:sp>
+        </mc:Fallback>
+      </mc:AlternateContent>
+      <p:cxnSp>
+        <p:nvCxnSpPr>
+          <p:cNvPr id="12" name="Conector recto 11"/>
+          <p:cNvCxnSpPr/>
+          <p:nvPr/>
+        </p:nvCxnSpPr>
+        <p:spPr>
+          <a:xfrm>
+            <a:off x="1475656" y="3212976"/>
+            <a:ext cx="6208063" cy="0"/>
+          </a:xfrm>
+          <a:prstGeom prst="line">
+            <a:avLst/>
+          </a:prstGeom>
+          <a:ln w="28575"/>
+        </p:spPr>
+        <p:style>
+          <a:lnRef idx="1">
+            <a:schemeClr val="dk1"/>
+          </a:lnRef>
+          <a:fillRef idx="0">
+            <a:schemeClr val="dk1"/>
+          </a:fillRef>
+          <a:effectRef idx="0">
+            <a:schemeClr val="dk1"/>
+          </a:effectRef>
+          <a:fontRef idx="minor">
+            <a:schemeClr val="tx1"/>
+          </a:fontRef>
+        </p:style>
+      </p:cxnSp>
+      <mc:AlternateContent xmlns:mc="http://schemas.openxmlformats.org/markup-compatibility/2006">
+        <mc:Choice xmlns:a14="http://schemas.microsoft.com/office/drawing/2010/main" Requires="a14">
+          <p:sp>
+            <p:nvSpPr>
+              <p:cNvPr id="14" name="Rectángulo 13"/>
+              <p:cNvSpPr/>
+              <p:nvPr/>
+            </p:nvSpPr>
+            <p:spPr>
+              <a:xfrm>
+                <a:off x="2699792" y="2134460"/>
+                <a:ext cx="690640" cy="576064"/>
+              </a:xfrm>
+              <a:prstGeom prst="rect">
+                <a:avLst/>
+              </a:prstGeom>
+              <a:ln w="28575"/>
+            </p:spPr>
+            <p:style>
+              <a:lnRef idx="2">
+                <a:schemeClr val="dk1"/>
+              </a:lnRef>
+              <a:fillRef idx="1">
+                <a:schemeClr val="lt1"/>
+              </a:fillRef>
+              <a:effectRef idx="0">
+                <a:schemeClr val="dk1"/>
+              </a:effectRef>
+              <a:fontRef idx="minor">
+                <a:schemeClr val="dk1"/>
+              </a:fontRef>
+            </p:style>
+            <p:txBody>
+              <a:bodyPr rtlCol="0" anchor="ctr"/>
+              <a:lstStyle/>
+              <a:p>
+                <a:pPr algn="ctr"/>
+                <a14:m>
+                  <m:oMathPara xmlns:m="http://schemas.openxmlformats.org/officeDocument/2006/math">
+                    <m:oMathParaPr>
+                      <m:jc m:val="centerGroup"/>
+                    </m:oMathParaPr>
+                    <m:oMath xmlns:m="http://schemas.openxmlformats.org/officeDocument/2006/math">
+                      <m:sSubSup>
+                        <m:sSubSupPr>
+                          <m:ctrlPr>
+                            <a:rPr lang="es-PE" i="1" smtClean="0">
+                              <a:latin typeface="Cambria Math" panose="02040503050406030204" pitchFamily="18" charset="0"/>
+                            </a:rPr>
+                          </m:ctrlPr>
+                        </m:sSubSupPr>
+                        <m:e>
+                          <m:r>
+                            <a:rPr lang="es-PE" b="1" i="1" smtClean="0">
+                              <a:latin typeface="Cambria Math" panose="02040503050406030204" pitchFamily="18" charset="0"/>
+                            </a:rPr>
+                            <m:t>𝒀</m:t>
+                          </m:r>
+                        </m:e>
+                        <m:sub>
+                          <m:r>
+                            <a:rPr lang="es-PE" b="0" i="1" smtClean="0">
+                              <a:latin typeface="Cambria Math" panose="02040503050406030204" pitchFamily="18" charset="0"/>
+                            </a:rPr>
+                            <m:t>𝑖𝑗</m:t>
+                          </m:r>
+                        </m:sub>
+                        <m:sup>
+                          <m:r>
+                            <a:rPr lang="es-PE" b="0" i="1" smtClean="0">
+                              <a:latin typeface="Cambria Math" panose="02040503050406030204" pitchFamily="18" charset="0"/>
+                            </a:rPr>
+                            <m:t>𝑐</m:t>
+                          </m:r>
+                        </m:sup>
+                      </m:sSubSup>
+                    </m:oMath>
+                  </m:oMathPara>
+                </a14:m>
+                <a:endParaRPr lang="es-PE" dirty="0"/>
+              </a:p>
+            </p:txBody>
+          </p:sp>
+        </mc:Choice>
+        <mc:Fallback>
+          <p:sp>
+            <p:nvSpPr>
+              <p:cNvPr id="14" name="Rectángulo 13"/>
+              <p:cNvSpPr>
+                <a:spLocks noRot="1" noChangeAspect="1" noMove="1" noResize="1" noEditPoints="1" noAdjustHandles="1" noChangeArrowheads="1" noChangeShapeType="1" noTextEdit="1"/>
+              </p:cNvSpPr>
+              <p:nvPr/>
+            </p:nvSpPr>
+            <p:spPr>
+              <a:xfrm>
+                <a:off x="2699792" y="2134460"/>
+                <a:ext cx="690640" cy="576064"/>
+              </a:xfrm>
+              <a:prstGeom prst="rect">
+                <a:avLst/>
+              </a:prstGeom>
+              <a:blipFill>
+                <a:blip r:embed="rId6"/>
+                <a:stretch>
+                  <a:fillRect/>
+                </a:stretch>
+              </a:blipFill>
+              <a:ln w="28575"/>
+            </p:spPr>
+            <p:txBody>
+              <a:bodyPr/>
+              <a:lstStyle/>
+              <a:p>
+                <a:r>
+                  <a:rPr lang="es-PE">
+                    <a:noFill/>
+                  </a:rPr>
+                  <a:t> </a:t>
+                </a:r>
+              </a:p>
+            </p:txBody>
+          </p:sp>
+        </mc:Fallback>
+      </mc:AlternateContent>
+      <mc:AlternateContent xmlns:mc="http://schemas.openxmlformats.org/markup-compatibility/2006">
+        <mc:Choice xmlns:a14="http://schemas.microsoft.com/office/drawing/2010/main" Requires="a14">
+          <p:sp>
+            <p:nvSpPr>
+              <p:cNvPr id="31" name="Rectángulo 30"/>
+              <p:cNvSpPr/>
+              <p:nvPr/>
+            </p:nvSpPr>
+            <p:spPr>
+              <a:xfrm>
+                <a:off x="5717564" y="2134460"/>
+                <a:ext cx="690640" cy="576064"/>
+              </a:xfrm>
+              <a:prstGeom prst="rect">
+                <a:avLst/>
+              </a:prstGeom>
+              <a:ln w="28575"/>
+            </p:spPr>
+            <p:style>
+              <a:lnRef idx="2">
+                <a:schemeClr val="dk1"/>
+              </a:lnRef>
+              <a:fillRef idx="1">
+                <a:schemeClr val="lt1"/>
+              </a:fillRef>
+              <a:effectRef idx="0">
+                <a:schemeClr val="dk1"/>
+              </a:effectRef>
+              <a:fontRef idx="minor">
+                <a:schemeClr val="dk1"/>
+              </a:fontRef>
+            </p:style>
+            <p:txBody>
+              <a:bodyPr rtlCol="0" anchor="ctr"/>
+              <a:lstStyle/>
+              <a:p>
+                <a:pPr algn="ctr"/>
+                <a14:m>
+                  <m:oMathPara xmlns:m="http://schemas.openxmlformats.org/officeDocument/2006/math">
+                    <m:oMathParaPr>
+                      <m:jc m:val="centerGroup"/>
+                    </m:oMathParaPr>
+                    <m:oMath xmlns:m="http://schemas.openxmlformats.org/officeDocument/2006/math">
+                      <m:sSubSup>
+                        <m:sSubSupPr>
+                          <m:ctrlPr>
+                            <a:rPr lang="es-PE" i="1" smtClean="0">
+                              <a:latin typeface="Cambria Math" panose="02040503050406030204" pitchFamily="18" charset="0"/>
+                            </a:rPr>
+                          </m:ctrlPr>
+                        </m:sSubSupPr>
+                        <m:e>
+                          <m:r>
+                            <a:rPr lang="es-PE" b="1" i="1" smtClean="0">
+                              <a:latin typeface="Cambria Math" panose="02040503050406030204" pitchFamily="18" charset="0"/>
+                            </a:rPr>
+                            <m:t>𝒀</m:t>
+                          </m:r>
+                        </m:e>
+                        <m:sub>
+                          <m:r>
+                            <a:rPr lang="es-PE" b="0" i="1" smtClean="0">
+                              <a:latin typeface="Cambria Math" panose="02040503050406030204" pitchFamily="18" charset="0"/>
+                            </a:rPr>
+                            <m:t>𝑖𝑗</m:t>
+                          </m:r>
+                        </m:sub>
+                        <m:sup>
+                          <m:r>
+                            <a:rPr lang="es-PE" b="0" i="1" smtClean="0">
+                              <a:latin typeface="Cambria Math" panose="02040503050406030204" pitchFamily="18" charset="0"/>
+                            </a:rPr>
+                            <m:t>𝑐</m:t>
+                          </m:r>
+                        </m:sup>
+                      </m:sSubSup>
+                    </m:oMath>
+                  </m:oMathPara>
+                </a14:m>
+                <a:endParaRPr lang="es-PE" dirty="0"/>
+              </a:p>
+            </p:txBody>
+          </p:sp>
+        </mc:Choice>
+        <mc:Fallback>
+          <p:sp>
+            <p:nvSpPr>
+              <p:cNvPr id="31" name="Rectángulo 30"/>
+              <p:cNvSpPr>
+                <a:spLocks noRot="1" noChangeAspect="1" noMove="1" noResize="1" noEditPoints="1" noAdjustHandles="1" noChangeArrowheads="1" noChangeShapeType="1" noTextEdit="1"/>
+              </p:cNvSpPr>
+              <p:nvPr/>
+            </p:nvSpPr>
+            <p:spPr>
+              <a:xfrm>
+                <a:off x="5717564" y="2134460"/>
+                <a:ext cx="690640" cy="576064"/>
+              </a:xfrm>
+              <a:prstGeom prst="rect">
+                <a:avLst/>
+              </a:prstGeom>
+              <a:blipFill>
+                <a:blip r:embed="rId7"/>
+                <a:stretch>
+                  <a:fillRect/>
+                </a:stretch>
+              </a:blipFill>
+              <a:ln w="28575"/>
+            </p:spPr>
+            <p:txBody>
+              <a:bodyPr/>
+              <a:lstStyle/>
+              <a:p>
+                <a:r>
+                  <a:rPr lang="es-PE">
+                    <a:noFill/>
+                  </a:rPr>
+                  <a:t> </a:t>
+                </a:r>
+              </a:p>
+            </p:txBody>
+          </p:sp>
+        </mc:Fallback>
+      </mc:AlternateContent>
+      <p:cxnSp>
+        <p:nvCxnSpPr>
+          <p:cNvPr id="16" name="Conector recto 15"/>
+          <p:cNvCxnSpPr>
+            <a:stCxn id="14" idx="0"/>
+          </p:cNvCxnSpPr>
+          <p:nvPr/>
+        </p:nvCxnSpPr>
+        <p:spPr>
+          <a:xfrm flipV="1">
+            <a:off x="3045112" y="1616264"/>
+            <a:ext cx="0" cy="518196"/>
+          </a:xfrm>
+          <a:prstGeom prst="line">
+            <a:avLst/>
+          </a:prstGeom>
+          <a:ln w="28575"/>
+        </p:spPr>
+        <p:style>
+          <a:lnRef idx="1">
+            <a:schemeClr val="dk1"/>
+          </a:lnRef>
+          <a:fillRef idx="0">
+            <a:schemeClr val="dk1"/>
+          </a:fillRef>
+          <a:effectRef idx="0">
+            <a:schemeClr val="dk1"/>
+          </a:effectRef>
+          <a:fontRef idx="minor">
+            <a:schemeClr val="tx1"/>
+          </a:fontRef>
+        </p:style>
+      </p:cxnSp>
+      <p:cxnSp>
+        <p:nvCxnSpPr>
+          <p:cNvPr id="34" name="Conector recto 33"/>
+          <p:cNvCxnSpPr/>
+          <p:nvPr/>
+        </p:nvCxnSpPr>
+        <p:spPr>
+          <a:xfrm flipV="1">
+            <a:off x="6062884" y="1616264"/>
+            <a:ext cx="0" cy="518196"/>
+          </a:xfrm>
+          <a:prstGeom prst="line">
+            <a:avLst/>
+          </a:prstGeom>
+          <a:ln w="28575"/>
+        </p:spPr>
+        <p:style>
+          <a:lnRef idx="1">
+            <a:schemeClr val="dk1"/>
+          </a:lnRef>
+          <a:fillRef idx="0">
+            <a:schemeClr val="dk1"/>
+          </a:fillRef>
+          <a:effectRef idx="0">
+            <a:schemeClr val="dk1"/>
+          </a:effectRef>
+          <a:fontRef idx="minor">
+            <a:schemeClr val="tx1"/>
+          </a:fontRef>
+        </p:style>
+      </p:cxnSp>
+      <p:cxnSp>
+        <p:nvCxnSpPr>
+          <p:cNvPr id="19" name="Conector recto 18"/>
+          <p:cNvCxnSpPr>
+            <a:stCxn id="14" idx="2"/>
+          </p:cNvCxnSpPr>
+          <p:nvPr/>
+        </p:nvCxnSpPr>
+        <p:spPr>
+          <a:xfrm>
+            <a:off x="3045112" y="2710524"/>
+            <a:ext cx="0" cy="502452"/>
+          </a:xfrm>
+          <a:prstGeom prst="line">
+            <a:avLst/>
+          </a:prstGeom>
+          <a:ln w="28575"/>
+        </p:spPr>
+        <p:style>
+          <a:lnRef idx="1">
+            <a:schemeClr val="dk1"/>
+          </a:lnRef>
+          <a:fillRef idx="0">
+            <a:schemeClr val="dk1"/>
+          </a:fillRef>
+          <a:effectRef idx="0">
+            <a:schemeClr val="dk1"/>
+          </a:effectRef>
+          <a:fontRef idx="minor">
+            <a:schemeClr val="tx1"/>
+          </a:fontRef>
+        </p:style>
+      </p:cxnSp>
+      <p:cxnSp>
+        <p:nvCxnSpPr>
+          <p:cNvPr id="37" name="Conector recto 36"/>
+          <p:cNvCxnSpPr/>
+          <p:nvPr/>
+        </p:nvCxnSpPr>
+        <p:spPr>
+          <a:xfrm>
+            <a:off x="6084139" y="2710524"/>
+            <a:ext cx="0" cy="502452"/>
+          </a:xfrm>
+          <a:prstGeom prst="line">
+            <a:avLst/>
+          </a:prstGeom>
+          <a:ln w="28575"/>
+        </p:spPr>
+        <p:style>
+          <a:lnRef idx="1">
+            <a:schemeClr val="dk1"/>
+          </a:lnRef>
+          <a:fillRef idx="0">
+            <a:schemeClr val="dk1"/>
+          </a:fillRef>
+          <a:effectRef idx="0">
+            <a:schemeClr val="dk1"/>
+          </a:effectRef>
+          <a:fontRef idx="minor">
+            <a:schemeClr val="tx1"/>
+          </a:fontRef>
+        </p:style>
+      </p:cxnSp>
+      <p:sp>
+        <p:nvSpPr>
+          <p:cNvPr id="21" name="CuadroTexto 20"/>
+          <p:cNvSpPr txBox="1"/>
+          <p:nvPr/>
+        </p:nvSpPr>
+        <p:spPr>
+          <a:xfrm>
+            <a:off x="6725897" y="2229954"/>
+            <a:ext cx="660758" cy="369332"/>
+          </a:xfrm>
+          <a:prstGeom prst="rect">
+            <a:avLst/>
+          </a:prstGeom>
+          <a:noFill/>
+        </p:spPr>
+        <p:txBody>
+          <a:bodyPr wrap="none" rtlCol="0">
+            <a:spAutoFit/>
+          </a:bodyPr>
+          <a:lstStyle/>
+          <a:p>
+            <a:r>
+              <a:rPr lang="es-PE" dirty="0"/>
+              <a:t>Shunt</a:t>
+            </a:r>
+          </a:p>
+        </p:txBody>
+      </p:sp>
+      <mc:AlternateContent xmlns:mc="http://schemas.openxmlformats.org/markup-compatibility/2006">
+        <mc:Choice xmlns:a14="http://schemas.microsoft.com/office/drawing/2010/main" Requires="a14">
+          <p:sp>
+            <p:nvSpPr>
+              <p:cNvPr id="39" name="CaixaDeTexto 57">
+                <a:extLst>
+                  <a:ext uri="{FF2B5EF4-FFF2-40B4-BE49-F238E27FC236}">
+                    <a16:creationId xmlns:a16="http://schemas.microsoft.com/office/drawing/2014/main" id="{DE48C7C5-FC79-441D-A92C-8033BD6FE0BB}"/>
+                  </a:ext>
+                </a:extLst>
+              </p:cNvPr>
+              <p:cNvSpPr txBox="1"/>
+              <p:nvPr/>
+            </p:nvSpPr>
+            <p:spPr>
+              <a:xfrm>
+                <a:off x="2594710" y="5318361"/>
+                <a:ext cx="6237477" cy="356444"/>
+              </a:xfrm>
+              <a:prstGeom prst="rect">
+                <a:avLst/>
+              </a:prstGeom>
+              <a:noFill/>
+            </p:spPr>
+            <p:txBody>
+              <a:bodyPr wrap="none" lIns="0" tIns="0" rIns="0" bIns="0" rtlCol="0">
+                <a:spAutoFit/>
+              </a:bodyPr>
+              <a:lstStyle/>
+              <a:p>
+                <a:pPr/>
+                <a14:m>
+                  <m:oMathPara xmlns:m="http://schemas.openxmlformats.org/officeDocument/2006/math">
+                    <m:oMathParaPr>
+                      <m:jc m:val="centerGroup"/>
+                    </m:oMathParaPr>
+                    <m:oMath xmlns:m="http://schemas.openxmlformats.org/officeDocument/2006/math">
+                      <m:sSub>
+                        <m:sSubPr>
+                          <m:ctrlPr>
+                            <a:rPr lang="es-PE" i="1" smtClean="0">
+                              <a:latin typeface="Cambria Math" panose="02040503050406030204" pitchFamily="18" charset="0"/>
+                            </a:rPr>
+                          </m:ctrlPr>
+                        </m:sSubPr>
+                        <m:e>
+                          <m:r>
+                            <a:rPr lang="pt-BR" b="0" i="1" smtClean="0">
+                              <a:latin typeface="Cambria Math" panose="02040503050406030204" pitchFamily="18" charset="0"/>
+                            </a:rPr>
+                            <m:t>𝑆</m:t>
+                          </m:r>
+                        </m:e>
+                        <m:sub>
+                          <m:r>
+                            <a:rPr lang="pt-BR" b="0" i="1" smtClean="0">
+                              <a:latin typeface="Cambria Math" panose="02040503050406030204" pitchFamily="18" charset="0"/>
+                            </a:rPr>
+                            <m:t>𝑗</m:t>
+                          </m:r>
+                          <m:r>
+                            <a:rPr lang="es-PE" b="0" i="1" smtClean="0">
+                              <a:latin typeface="Cambria Math" panose="02040503050406030204" pitchFamily="18" charset="0"/>
+                            </a:rPr>
+                            <m:t>𝑖</m:t>
+                          </m:r>
+                        </m:sub>
+                      </m:sSub>
+                      <m:r>
+                        <a:rPr lang="pt-BR" b="0" i="1" smtClean="0">
+                          <a:latin typeface="Cambria Math" panose="02040503050406030204" pitchFamily="18" charset="0"/>
+                        </a:rPr>
+                        <m:t>=</m:t>
+                      </m:r>
+                      <m:sSub>
+                        <m:sSubPr>
+                          <m:ctrlPr>
+                            <a:rPr lang="pt-BR" b="0" i="1" smtClean="0">
+                              <a:latin typeface="Cambria Math" panose="02040503050406030204" pitchFamily="18" charset="0"/>
+                            </a:rPr>
+                          </m:ctrlPr>
+                        </m:sSubPr>
+                        <m:e>
+                          <m:r>
+                            <a:rPr lang="pt-BR" b="0" i="1" smtClean="0">
+                              <a:latin typeface="Cambria Math" panose="02040503050406030204" pitchFamily="18" charset="0"/>
+                            </a:rPr>
+                            <m:t>𝑉</m:t>
+                          </m:r>
+                        </m:e>
+                        <m:sub>
+                          <m:r>
+                            <a:rPr lang="es-PE" b="0" i="1" smtClean="0">
+                              <a:latin typeface="Cambria Math" panose="02040503050406030204" pitchFamily="18" charset="0"/>
+                            </a:rPr>
+                            <m:t>𝑗</m:t>
+                          </m:r>
+                        </m:sub>
+                      </m:sSub>
+                      <m:sSup>
+                        <m:sSupPr>
+                          <m:ctrlPr>
+                            <a:rPr lang="pt-BR" b="0" i="1" smtClean="0">
+                              <a:latin typeface="Cambria Math" panose="02040503050406030204" pitchFamily="18" charset="0"/>
+                            </a:rPr>
+                          </m:ctrlPr>
+                        </m:sSupPr>
+                        <m:e>
+                          <m:d>
+                            <m:dPr>
+                              <m:ctrlPr>
+                                <a:rPr lang="pt-BR" i="1">
+                                  <a:latin typeface="Cambria Math" panose="02040503050406030204" pitchFamily="18" charset="0"/>
+                                </a:rPr>
+                              </m:ctrlPr>
+                            </m:dPr>
+                            <m:e>
+                              <m:r>
+                                <a:rPr lang="pt-BR" i="1">
+                                  <a:latin typeface="Cambria Math" panose="02040503050406030204" pitchFamily="18" charset="0"/>
+                                </a:rPr>
+                                <m:t>−</m:t>
+                              </m:r>
+                              <m:sSub>
+                                <m:sSubPr>
+                                  <m:ctrlPr>
+                                    <a:rPr lang="pt-BR" i="1">
+                                      <a:latin typeface="Cambria Math" panose="02040503050406030204" pitchFamily="18" charset="0"/>
+                                    </a:rPr>
+                                  </m:ctrlPr>
+                                </m:sSubPr>
+                                <m:e>
+                                  <m:sSub>
+                                    <m:sSubPr>
+                                      <m:ctrlPr>
+                                        <a:rPr lang="pt-BR" i="1">
+                                          <a:latin typeface="Cambria Math" panose="02040503050406030204" pitchFamily="18" charset="0"/>
+                                        </a:rPr>
+                                      </m:ctrlPr>
+                                    </m:sSubPr>
+                                    <m:e>
+                                      <m:r>
+                                        <a:rPr lang="es-PE" b="1" i="1">
+                                          <a:latin typeface="Cambria Math" panose="02040503050406030204" pitchFamily="18" charset="0"/>
+                                        </a:rPr>
+                                        <m:t>𝒀</m:t>
+                                      </m:r>
+                                    </m:e>
+                                    <m:sub>
+                                      <m:r>
+                                        <a:rPr lang="es-PE" i="1">
+                                          <a:latin typeface="Cambria Math" panose="02040503050406030204" pitchFamily="18" charset="0"/>
+                                        </a:rPr>
+                                        <m:t>𝑖𝑗</m:t>
+                                      </m:r>
+                                    </m:sub>
+                                  </m:sSub>
+                                  <m:r>
+                                    <a:rPr lang="pt-BR" i="1">
+                                      <a:latin typeface="Cambria Math" panose="02040503050406030204" pitchFamily="18" charset="0"/>
+                                    </a:rPr>
+                                    <m:t>𝑉</m:t>
+                                  </m:r>
+                                </m:e>
+                                <m:sub>
+                                  <m:r>
+                                    <a:rPr lang="es-PE" b="0" i="1" smtClean="0">
+                                      <a:latin typeface="Cambria Math" panose="02040503050406030204" pitchFamily="18" charset="0"/>
+                                    </a:rPr>
+                                    <m:t>𝑖</m:t>
+                                  </m:r>
+                                </m:sub>
+                              </m:sSub>
+                              <m:r>
+                                <a:rPr lang="es-PE" b="0" i="1" smtClean="0">
+                                  <a:latin typeface="Cambria Math" panose="02040503050406030204" pitchFamily="18" charset="0"/>
+                                </a:rPr>
+                                <m:t>+</m:t>
+                              </m:r>
+                              <m:d>
+                                <m:dPr>
+                                  <m:ctrlPr>
+                                    <a:rPr lang="pt-BR" i="1" smtClean="0">
+                                      <a:latin typeface="Cambria Math" panose="02040503050406030204" pitchFamily="18" charset="0"/>
+                                    </a:rPr>
+                                  </m:ctrlPr>
+                                </m:dPr>
+                                <m:e>
+                                  <m:sSub>
+                                    <m:sSubPr>
+                                      <m:ctrlPr>
+                                        <a:rPr lang="pt-BR" i="1" smtClean="0">
+                                          <a:latin typeface="Cambria Math" panose="02040503050406030204" pitchFamily="18" charset="0"/>
+                                        </a:rPr>
+                                      </m:ctrlPr>
+                                    </m:sSubPr>
+                                    <m:e>
+                                      <m:r>
+                                        <a:rPr lang="es-PE" b="1" i="1" smtClean="0">
+                                          <a:latin typeface="Cambria Math" panose="02040503050406030204" pitchFamily="18" charset="0"/>
+                                        </a:rPr>
+                                        <m:t>𝒀</m:t>
+                                      </m:r>
+                                    </m:e>
+                                    <m:sub>
+                                      <m:r>
+                                        <a:rPr lang="es-PE" b="0" i="1" smtClean="0">
+                                          <a:latin typeface="Cambria Math" panose="02040503050406030204" pitchFamily="18" charset="0"/>
+                                        </a:rPr>
+                                        <m:t>𝑖𝑗</m:t>
+                                      </m:r>
+                                    </m:sub>
+                                  </m:sSub>
+                                  <m:r>
+                                    <a:rPr lang="es-PE" b="0" i="1" smtClean="0">
+                                      <a:latin typeface="Cambria Math" panose="02040503050406030204" pitchFamily="18" charset="0"/>
+                                    </a:rPr>
+                                    <m:t>+</m:t>
+                                  </m:r>
+                                  <m:sSubSup>
+                                    <m:sSubSupPr>
+                                      <m:ctrlPr>
+                                        <a:rPr lang="es-PE" b="0" i="1" smtClean="0">
+                                          <a:latin typeface="Cambria Math" panose="02040503050406030204" pitchFamily="18" charset="0"/>
+                                        </a:rPr>
+                                      </m:ctrlPr>
+                                    </m:sSubSupPr>
+                                    <m:e>
+                                      <m:r>
+                                        <a:rPr lang="es-PE" b="1" i="1" smtClean="0">
+                                          <a:latin typeface="Cambria Math" panose="02040503050406030204" pitchFamily="18" charset="0"/>
+                                        </a:rPr>
+                                        <m:t>𝒀</m:t>
+                                      </m:r>
+                                    </m:e>
+                                    <m:sub>
+                                      <m:r>
+                                        <a:rPr lang="es-PE" b="0" i="1" smtClean="0">
+                                          <a:latin typeface="Cambria Math" panose="02040503050406030204" pitchFamily="18" charset="0"/>
+                                        </a:rPr>
+                                        <m:t>𝑖𝑗</m:t>
+                                      </m:r>
+                                    </m:sub>
+                                    <m:sup>
+                                      <m:r>
+                                        <a:rPr lang="es-PE" b="0" i="1" smtClean="0">
+                                          <a:latin typeface="Cambria Math" panose="02040503050406030204" pitchFamily="18" charset="0"/>
+                                        </a:rPr>
+                                        <m:t>𝑐</m:t>
+                                      </m:r>
+                                    </m:sup>
+                                  </m:sSubSup>
+                                </m:e>
+                              </m:d>
+                              <m:sSub>
+                                <m:sSubPr>
+                                  <m:ctrlPr>
+                                    <a:rPr lang="pt-BR" i="1">
+                                      <a:latin typeface="Cambria Math" panose="02040503050406030204" pitchFamily="18" charset="0"/>
+                                    </a:rPr>
+                                  </m:ctrlPr>
+                                </m:sSubPr>
+                                <m:e>
+                                  <m:r>
+                                    <a:rPr lang="pt-BR" i="1">
+                                      <a:latin typeface="Cambria Math" panose="02040503050406030204" pitchFamily="18" charset="0"/>
+                                    </a:rPr>
+                                    <m:t>𝑉</m:t>
+                                  </m:r>
+                                </m:e>
+                                <m:sub>
+                                  <m:r>
+                                    <a:rPr lang="es-PE" b="0" i="1" smtClean="0">
+                                      <a:latin typeface="Cambria Math" panose="02040503050406030204" pitchFamily="18" charset="0"/>
+                                    </a:rPr>
+                                    <m:t>𝑗</m:t>
+                                  </m:r>
+                                </m:sub>
+                              </m:sSub>
+                            </m:e>
+                          </m:d>
+                        </m:e>
+                        <m:sup>
+                          <m:r>
+                            <a:rPr lang="pt-BR" b="0" i="1" smtClean="0">
+                              <a:latin typeface="Cambria Math" panose="02040503050406030204" pitchFamily="18" charset="0"/>
+                            </a:rPr>
+                            <m:t>∗</m:t>
+                          </m:r>
+                        </m:sup>
+                      </m:sSup>
+                      <m:r>
+                        <a:rPr lang="es-PE" b="0" i="1" smtClean="0">
+                          <a:latin typeface="Cambria Math" panose="02040503050406030204" pitchFamily="18" charset="0"/>
+                        </a:rPr>
+                        <m:t>=</m:t>
+                      </m:r>
+                      <m:d>
+                        <m:dPr>
+                          <m:ctrlPr>
+                            <a:rPr lang="es-PE" b="0" i="1" smtClean="0">
+                              <a:latin typeface="Cambria Math" panose="02040503050406030204" pitchFamily="18" charset="0"/>
+                            </a:rPr>
+                          </m:ctrlPr>
+                        </m:dPr>
+                        <m:e>
+                          <m:sSubSup>
+                            <m:sSubSupPr>
+                              <m:ctrlPr>
+                                <a:rPr lang="es-PE" b="0" i="1" smtClean="0">
+                                  <a:latin typeface="Cambria Math" panose="02040503050406030204" pitchFamily="18" charset="0"/>
+                                </a:rPr>
+                              </m:ctrlPr>
+                            </m:sSubSupPr>
+                            <m:e>
+                              <m:r>
+                                <a:rPr lang="es-PE" b="1" i="1" smtClean="0">
+                                  <a:latin typeface="Cambria Math" panose="02040503050406030204" pitchFamily="18" charset="0"/>
+                                </a:rPr>
+                                <m:t>𝒀</m:t>
+                              </m:r>
+                            </m:e>
+                            <m:sub>
+                              <m:r>
+                                <a:rPr lang="es-PE" b="0" i="1" smtClean="0">
+                                  <a:latin typeface="Cambria Math" panose="02040503050406030204" pitchFamily="18" charset="0"/>
+                                </a:rPr>
+                                <m:t>𝑖𝑗</m:t>
+                              </m:r>
+                            </m:sub>
+                            <m:sup>
+                              <m:r>
+                                <a:rPr lang="es-PE" b="0" i="1" smtClean="0">
+                                  <a:latin typeface="Cambria Math" panose="02040503050406030204" pitchFamily="18" charset="0"/>
+                                </a:rPr>
+                                <m:t>∗</m:t>
+                              </m:r>
+                            </m:sup>
+                          </m:sSubSup>
+                          <m:r>
+                            <a:rPr lang="es-PE" b="0" i="1" smtClean="0">
+                              <a:latin typeface="Cambria Math" panose="02040503050406030204" pitchFamily="18" charset="0"/>
+                            </a:rPr>
+                            <m:t>+</m:t>
+                          </m:r>
+                          <m:sSubSup>
+                            <m:sSubSupPr>
+                              <m:ctrlPr>
+                                <a:rPr lang="es-PE" b="0" i="1" smtClean="0">
+                                  <a:latin typeface="Cambria Math" panose="02040503050406030204" pitchFamily="18" charset="0"/>
+                                </a:rPr>
+                              </m:ctrlPr>
+                            </m:sSubSupPr>
+                            <m:e>
+                              <m:r>
+                                <a:rPr lang="es-PE" b="1" i="1" smtClean="0">
+                                  <a:latin typeface="Cambria Math" panose="02040503050406030204" pitchFamily="18" charset="0"/>
+                                </a:rPr>
+                                <m:t>𝒀</m:t>
+                              </m:r>
+                            </m:e>
+                            <m:sub>
+                              <m:r>
+                                <a:rPr lang="es-PE" b="0" i="1" smtClean="0">
+                                  <a:latin typeface="Cambria Math" panose="02040503050406030204" pitchFamily="18" charset="0"/>
+                                </a:rPr>
+                                <m:t>𝑖𝑗</m:t>
+                              </m:r>
+                            </m:sub>
+                            <m:sup>
+                              <m:r>
+                                <a:rPr lang="es-PE" b="0" i="1" smtClean="0">
+                                  <a:latin typeface="Cambria Math" panose="02040503050406030204" pitchFamily="18" charset="0"/>
+                                </a:rPr>
+                                <m:t>𝑐</m:t>
+                              </m:r>
+                              <m:r>
+                                <a:rPr lang="es-PE" b="0" i="1" smtClean="0">
+                                  <a:latin typeface="Cambria Math" panose="02040503050406030204" pitchFamily="18" charset="0"/>
+                                </a:rPr>
+                                <m:t>∗</m:t>
+                              </m:r>
+                            </m:sup>
+                          </m:sSubSup>
+                        </m:e>
+                      </m:d>
+                      <m:sSub>
+                        <m:sSubPr>
+                          <m:ctrlPr>
+                            <a:rPr lang="es-PE" b="0" i="1" smtClean="0">
+                              <a:latin typeface="Cambria Math" panose="02040503050406030204" pitchFamily="18" charset="0"/>
+                            </a:rPr>
+                          </m:ctrlPr>
+                        </m:sSubPr>
+                        <m:e>
+                          <m:r>
+                            <a:rPr lang="es-PE" b="0" i="1" smtClean="0">
+                              <a:latin typeface="Cambria Math" panose="02040503050406030204" pitchFamily="18" charset="0"/>
+                            </a:rPr>
+                            <m:t>𝑉</m:t>
+                          </m:r>
+                        </m:e>
+                        <m:sub>
+                          <m:r>
+                            <a:rPr lang="es-PE" b="0" i="1" smtClean="0">
+                              <a:latin typeface="Cambria Math" panose="02040503050406030204" pitchFamily="18" charset="0"/>
+                            </a:rPr>
+                            <m:t>𝑗</m:t>
+                          </m:r>
+                        </m:sub>
+                      </m:sSub>
+                      <m:sSubSup>
+                        <m:sSubSupPr>
+                          <m:ctrlPr>
+                            <a:rPr lang="es-PE" b="0" i="1" smtClean="0">
+                              <a:latin typeface="Cambria Math" panose="02040503050406030204" pitchFamily="18" charset="0"/>
+                            </a:rPr>
+                          </m:ctrlPr>
+                        </m:sSubSupPr>
+                        <m:e>
+                          <m:r>
+                            <a:rPr lang="es-PE" b="0" i="1" smtClean="0">
+                              <a:latin typeface="Cambria Math" panose="02040503050406030204" pitchFamily="18" charset="0"/>
+                            </a:rPr>
+                            <m:t>𝑉</m:t>
+                          </m:r>
+                        </m:e>
+                        <m:sub>
+                          <m:r>
+                            <a:rPr lang="es-PE" b="0" i="1" smtClean="0">
+                              <a:latin typeface="Cambria Math" panose="02040503050406030204" pitchFamily="18" charset="0"/>
+                            </a:rPr>
+                            <m:t>𝑗</m:t>
+                          </m:r>
+                        </m:sub>
+                        <m:sup>
+                          <m:r>
+                            <a:rPr lang="es-PE" b="0" i="1" smtClean="0">
+                              <a:latin typeface="Cambria Math" panose="02040503050406030204" pitchFamily="18" charset="0"/>
+                            </a:rPr>
+                            <m:t>∗</m:t>
+                          </m:r>
+                        </m:sup>
+                      </m:sSubSup>
+                      <m:r>
+                        <a:rPr lang="es-PE" b="0" i="1" smtClean="0">
+                          <a:latin typeface="Cambria Math" panose="02040503050406030204" pitchFamily="18" charset="0"/>
+                        </a:rPr>
+                        <m:t>−</m:t>
+                      </m:r>
+                      <m:sSubSup>
+                        <m:sSubSupPr>
+                          <m:ctrlPr>
+                            <a:rPr lang="es-PE" b="0" i="1" smtClean="0">
+                              <a:latin typeface="Cambria Math" panose="02040503050406030204" pitchFamily="18" charset="0"/>
+                            </a:rPr>
+                          </m:ctrlPr>
+                        </m:sSubSupPr>
+                        <m:e>
+                          <m:r>
+                            <a:rPr lang="es-PE" b="1" i="1" smtClean="0">
+                              <a:latin typeface="Cambria Math" panose="02040503050406030204" pitchFamily="18" charset="0"/>
+                            </a:rPr>
+                            <m:t>𝒀</m:t>
+                          </m:r>
+                        </m:e>
+                        <m:sub>
+                          <m:r>
+                            <a:rPr lang="es-PE" b="0" i="1" smtClean="0">
+                              <a:latin typeface="Cambria Math" panose="02040503050406030204" pitchFamily="18" charset="0"/>
+                            </a:rPr>
+                            <m:t>𝑖𝑗</m:t>
+                          </m:r>
+                        </m:sub>
+                        <m:sup>
+                          <m:r>
+                            <a:rPr lang="es-PE" b="0" i="1" smtClean="0">
+                              <a:latin typeface="Cambria Math" panose="02040503050406030204" pitchFamily="18" charset="0"/>
+                            </a:rPr>
+                            <m:t>∗</m:t>
+                          </m:r>
+                        </m:sup>
+                      </m:sSubSup>
+                      <m:sSub>
+                        <m:sSubPr>
+                          <m:ctrlPr>
+                            <a:rPr lang="es-PE" b="0" i="1" smtClean="0">
+                              <a:latin typeface="Cambria Math" panose="02040503050406030204" pitchFamily="18" charset="0"/>
+                            </a:rPr>
+                          </m:ctrlPr>
+                        </m:sSubPr>
+                        <m:e>
+                          <m:r>
+                            <a:rPr lang="es-PE" b="0" i="1" smtClean="0">
+                              <a:latin typeface="Cambria Math" panose="02040503050406030204" pitchFamily="18" charset="0"/>
+                            </a:rPr>
+                            <m:t>𝑉</m:t>
+                          </m:r>
+                        </m:e>
+                        <m:sub>
+                          <m:r>
+                            <a:rPr lang="es-PE" b="0" i="1" smtClean="0">
+                              <a:latin typeface="Cambria Math" panose="02040503050406030204" pitchFamily="18" charset="0"/>
+                            </a:rPr>
+                            <m:t>𝑗</m:t>
+                          </m:r>
+                        </m:sub>
+                      </m:sSub>
+                      <m:sSubSup>
+                        <m:sSubSupPr>
+                          <m:ctrlPr>
+                            <a:rPr lang="es-PE" b="0" i="1" smtClean="0">
+                              <a:latin typeface="Cambria Math" panose="02040503050406030204" pitchFamily="18" charset="0"/>
+                            </a:rPr>
+                          </m:ctrlPr>
+                        </m:sSubSupPr>
+                        <m:e>
+                          <m:r>
+                            <a:rPr lang="es-PE" b="0" i="1" smtClean="0">
+                              <a:latin typeface="Cambria Math" panose="02040503050406030204" pitchFamily="18" charset="0"/>
+                            </a:rPr>
+                            <m:t>𝑉</m:t>
+                          </m:r>
+                        </m:e>
+                        <m:sub>
+                          <m:r>
+                            <a:rPr lang="es-PE" b="0" i="1" smtClean="0">
+                              <a:latin typeface="Cambria Math" panose="02040503050406030204" pitchFamily="18" charset="0"/>
+                            </a:rPr>
+                            <m:t>𝑖</m:t>
+                          </m:r>
+                        </m:sub>
+                        <m:sup>
+                          <m:r>
+                            <a:rPr lang="es-PE" b="0" i="1" smtClean="0">
+                              <a:latin typeface="Cambria Math" panose="02040503050406030204" pitchFamily="18" charset="0"/>
+                            </a:rPr>
+                            <m:t>∗</m:t>
+                          </m:r>
+                        </m:sup>
+                      </m:sSubSup>
+                    </m:oMath>
+                  </m:oMathPara>
+                </a14:m>
+                <a:endParaRPr lang="es-PE" dirty="0"/>
+              </a:p>
+            </p:txBody>
+          </p:sp>
+        </mc:Choice>
+        <mc:Fallback>
+          <p:sp>
+            <p:nvSpPr>
+              <p:cNvPr id="39" name="CaixaDeTexto 57">
+                <a:extLst>
+                  <a:ext uri="{FF2B5EF4-FFF2-40B4-BE49-F238E27FC236}">
+                    <a16:creationId xmlns:a16="http://schemas.microsoft.com/office/drawing/2014/main" id="{DE48C7C5-FC79-441D-A92C-8033BD6FE0BB}"/>
+                  </a:ext>
+                </a:extLst>
+              </p:cNvPr>
+              <p:cNvSpPr txBox="1">
+                <a:spLocks noRot="1" noChangeAspect="1" noMove="1" noResize="1" noEditPoints="1" noAdjustHandles="1" noChangeArrowheads="1" noChangeShapeType="1" noTextEdit="1"/>
+              </p:cNvSpPr>
+              <p:nvPr/>
+            </p:nvSpPr>
+            <p:spPr>
+              <a:xfrm>
+                <a:off x="2594710" y="5318361"/>
+                <a:ext cx="6237477" cy="356444"/>
+              </a:xfrm>
+              <a:prstGeom prst="rect">
+                <a:avLst/>
+              </a:prstGeom>
+              <a:blipFill>
+                <a:blip r:embed="rId8"/>
+                <a:stretch>
+                  <a:fillRect b="-20339"/>
+                </a:stretch>
+              </a:blipFill>
+            </p:spPr>
+            <p:txBody>
+              <a:bodyPr/>
+              <a:lstStyle/>
+              <a:p>
+                <a:r>
+                  <a:rPr lang="es-PE">
+                    <a:noFill/>
+                  </a:rPr>
+                  <a:t> </a:t>
+                </a:r>
+              </a:p>
+            </p:txBody>
+          </p:sp>
+        </mc:Fallback>
+      </mc:AlternateContent>
+    </p:spTree>
+    <p:extLst>
+      <p:ext uri="{BB962C8B-B14F-4D97-AF65-F5344CB8AC3E}">
+        <p14:creationId xmlns:p14="http://schemas.microsoft.com/office/powerpoint/2010/main" val="1420479825"/>
+      </p:ext>
+    </p:extLst>
+  </p:cSld>
+  <p:clrMapOvr>
+    <a:masterClrMapping/>
+  </p:clrMapOvr>
+  <p:transition spd="slow">
+    <p:fade/>
+  </p:transition>
+</p:sld>
+</file>
+
+<file path=ppt/slides/slide12.xml><?xml version="1.0" encoding="utf-8"?>
+<p:sld xmlns:a="http://schemas.openxmlformats.org/drawingml/2006/main" xmlns:r="http://schemas.openxmlformats.org/officeDocument/2006/relationships" xmlns:p="http://schemas.openxmlformats.org/presentationml/2006/main">
+  <p:cSld>
+    <p:spTree>
+      <p:nvGrpSpPr>
+        <p:cNvPr id="1" name=""/>
+        <p:cNvGrpSpPr/>
+        <p:nvPr/>
+      </p:nvGrpSpPr>
+      <p:grpSpPr>
+        <a:xfrm>
+          <a:off x="0" y="0"/>
+          <a:ext cx="0" cy="0"/>
+          <a:chOff x="0" y="0"/>
+          <a:chExt cx="0" cy="0"/>
+        </a:xfrm>
+      </p:grpSpPr>
+      <p:sp>
+        <p:nvSpPr>
+          <p:cNvPr id="2" name="Marcador de número de diapositiva 1"/>
+          <p:cNvSpPr>
+            <a:spLocks noGrp="1"/>
+          </p:cNvSpPr>
+          <p:nvPr>
+            <p:ph type="sldNum" sz="quarter" idx="12"/>
+          </p:nvPr>
+        </p:nvSpPr>
+        <p:spPr/>
+        <p:txBody>
+          <a:bodyPr/>
+          <a:lstStyle/>
+          <a:p>
+            <a:fld id="{64BD7E74-CBD2-4D88-9109-2EA8081AE675}" type="slidenum">
+              <a:rPr lang="es-ES" smtClean="0"/>
+              <a:pPr/>
+              <a:t>12</a:t>
+            </a:fld>
+            <a:endParaRPr lang="es-ES"/>
+          </a:p>
+        </p:txBody>
+      </p:sp>
+      <p:sp>
+        <p:nvSpPr>
+          <p:cNvPr id="3" name="4 Título"/>
+          <p:cNvSpPr txBox="1">
+            <a:spLocks/>
+          </p:cNvSpPr>
+          <p:nvPr/>
+        </p:nvSpPr>
+        <p:spPr>
+          <a:xfrm>
+            <a:off x="611560" y="188640"/>
+            <a:ext cx="8784976" cy="457120"/>
+          </a:xfrm>
+          <a:prstGeom prst="rect">
+            <a:avLst/>
+          </a:prstGeom>
+        </p:spPr>
+        <p:txBody>
+          <a:bodyPr bIns="91440" anchor="b" anchorCtr="0">
+            <a:noAutofit/>
+          </a:bodyPr>
+          <a:lstStyle>
+            <a:lvl1pPr>
+              <a:spcBef>
+                <a:spcPct val="0"/>
+              </a:spcBef>
+              <a:buNone/>
+              <a:defRPr kumimoji="0" sz="2400">
+                <a:ln w="0"/>
+                <a:solidFill>
+                  <a:schemeClr val="tx2"/>
+                </a:solidFill>
+                <a:effectLst>
+                  <a:outerShdw blurRad="38100" dist="19050" dir="2700000" algn="tl" rotWithShape="0">
+                    <a:schemeClr val="dk1">
+                      <a:alpha val="40000"/>
+                    </a:schemeClr>
+                  </a:outerShdw>
+                </a:effectLst>
+                <a:latin typeface="+mj-lt"/>
+                <a:ea typeface="+mj-ea"/>
+                <a:cs typeface="+mj-cs"/>
+              </a:defRPr>
+            </a:lvl1pPr>
+          </a:lstStyle>
+          <a:p>
+            <a:r>
+              <a:rPr lang="es-PE" altLang="en-US" dirty="0"/>
+              <a:t>Transformador: Modelo “Pi”</a:t>
+            </a:r>
+          </a:p>
+        </p:txBody>
+      </p:sp>
+      <mc:AlternateContent xmlns:mc="http://schemas.openxmlformats.org/markup-compatibility/2006">
+        <mc:Choice xmlns:a14="http://schemas.microsoft.com/office/drawing/2010/main" Requires="a14">
+          <p:sp>
+            <p:nvSpPr>
+              <p:cNvPr id="4" name="Retângulo 3">
+                <a:extLst>
+                  <a:ext uri="{FF2B5EF4-FFF2-40B4-BE49-F238E27FC236}">
+                    <a16:creationId xmlns:a16="http://schemas.microsoft.com/office/drawing/2014/main" id="{82427D91-6E57-4FCC-A029-F1ECE99B7202}"/>
+                  </a:ext>
+                </a:extLst>
+              </p:cNvPr>
+              <p:cNvSpPr/>
+              <p:nvPr/>
+            </p:nvSpPr>
+            <p:spPr>
+              <a:xfrm>
+                <a:off x="5038435" y="1387704"/>
+                <a:ext cx="1152128" cy="457120"/>
+              </a:xfrm>
+              <a:prstGeom prst="rect">
+                <a:avLst/>
+              </a:prstGeom>
+              <a:noFill/>
+              <a:ln w="28575" cap="flat" cmpd="sng" algn="ctr">
+                <a:solidFill>
+                  <a:schemeClr val="dk1"/>
+                </a:solidFill>
+                <a:prstDash val="solid"/>
+                <a:round/>
+                <a:headEnd type="none" w="med" len="med"/>
+                <a:tailEnd type="none" w="med" len="med"/>
+              </a:ln>
+            </p:spPr>
+            <p:style>
+              <a:lnRef idx="0">
+                <a:scrgbClr r="0" g="0" b="0"/>
+              </a:lnRef>
+              <a:fillRef idx="0">
+                <a:scrgbClr r="0" g="0" b="0"/>
+              </a:fillRef>
+              <a:effectRef idx="0">
+                <a:scrgbClr r="0" g="0" b="0"/>
+              </a:effectRef>
+              <a:fontRef idx="minor">
+                <a:schemeClr val="dk1"/>
+              </a:fontRef>
+            </p:style>
+            <p:txBody>
+              <a:bodyPr rtlCol="0" anchor="ctr"/>
+              <a:lstStyle/>
+              <a:p>
+                <a:pPr algn="ctr"/>
+                <a14:m>
+                  <m:oMathPara xmlns:m="http://schemas.openxmlformats.org/officeDocument/2006/math">
+                    <m:oMathParaPr>
+                      <m:jc m:val="centerGroup"/>
+                    </m:oMathParaPr>
+                    <m:oMath xmlns:m="http://schemas.openxmlformats.org/officeDocument/2006/math">
+                      <m:sSub>
+                        <m:sSubPr>
+                          <m:ctrlPr>
+                            <a:rPr lang="es-PE" i="1" smtClean="0">
+                              <a:latin typeface="Cambria Math" panose="02040503050406030204" pitchFamily="18" charset="0"/>
+                            </a:rPr>
+                          </m:ctrlPr>
+                        </m:sSubPr>
+                        <m:e>
+                          <m:r>
+                            <a:rPr lang="pt-BR" b="1" i="1" smtClean="0">
+                              <a:latin typeface="Cambria Math" panose="02040503050406030204" pitchFamily="18" charset="0"/>
+                            </a:rPr>
+                            <m:t>𝒀</m:t>
+                          </m:r>
+                        </m:e>
+                        <m:sub>
+                          <m:r>
+                            <a:rPr lang="pt-BR" b="0" i="1" smtClean="0">
+                              <a:latin typeface="Cambria Math" panose="02040503050406030204" pitchFamily="18" charset="0"/>
+                            </a:rPr>
+                            <m:t>𝑖𝑗</m:t>
+                          </m:r>
+                        </m:sub>
+                      </m:sSub>
+                    </m:oMath>
+                  </m:oMathPara>
+                </a14:m>
+                <a:endParaRPr lang="es-PE" dirty="0"/>
+              </a:p>
+            </p:txBody>
+          </p:sp>
+        </mc:Choice>
+        <mc:Fallback>
+          <p:sp>
+            <p:nvSpPr>
+              <p:cNvPr id="4" name="Retângulo 3">
+                <a:extLst>
+                  <a:ext uri="{FF2B5EF4-FFF2-40B4-BE49-F238E27FC236}">
+                    <a16:creationId xmlns:a16="http://schemas.microsoft.com/office/drawing/2014/main" id="{82427D91-6E57-4FCC-A029-F1ECE99B7202}"/>
+                  </a:ext>
+                </a:extLst>
+              </p:cNvPr>
+              <p:cNvSpPr>
+                <a:spLocks noRot="1" noChangeAspect="1" noMove="1" noResize="1" noEditPoints="1" noAdjustHandles="1" noChangeArrowheads="1" noChangeShapeType="1" noTextEdit="1"/>
+              </p:cNvSpPr>
+              <p:nvPr/>
+            </p:nvSpPr>
+            <p:spPr>
+              <a:xfrm>
+                <a:off x="5038435" y="1387704"/>
+                <a:ext cx="1152128" cy="457120"/>
+              </a:xfrm>
+              <a:prstGeom prst="rect">
+                <a:avLst/>
+              </a:prstGeom>
+              <a:blipFill>
+                <a:blip r:embed="rId2"/>
+                <a:stretch>
+                  <a:fillRect/>
+                </a:stretch>
+              </a:blipFill>
+              <a:ln w="28575" cap="flat" cmpd="sng" algn="ctr">
+                <a:solidFill>
+                  <a:schemeClr val="dk1"/>
+                </a:solidFill>
+                <a:prstDash val="solid"/>
+                <a:round/>
+                <a:headEnd type="none" w="med" len="med"/>
+                <a:tailEnd type="none" w="med" len="med"/>
+              </a:ln>
+            </p:spPr>
+            <p:txBody>
+              <a:bodyPr/>
+              <a:lstStyle/>
+              <a:p>
+                <a:r>
+                  <a:rPr lang="es-PE">
+                    <a:noFill/>
+                  </a:rPr>
+                  <a:t> </a:t>
+                </a:r>
+              </a:p>
+            </p:txBody>
+          </p:sp>
+        </mc:Fallback>
+      </mc:AlternateContent>
+      <p:sp>
+        <p:nvSpPr>
+          <p:cNvPr id="5" name="Elipse 4">
+            <a:extLst>
+              <a:ext uri="{FF2B5EF4-FFF2-40B4-BE49-F238E27FC236}">
+                <a16:creationId xmlns:a16="http://schemas.microsoft.com/office/drawing/2014/main" id="{96536000-70A4-48B9-8F01-E78DE9087F9B}"/>
+              </a:ext>
+            </a:extLst>
+          </p:cNvPr>
+          <p:cNvSpPr/>
+          <p:nvPr/>
+        </p:nvSpPr>
+        <p:spPr>
+          <a:xfrm>
+            <a:off x="8710843" y="1508252"/>
+            <a:ext cx="216024" cy="216024"/>
+          </a:xfrm>
+          <a:prstGeom prst="ellipse">
+            <a:avLst/>
+          </a:prstGeom>
+          <a:noFill/>
+          <a:ln w="28575" cap="flat" cmpd="sng" algn="ctr">
+            <a:solidFill>
+              <a:schemeClr val="dk1"/>
+            </a:solidFill>
+            <a:prstDash val="solid"/>
+            <a:round/>
+            <a:headEnd type="none" w="med" len="med"/>
+            <a:tailEnd type="none" w="med" len="med"/>
+          </a:ln>
+        </p:spPr>
+        <p:style>
+          <a:lnRef idx="0">
+            <a:scrgbClr r="0" g="0" b="0"/>
+          </a:lnRef>
+          <a:fillRef idx="0">
+            <a:scrgbClr r="0" g="0" b="0"/>
+          </a:fillRef>
+          <a:effectRef idx="0">
+            <a:scrgbClr r="0" g="0" b="0"/>
+          </a:effectRef>
+          <a:fontRef idx="minor">
+            <a:schemeClr val="dk1"/>
+          </a:fontRef>
+        </p:style>
+        <p:txBody>
+          <a:bodyPr rtlCol="0" anchor="ctr"/>
+          <a:lstStyle/>
+          <a:p>
+            <a:pPr algn="ctr"/>
+            <a:endParaRPr lang="es-PE"/>
+          </a:p>
+        </p:txBody>
+      </p:sp>
+      <p:cxnSp>
+        <p:nvCxnSpPr>
+          <p:cNvPr id="10" name="Conector reto 9">
+            <a:extLst>
+              <a:ext uri="{FF2B5EF4-FFF2-40B4-BE49-F238E27FC236}">
+                <a16:creationId xmlns:a16="http://schemas.microsoft.com/office/drawing/2014/main" id="{B69E918F-931E-484D-B43D-760D75FB38A3}"/>
+              </a:ext>
+            </a:extLst>
+          </p:cNvPr>
+          <p:cNvCxnSpPr>
+            <a:cxnSpLocks/>
+            <a:stCxn id="5" idx="2"/>
+            <a:endCxn id="4" idx="3"/>
+          </p:cNvCxnSpPr>
+          <p:nvPr/>
+        </p:nvCxnSpPr>
+        <p:spPr>
+          <a:xfrm flipH="1">
+            <a:off x="6190563" y="1616264"/>
+            <a:ext cx="2520280" cy="0"/>
+          </a:xfrm>
+          <a:prstGeom prst="line">
+            <a:avLst/>
+          </a:prstGeom>
+          <a:ln w="28575"/>
+        </p:spPr>
+        <p:style>
+          <a:lnRef idx="1">
+            <a:schemeClr val="dk1"/>
+          </a:lnRef>
+          <a:fillRef idx="0">
+            <a:schemeClr val="dk1"/>
+          </a:fillRef>
+          <a:effectRef idx="0">
+            <a:schemeClr val="dk1"/>
+          </a:effectRef>
+          <a:fontRef idx="minor">
+            <a:schemeClr val="tx1"/>
+          </a:fontRef>
+        </p:style>
+      </p:cxnSp>
+      <mc:AlternateContent xmlns:mc="http://schemas.openxmlformats.org/markup-compatibility/2006">
+        <mc:Choice xmlns:a14="http://schemas.microsoft.com/office/drawing/2010/main" Requires="a14">
+          <p:sp>
+            <p:nvSpPr>
+              <p:cNvPr id="13" name="CaixaDeTexto 12">
+                <a:extLst>
+                  <a:ext uri="{FF2B5EF4-FFF2-40B4-BE49-F238E27FC236}">
+                    <a16:creationId xmlns:a16="http://schemas.microsoft.com/office/drawing/2014/main" id="{EF091E1B-B075-43B1-8374-516CCA695777}"/>
+                  </a:ext>
+                </a:extLst>
+              </p:cNvPr>
+              <p:cNvSpPr txBox="1"/>
+              <p:nvPr/>
+            </p:nvSpPr>
+            <p:spPr>
+              <a:xfrm>
+                <a:off x="8726218" y="1197736"/>
+                <a:ext cx="238270" cy="299313"/>
+              </a:xfrm>
+              <a:prstGeom prst="rect">
+                <a:avLst/>
+              </a:prstGeom>
+              <a:noFill/>
+            </p:spPr>
+            <p:txBody>
+              <a:bodyPr wrap="none" lIns="0" tIns="0" rIns="0" bIns="0" rtlCol="0">
+                <a:spAutoFit/>
+              </a:bodyPr>
+              <a:lstStyle/>
+              <a:p>
+                <a:pPr/>
+                <a14:m>
+                  <m:oMathPara xmlns:m="http://schemas.openxmlformats.org/officeDocument/2006/math">
+                    <m:oMathParaPr>
+                      <m:jc m:val="centerGroup"/>
+                    </m:oMathParaPr>
+                    <m:oMath xmlns:m="http://schemas.openxmlformats.org/officeDocument/2006/math">
+                      <m:sSub>
+                        <m:sSubPr>
+                          <m:ctrlPr>
+                            <a:rPr lang="es-PE" i="1" smtClean="0">
+                              <a:latin typeface="Cambria Math" panose="02040503050406030204" pitchFamily="18" charset="0"/>
+                            </a:rPr>
+                          </m:ctrlPr>
+                        </m:sSubPr>
+                        <m:e>
+                          <m:r>
+                            <a:rPr lang="pt-BR" b="0" i="1" smtClean="0">
+                              <a:latin typeface="Cambria Math" panose="02040503050406030204" pitchFamily="18" charset="0"/>
+                            </a:rPr>
+                            <m:t>𝑉</m:t>
+                          </m:r>
+                        </m:e>
+                        <m:sub>
+                          <m:r>
+                            <a:rPr lang="pt-BR" b="0" i="1" smtClean="0">
+                              <a:latin typeface="Cambria Math" panose="02040503050406030204" pitchFamily="18" charset="0"/>
+                            </a:rPr>
+                            <m:t>𝑗</m:t>
+                          </m:r>
+                        </m:sub>
+                      </m:sSub>
+                    </m:oMath>
+                  </m:oMathPara>
+                </a14:m>
+                <a:endParaRPr lang="es-PE" dirty="0"/>
+              </a:p>
+            </p:txBody>
+          </p:sp>
+        </mc:Choice>
+        <mc:Fallback>
+          <p:sp>
+            <p:nvSpPr>
+              <p:cNvPr id="13" name="CaixaDeTexto 12">
+                <a:extLst>
+                  <a:ext uri="{FF2B5EF4-FFF2-40B4-BE49-F238E27FC236}">
+                    <a16:creationId xmlns:a16="http://schemas.microsoft.com/office/drawing/2014/main" id="{EF091E1B-B075-43B1-8374-516CCA695777}"/>
+                  </a:ext>
+                </a:extLst>
+              </p:cNvPr>
+              <p:cNvSpPr txBox="1">
+                <a:spLocks noRot="1" noChangeAspect="1" noMove="1" noResize="1" noEditPoints="1" noAdjustHandles="1" noChangeArrowheads="1" noChangeShapeType="1" noTextEdit="1"/>
+              </p:cNvSpPr>
+              <p:nvPr/>
+            </p:nvSpPr>
+            <p:spPr>
+              <a:xfrm>
+                <a:off x="8726218" y="1197736"/>
+                <a:ext cx="238270" cy="299313"/>
+              </a:xfrm>
+              <a:prstGeom prst="rect">
+                <a:avLst/>
+              </a:prstGeom>
+              <a:blipFill>
+                <a:blip r:embed="rId3"/>
+                <a:stretch>
+                  <a:fillRect l="-22500" r="-15000" b="-24000"/>
+                </a:stretch>
+              </a:blipFill>
+            </p:spPr>
+            <p:txBody>
+              <a:bodyPr/>
+              <a:lstStyle/>
+              <a:p>
+                <a:r>
+                  <a:rPr lang="es-PE">
+                    <a:noFill/>
+                  </a:rPr>
+                  <a:t> </a:t>
+                </a:r>
+              </a:p>
+            </p:txBody>
+          </p:sp>
+        </mc:Fallback>
+      </mc:AlternateContent>
+      <p:sp>
+        <p:nvSpPr>
+          <p:cNvPr id="45" name="Elipse 44">
+            <a:extLst>
+              <a:ext uri="{FF2B5EF4-FFF2-40B4-BE49-F238E27FC236}">
+                <a16:creationId xmlns:a16="http://schemas.microsoft.com/office/drawing/2014/main" id="{3C3F3252-2EE7-43EE-8ADE-09119F27775A}"/>
+              </a:ext>
+            </a:extLst>
+          </p:cNvPr>
+          <p:cNvSpPr/>
+          <p:nvPr/>
+        </p:nvSpPr>
+        <p:spPr>
+          <a:xfrm>
+            <a:off x="622695" y="1508252"/>
+            <a:ext cx="216024" cy="216024"/>
+          </a:xfrm>
+          <a:prstGeom prst="ellipse">
+            <a:avLst/>
+          </a:prstGeom>
+          <a:noFill/>
+          <a:ln w="28575" cap="flat" cmpd="sng" algn="ctr">
+            <a:solidFill>
+              <a:schemeClr val="dk1"/>
+            </a:solidFill>
+            <a:prstDash val="solid"/>
+            <a:round/>
+            <a:headEnd type="none" w="med" len="med"/>
+            <a:tailEnd type="none" w="med" len="med"/>
+          </a:ln>
+        </p:spPr>
+        <p:style>
+          <a:lnRef idx="0">
+            <a:scrgbClr r="0" g="0" b="0"/>
+          </a:lnRef>
+          <a:fillRef idx="0">
+            <a:scrgbClr r="0" g="0" b="0"/>
+          </a:fillRef>
+          <a:effectRef idx="0">
+            <a:scrgbClr r="0" g="0" b="0"/>
+          </a:effectRef>
+          <a:fontRef idx="minor">
+            <a:schemeClr val="dk1"/>
+          </a:fontRef>
+        </p:style>
+        <p:txBody>
+          <a:bodyPr rtlCol="0" anchor="ctr"/>
+          <a:lstStyle/>
+          <a:p>
+            <a:pPr algn="ctr"/>
+            <a:endParaRPr lang="es-PE"/>
+          </a:p>
+        </p:txBody>
+      </p:sp>
+      <p:cxnSp>
+        <p:nvCxnSpPr>
+          <p:cNvPr id="18" name="Conector reto 17">
+            <a:extLst>
+              <a:ext uri="{FF2B5EF4-FFF2-40B4-BE49-F238E27FC236}">
+                <a16:creationId xmlns:a16="http://schemas.microsoft.com/office/drawing/2014/main" id="{81855FCB-014A-4962-9045-A348AC195096}"/>
+              </a:ext>
+            </a:extLst>
+          </p:cNvPr>
+          <p:cNvCxnSpPr>
+            <a:stCxn id="4" idx="1"/>
+            <a:endCxn id="35" idx="6"/>
+          </p:cNvCxnSpPr>
+          <p:nvPr/>
+        </p:nvCxnSpPr>
+        <p:spPr>
+          <a:xfrm flipH="1">
+            <a:off x="2538837" y="1616264"/>
+            <a:ext cx="2499598" cy="0"/>
+          </a:xfrm>
+          <a:prstGeom prst="line">
+            <a:avLst/>
+          </a:prstGeom>
+          <a:ln w="28575"/>
+        </p:spPr>
+        <p:style>
+          <a:lnRef idx="1">
+            <a:schemeClr val="dk1"/>
+          </a:lnRef>
+          <a:fillRef idx="0">
+            <a:schemeClr val="dk1"/>
+          </a:fillRef>
+          <a:effectRef idx="0">
+            <a:schemeClr val="dk1"/>
+          </a:effectRef>
+          <a:fontRef idx="minor">
+            <a:schemeClr val="tx1"/>
+          </a:fontRef>
+        </p:style>
+      </p:cxnSp>
+      <mc:AlternateContent xmlns:mc="http://schemas.openxmlformats.org/markup-compatibility/2006">
+        <mc:Choice xmlns:a14="http://schemas.microsoft.com/office/drawing/2010/main" Requires="a14">
+          <p:sp>
+            <p:nvSpPr>
+              <p:cNvPr id="46" name="CaixaDeTexto 45">
+                <a:extLst>
+                  <a:ext uri="{FF2B5EF4-FFF2-40B4-BE49-F238E27FC236}">
+                    <a16:creationId xmlns:a16="http://schemas.microsoft.com/office/drawing/2014/main" id="{F294E811-2C90-4E89-99CA-281AB8E13340}"/>
+                  </a:ext>
+                </a:extLst>
+              </p:cNvPr>
+              <p:cNvSpPr txBox="1"/>
+              <p:nvPr/>
+            </p:nvSpPr>
+            <p:spPr>
+              <a:xfrm>
+                <a:off x="622695" y="1197736"/>
+                <a:ext cx="239553" cy="276999"/>
+              </a:xfrm>
+              <a:prstGeom prst="rect">
+                <a:avLst/>
+              </a:prstGeom>
+              <a:noFill/>
+            </p:spPr>
+            <p:txBody>
+              <a:bodyPr wrap="none" lIns="0" tIns="0" rIns="0" bIns="0" rtlCol="0">
+                <a:spAutoFit/>
+              </a:bodyPr>
+              <a:lstStyle/>
+              <a:p>
+                <a:pPr/>
+                <a14:m>
+                  <m:oMathPara xmlns:m="http://schemas.openxmlformats.org/officeDocument/2006/math">
+                    <m:oMathParaPr>
+                      <m:jc m:val="centerGroup"/>
+                    </m:oMathParaPr>
+                    <m:oMath xmlns:m="http://schemas.openxmlformats.org/officeDocument/2006/math">
+                      <m:sSub>
+                        <m:sSubPr>
+                          <m:ctrlPr>
+                            <a:rPr lang="es-PE" i="1" smtClean="0">
+                              <a:latin typeface="Cambria Math" panose="02040503050406030204" pitchFamily="18" charset="0"/>
+                            </a:rPr>
+                          </m:ctrlPr>
+                        </m:sSubPr>
+                        <m:e>
+                          <m:r>
+                            <a:rPr lang="pt-BR" b="0" i="1" smtClean="0">
+                              <a:latin typeface="Cambria Math" panose="02040503050406030204" pitchFamily="18" charset="0"/>
+                            </a:rPr>
+                            <m:t>𝑉</m:t>
+                          </m:r>
+                        </m:e>
+                        <m:sub>
+                          <m:r>
+                            <a:rPr lang="pt-BR" b="0" i="1" smtClean="0">
+                              <a:latin typeface="Cambria Math" panose="02040503050406030204" pitchFamily="18" charset="0"/>
+                            </a:rPr>
+                            <m:t>𝑖</m:t>
+                          </m:r>
+                        </m:sub>
+                      </m:sSub>
+                    </m:oMath>
+                  </m:oMathPara>
+                </a14:m>
+                <a:endParaRPr lang="es-PE" dirty="0"/>
+              </a:p>
+            </p:txBody>
+          </p:sp>
+        </mc:Choice>
+        <mc:Fallback>
+          <p:sp>
+            <p:nvSpPr>
+              <p:cNvPr id="46" name="CaixaDeTexto 45">
+                <a:extLst>
+                  <a:ext uri="{FF2B5EF4-FFF2-40B4-BE49-F238E27FC236}">
+                    <a16:creationId xmlns:a16="http://schemas.microsoft.com/office/drawing/2014/main" id="{F294E811-2C90-4E89-99CA-281AB8E13340}"/>
+                  </a:ext>
+                </a:extLst>
+              </p:cNvPr>
+              <p:cNvSpPr txBox="1">
+                <a:spLocks noRot="1" noChangeAspect="1" noMove="1" noResize="1" noEditPoints="1" noAdjustHandles="1" noChangeArrowheads="1" noChangeShapeType="1" noTextEdit="1"/>
+              </p:cNvSpPr>
+              <p:nvPr/>
+            </p:nvSpPr>
+            <p:spPr>
+              <a:xfrm>
+                <a:off x="622695" y="1197736"/>
+                <a:ext cx="239553" cy="276999"/>
+              </a:xfrm>
+              <a:prstGeom prst="rect">
+                <a:avLst/>
+              </a:prstGeom>
+              <a:blipFill>
+                <a:blip r:embed="rId4"/>
+                <a:stretch>
+                  <a:fillRect l="-23077" r="-12821" b="-13043"/>
+                </a:stretch>
+              </a:blipFill>
+            </p:spPr>
+            <p:txBody>
+              <a:bodyPr/>
+              <a:lstStyle/>
+              <a:p>
+                <a:r>
+                  <a:rPr lang="es-PE">
+                    <a:noFill/>
+                  </a:rPr>
+                  <a:t> </a:t>
+                </a:r>
+              </a:p>
+            </p:txBody>
+          </p:sp>
+        </mc:Fallback>
+      </mc:AlternateContent>
+      <p:cxnSp>
+        <p:nvCxnSpPr>
+          <p:cNvPr id="20" name="Conector de Seta Reta 19">
+            <a:extLst>
+              <a:ext uri="{FF2B5EF4-FFF2-40B4-BE49-F238E27FC236}">
+                <a16:creationId xmlns:a16="http://schemas.microsoft.com/office/drawing/2014/main" id="{A45B75C4-A3C1-451F-AE2F-C33AE7B393FB}"/>
+              </a:ext>
+            </a:extLst>
+          </p:cNvPr>
+          <p:cNvCxnSpPr>
+            <a:stCxn id="5" idx="2"/>
+          </p:cNvCxnSpPr>
+          <p:nvPr/>
+        </p:nvCxnSpPr>
+        <p:spPr>
+          <a:xfrm flipH="1">
+            <a:off x="7486707" y="1616264"/>
+            <a:ext cx="1224136" cy="0"/>
+          </a:xfrm>
+          <a:prstGeom prst="straightConnector1">
+            <a:avLst/>
+          </a:prstGeom>
+          <a:ln w="28575">
+            <a:tailEnd type="triangle"/>
+          </a:ln>
+        </p:spPr>
+        <p:style>
+          <a:lnRef idx="1">
+            <a:schemeClr val="dk1"/>
+          </a:lnRef>
+          <a:fillRef idx="0">
+            <a:schemeClr val="dk1"/>
+          </a:fillRef>
+          <a:effectRef idx="0">
+            <a:schemeClr val="dk1"/>
+          </a:effectRef>
+          <a:fontRef idx="minor">
+            <a:schemeClr val="tx1"/>
+          </a:fontRef>
+        </p:style>
+      </p:cxnSp>
+      <p:cxnSp>
+        <p:nvCxnSpPr>
+          <p:cNvPr id="22" name="Conector de Seta Reta 21">
+            <a:extLst>
+              <a:ext uri="{FF2B5EF4-FFF2-40B4-BE49-F238E27FC236}">
+                <a16:creationId xmlns:a16="http://schemas.microsoft.com/office/drawing/2014/main" id="{653FCAC3-60A8-4306-960A-43E527CE1800}"/>
+              </a:ext>
+            </a:extLst>
+          </p:cNvPr>
+          <p:cNvCxnSpPr/>
+          <p:nvPr/>
+        </p:nvCxnSpPr>
+        <p:spPr>
+          <a:xfrm>
+            <a:off x="2538837" y="1616264"/>
+            <a:ext cx="665011" cy="0"/>
+          </a:xfrm>
+          <a:prstGeom prst="straightConnector1">
+            <a:avLst/>
+          </a:prstGeom>
+          <a:ln>
+            <a:tailEnd type="triangle"/>
+          </a:ln>
+        </p:spPr>
+        <p:style>
+          <a:lnRef idx="1">
+            <a:schemeClr val="dk1"/>
+          </a:lnRef>
+          <a:fillRef idx="0">
+            <a:schemeClr val="dk1"/>
+          </a:fillRef>
+          <a:effectRef idx="0">
+            <a:schemeClr val="dk1"/>
+          </a:effectRef>
+          <a:fontRef idx="minor">
+            <a:schemeClr val="tx1"/>
+          </a:fontRef>
+        </p:style>
+      </p:cxnSp>
+      <p:sp>
+        <p:nvSpPr>
+          <p:cNvPr id="24" name="CaixaDeTexto 23">
+            <a:extLst>
+              <a:ext uri="{FF2B5EF4-FFF2-40B4-BE49-F238E27FC236}">
+                <a16:creationId xmlns:a16="http://schemas.microsoft.com/office/drawing/2014/main" id="{F70545E6-D70D-4994-A102-2E80DC080479}"/>
+              </a:ext>
+            </a:extLst>
+          </p:cNvPr>
+          <p:cNvSpPr txBox="1"/>
+          <p:nvPr/>
+        </p:nvSpPr>
+        <p:spPr>
+          <a:xfrm>
+            <a:off x="622695" y="3356992"/>
+            <a:ext cx="2492157" cy="369332"/>
+          </a:xfrm>
+          <a:prstGeom prst="rect">
+            <a:avLst/>
+          </a:prstGeom>
+          <a:noFill/>
+        </p:spPr>
+        <p:txBody>
+          <a:bodyPr wrap="none" rtlCol="0">
+            <a:spAutoFit/>
+          </a:bodyPr>
+          <a:lstStyle/>
+          <a:p>
+            <a:pPr marL="285750" indent="-285750">
+              <a:buFont typeface="Arial" panose="020B0604020202020204" pitchFamily="34" charset="0"/>
+              <a:buChar char="•"/>
+            </a:pPr>
+            <a:r>
+              <a:rPr lang="es-PE" dirty="0"/>
+              <a:t>Conecta barras en la red</a:t>
+            </a:r>
+          </a:p>
+        </p:txBody>
+      </p:sp>
+      <p:sp>
+        <p:nvSpPr>
+          <p:cNvPr id="52" name="CaixaDeTexto 51">
+            <a:extLst>
+              <a:ext uri="{FF2B5EF4-FFF2-40B4-BE49-F238E27FC236}">
+                <a16:creationId xmlns:a16="http://schemas.microsoft.com/office/drawing/2014/main" id="{C18BA5D5-8C0D-453A-A494-564A03C563FE}"/>
+              </a:ext>
+            </a:extLst>
+          </p:cNvPr>
+          <p:cNvSpPr txBox="1"/>
+          <p:nvPr/>
+        </p:nvSpPr>
+        <p:spPr>
+          <a:xfrm>
+            <a:off x="622695" y="4293096"/>
+            <a:ext cx="1972015" cy="369332"/>
+          </a:xfrm>
+          <a:prstGeom prst="rect">
+            <a:avLst/>
+          </a:prstGeom>
+          <a:noFill/>
+        </p:spPr>
+        <p:txBody>
+          <a:bodyPr wrap="none" rtlCol="0">
+            <a:spAutoFit/>
+          </a:bodyPr>
+          <a:lstStyle/>
+          <a:p>
+            <a:pPr marL="285750" indent="-285750">
+              <a:buFont typeface="Arial" panose="020B0604020202020204" pitchFamily="34" charset="0"/>
+              <a:buChar char="•"/>
+            </a:pPr>
+            <a:r>
+              <a:rPr lang="es-PE" dirty="0"/>
+              <a:t>Flujo de potencia:</a:t>
+            </a:r>
+          </a:p>
+        </p:txBody>
+      </p:sp>
+      <mc:AlternateContent xmlns:mc="http://schemas.openxmlformats.org/markup-compatibility/2006">
+        <mc:Choice xmlns:a14="http://schemas.microsoft.com/office/drawing/2010/main" Requires="a14">
+          <p:sp>
+            <p:nvSpPr>
+              <p:cNvPr id="58" name="CaixaDeTexto 57">
+                <a:extLst>
+                  <a:ext uri="{FF2B5EF4-FFF2-40B4-BE49-F238E27FC236}">
+                    <a16:creationId xmlns:a16="http://schemas.microsoft.com/office/drawing/2014/main" id="{DE48C7C5-FC79-441D-A92C-8033BD6FE0BB}"/>
+                  </a:ext>
+                </a:extLst>
+              </p:cNvPr>
+              <p:cNvSpPr txBox="1"/>
+              <p:nvPr/>
+            </p:nvSpPr>
+            <p:spPr>
+              <a:xfrm>
+                <a:off x="2594710" y="4299924"/>
+                <a:ext cx="3380284" cy="683007"/>
+              </a:xfrm>
+              <a:prstGeom prst="rect">
+                <a:avLst/>
+              </a:prstGeom>
+              <a:noFill/>
+            </p:spPr>
+            <p:txBody>
+              <a:bodyPr wrap="none" lIns="0" tIns="0" rIns="0" bIns="0" rtlCol="0">
+                <a:spAutoFit/>
+              </a:bodyPr>
+              <a:lstStyle/>
+              <a:p>
+                <a:pPr/>
+                <a14:m>
+                  <m:oMathPara xmlns:m="http://schemas.openxmlformats.org/officeDocument/2006/math">
+                    <m:oMathParaPr>
+                      <m:jc m:val="centerGroup"/>
+                    </m:oMathParaPr>
+                    <m:oMath xmlns:m="http://schemas.openxmlformats.org/officeDocument/2006/math">
+                      <m:sSub>
+                        <m:sSubPr>
+                          <m:ctrlPr>
+                            <a:rPr lang="es-PE" i="1" smtClean="0">
+                              <a:latin typeface="Cambria Math" panose="02040503050406030204" pitchFamily="18" charset="0"/>
+                            </a:rPr>
+                          </m:ctrlPr>
+                        </m:sSubPr>
+                        <m:e>
+                          <m:r>
+                            <a:rPr lang="pt-BR" b="0" i="1" smtClean="0">
+                              <a:latin typeface="Cambria Math" panose="02040503050406030204" pitchFamily="18" charset="0"/>
+                            </a:rPr>
+                            <m:t>𝑆</m:t>
+                          </m:r>
+                        </m:e>
+                        <m:sub>
+                          <m:r>
+                            <a:rPr lang="pt-BR" b="0" i="1" smtClean="0">
+                              <a:latin typeface="Cambria Math" panose="02040503050406030204" pitchFamily="18" charset="0"/>
+                            </a:rPr>
+                            <m:t>𝑖𝑗</m:t>
+                          </m:r>
+                        </m:sub>
+                      </m:sSub>
+                      <m:r>
+                        <a:rPr lang="pt-BR" b="0" i="1" smtClean="0">
+                          <a:latin typeface="Cambria Math" panose="02040503050406030204" pitchFamily="18" charset="0"/>
+                        </a:rPr>
+                        <m:t>=</m:t>
+                      </m:r>
+                      <m:sSub>
+                        <m:sSubPr>
+                          <m:ctrlPr>
+                            <a:rPr lang="pt-BR" b="0" i="1" smtClean="0">
+                              <a:latin typeface="Cambria Math" panose="02040503050406030204" pitchFamily="18" charset="0"/>
+                            </a:rPr>
+                          </m:ctrlPr>
+                        </m:sSubPr>
+                        <m:e>
+                          <m:f>
+                            <m:fPr>
+                              <m:ctrlPr>
+                                <a:rPr lang="pt-BR" b="0" i="1" smtClean="0">
+                                  <a:latin typeface="Cambria Math" panose="02040503050406030204" pitchFamily="18" charset="0"/>
+                                </a:rPr>
+                              </m:ctrlPr>
+                            </m:fPr>
+                            <m:num>
+                              <m:d>
+                                <m:dPr>
+                                  <m:ctrlPr>
+                                    <a:rPr lang="pt-BR" b="0" i="1" smtClean="0">
+                                      <a:latin typeface="Cambria Math" panose="02040503050406030204" pitchFamily="18" charset="0"/>
+                                    </a:rPr>
+                                  </m:ctrlPr>
+                                </m:dPr>
+                                <m:e>
+                                  <m:sSubSup>
+                                    <m:sSubSupPr>
+                                      <m:ctrlPr>
+                                        <a:rPr lang="pt-BR" b="0" i="1" smtClean="0">
+                                          <a:latin typeface="Cambria Math" panose="02040503050406030204" pitchFamily="18" charset="0"/>
+                                        </a:rPr>
+                                      </m:ctrlPr>
+                                    </m:sSubSupPr>
+                                    <m:e>
+                                      <m:r>
+                                        <a:rPr lang="es-PE" b="1" i="1" smtClean="0">
+                                          <a:latin typeface="Cambria Math" panose="02040503050406030204" pitchFamily="18" charset="0"/>
+                                        </a:rPr>
+                                        <m:t>𝒀</m:t>
+                                      </m:r>
+                                    </m:e>
+                                    <m:sub>
+                                      <m:r>
+                                        <a:rPr lang="es-PE" b="0" i="1" smtClean="0">
+                                          <a:latin typeface="Cambria Math" panose="02040503050406030204" pitchFamily="18" charset="0"/>
+                                        </a:rPr>
+                                        <m:t>𝑖𝑗</m:t>
+                                      </m:r>
+                                    </m:sub>
+                                    <m:sup>
+                                      <m:r>
+                                        <a:rPr lang="es-PE" b="0" i="1" smtClean="0">
+                                          <a:latin typeface="Cambria Math" panose="02040503050406030204" pitchFamily="18" charset="0"/>
+                                        </a:rPr>
+                                        <m:t>∗</m:t>
+                                      </m:r>
+                                    </m:sup>
+                                  </m:sSubSup>
+                                  <m:r>
+                                    <a:rPr lang="es-PE" b="0" i="1" smtClean="0">
+                                      <a:latin typeface="Cambria Math" panose="02040503050406030204" pitchFamily="18" charset="0"/>
+                                    </a:rPr>
+                                    <m:t>+</m:t>
+                                  </m:r>
+                                  <m:sSubSup>
+                                    <m:sSubSupPr>
+                                      <m:ctrlPr>
+                                        <a:rPr lang="es-PE" b="0" i="1" smtClean="0">
+                                          <a:latin typeface="Cambria Math" panose="02040503050406030204" pitchFamily="18" charset="0"/>
+                                        </a:rPr>
+                                      </m:ctrlPr>
+                                    </m:sSubSupPr>
+                                    <m:e>
+                                      <m:r>
+                                        <a:rPr lang="es-PE" b="1" i="1" smtClean="0">
+                                          <a:latin typeface="Cambria Math" panose="02040503050406030204" pitchFamily="18" charset="0"/>
+                                        </a:rPr>
+                                        <m:t>𝒀</m:t>
+                                      </m:r>
+                                    </m:e>
+                                    <m:sub>
+                                      <m:r>
+                                        <a:rPr lang="es-PE" b="0" i="1" smtClean="0">
+                                          <a:latin typeface="Cambria Math" panose="02040503050406030204" pitchFamily="18" charset="0"/>
+                                        </a:rPr>
+                                        <m:t>𝑖𝑗</m:t>
+                                      </m:r>
+                                    </m:sub>
+                                    <m:sup>
+                                      <m:r>
+                                        <a:rPr lang="es-PE" b="0" i="1" smtClean="0">
+                                          <a:latin typeface="Cambria Math" panose="02040503050406030204" pitchFamily="18" charset="0"/>
+                                        </a:rPr>
+                                        <m:t>𝑐</m:t>
+                                      </m:r>
+                                      <m:r>
+                                        <a:rPr lang="es-PE" b="0" i="1" smtClean="0">
+                                          <a:latin typeface="Cambria Math" panose="02040503050406030204" pitchFamily="18" charset="0"/>
+                                        </a:rPr>
+                                        <m:t>∗</m:t>
+                                      </m:r>
+                                    </m:sup>
+                                  </m:sSubSup>
+                                </m:e>
+                              </m:d>
+                            </m:num>
+                            <m:den>
+                              <m:sSub>
+                                <m:sSubPr>
+                                  <m:ctrlPr>
+                                    <a:rPr lang="pt-BR" b="0" i="1" smtClean="0">
+                                      <a:latin typeface="Cambria Math" panose="02040503050406030204" pitchFamily="18" charset="0"/>
+                                    </a:rPr>
+                                  </m:ctrlPr>
+                                </m:sSubPr>
+                                <m:e>
+                                  <m:r>
+                                    <a:rPr lang="es-PE" b="0" i="1" smtClean="0">
+                                      <a:latin typeface="Cambria Math" panose="02040503050406030204" pitchFamily="18" charset="0"/>
+                                    </a:rPr>
+                                    <m:t>𝑇</m:t>
+                                  </m:r>
+                                </m:e>
+                                <m:sub>
+                                  <m:r>
+                                    <a:rPr lang="es-PE" b="0" i="1" smtClean="0">
+                                      <a:latin typeface="Cambria Math" panose="02040503050406030204" pitchFamily="18" charset="0"/>
+                                    </a:rPr>
+                                    <m:t>𝑖𝑗</m:t>
+                                  </m:r>
+                                </m:sub>
+                              </m:sSub>
+                              <m:sSubSup>
+                                <m:sSubSupPr>
+                                  <m:ctrlPr>
+                                    <a:rPr lang="pt-BR" b="0" i="1" smtClean="0">
+                                      <a:latin typeface="Cambria Math" panose="02040503050406030204" pitchFamily="18" charset="0"/>
+                                    </a:rPr>
+                                  </m:ctrlPr>
+                                </m:sSubSupPr>
+                                <m:e>
+                                  <m:r>
+                                    <a:rPr lang="es-PE" b="0" i="1" smtClean="0">
+                                      <a:latin typeface="Cambria Math" panose="02040503050406030204" pitchFamily="18" charset="0"/>
+                                    </a:rPr>
+                                    <m:t>𝑇</m:t>
+                                  </m:r>
+                                </m:e>
+                                <m:sub>
+                                  <m:r>
+                                    <a:rPr lang="es-PE" b="0" i="1" smtClean="0">
+                                      <a:latin typeface="Cambria Math" panose="02040503050406030204" pitchFamily="18" charset="0"/>
+                                    </a:rPr>
+                                    <m:t>𝑖𝑗</m:t>
+                                  </m:r>
+                                </m:sub>
+                                <m:sup>
+                                  <m:r>
+                                    <a:rPr lang="es-PE" b="0" i="1" smtClean="0">
+                                      <a:latin typeface="Cambria Math" panose="02040503050406030204" pitchFamily="18" charset="0"/>
+                                    </a:rPr>
+                                    <m:t>∗</m:t>
+                                  </m:r>
+                                </m:sup>
+                              </m:sSubSup>
+                            </m:den>
+                          </m:f>
+                          <m:r>
+                            <a:rPr lang="pt-BR" b="0" i="1" smtClean="0">
+                              <a:latin typeface="Cambria Math" panose="02040503050406030204" pitchFamily="18" charset="0"/>
+                            </a:rPr>
+                            <m:t>𝑉</m:t>
+                          </m:r>
+                        </m:e>
+                        <m:sub>
+                          <m:r>
+                            <a:rPr lang="pt-BR" b="0" i="1" smtClean="0">
+                              <a:latin typeface="Cambria Math" panose="02040503050406030204" pitchFamily="18" charset="0"/>
+                            </a:rPr>
+                            <m:t>𝑖</m:t>
+                          </m:r>
+                        </m:sub>
+                      </m:sSub>
+                      <m:sSubSup>
+                        <m:sSubSupPr>
+                          <m:ctrlPr>
+                            <a:rPr lang="pt-BR" b="0" i="1" smtClean="0">
+                              <a:latin typeface="Cambria Math" panose="02040503050406030204" pitchFamily="18" charset="0"/>
+                            </a:rPr>
+                          </m:ctrlPr>
+                        </m:sSubSupPr>
+                        <m:e>
+                          <m:r>
+                            <a:rPr lang="es-PE" b="0" i="1" smtClean="0">
+                              <a:latin typeface="Cambria Math" panose="02040503050406030204" pitchFamily="18" charset="0"/>
+                            </a:rPr>
+                            <m:t>𝑉</m:t>
+                          </m:r>
+                        </m:e>
+                        <m:sub>
+                          <m:r>
+                            <a:rPr lang="es-PE" b="0" i="1" smtClean="0">
+                              <a:latin typeface="Cambria Math" panose="02040503050406030204" pitchFamily="18" charset="0"/>
+                            </a:rPr>
+                            <m:t>𝑖</m:t>
+                          </m:r>
+                        </m:sub>
+                        <m:sup>
+                          <m:r>
+                            <a:rPr lang="es-PE" b="0" i="1" smtClean="0">
+                              <a:latin typeface="Cambria Math" panose="02040503050406030204" pitchFamily="18" charset="0"/>
+                            </a:rPr>
+                            <m:t>∗</m:t>
+                          </m:r>
+                        </m:sup>
+                      </m:sSubSup>
+                      <m:r>
+                        <a:rPr lang="es-PE" b="0" i="1" smtClean="0">
+                          <a:latin typeface="Cambria Math" panose="02040503050406030204" pitchFamily="18" charset="0"/>
+                        </a:rPr>
+                        <m:t>−</m:t>
+                      </m:r>
+                      <m:f>
+                        <m:fPr>
+                          <m:ctrlPr>
+                            <a:rPr lang="es-PE" b="0" i="1" smtClean="0">
+                              <a:latin typeface="Cambria Math" panose="02040503050406030204" pitchFamily="18" charset="0"/>
+                            </a:rPr>
+                          </m:ctrlPr>
+                        </m:fPr>
+                        <m:num>
+                          <m:sSubSup>
+                            <m:sSubSupPr>
+                              <m:ctrlPr>
+                                <a:rPr lang="es-PE" b="0" i="1" smtClean="0">
+                                  <a:latin typeface="Cambria Math" panose="02040503050406030204" pitchFamily="18" charset="0"/>
+                                </a:rPr>
+                              </m:ctrlPr>
+                            </m:sSubSupPr>
+                            <m:e>
+                              <m:r>
+                                <a:rPr lang="es-PE" b="1" i="1" smtClean="0">
+                                  <a:latin typeface="Cambria Math" panose="02040503050406030204" pitchFamily="18" charset="0"/>
+                                </a:rPr>
+                                <m:t>𝒀</m:t>
+                              </m:r>
+                            </m:e>
+                            <m:sub>
+                              <m:r>
+                                <a:rPr lang="es-PE" b="0" i="1" smtClean="0">
+                                  <a:latin typeface="Cambria Math" panose="02040503050406030204" pitchFamily="18" charset="0"/>
+                                </a:rPr>
+                                <m:t>𝑖𝑗</m:t>
+                              </m:r>
+                            </m:sub>
+                            <m:sup>
+                              <m:r>
+                                <a:rPr lang="es-PE" b="0" i="1" smtClean="0">
+                                  <a:latin typeface="Cambria Math" panose="02040503050406030204" pitchFamily="18" charset="0"/>
+                                </a:rPr>
+                                <m:t>∗</m:t>
+                              </m:r>
+                            </m:sup>
+                          </m:sSubSup>
+                        </m:num>
+                        <m:den>
+                          <m:sSub>
+                            <m:sSubPr>
+                              <m:ctrlPr>
+                                <a:rPr lang="es-PE" b="0" i="1" smtClean="0">
+                                  <a:latin typeface="Cambria Math" panose="02040503050406030204" pitchFamily="18" charset="0"/>
+                                </a:rPr>
+                              </m:ctrlPr>
+                            </m:sSubPr>
+                            <m:e>
+                              <m:r>
+                                <a:rPr lang="es-PE" b="0" i="1" smtClean="0">
+                                  <a:latin typeface="Cambria Math" panose="02040503050406030204" pitchFamily="18" charset="0"/>
+                                </a:rPr>
+                                <m:t>𝑇</m:t>
+                              </m:r>
+                            </m:e>
+                            <m:sub>
+                              <m:r>
+                                <a:rPr lang="es-PE" b="0" i="1" smtClean="0">
+                                  <a:latin typeface="Cambria Math" panose="02040503050406030204" pitchFamily="18" charset="0"/>
+                                </a:rPr>
+                                <m:t>𝑖𝑗</m:t>
+                              </m:r>
+                            </m:sub>
+                          </m:sSub>
+                        </m:den>
+                      </m:f>
+                      <m:sSub>
+                        <m:sSubPr>
+                          <m:ctrlPr>
+                            <a:rPr lang="es-PE" b="0" i="1" smtClean="0">
+                              <a:latin typeface="Cambria Math" panose="02040503050406030204" pitchFamily="18" charset="0"/>
+                            </a:rPr>
+                          </m:ctrlPr>
+                        </m:sSubPr>
+                        <m:e>
+                          <m:r>
+                            <a:rPr lang="es-PE" b="0" i="1" smtClean="0">
+                              <a:latin typeface="Cambria Math" panose="02040503050406030204" pitchFamily="18" charset="0"/>
+                            </a:rPr>
+                            <m:t>𝑉</m:t>
+                          </m:r>
+                        </m:e>
+                        <m:sub>
+                          <m:r>
+                            <a:rPr lang="es-PE" b="0" i="1" smtClean="0">
+                              <a:latin typeface="Cambria Math" panose="02040503050406030204" pitchFamily="18" charset="0"/>
+                            </a:rPr>
+                            <m:t>𝑖</m:t>
+                          </m:r>
+                        </m:sub>
+                      </m:sSub>
+                      <m:sSubSup>
+                        <m:sSubSupPr>
+                          <m:ctrlPr>
+                            <a:rPr lang="es-PE" b="0" i="1" smtClean="0">
+                              <a:latin typeface="Cambria Math" panose="02040503050406030204" pitchFamily="18" charset="0"/>
+                            </a:rPr>
+                          </m:ctrlPr>
+                        </m:sSubSupPr>
+                        <m:e>
+                          <m:r>
+                            <a:rPr lang="es-PE" b="0" i="1" smtClean="0">
+                              <a:latin typeface="Cambria Math" panose="02040503050406030204" pitchFamily="18" charset="0"/>
+                            </a:rPr>
+                            <m:t>𝑉</m:t>
+                          </m:r>
+                        </m:e>
+                        <m:sub>
+                          <m:r>
+                            <a:rPr lang="es-PE" b="0" i="1" smtClean="0">
+                              <a:latin typeface="Cambria Math" panose="02040503050406030204" pitchFamily="18" charset="0"/>
+                            </a:rPr>
+                            <m:t>𝑗</m:t>
+                          </m:r>
+                        </m:sub>
+                        <m:sup>
+                          <m:r>
+                            <a:rPr lang="es-PE" b="0" i="1" smtClean="0">
+                              <a:latin typeface="Cambria Math" panose="02040503050406030204" pitchFamily="18" charset="0"/>
+                            </a:rPr>
+                            <m:t>∗</m:t>
+                          </m:r>
+                        </m:sup>
+                      </m:sSubSup>
+                    </m:oMath>
+                  </m:oMathPara>
+                </a14:m>
+                <a:endParaRPr lang="es-PE" dirty="0"/>
+              </a:p>
+            </p:txBody>
+          </p:sp>
+        </mc:Choice>
+        <mc:Fallback>
+          <p:sp>
+            <p:nvSpPr>
+              <p:cNvPr id="58" name="CaixaDeTexto 57">
+                <a:extLst>
+                  <a:ext uri="{FF2B5EF4-FFF2-40B4-BE49-F238E27FC236}">
+                    <a16:creationId xmlns:a16="http://schemas.microsoft.com/office/drawing/2014/main" id="{DE48C7C5-FC79-441D-A92C-8033BD6FE0BB}"/>
+                  </a:ext>
+                </a:extLst>
+              </p:cNvPr>
+              <p:cNvSpPr txBox="1">
+                <a:spLocks noRot="1" noChangeAspect="1" noMove="1" noResize="1" noEditPoints="1" noAdjustHandles="1" noChangeArrowheads="1" noChangeShapeType="1" noTextEdit="1"/>
+              </p:cNvSpPr>
+              <p:nvPr/>
+            </p:nvSpPr>
+            <p:spPr>
+              <a:xfrm>
+                <a:off x="2594710" y="4299924"/>
+                <a:ext cx="3380284" cy="683007"/>
+              </a:xfrm>
+              <a:prstGeom prst="rect">
+                <a:avLst/>
+              </a:prstGeom>
+              <a:blipFill>
+                <a:blip r:embed="rId5"/>
+                <a:stretch>
+                  <a:fillRect/>
+                </a:stretch>
+              </a:blipFill>
+            </p:spPr>
+            <p:txBody>
+              <a:bodyPr/>
+              <a:lstStyle/>
+              <a:p>
+                <a:r>
+                  <a:rPr lang="es-PE">
+                    <a:noFill/>
+                  </a:rPr>
+                  <a:t> </a:t>
+                </a:r>
+              </a:p>
+            </p:txBody>
+          </p:sp>
+        </mc:Fallback>
+      </mc:AlternateContent>
+      <p:cxnSp>
+        <p:nvCxnSpPr>
+          <p:cNvPr id="12" name="Conector recto 11"/>
+          <p:cNvCxnSpPr/>
+          <p:nvPr/>
+        </p:nvCxnSpPr>
+        <p:spPr>
+          <a:xfrm>
+            <a:off x="862248" y="3212976"/>
+            <a:ext cx="7863970" cy="0"/>
+          </a:xfrm>
+          <a:prstGeom prst="line">
+            <a:avLst/>
+          </a:prstGeom>
+          <a:ln w="28575"/>
+        </p:spPr>
+        <p:style>
+          <a:lnRef idx="1">
+            <a:schemeClr val="dk1"/>
+          </a:lnRef>
+          <a:fillRef idx="0">
+            <a:schemeClr val="dk1"/>
+          </a:fillRef>
+          <a:effectRef idx="0">
+            <a:schemeClr val="dk1"/>
+          </a:effectRef>
+          <a:fontRef idx="minor">
+            <a:schemeClr val="tx1"/>
+          </a:fontRef>
+        </p:style>
+      </p:cxnSp>
+      <mc:AlternateContent xmlns:mc="http://schemas.openxmlformats.org/markup-compatibility/2006">
+        <mc:Choice xmlns:a14="http://schemas.microsoft.com/office/drawing/2010/main" Requires="a14">
+          <p:sp>
+            <p:nvSpPr>
+              <p:cNvPr id="14" name="Rectángulo 13"/>
+              <p:cNvSpPr/>
+              <p:nvPr/>
+            </p:nvSpPr>
+            <p:spPr>
+              <a:xfrm>
+                <a:off x="3742291" y="2134460"/>
+                <a:ext cx="690640" cy="576064"/>
+              </a:xfrm>
+              <a:prstGeom prst="rect">
+                <a:avLst/>
+              </a:prstGeom>
+              <a:ln w="28575"/>
+            </p:spPr>
+            <p:style>
+              <a:lnRef idx="2">
+                <a:schemeClr val="dk1"/>
+              </a:lnRef>
+              <a:fillRef idx="1">
+                <a:schemeClr val="lt1"/>
+              </a:fillRef>
+              <a:effectRef idx="0">
+                <a:schemeClr val="dk1"/>
+              </a:effectRef>
+              <a:fontRef idx="minor">
+                <a:schemeClr val="dk1"/>
+              </a:fontRef>
+            </p:style>
+            <p:txBody>
+              <a:bodyPr rtlCol="0" anchor="ctr"/>
+              <a:lstStyle/>
+              <a:p>
+                <a:pPr algn="ctr"/>
+                <a14:m>
+                  <m:oMathPara xmlns:m="http://schemas.openxmlformats.org/officeDocument/2006/math">
+                    <m:oMathParaPr>
+                      <m:jc m:val="centerGroup"/>
+                    </m:oMathParaPr>
+                    <m:oMath xmlns:m="http://schemas.openxmlformats.org/officeDocument/2006/math">
+                      <m:sSubSup>
+                        <m:sSubSupPr>
+                          <m:ctrlPr>
+                            <a:rPr lang="es-PE" i="1" smtClean="0">
+                              <a:latin typeface="Cambria Math" panose="02040503050406030204" pitchFamily="18" charset="0"/>
+                            </a:rPr>
+                          </m:ctrlPr>
+                        </m:sSubSupPr>
+                        <m:e>
+                          <m:r>
+                            <a:rPr lang="es-PE" b="1" i="1" smtClean="0">
+                              <a:latin typeface="Cambria Math" panose="02040503050406030204" pitchFamily="18" charset="0"/>
+                            </a:rPr>
+                            <m:t>𝒀</m:t>
+                          </m:r>
+                        </m:e>
+                        <m:sub>
+                          <m:r>
+                            <a:rPr lang="es-PE" b="0" i="1" smtClean="0">
+                              <a:latin typeface="Cambria Math" panose="02040503050406030204" pitchFamily="18" charset="0"/>
+                            </a:rPr>
+                            <m:t>𝑖𝑗</m:t>
+                          </m:r>
+                        </m:sub>
+                        <m:sup>
+                          <m:r>
+                            <a:rPr lang="es-PE" b="0" i="1" smtClean="0">
+                              <a:latin typeface="Cambria Math" panose="02040503050406030204" pitchFamily="18" charset="0"/>
+                            </a:rPr>
+                            <m:t>𝑐</m:t>
+                          </m:r>
+                        </m:sup>
+                      </m:sSubSup>
+                    </m:oMath>
+                  </m:oMathPara>
+                </a14:m>
+                <a:endParaRPr lang="es-PE" dirty="0"/>
+              </a:p>
+            </p:txBody>
+          </p:sp>
+        </mc:Choice>
+        <mc:Fallback>
+          <p:sp>
+            <p:nvSpPr>
+              <p:cNvPr id="14" name="Rectángulo 13"/>
+              <p:cNvSpPr>
+                <a:spLocks noRot="1" noChangeAspect="1" noMove="1" noResize="1" noEditPoints="1" noAdjustHandles="1" noChangeArrowheads="1" noChangeShapeType="1" noTextEdit="1"/>
+              </p:cNvSpPr>
+              <p:nvPr/>
+            </p:nvSpPr>
+            <p:spPr>
+              <a:xfrm>
+                <a:off x="3742291" y="2134460"/>
+                <a:ext cx="690640" cy="576064"/>
+              </a:xfrm>
+              <a:prstGeom prst="rect">
+                <a:avLst/>
+              </a:prstGeom>
+              <a:blipFill>
+                <a:blip r:embed="rId6"/>
+                <a:stretch>
+                  <a:fillRect/>
+                </a:stretch>
+              </a:blipFill>
+              <a:ln w="28575"/>
+            </p:spPr>
+            <p:txBody>
+              <a:bodyPr/>
+              <a:lstStyle/>
+              <a:p>
+                <a:r>
+                  <a:rPr lang="es-PE">
+                    <a:noFill/>
+                  </a:rPr>
+                  <a:t> </a:t>
+                </a:r>
+              </a:p>
+            </p:txBody>
+          </p:sp>
+        </mc:Fallback>
+      </mc:AlternateContent>
+      <mc:AlternateContent xmlns:mc="http://schemas.openxmlformats.org/markup-compatibility/2006">
+        <mc:Choice xmlns:a14="http://schemas.microsoft.com/office/drawing/2010/main" Requires="a14">
+          <p:sp>
+            <p:nvSpPr>
+              <p:cNvPr id="31" name="Rectángulo 30"/>
+              <p:cNvSpPr/>
+              <p:nvPr/>
+            </p:nvSpPr>
+            <p:spPr>
+              <a:xfrm>
+                <a:off x="6760063" y="2134460"/>
+                <a:ext cx="690640" cy="576064"/>
+              </a:xfrm>
+              <a:prstGeom prst="rect">
+                <a:avLst/>
+              </a:prstGeom>
+              <a:ln w="28575"/>
+            </p:spPr>
+            <p:style>
+              <a:lnRef idx="2">
+                <a:schemeClr val="dk1"/>
+              </a:lnRef>
+              <a:fillRef idx="1">
+                <a:schemeClr val="lt1"/>
+              </a:fillRef>
+              <a:effectRef idx="0">
+                <a:schemeClr val="dk1"/>
+              </a:effectRef>
+              <a:fontRef idx="minor">
+                <a:schemeClr val="dk1"/>
+              </a:fontRef>
+            </p:style>
+            <p:txBody>
+              <a:bodyPr rtlCol="0" anchor="ctr"/>
+              <a:lstStyle/>
+              <a:p>
+                <a:pPr algn="ctr"/>
+                <a14:m>
+                  <m:oMathPara xmlns:m="http://schemas.openxmlformats.org/officeDocument/2006/math">
+                    <m:oMathParaPr>
+                      <m:jc m:val="centerGroup"/>
+                    </m:oMathParaPr>
+                    <m:oMath xmlns:m="http://schemas.openxmlformats.org/officeDocument/2006/math">
+                      <m:sSubSup>
+                        <m:sSubSupPr>
+                          <m:ctrlPr>
+                            <a:rPr lang="es-PE" i="1" smtClean="0">
+                              <a:latin typeface="Cambria Math" panose="02040503050406030204" pitchFamily="18" charset="0"/>
+                            </a:rPr>
+                          </m:ctrlPr>
+                        </m:sSubSupPr>
+                        <m:e>
+                          <m:r>
+                            <a:rPr lang="es-PE" b="1" i="1" smtClean="0">
+                              <a:latin typeface="Cambria Math" panose="02040503050406030204" pitchFamily="18" charset="0"/>
+                            </a:rPr>
+                            <m:t>𝒀</m:t>
+                          </m:r>
+                        </m:e>
+                        <m:sub>
+                          <m:r>
+                            <a:rPr lang="es-PE" b="0" i="1" smtClean="0">
+                              <a:latin typeface="Cambria Math" panose="02040503050406030204" pitchFamily="18" charset="0"/>
+                            </a:rPr>
+                            <m:t>𝑖𝑗</m:t>
+                          </m:r>
+                        </m:sub>
+                        <m:sup>
+                          <m:r>
+                            <a:rPr lang="es-PE" b="0" i="1" smtClean="0">
+                              <a:latin typeface="Cambria Math" panose="02040503050406030204" pitchFamily="18" charset="0"/>
+                            </a:rPr>
+                            <m:t>𝑐</m:t>
+                          </m:r>
+                        </m:sup>
+                      </m:sSubSup>
+                    </m:oMath>
+                  </m:oMathPara>
+                </a14:m>
+                <a:endParaRPr lang="es-PE" dirty="0"/>
+              </a:p>
+            </p:txBody>
+          </p:sp>
+        </mc:Choice>
+        <mc:Fallback>
+          <p:sp>
+            <p:nvSpPr>
+              <p:cNvPr id="31" name="Rectángulo 30"/>
+              <p:cNvSpPr>
+                <a:spLocks noRot="1" noChangeAspect="1" noMove="1" noResize="1" noEditPoints="1" noAdjustHandles="1" noChangeArrowheads="1" noChangeShapeType="1" noTextEdit="1"/>
+              </p:cNvSpPr>
+              <p:nvPr/>
+            </p:nvSpPr>
+            <p:spPr>
+              <a:xfrm>
+                <a:off x="6760063" y="2134460"/>
+                <a:ext cx="690640" cy="576064"/>
+              </a:xfrm>
+              <a:prstGeom prst="rect">
+                <a:avLst/>
+              </a:prstGeom>
+              <a:blipFill>
+                <a:blip r:embed="rId7"/>
+                <a:stretch>
+                  <a:fillRect/>
+                </a:stretch>
+              </a:blipFill>
+              <a:ln w="28575"/>
+            </p:spPr>
+            <p:txBody>
+              <a:bodyPr/>
+              <a:lstStyle/>
+              <a:p>
+                <a:r>
+                  <a:rPr lang="es-PE">
+                    <a:noFill/>
+                  </a:rPr>
+                  <a:t> </a:t>
+                </a:r>
+              </a:p>
+            </p:txBody>
+          </p:sp>
+        </mc:Fallback>
+      </mc:AlternateContent>
+      <p:cxnSp>
+        <p:nvCxnSpPr>
+          <p:cNvPr id="16" name="Conector recto 15"/>
+          <p:cNvCxnSpPr>
+            <a:stCxn id="14" idx="0"/>
+          </p:cNvCxnSpPr>
+          <p:nvPr/>
+        </p:nvCxnSpPr>
+        <p:spPr>
+          <a:xfrm flipV="1">
+            <a:off x="4087611" y="1616264"/>
+            <a:ext cx="0" cy="518196"/>
+          </a:xfrm>
+          <a:prstGeom prst="line">
+            <a:avLst/>
+          </a:prstGeom>
+          <a:ln w="28575"/>
+        </p:spPr>
+        <p:style>
+          <a:lnRef idx="1">
+            <a:schemeClr val="dk1"/>
+          </a:lnRef>
+          <a:fillRef idx="0">
+            <a:schemeClr val="dk1"/>
+          </a:fillRef>
+          <a:effectRef idx="0">
+            <a:schemeClr val="dk1"/>
+          </a:effectRef>
+          <a:fontRef idx="minor">
+            <a:schemeClr val="tx1"/>
+          </a:fontRef>
+        </p:style>
+      </p:cxnSp>
+      <p:cxnSp>
+        <p:nvCxnSpPr>
+          <p:cNvPr id="34" name="Conector recto 33"/>
+          <p:cNvCxnSpPr/>
+          <p:nvPr/>
+        </p:nvCxnSpPr>
+        <p:spPr>
+          <a:xfrm flipV="1">
+            <a:off x="7105383" y="1616264"/>
+            <a:ext cx="0" cy="518196"/>
+          </a:xfrm>
+          <a:prstGeom prst="line">
+            <a:avLst/>
+          </a:prstGeom>
+          <a:ln w="28575"/>
+        </p:spPr>
+        <p:style>
+          <a:lnRef idx="1">
+            <a:schemeClr val="dk1"/>
+          </a:lnRef>
+          <a:fillRef idx="0">
+            <a:schemeClr val="dk1"/>
+          </a:fillRef>
+          <a:effectRef idx="0">
+            <a:schemeClr val="dk1"/>
+          </a:effectRef>
+          <a:fontRef idx="minor">
+            <a:schemeClr val="tx1"/>
+          </a:fontRef>
+        </p:style>
+      </p:cxnSp>
+      <p:cxnSp>
+        <p:nvCxnSpPr>
+          <p:cNvPr id="19" name="Conector recto 18"/>
+          <p:cNvCxnSpPr>
+            <a:stCxn id="14" idx="2"/>
+          </p:cNvCxnSpPr>
+          <p:nvPr/>
+        </p:nvCxnSpPr>
+        <p:spPr>
+          <a:xfrm>
+            <a:off x="4087611" y="2710524"/>
+            <a:ext cx="0" cy="502452"/>
+          </a:xfrm>
+          <a:prstGeom prst="line">
+            <a:avLst/>
+          </a:prstGeom>
+          <a:ln w="28575"/>
+        </p:spPr>
+        <p:style>
+          <a:lnRef idx="1">
+            <a:schemeClr val="dk1"/>
+          </a:lnRef>
+          <a:fillRef idx="0">
+            <a:schemeClr val="dk1"/>
+          </a:fillRef>
+          <a:effectRef idx="0">
+            <a:schemeClr val="dk1"/>
+          </a:effectRef>
+          <a:fontRef idx="minor">
+            <a:schemeClr val="tx1"/>
+          </a:fontRef>
+        </p:style>
+      </p:cxnSp>
+      <p:cxnSp>
+        <p:nvCxnSpPr>
+          <p:cNvPr id="37" name="Conector recto 36"/>
+          <p:cNvCxnSpPr/>
+          <p:nvPr/>
+        </p:nvCxnSpPr>
+        <p:spPr>
+          <a:xfrm>
+            <a:off x="7126638" y="2710524"/>
+            <a:ext cx="0" cy="502452"/>
+          </a:xfrm>
+          <a:prstGeom prst="line">
+            <a:avLst/>
+          </a:prstGeom>
+          <a:ln w="28575"/>
+        </p:spPr>
+        <p:style>
+          <a:lnRef idx="1">
+            <a:schemeClr val="dk1"/>
+          </a:lnRef>
+          <a:fillRef idx="0">
+            <a:schemeClr val="dk1"/>
+          </a:fillRef>
+          <a:effectRef idx="0">
+            <a:schemeClr val="dk1"/>
+          </a:effectRef>
+          <a:fontRef idx="minor">
+            <a:schemeClr val="tx1"/>
+          </a:fontRef>
+        </p:style>
+      </p:cxnSp>
+      <p:sp>
+        <p:nvSpPr>
+          <p:cNvPr id="21" name="CuadroTexto 20"/>
+          <p:cNvSpPr txBox="1"/>
+          <p:nvPr/>
+        </p:nvSpPr>
+        <p:spPr>
+          <a:xfrm>
+            <a:off x="7768396" y="2229954"/>
+            <a:ext cx="660758" cy="369332"/>
+          </a:xfrm>
+          <a:prstGeom prst="rect">
+            <a:avLst/>
+          </a:prstGeom>
+          <a:noFill/>
+        </p:spPr>
+        <p:txBody>
+          <a:bodyPr wrap="none" rtlCol="0">
+            <a:spAutoFit/>
+          </a:bodyPr>
+          <a:lstStyle/>
+          <a:p>
+            <a:r>
+              <a:rPr lang="es-PE" dirty="0"/>
+              <a:t>Shunt</a:t>
+            </a:r>
+          </a:p>
+        </p:txBody>
+      </p:sp>
+      <p:sp>
+        <p:nvSpPr>
+          <p:cNvPr id="8" name="Elipse 7"/>
+          <p:cNvSpPr/>
+          <p:nvPr/>
+        </p:nvSpPr>
+        <p:spPr>
+          <a:xfrm>
+            <a:off x="1523774" y="1321281"/>
+            <a:ext cx="589966" cy="589966"/>
+          </a:xfrm>
+          <a:prstGeom prst="ellipse">
+            <a:avLst/>
+          </a:prstGeom>
+          <a:noFill/>
+          <a:ln w="28575" cap="flat" cmpd="sng" algn="ctr">
+            <a:solidFill>
+              <a:schemeClr val="dk1"/>
+            </a:solidFill>
+            <a:prstDash val="solid"/>
+            <a:round/>
+            <a:headEnd type="none" w="med" len="med"/>
+            <a:tailEnd type="none" w="med" len="med"/>
+          </a:ln>
+        </p:spPr>
+        <p:style>
+          <a:lnRef idx="0">
+            <a:scrgbClr r="0" g="0" b="0"/>
+          </a:lnRef>
+          <a:fillRef idx="0">
+            <a:scrgbClr r="0" g="0" b="0"/>
+          </a:fillRef>
+          <a:effectRef idx="0">
+            <a:scrgbClr r="0" g="0" b="0"/>
+          </a:effectRef>
+          <a:fontRef idx="minor">
+            <a:schemeClr val="dk1"/>
+          </a:fontRef>
+        </p:style>
+        <p:txBody>
+          <a:bodyPr rtlCol="0" anchor="ctr"/>
+          <a:lstStyle/>
+          <a:p>
+            <a:pPr algn="ctr"/>
+            <a:endParaRPr lang="es-PE"/>
+          </a:p>
+        </p:txBody>
+      </p:sp>
+      <p:cxnSp>
+        <p:nvCxnSpPr>
+          <p:cNvPr id="11" name="Conector recto 10"/>
+          <p:cNvCxnSpPr>
+            <a:stCxn id="45" idx="6"/>
+            <a:endCxn id="8" idx="2"/>
+          </p:cNvCxnSpPr>
+          <p:nvPr/>
+        </p:nvCxnSpPr>
+        <p:spPr>
+          <a:xfrm>
+            <a:off x="838719" y="1616264"/>
+            <a:ext cx="685055" cy="0"/>
+          </a:xfrm>
+          <a:prstGeom prst="line">
+            <a:avLst/>
+          </a:prstGeom>
+          <a:ln w="28575"/>
+        </p:spPr>
+        <p:style>
+          <a:lnRef idx="1">
+            <a:schemeClr val="dk1"/>
+          </a:lnRef>
+          <a:fillRef idx="0">
+            <a:schemeClr val="dk1"/>
+          </a:fillRef>
+          <a:effectRef idx="0">
+            <a:schemeClr val="dk1"/>
+          </a:effectRef>
+          <a:fontRef idx="minor">
+            <a:schemeClr val="tx1"/>
+          </a:fontRef>
+        </p:style>
+      </p:cxnSp>
+      <p:sp>
+        <p:nvSpPr>
+          <p:cNvPr id="35" name="Elipse 34"/>
+          <p:cNvSpPr/>
+          <p:nvPr/>
+        </p:nvSpPr>
+        <p:spPr>
+          <a:xfrm>
+            <a:off x="1948871" y="1321281"/>
+            <a:ext cx="589966" cy="589966"/>
+          </a:xfrm>
+          <a:prstGeom prst="ellipse">
+            <a:avLst/>
+          </a:prstGeom>
+          <a:noFill/>
+          <a:ln w="28575" cap="flat" cmpd="sng" algn="ctr">
+            <a:solidFill>
+              <a:schemeClr val="dk1"/>
+            </a:solidFill>
+            <a:prstDash val="solid"/>
+            <a:round/>
+            <a:headEnd type="none" w="med" len="med"/>
+            <a:tailEnd type="none" w="med" len="med"/>
+          </a:ln>
+        </p:spPr>
+        <p:style>
+          <a:lnRef idx="0">
+            <a:scrgbClr r="0" g="0" b="0"/>
+          </a:lnRef>
+          <a:fillRef idx="0">
+            <a:scrgbClr r="0" g="0" b="0"/>
+          </a:fillRef>
+          <a:effectRef idx="0">
+            <a:scrgbClr r="0" g="0" b="0"/>
+          </a:effectRef>
+          <a:fontRef idx="minor">
+            <a:schemeClr val="dk1"/>
+          </a:fontRef>
+        </p:style>
+        <p:txBody>
+          <a:bodyPr rtlCol="0" anchor="ctr"/>
+          <a:lstStyle/>
+          <a:p>
+            <a:pPr algn="ctr"/>
+            <a:endParaRPr lang="es-PE"/>
+          </a:p>
+        </p:txBody>
+      </p:sp>
+      <mc:AlternateContent xmlns:mc="http://schemas.openxmlformats.org/markup-compatibility/2006">
+        <mc:Choice xmlns:a14="http://schemas.microsoft.com/office/drawing/2010/main" Requires="a14">
+          <p:sp>
+            <p:nvSpPr>
+              <p:cNvPr id="30" name="CuadroTexto 29"/>
+              <p:cNvSpPr txBox="1"/>
+              <p:nvPr/>
+            </p:nvSpPr>
+            <p:spPr>
+              <a:xfrm>
+                <a:off x="1755567" y="1041199"/>
+                <a:ext cx="545149" cy="299313"/>
+              </a:xfrm>
+              <a:prstGeom prst="rect">
+                <a:avLst/>
+              </a:prstGeom>
+              <a:noFill/>
+            </p:spPr>
+            <p:txBody>
+              <a:bodyPr wrap="none" lIns="0" tIns="0" rIns="0" bIns="0" rtlCol="0">
+                <a:spAutoFit/>
+              </a:bodyPr>
+              <a:lstStyle/>
+              <a:p>
+                <a14:m>
+                  <m:oMathPara xmlns:m="http://schemas.openxmlformats.org/officeDocument/2006/math">
+                    <m:oMathParaPr>
+                      <m:jc m:val="centerGroup"/>
+                    </m:oMathParaPr>
+                    <m:oMath xmlns:m="http://schemas.openxmlformats.org/officeDocument/2006/math">
+                      <m:sSub>
+                        <m:sSubPr>
+                          <m:ctrlPr>
+                            <a:rPr lang="es-PE" i="1" smtClean="0">
+                              <a:latin typeface="Cambria Math" panose="02040503050406030204" pitchFamily="18" charset="0"/>
+                            </a:rPr>
+                          </m:ctrlPr>
+                        </m:sSubPr>
+                        <m:e>
+                          <m:r>
+                            <a:rPr lang="es-PE" b="0" i="1" smtClean="0">
+                              <a:latin typeface="Cambria Math" panose="02040503050406030204" pitchFamily="18" charset="0"/>
+                            </a:rPr>
+                            <m:t>𝑇</m:t>
+                          </m:r>
+                        </m:e>
+                        <m:sub>
+                          <m:r>
+                            <a:rPr lang="es-PE" b="0" i="1" smtClean="0">
+                              <a:latin typeface="Cambria Math" panose="02040503050406030204" pitchFamily="18" charset="0"/>
+                            </a:rPr>
+                            <m:t>𝑖𝑗</m:t>
+                          </m:r>
+                        </m:sub>
+                      </m:sSub>
+                      <m:r>
+                        <a:rPr lang="es-PE" b="0" i="1" smtClean="0">
+                          <a:latin typeface="Cambria Math" panose="02040503050406030204" pitchFamily="18" charset="0"/>
+                        </a:rPr>
+                        <m:t>:1</m:t>
+                      </m:r>
+                    </m:oMath>
+                  </m:oMathPara>
+                </a14:m>
+                <a:endParaRPr lang="es-PE" dirty="0"/>
+              </a:p>
+            </p:txBody>
+          </p:sp>
+        </mc:Choice>
+        <mc:Fallback>
+          <p:sp>
+            <p:nvSpPr>
+              <p:cNvPr id="30" name="CuadroTexto 29"/>
+              <p:cNvSpPr txBox="1">
+                <a:spLocks noRot="1" noChangeAspect="1" noMove="1" noResize="1" noEditPoints="1" noAdjustHandles="1" noChangeArrowheads="1" noChangeShapeType="1" noTextEdit="1"/>
+              </p:cNvSpPr>
+              <p:nvPr/>
+            </p:nvSpPr>
+            <p:spPr>
+              <a:xfrm>
+                <a:off x="1755567" y="1041199"/>
+                <a:ext cx="545149" cy="299313"/>
+              </a:xfrm>
+              <a:prstGeom prst="rect">
+                <a:avLst/>
+              </a:prstGeom>
+              <a:blipFill>
+                <a:blip r:embed="rId8"/>
+                <a:stretch>
+                  <a:fillRect l="-10112" r="-10112" b="-26531"/>
+                </a:stretch>
+              </a:blipFill>
+            </p:spPr>
+            <p:txBody>
+              <a:bodyPr/>
+              <a:lstStyle/>
+              <a:p>
+                <a:r>
+                  <a:rPr lang="es-PE">
+                    <a:noFill/>
+                  </a:rPr>
+                  <a:t> </a:t>
+                </a:r>
+              </a:p>
+            </p:txBody>
+          </p:sp>
+        </mc:Fallback>
+      </mc:AlternateContent>
+      <mc:AlternateContent xmlns:mc="http://schemas.openxmlformats.org/markup-compatibility/2006">
+        <mc:Choice xmlns:a14="http://schemas.microsoft.com/office/drawing/2010/main" Requires="a14">
+          <p:sp>
+            <p:nvSpPr>
+              <p:cNvPr id="41" name="CuadroTexto 40"/>
+              <p:cNvSpPr txBox="1"/>
+              <p:nvPr/>
+            </p:nvSpPr>
+            <p:spPr>
+              <a:xfrm>
+                <a:off x="3059419" y="1199127"/>
+                <a:ext cx="279115" cy="299313"/>
+              </a:xfrm>
+              <a:prstGeom prst="rect">
+                <a:avLst/>
+              </a:prstGeom>
+              <a:noFill/>
+            </p:spPr>
+            <p:txBody>
+              <a:bodyPr wrap="none" lIns="0" tIns="0" rIns="0" bIns="0" rtlCol="0">
+                <a:spAutoFit/>
+              </a:bodyPr>
+              <a:lstStyle/>
+              <a:p>
+                <a14:m>
+                  <m:oMathPara xmlns:m="http://schemas.openxmlformats.org/officeDocument/2006/math">
+                    <m:oMathParaPr>
+                      <m:jc m:val="centerGroup"/>
+                    </m:oMathParaPr>
+                    <m:oMath xmlns:m="http://schemas.openxmlformats.org/officeDocument/2006/math">
+                      <m:sSub>
+                        <m:sSubPr>
+                          <m:ctrlPr>
+                            <a:rPr lang="es-PE" i="1" smtClean="0">
+                              <a:latin typeface="Cambria Math" panose="02040503050406030204" pitchFamily="18" charset="0"/>
+                            </a:rPr>
+                          </m:ctrlPr>
+                        </m:sSubPr>
+                        <m:e>
+                          <m:r>
+                            <a:rPr lang="es-PE" b="0" i="1" smtClean="0">
+                              <a:latin typeface="Cambria Math" panose="02040503050406030204" pitchFamily="18" charset="0"/>
+                            </a:rPr>
+                            <m:t>𝐼</m:t>
+                          </m:r>
+                        </m:e>
+                        <m:sub>
+                          <m:r>
+                            <a:rPr lang="es-PE" b="0" i="1" smtClean="0">
+                              <a:latin typeface="Cambria Math" panose="02040503050406030204" pitchFamily="18" charset="0"/>
+                            </a:rPr>
+                            <m:t>𝑖𝑗</m:t>
+                          </m:r>
+                        </m:sub>
+                      </m:sSub>
+                    </m:oMath>
+                  </m:oMathPara>
+                </a14:m>
+                <a:endParaRPr lang="es-PE" dirty="0"/>
+              </a:p>
+            </p:txBody>
+          </p:sp>
+        </mc:Choice>
+        <mc:Fallback>
+          <p:sp>
+            <p:nvSpPr>
+              <p:cNvPr id="41" name="CuadroTexto 40"/>
+              <p:cNvSpPr txBox="1">
+                <a:spLocks noRot="1" noChangeAspect="1" noMove="1" noResize="1" noEditPoints="1" noAdjustHandles="1" noChangeArrowheads="1" noChangeShapeType="1" noTextEdit="1"/>
+              </p:cNvSpPr>
+              <p:nvPr/>
+            </p:nvSpPr>
+            <p:spPr>
+              <a:xfrm>
+                <a:off x="3059419" y="1199127"/>
+                <a:ext cx="279115" cy="299313"/>
+              </a:xfrm>
+              <a:prstGeom prst="rect">
+                <a:avLst/>
+              </a:prstGeom>
+              <a:blipFill>
+                <a:blip r:embed="rId9"/>
+                <a:stretch>
+                  <a:fillRect l="-21739" r="-13043" b="-26531"/>
+                </a:stretch>
+              </a:blipFill>
+            </p:spPr>
+            <p:txBody>
+              <a:bodyPr/>
+              <a:lstStyle/>
+              <a:p>
+                <a:r>
+                  <a:rPr lang="es-PE">
+                    <a:noFill/>
+                  </a:rPr>
+                  <a:t> </a:t>
+                </a:r>
+              </a:p>
+            </p:txBody>
+          </p:sp>
+        </mc:Fallback>
+      </mc:AlternateContent>
+      <mc:AlternateContent xmlns:mc="http://schemas.openxmlformats.org/markup-compatibility/2006">
+        <mc:Choice xmlns:a14="http://schemas.microsoft.com/office/drawing/2010/main" Requires="a14">
+          <p:sp>
+            <p:nvSpPr>
+              <p:cNvPr id="43" name="CaixaDeTexto 57">
+                <a:extLst>
+                  <a:ext uri="{FF2B5EF4-FFF2-40B4-BE49-F238E27FC236}">
+                    <a16:creationId xmlns:a16="http://schemas.microsoft.com/office/drawing/2014/main" id="{DE48C7C5-FC79-441D-A92C-8033BD6FE0BB}"/>
+                  </a:ext>
+                </a:extLst>
+              </p:cNvPr>
+              <p:cNvSpPr txBox="1"/>
+              <p:nvPr/>
+            </p:nvSpPr>
+            <p:spPr>
+              <a:xfrm>
+                <a:off x="2594710" y="5125547"/>
+                <a:ext cx="3257366" cy="656462"/>
+              </a:xfrm>
+              <a:prstGeom prst="rect">
+                <a:avLst/>
+              </a:prstGeom>
+              <a:noFill/>
+            </p:spPr>
+            <p:txBody>
+              <a:bodyPr wrap="none" lIns="0" tIns="0" rIns="0" bIns="0" rtlCol="0">
+                <a:spAutoFit/>
+              </a:bodyPr>
+              <a:lstStyle/>
+              <a:p>
+                <a:pPr/>
+                <a14:m>
+                  <m:oMathPara xmlns:m="http://schemas.openxmlformats.org/officeDocument/2006/math">
+                    <m:oMathParaPr>
+                      <m:jc m:val="centerGroup"/>
+                    </m:oMathParaPr>
+                    <m:oMath xmlns:m="http://schemas.openxmlformats.org/officeDocument/2006/math">
+                      <m:sSub>
+                        <m:sSubPr>
+                          <m:ctrlPr>
+                            <a:rPr lang="es-PE" i="1" smtClean="0">
+                              <a:latin typeface="Cambria Math" panose="02040503050406030204" pitchFamily="18" charset="0"/>
+                            </a:rPr>
+                          </m:ctrlPr>
+                        </m:sSubPr>
+                        <m:e>
+                          <m:r>
+                            <a:rPr lang="pt-BR" b="0" i="1" smtClean="0">
+                              <a:latin typeface="Cambria Math" panose="02040503050406030204" pitchFamily="18" charset="0"/>
+                            </a:rPr>
+                            <m:t>𝑆</m:t>
+                          </m:r>
+                        </m:e>
+                        <m:sub>
+                          <m:r>
+                            <a:rPr lang="pt-BR" b="0" i="1" smtClean="0">
+                              <a:latin typeface="Cambria Math" panose="02040503050406030204" pitchFamily="18" charset="0"/>
+                            </a:rPr>
+                            <m:t>𝑗</m:t>
+                          </m:r>
+                          <m:r>
+                            <a:rPr lang="es-PE" b="0" i="1" smtClean="0">
+                              <a:latin typeface="Cambria Math" panose="02040503050406030204" pitchFamily="18" charset="0"/>
+                            </a:rPr>
+                            <m:t>𝑖</m:t>
+                          </m:r>
+                        </m:sub>
+                      </m:sSub>
+                      <m:r>
+                        <a:rPr lang="pt-BR" b="0" i="1" smtClean="0">
+                          <a:latin typeface="Cambria Math" panose="02040503050406030204" pitchFamily="18" charset="0"/>
+                        </a:rPr>
+                        <m:t>=</m:t>
+                      </m:r>
+                      <m:sSub>
+                        <m:sSubPr>
+                          <m:ctrlPr>
+                            <a:rPr lang="pt-BR" b="0" i="1" smtClean="0">
+                              <a:latin typeface="Cambria Math" panose="02040503050406030204" pitchFamily="18" charset="0"/>
+                            </a:rPr>
+                          </m:ctrlPr>
+                        </m:sSubPr>
+                        <m:e>
+                          <m:d>
+                            <m:dPr>
+                              <m:ctrlPr>
+                                <a:rPr lang="pt-BR" i="1">
+                                  <a:latin typeface="Cambria Math" panose="02040503050406030204" pitchFamily="18" charset="0"/>
+                                </a:rPr>
+                              </m:ctrlPr>
+                            </m:dPr>
+                            <m:e>
+                              <m:sSubSup>
+                                <m:sSubSupPr>
+                                  <m:ctrlPr>
+                                    <a:rPr lang="pt-BR" i="1">
+                                      <a:latin typeface="Cambria Math" panose="02040503050406030204" pitchFamily="18" charset="0"/>
+                                    </a:rPr>
+                                  </m:ctrlPr>
+                                </m:sSubSupPr>
+                                <m:e>
+                                  <m:r>
+                                    <a:rPr lang="es-PE" b="1" i="1">
+                                      <a:latin typeface="Cambria Math" panose="02040503050406030204" pitchFamily="18" charset="0"/>
+                                    </a:rPr>
+                                    <m:t>𝒀</m:t>
+                                  </m:r>
+                                </m:e>
+                                <m:sub>
+                                  <m:r>
+                                    <a:rPr lang="es-PE" i="1">
+                                      <a:latin typeface="Cambria Math" panose="02040503050406030204" pitchFamily="18" charset="0"/>
+                                    </a:rPr>
+                                    <m:t>𝑖𝑗</m:t>
+                                  </m:r>
+                                </m:sub>
+                                <m:sup>
+                                  <m:r>
+                                    <a:rPr lang="es-PE" i="1">
+                                      <a:latin typeface="Cambria Math" panose="02040503050406030204" pitchFamily="18" charset="0"/>
+                                    </a:rPr>
+                                    <m:t>∗</m:t>
+                                  </m:r>
+                                </m:sup>
+                              </m:sSubSup>
+                              <m:r>
+                                <a:rPr lang="es-PE" i="1">
+                                  <a:latin typeface="Cambria Math" panose="02040503050406030204" pitchFamily="18" charset="0"/>
+                                </a:rPr>
+                                <m:t>+</m:t>
+                              </m:r>
+                              <m:sSubSup>
+                                <m:sSubSupPr>
+                                  <m:ctrlPr>
+                                    <a:rPr lang="es-PE" i="1">
+                                      <a:latin typeface="Cambria Math" panose="02040503050406030204" pitchFamily="18" charset="0"/>
+                                    </a:rPr>
+                                  </m:ctrlPr>
+                                </m:sSubSupPr>
+                                <m:e>
+                                  <m:r>
+                                    <a:rPr lang="es-PE" b="1" i="1">
+                                      <a:latin typeface="Cambria Math" panose="02040503050406030204" pitchFamily="18" charset="0"/>
+                                    </a:rPr>
+                                    <m:t>𝒀</m:t>
+                                  </m:r>
+                                </m:e>
+                                <m:sub>
+                                  <m:r>
+                                    <a:rPr lang="es-PE" i="1">
+                                      <a:latin typeface="Cambria Math" panose="02040503050406030204" pitchFamily="18" charset="0"/>
+                                    </a:rPr>
+                                    <m:t>𝑖𝑗</m:t>
+                                  </m:r>
+                                </m:sub>
+                                <m:sup>
+                                  <m:r>
+                                    <a:rPr lang="es-PE" i="1">
+                                      <a:latin typeface="Cambria Math" panose="02040503050406030204" pitchFamily="18" charset="0"/>
+                                    </a:rPr>
+                                    <m:t>𝑐</m:t>
+                                  </m:r>
+                                  <m:r>
+                                    <a:rPr lang="es-PE" i="1">
+                                      <a:latin typeface="Cambria Math" panose="02040503050406030204" pitchFamily="18" charset="0"/>
+                                    </a:rPr>
+                                    <m:t>∗</m:t>
+                                  </m:r>
+                                </m:sup>
+                              </m:sSubSup>
+                            </m:e>
+                          </m:d>
+                          <m:r>
+                            <a:rPr lang="pt-BR" b="0" i="1" smtClean="0">
+                              <a:latin typeface="Cambria Math" panose="02040503050406030204" pitchFamily="18" charset="0"/>
+                            </a:rPr>
+                            <m:t>𝑉</m:t>
+                          </m:r>
+                        </m:e>
+                        <m:sub>
+                          <m:r>
+                            <a:rPr lang="es-PE" b="0" i="1" smtClean="0">
+                              <a:latin typeface="Cambria Math" panose="02040503050406030204" pitchFamily="18" charset="0"/>
+                            </a:rPr>
+                            <m:t>𝑗</m:t>
+                          </m:r>
+                        </m:sub>
+                      </m:sSub>
+                      <m:sSubSup>
+                        <m:sSubSupPr>
+                          <m:ctrlPr>
+                            <a:rPr lang="pt-BR" b="0" i="1" smtClean="0">
+                              <a:latin typeface="Cambria Math" panose="02040503050406030204" pitchFamily="18" charset="0"/>
+                            </a:rPr>
+                          </m:ctrlPr>
+                        </m:sSubSupPr>
+                        <m:e>
+                          <m:r>
+                            <a:rPr lang="es-PE" b="0" i="1" smtClean="0">
+                              <a:latin typeface="Cambria Math" panose="02040503050406030204" pitchFamily="18" charset="0"/>
+                            </a:rPr>
+                            <m:t>𝑉</m:t>
+                          </m:r>
+                        </m:e>
+                        <m:sub>
+                          <m:r>
+                            <a:rPr lang="es-PE" b="0" i="1" smtClean="0">
+                              <a:latin typeface="Cambria Math" panose="02040503050406030204" pitchFamily="18" charset="0"/>
+                            </a:rPr>
+                            <m:t>𝑗</m:t>
+                          </m:r>
+                        </m:sub>
+                        <m:sup>
+                          <m:r>
+                            <a:rPr lang="es-PE" b="0" i="1" smtClean="0">
+                              <a:latin typeface="Cambria Math" panose="02040503050406030204" pitchFamily="18" charset="0"/>
+                            </a:rPr>
+                            <m:t>∗</m:t>
+                          </m:r>
+                        </m:sup>
+                      </m:sSubSup>
+                      <m:r>
+                        <a:rPr lang="es-PE" b="0" i="1" smtClean="0">
+                          <a:latin typeface="Cambria Math" panose="02040503050406030204" pitchFamily="18" charset="0"/>
+                        </a:rPr>
+                        <m:t>−</m:t>
+                      </m:r>
+                      <m:f>
+                        <m:fPr>
+                          <m:ctrlPr>
+                            <a:rPr lang="es-PE" b="0" i="1" smtClean="0">
+                              <a:latin typeface="Cambria Math" panose="02040503050406030204" pitchFamily="18" charset="0"/>
+                            </a:rPr>
+                          </m:ctrlPr>
+                        </m:fPr>
+                        <m:num>
+                          <m:sSubSup>
+                            <m:sSubSupPr>
+                              <m:ctrlPr>
+                                <a:rPr lang="es-PE" b="0" i="1" smtClean="0">
+                                  <a:latin typeface="Cambria Math" panose="02040503050406030204" pitchFamily="18" charset="0"/>
+                                </a:rPr>
+                              </m:ctrlPr>
+                            </m:sSubSupPr>
+                            <m:e>
+                              <m:r>
+                                <a:rPr lang="es-PE" b="1" i="1" smtClean="0">
+                                  <a:latin typeface="Cambria Math" panose="02040503050406030204" pitchFamily="18" charset="0"/>
+                                </a:rPr>
+                                <m:t>𝒀</m:t>
+                              </m:r>
+                            </m:e>
+                            <m:sub>
+                              <m:r>
+                                <a:rPr lang="es-PE" b="0" i="1" smtClean="0">
+                                  <a:latin typeface="Cambria Math" panose="02040503050406030204" pitchFamily="18" charset="0"/>
+                                </a:rPr>
+                                <m:t>𝑖𝑗</m:t>
+                              </m:r>
+                            </m:sub>
+                            <m:sup>
+                              <m:r>
+                                <a:rPr lang="es-PE" b="0" i="1" smtClean="0">
+                                  <a:latin typeface="Cambria Math" panose="02040503050406030204" pitchFamily="18" charset="0"/>
+                                </a:rPr>
+                                <m:t>∗</m:t>
+                              </m:r>
+                            </m:sup>
+                          </m:sSubSup>
+                        </m:num>
+                        <m:den>
+                          <m:sSubSup>
+                            <m:sSubSupPr>
+                              <m:ctrlPr>
+                                <a:rPr lang="es-PE" b="0" i="1" smtClean="0">
+                                  <a:latin typeface="Cambria Math" panose="02040503050406030204" pitchFamily="18" charset="0"/>
+                                </a:rPr>
+                              </m:ctrlPr>
+                            </m:sSubSupPr>
+                            <m:e>
+                              <m:r>
+                                <a:rPr lang="es-PE" b="0" i="1" smtClean="0">
+                                  <a:latin typeface="Cambria Math" panose="02040503050406030204" pitchFamily="18" charset="0"/>
+                                </a:rPr>
+                                <m:t>𝑇</m:t>
+                              </m:r>
+                            </m:e>
+                            <m:sub>
+                              <m:r>
+                                <a:rPr lang="es-PE" b="0" i="1" smtClean="0">
+                                  <a:latin typeface="Cambria Math" panose="02040503050406030204" pitchFamily="18" charset="0"/>
+                                </a:rPr>
+                                <m:t>𝑖𝑗</m:t>
+                              </m:r>
+                            </m:sub>
+                            <m:sup>
+                              <m:r>
+                                <a:rPr lang="es-PE" b="0" i="1" smtClean="0">
+                                  <a:latin typeface="Cambria Math" panose="02040503050406030204" pitchFamily="18" charset="0"/>
+                                </a:rPr>
+                                <m:t>∗</m:t>
+                              </m:r>
+                            </m:sup>
+                          </m:sSubSup>
+                        </m:den>
+                      </m:f>
+                      <m:sSub>
+                        <m:sSubPr>
+                          <m:ctrlPr>
+                            <a:rPr lang="es-PE" b="0" i="1" smtClean="0">
+                              <a:latin typeface="Cambria Math" panose="02040503050406030204" pitchFamily="18" charset="0"/>
+                            </a:rPr>
+                          </m:ctrlPr>
+                        </m:sSubPr>
+                        <m:e>
+                          <m:r>
+                            <a:rPr lang="es-PE" b="0" i="1" smtClean="0">
+                              <a:latin typeface="Cambria Math" panose="02040503050406030204" pitchFamily="18" charset="0"/>
+                            </a:rPr>
+                            <m:t>𝑉</m:t>
+                          </m:r>
+                        </m:e>
+                        <m:sub>
+                          <m:r>
+                            <a:rPr lang="es-PE" b="0" i="1" smtClean="0">
+                              <a:latin typeface="Cambria Math" panose="02040503050406030204" pitchFamily="18" charset="0"/>
+                            </a:rPr>
+                            <m:t>𝑗</m:t>
+                          </m:r>
+                        </m:sub>
+                      </m:sSub>
+                      <m:sSubSup>
+                        <m:sSubSupPr>
+                          <m:ctrlPr>
+                            <a:rPr lang="es-PE" b="0" i="1" smtClean="0">
+                              <a:latin typeface="Cambria Math" panose="02040503050406030204" pitchFamily="18" charset="0"/>
+                            </a:rPr>
+                          </m:ctrlPr>
+                        </m:sSubSupPr>
+                        <m:e>
+                          <m:r>
+                            <a:rPr lang="es-PE" b="0" i="1" smtClean="0">
+                              <a:latin typeface="Cambria Math" panose="02040503050406030204" pitchFamily="18" charset="0"/>
+                            </a:rPr>
+                            <m:t>𝑉</m:t>
+                          </m:r>
+                        </m:e>
+                        <m:sub>
+                          <m:r>
+                            <a:rPr lang="es-PE" b="0" i="1" smtClean="0">
+                              <a:latin typeface="Cambria Math" panose="02040503050406030204" pitchFamily="18" charset="0"/>
+                            </a:rPr>
+                            <m:t>𝑖</m:t>
+                          </m:r>
+                        </m:sub>
+                        <m:sup>
+                          <m:r>
+                            <a:rPr lang="es-PE" b="0" i="1" smtClean="0">
+                              <a:latin typeface="Cambria Math" panose="02040503050406030204" pitchFamily="18" charset="0"/>
+                            </a:rPr>
+                            <m:t>∗</m:t>
+                          </m:r>
+                        </m:sup>
+                      </m:sSubSup>
+                    </m:oMath>
+                  </m:oMathPara>
+                </a14:m>
+                <a:endParaRPr lang="es-PE" dirty="0"/>
+              </a:p>
+            </p:txBody>
+          </p:sp>
+        </mc:Choice>
+        <mc:Fallback>
+          <p:sp>
+            <p:nvSpPr>
+              <p:cNvPr id="43" name="CaixaDeTexto 57">
+                <a:extLst>
+                  <a:ext uri="{FF2B5EF4-FFF2-40B4-BE49-F238E27FC236}">
+                    <a16:creationId xmlns:a16="http://schemas.microsoft.com/office/drawing/2014/main" id="{DE48C7C5-FC79-441D-A92C-8033BD6FE0BB}"/>
+                  </a:ext>
+                </a:extLst>
+              </p:cNvPr>
+              <p:cNvSpPr txBox="1">
+                <a:spLocks noRot="1" noChangeAspect="1" noMove="1" noResize="1" noEditPoints="1" noAdjustHandles="1" noChangeArrowheads="1" noChangeShapeType="1" noTextEdit="1"/>
+              </p:cNvSpPr>
+              <p:nvPr/>
+            </p:nvSpPr>
+            <p:spPr>
+              <a:xfrm>
+                <a:off x="2594710" y="5125547"/>
+                <a:ext cx="3257366" cy="656462"/>
+              </a:xfrm>
+              <a:prstGeom prst="rect">
+                <a:avLst/>
+              </a:prstGeom>
+              <a:blipFill>
+                <a:blip r:embed="rId10"/>
+                <a:stretch>
+                  <a:fillRect/>
+                </a:stretch>
+              </a:blipFill>
+            </p:spPr>
+            <p:txBody>
+              <a:bodyPr/>
+              <a:lstStyle/>
+              <a:p>
+                <a:r>
+                  <a:rPr lang="es-PE">
+                    <a:noFill/>
+                  </a:rPr>
+                  <a:t> </a:t>
+                </a:r>
+              </a:p>
+            </p:txBody>
+          </p:sp>
+        </mc:Fallback>
+      </mc:AlternateContent>
+    </p:spTree>
+    <p:extLst>
+      <p:ext uri="{BB962C8B-B14F-4D97-AF65-F5344CB8AC3E}">
+        <p14:creationId xmlns:p14="http://schemas.microsoft.com/office/powerpoint/2010/main" val="2426451216"/>
+      </p:ext>
+    </p:extLst>
+  </p:cSld>
+  <p:clrMapOvr>
+    <a:masterClrMapping/>
+  </p:clrMapOvr>
+  <p:transition spd="slow">
+    <p:fade/>
+  </p:transition>
+</p:sld>
+</file>
+
+<file path=ppt/slides/slide13.xml><?xml version="1.0" encoding="utf-8"?>
+<p:sld xmlns:a="http://schemas.openxmlformats.org/drawingml/2006/main" xmlns:r="http://schemas.openxmlformats.org/officeDocument/2006/relationships" xmlns:p="http://schemas.openxmlformats.org/presentationml/2006/main">
+  <p:cSld>
+    <p:spTree>
+      <p:nvGrpSpPr>
+        <p:cNvPr id="1" name=""/>
+        <p:cNvGrpSpPr/>
+        <p:nvPr/>
+      </p:nvGrpSpPr>
+      <p:grpSpPr>
+        <a:xfrm>
+          <a:off x="0" y="0"/>
+          <a:ext cx="0" cy="0"/>
+          <a:chOff x="0" y="0"/>
+          <a:chExt cx="0" cy="0"/>
+        </a:xfrm>
+      </p:grpSpPr>
+      <p:sp>
+        <p:nvSpPr>
+          <p:cNvPr id="2" name="Marcador de número de diapositiva 1"/>
+          <p:cNvSpPr>
+            <a:spLocks noGrp="1"/>
+          </p:cNvSpPr>
+          <p:nvPr>
+            <p:ph type="sldNum" sz="quarter" idx="12"/>
+          </p:nvPr>
+        </p:nvSpPr>
+        <p:spPr/>
+        <p:txBody>
+          <a:bodyPr/>
+          <a:lstStyle/>
+          <a:p>
+            <a:fld id="{64BD7E74-CBD2-4D88-9109-2EA8081AE675}" type="slidenum">
+              <a:rPr lang="es-ES" smtClean="0"/>
+              <a:pPr/>
+              <a:t>13</a:t>
+            </a:fld>
+            <a:endParaRPr lang="es-ES"/>
+          </a:p>
+        </p:txBody>
+      </p:sp>
+      <p:sp>
+        <p:nvSpPr>
+          <p:cNvPr id="8" name="4 Título"/>
+          <p:cNvSpPr txBox="1">
+            <a:spLocks/>
+          </p:cNvSpPr>
+          <p:nvPr/>
+        </p:nvSpPr>
+        <p:spPr>
+          <a:xfrm>
+            <a:off x="611560" y="188640"/>
+            <a:ext cx="8784976" cy="457120"/>
+          </a:xfrm>
+          <a:prstGeom prst="rect">
+            <a:avLst/>
+          </a:prstGeom>
+        </p:spPr>
+        <p:txBody>
+          <a:bodyPr bIns="91440" anchor="b" anchorCtr="0">
+            <a:noAutofit/>
+          </a:bodyPr>
+          <a:lstStyle>
+            <a:lvl1pPr>
+              <a:spcBef>
+                <a:spcPct val="0"/>
+              </a:spcBef>
+              <a:buNone/>
+              <a:defRPr kumimoji="0" sz="2400">
+                <a:ln w="0"/>
+                <a:solidFill>
+                  <a:schemeClr val="tx2"/>
+                </a:solidFill>
+                <a:effectLst>
+                  <a:outerShdw blurRad="38100" dist="19050" dir="2700000" algn="tl" rotWithShape="0">
+                    <a:schemeClr val="dk1">
+                      <a:alpha val="40000"/>
+                    </a:schemeClr>
+                  </a:outerShdw>
+                </a:effectLst>
+                <a:latin typeface="+mj-lt"/>
+                <a:ea typeface="+mj-ea"/>
+                <a:cs typeface="+mj-cs"/>
+              </a:defRPr>
+            </a:lvl1pPr>
+          </a:lstStyle>
+          <a:p>
+            <a:r>
+              <a:rPr lang="es-PE" altLang="en-US" dirty="0"/>
+              <a:t>Principales ideas (1/</a:t>
+            </a:r>
+          </a:p>
+        </p:txBody>
+      </p:sp>
+      <p:sp>
+        <p:nvSpPr>
+          <p:cNvPr id="4" name="CuadroTexto 3"/>
+          <p:cNvSpPr txBox="1"/>
+          <p:nvPr/>
+        </p:nvSpPr>
+        <p:spPr>
+          <a:xfrm>
+            <a:off x="602191" y="749017"/>
+            <a:ext cx="7858241" cy="923330"/>
+          </a:xfrm>
+          <a:prstGeom prst="rect">
+            <a:avLst/>
+          </a:prstGeom>
+          <a:noFill/>
+        </p:spPr>
+        <p:txBody>
+          <a:bodyPr wrap="square" rtlCol="0">
+            <a:spAutoFit/>
+          </a:bodyPr>
+          <a:lstStyle/>
+          <a:p>
+            <a:r>
+              <a:rPr lang="es-PE" dirty="0"/>
+              <a:t>Para resolver problemas de optimización no lineal, se tiene:</a:t>
+            </a:r>
+          </a:p>
+          <a:p>
+            <a:pPr marL="285750" indent="-285750">
+              <a:buFont typeface="Arial" panose="020B0604020202020204" pitchFamily="34" charset="0"/>
+              <a:buChar char="•"/>
+            </a:pPr>
+            <a:r>
+              <a:rPr lang="es-PE" dirty="0"/>
+              <a:t>Algoritmos: desafío muy grande; a veces irresoluble o no escalable.</a:t>
+            </a:r>
+          </a:p>
+          <a:p>
+            <a:pPr marL="285750" indent="-285750">
+              <a:buFont typeface="Arial" panose="020B0604020202020204" pitchFamily="34" charset="0"/>
+              <a:buChar char="•"/>
+            </a:pPr>
+            <a:r>
+              <a:rPr lang="es-PE" dirty="0"/>
+              <a:t>Factibilidad: Si, si el algoritmo converge.</a:t>
+            </a:r>
+          </a:p>
+        </p:txBody>
+      </p:sp>
+      <p:sp>
+        <p:nvSpPr>
+          <p:cNvPr id="10" name="Rectángulo 60">
+            <a:extLst>
+              <a:ext uri="{FF2B5EF4-FFF2-40B4-BE49-F238E27FC236}">
+                <a16:creationId xmlns:a16="http://schemas.microsoft.com/office/drawing/2014/main" id="{3B0A34A3-4995-4105-A426-03B064CED03C}"/>
+              </a:ext>
+            </a:extLst>
+          </p:cNvPr>
+          <p:cNvSpPr/>
+          <p:nvPr/>
+        </p:nvSpPr>
+        <p:spPr>
+          <a:xfrm>
+            <a:off x="602191" y="6227943"/>
+            <a:ext cx="7930249" cy="225393"/>
+          </a:xfrm>
+          <a:prstGeom prst="rect">
+            <a:avLst/>
+          </a:prstGeom>
+          <a:noFill/>
+          <a:ln>
+            <a:noFill/>
+          </a:ln>
+        </p:spPr>
+        <p:style>
+          <a:lnRef idx="2">
+            <a:schemeClr val="accent1">
+              <a:shade val="50000"/>
+            </a:schemeClr>
+          </a:lnRef>
+          <a:fillRef idx="1">
+            <a:schemeClr val="accent1"/>
+          </a:fillRef>
+          <a:effectRef idx="0">
+            <a:schemeClr val="accent1"/>
+          </a:effectRef>
+          <a:fontRef idx="minor">
+            <a:schemeClr val="lt1"/>
+          </a:fontRef>
+        </p:style>
+        <p:txBody>
+          <a:bodyPr rtlCol="0" anchor="ctr"/>
+          <a:lstStyle/>
+          <a:p>
+            <a:pPr lvl="0">
+              <a:defRPr/>
+            </a:pPr>
+            <a:r>
+              <a:rPr lang="en-US" sz="1000" dirty="0">
+                <a:solidFill>
+                  <a:schemeClr val="tx1"/>
+                </a:solidFill>
+              </a:rPr>
+              <a:t>PNL: </a:t>
+            </a:r>
+            <a:r>
+              <a:rPr lang="en-US" sz="1000" dirty="0" err="1">
+                <a:solidFill>
+                  <a:schemeClr val="tx1"/>
+                </a:solidFill>
+              </a:rPr>
+              <a:t>Programación</a:t>
+            </a:r>
+            <a:r>
+              <a:rPr lang="en-US" sz="1000" dirty="0">
+                <a:solidFill>
+                  <a:schemeClr val="tx1"/>
+                </a:solidFill>
+              </a:rPr>
+              <a:t> no lineal; PNLIM: </a:t>
+            </a:r>
+            <a:r>
+              <a:rPr lang="en-US" sz="1000" dirty="0" err="1">
+                <a:solidFill>
+                  <a:schemeClr val="tx1"/>
+                </a:solidFill>
+              </a:rPr>
+              <a:t>Programación</a:t>
+            </a:r>
+            <a:r>
+              <a:rPr lang="en-US" sz="1000" dirty="0">
+                <a:solidFill>
+                  <a:schemeClr val="tx1"/>
+                </a:solidFill>
+              </a:rPr>
+              <a:t> no lineal </a:t>
+            </a:r>
+            <a:r>
+              <a:rPr lang="en-US" sz="1000" dirty="0" err="1">
+                <a:solidFill>
+                  <a:schemeClr val="tx1"/>
+                </a:solidFill>
+              </a:rPr>
+              <a:t>entera</a:t>
+            </a:r>
+            <a:r>
+              <a:rPr lang="en-US" sz="1000" dirty="0">
+                <a:solidFill>
+                  <a:schemeClr val="tx1"/>
+                </a:solidFill>
+              </a:rPr>
+              <a:t> </a:t>
+            </a:r>
+            <a:r>
+              <a:rPr lang="en-US" sz="1000" dirty="0" err="1">
+                <a:solidFill>
+                  <a:schemeClr val="tx1"/>
+                </a:solidFill>
+              </a:rPr>
+              <a:t>mixta</a:t>
+            </a:r>
+            <a:endParaRPr lang="en-US" sz="1000" dirty="0">
+              <a:solidFill>
+                <a:schemeClr val="tx1"/>
+              </a:solidFill>
+            </a:endParaRPr>
+          </a:p>
+        </p:txBody>
+      </p:sp>
+      <p:sp>
+        <p:nvSpPr>
+          <p:cNvPr id="6" name="CuadroTexto 5"/>
+          <p:cNvSpPr txBox="1"/>
+          <p:nvPr/>
+        </p:nvSpPr>
+        <p:spPr>
+          <a:xfrm>
+            <a:off x="602191" y="2437257"/>
+            <a:ext cx="7858241" cy="923330"/>
+          </a:xfrm>
+          <a:prstGeom prst="rect">
+            <a:avLst/>
+          </a:prstGeom>
+          <a:noFill/>
+        </p:spPr>
+        <p:txBody>
+          <a:bodyPr wrap="square" rtlCol="0">
+            <a:spAutoFit/>
+          </a:bodyPr>
+          <a:lstStyle/>
+          <a:p>
+            <a:r>
+              <a:rPr lang="es-PE" dirty="0"/>
+              <a:t>Aproximar las ecuaciones (forma </a:t>
+            </a:r>
+            <a:r>
+              <a:rPr lang="es-PE" b="1" i="1" dirty="0"/>
+              <a:t>no lineal</a:t>
+            </a:r>
+            <a:r>
+              <a:rPr lang="es-PE" i="1" dirty="0"/>
+              <a:t> </a:t>
+            </a:r>
+            <a:r>
+              <a:rPr lang="es-PE" dirty="0"/>
+              <a:t>a </a:t>
+            </a:r>
+            <a:r>
+              <a:rPr lang="es-PE" b="1" i="1" dirty="0"/>
+              <a:t>lineal</a:t>
+            </a:r>
+            <a:r>
+              <a:rPr lang="es-PE" dirty="0"/>
+              <a:t>)</a:t>
+            </a:r>
+          </a:p>
+          <a:p>
+            <a:pPr marL="285750" indent="-285750">
+              <a:buFont typeface="Arial" panose="020B0604020202020204" pitchFamily="34" charset="0"/>
+              <a:buChar char="•"/>
+            </a:pPr>
+            <a:r>
+              <a:rPr lang="es-PE" dirty="0"/>
+              <a:t>Algoritmos: son numéricamente estables; rápidos y escalables.</a:t>
+            </a:r>
+          </a:p>
+          <a:p>
+            <a:pPr marL="285750" indent="-285750">
+              <a:buFont typeface="Arial" panose="020B0604020202020204" pitchFamily="34" charset="0"/>
+              <a:buChar char="•"/>
+            </a:pPr>
+            <a:r>
+              <a:rPr lang="es-PE" dirty="0"/>
+              <a:t>Factibilidad: No se garantiza la factibilidad.</a:t>
+            </a:r>
+          </a:p>
+        </p:txBody>
+      </p:sp>
+      <p:sp>
+        <p:nvSpPr>
+          <p:cNvPr id="7" name="CuadroTexto 6"/>
+          <p:cNvSpPr txBox="1"/>
+          <p:nvPr/>
+        </p:nvSpPr>
+        <p:spPr>
+          <a:xfrm>
+            <a:off x="602191" y="4125521"/>
+            <a:ext cx="7858241" cy="1200329"/>
+          </a:xfrm>
+          <a:prstGeom prst="rect">
+            <a:avLst/>
+          </a:prstGeom>
+          <a:noFill/>
+        </p:spPr>
+        <p:txBody>
+          <a:bodyPr wrap="square" rtlCol="0">
+            <a:spAutoFit/>
+          </a:bodyPr>
+          <a:lstStyle/>
+          <a:p>
+            <a:r>
+              <a:rPr lang="es-PE" dirty="0" err="1"/>
+              <a:t>Convexificar</a:t>
+            </a:r>
+            <a:r>
+              <a:rPr lang="es-PE" dirty="0"/>
+              <a:t> las ecuaciones (Forma elegante de resolver un problema no lineal </a:t>
+            </a:r>
+            <a:r>
+              <a:rPr lang="es-PE" dirty="0" err="1"/>
+              <a:t>através</a:t>
+            </a:r>
+            <a:r>
+              <a:rPr lang="es-PE" dirty="0"/>
+              <a:t> de relajaciones convexas, sin aproximaciones e iteraciones)</a:t>
+            </a:r>
+          </a:p>
+          <a:p>
+            <a:pPr marL="285750" indent="-285750">
+              <a:buFont typeface="Arial" panose="020B0604020202020204" pitchFamily="34" charset="0"/>
+              <a:buChar char="•"/>
+            </a:pPr>
+            <a:r>
+              <a:rPr lang="es-PE" dirty="0"/>
+              <a:t>Algoritmos: son numéricamente estables; a veces lentos y difíciles de escalar.</a:t>
+            </a:r>
+          </a:p>
+          <a:p>
+            <a:pPr marL="285750" indent="-285750">
+              <a:buFont typeface="Arial" panose="020B0604020202020204" pitchFamily="34" charset="0"/>
+              <a:buChar char="•"/>
+            </a:pPr>
+            <a:r>
+              <a:rPr lang="es-PE" dirty="0"/>
+              <a:t>Factibilidad: Garantiza la factibilidad.</a:t>
+            </a:r>
+          </a:p>
+        </p:txBody>
+      </p:sp>
+    </p:spTree>
+    <p:extLst>
+      <p:ext uri="{BB962C8B-B14F-4D97-AF65-F5344CB8AC3E}">
+        <p14:creationId xmlns:p14="http://schemas.microsoft.com/office/powerpoint/2010/main" val="3912825515"/>
+      </p:ext>
+    </p:extLst>
+  </p:cSld>
+  <p:clrMapOvr>
+    <a:masterClrMapping/>
+  </p:clrMapOvr>
+  <p:transition spd="slow">
+    <p:fade/>
+  </p:transition>
+</p:sld>
+</file>
+
+<file path=ppt/slides/slide14.xml><?xml version="1.0" encoding="utf-8"?>
+<p:sld xmlns:a="http://schemas.openxmlformats.org/drawingml/2006/main" xmlns:r="http://schemas.openxmlformats.org/officeDocument/2006/relationships" xmlns:p="http://schemas.openxmlformats.org/presentationml/2006/main">
+  <p:cSld>
+    <p:spTree>
+      <p:nvGrpSpPr>
+        <p:cNvPr id="1" name=""/>
+        <p:cNvGrpSpPr/>
+        <p:nvPr/>
+      </p:nvGrpSpPr>
+      <p:grpSpPr>
+        <a:xfrm>
+          <a:off x="0" y="0"/>
+          <a:ext cx="0" cy="0"/>
+          <a:chOff x="0" y="0"/>
+          <a:chExt cx="0" cy="0"/>
+        </a:xfrm>
+      </p:grpSpPr>
+      <p:sp>
+        <p:nvSpPr>
+          <p:cNvPr id="2" name="Marcador de número de diapositiva 1"/>
+          <p:cNvSpPr>
+            <a:spLocks noGrp="1"/>
+          </p:cNvSpPr>
+          <p:nvPr>
+            <p:ph type="sldNum" sz="quarter" idx="12"/>
+          </p:nvPr>
+        </p:nvSpPr>
+        <p:spPr/>
+        <p:txBody>
+          <a:bodyPr/>
+          <a:lstStyle/>
+          <a:p>
+            <a:fld id="{64BD7E74-CBD2-4D88-9109-2EA8081AE675}" type="slidenum">
+              <a:rPr lang="es-ES" smtClean="0"/>
+              <a:pPr/>
+              <a:t>14</a:t>
+            </a:fld>
+            <a:endParaRPr lang="es-ES"/>
+          </a:p>
+        </p:txBody>
+      </p:sp>
+      <p:sp>
+        <p:nvSpPr>
+          <p:cNvPr id="8" name="4 Título"/>
+          <p:cNvSpPr txBox="1">
+            <a:spLocks/>
+          </p:cNvSpPr>
+          <p:nvPr/>
+        </p:nvSpPr>
+        <p:spPr>
+          <a:xfrm>
+            <a:off x="611560" y="188640"/>
+            <a:ext cx="8784976" cy="457120"/>
+          </a:xfrm>
+          <a:prstGeom prst="rect">
+            <a:avLst/>
+          </a:prstGeom>
+        </p:spPr>
+        <p:txBody>
+          <a:bodyPr bIns="91440" anchor="b" anchorCtr="0">
+            <a:noAutofit/>
+          </a:bodyPr>
+          <a:lstStyle>
+            <a:lvl1pPr>
+              <a:spcBef>
+                <a:spcPct val="0"/>
+              </a:spcBef>
+              <a:buNone/>
+              <a:defRPr kumimoji="0" sz="2400">
+                <a:ln w="0"/>
+                <a:solidFill>
+                  <a:schemeClr val="tx2"/>
+                </a:solidFill>
+                <a:effectLst>
+                  <a:outerShdw blurRad="38100" dist="19050" dir="2700000" algn="tl" rotWithShape="0">
+                    <a:schemeClr val="dk1">
+                      <a:alpha val="40000"/>
+                    </a:schemeClr>
+                  </a:outerShdw>
+                </a:effectLst>
+                <a:latin typeface="+mj-lt"/>
+                <a:ea typeface="+mj-ea"/>
+                <a:cs typeface="+mj-cs"/>
+              </a:defRPr>
+            </a:lvl1pPr>
+          </a:lstStyle>
+          <a:p>
+            <a:r>
+              <a:rPr lang="es-PE" altLang="en-US" dirty="0"/>
+              <a:t>Principales ideas (2/</a:t>
+            </a:r>
+          </a:p>
+        </p:txBody>
+      </p:sp>
+      <p:sp>
+        <p:nvSpPr>
+          <p:cNvPr id="4" name="CuadroTexto 3"/>
+          <p:cNvSpPr txBox="1"/>
+          <p:nvPr/>
+        </p:nvSpPr>
+        <p:spPr>
+          <a:xfrm>
+            <a:off x="602191" y="749017"/>
+            <a:ext cx="7858241" cy="923330"/>
+          </a:xfrm>
+          <a:prstGeom prst="rect">
+            <a:avLst/>
+          </a:prstGeom>
+          <a:noFill/>
+        </p:spPr>
+        <p:txBody>
+          <a:bodyPr wrap="square" rtlCol="0">
+            <a:spAutoFit/>
+          </a:bodyPr>
+          <a:lstStyle/>
+          <a:p>
+            <a:r>
+              <a:rPr lang="es-PE" dirty="0"/>
+              <a:t>Para resolver problemas de optimización no lineal, se tiene:</a:t>
+            </a:r>
+          </a:p>
+          <a:p>
+            <a:pPr marL="285750" indent="-285750">
+              <a:buFont typeface="Arial" panose="020B0604020202020204" pitchFamily="34" charset="0"/>
+              <a:buChar char="•"/>
+            </a:pPr>
+            <a:r>
+              <a:rPr lang="es-PE" dirty="0"/>
+              <a:t>Algoritmos: desafío muy grande; a veces irresoluble o no escalable.</a:t>
+            </a:r>
+          </a:p>
+          <a:p>
+            <a:pPr marL="285750" indent="-285750">
+              <a:buFont typeface="Arial" panose="020B0604020202020204" pitchFamily="34" charset="0"/>
+              <a:buChar char="•"/>
+            </a:pPr>
+            <a:r>
+              <a:rPr lang="es-PE" dirty="0"/>
+              <a:t>Factibilidad: Si, si el algoritmo converge.</a:t>
+            </a:r>
+          </a:p>
+        </p:txBody>
+      </p:sp>
+      <p:sp>
+        <p:nvSpPr>
+          <p:cNvPr id="10" name="Rectángulo 60">
+            <a:extLst>
+              <a:ext uri="{FF2B5EF4-FFF2-40B4-BE49-F238E27FC236}">
+                <a16:creationId xmlns:a16="http://schemas.microsoft.com/office/drawing/2014/main" id="{3B0A34A3-4995-4105-A426-03B064CED03C}"/>
+              </a:ext>
+            </a:extLst>
+          </p:cNvPr>
+          <p:cNvSpPr/>
+          <p:nvPr/>
+        </p:nvSpPr>
+        <p:spPr>
+          <a:xfrm>
+            <a:off x="602191" y="6227943"/>
+            <a:ext cx="7930249" cy="225393"/>
+          </a:xfrm>
+          <a:prstGeom prst="rect">
+            <a:avLst/>
+          </a:prstGeom>
+          <a:noFill/>
+          <a:ln>
+            <a:noFill/>
+          </a:ln>
+        </p:spPr>
+        <p:style>
+          <a:lnRef idx="2">
+            <a:schemeClr val="accent1">
+              <a:shade val="50000"/>
+            </a:schemeClr>
+          </a:lnRef>
+          <a:fillRef idx="1">
+            <a:schemeClr val="accent1"/>
+          </a:fillRef>
+          <a:effectRef idx="0">
+            <a:schemeClr val="accent1"/>
+          </a:effectRef>
+          <a:fontRef idx="minor">
+            <a:schemeClr val="lt1"/>
+          </a:fontRef>
+        </p:style>
+        <p:txBody>
+          <a:bodyPr rtlCol="0" anchor="ctr"/>
+          <a:lstStyle/>
+          <a:p>
+            <a:pPr lvl="0">
+              <a:defRPr/>
+            </a:pPr>
+            <a:r>
+              <a:rPr lang="en-US" sz="1000" dirty="0">
+                <a:solidFill>
+                  <a:schemeClr val="tx1"/>
+                </a:solidFill>
+              </a:rPr>
+              <a:t>PNL: </a:t>
+            </a:r>
+            <a:r>
+              <a:rPr lang="en-US" sz="1000" dirty="0" err="1">
+                <a:solidFill>
+                  <a:schemeClr val="tx1"/>
+                </a:solidFill>
+              </a:rPr>
+              <a:t>Programación</a:t>
+            </a:r>
+            <a:r>
+              <a:rPr lang="en-US" sz="1000" dirty="0">
+                <a:solidFill>
+                  <a:schemeClr val="tx1"/>
+                </a:solidFill>
+              </a:rPr>
+              <a:t> no lineal; PNLIM: </a:t>
+            </a:r>
+            <a:r>
+              <a:rPr lang="en-US" sz="1000" dirty="0" err="1">
+                <a:solidFill>
+                  <a:schemeClr val="tx1"/>
+                </a:solidFill>
+              </a:rPr>
+              <a:t>Programación</a:t>
+            </a:r>
+            <a:r>
+              <a:rPr lang="en-US" sz="1000" dirty="0">
+                <a:solidFill>
+                  <a:schemeClr val="tx1"/>
+                </a:solidFill>
+              </a:rPr>
+              <a:t> no lineal </a:t>
+            </a:r>
+            <a:r>
+              <a:rPr lang="en-US" sz="1000" dirty="0" err="1">
+                <a:solidFill>
+                  <a:schemeClr val="tx1"/>
+                </a:solidFill>
+              </a:rPr>
+              <a:t>entera</a:t>
+            </a:r>
+            <a:r>
+              <a:rPr lang="en-US" sz="1000" dirty="0">
+                <a:solidFill>
+                  <a:schemeClr val="tx1"/>
+                </a:solidFill>
+              </a:rPr>
+              <a:t> </a:t>
+            </a:r>
+            <a:r>
+              <a:rPr lang="en-US" sz="1000" dirty="0" err="1">
+                <a:solidFill>
+                  <a:schemeClr val="tx1"/>
+                </a:solidFill>
+              </a:rPr>
+              <a:t>mixta</a:t>
+            </a:r>
+            <a:endParaRPr lang="en-US" sz="1000" dirty="0">
+              <a:solidFill>
+                <a:schemeClr val="tx1"/>
+              </a:solidFill>
+            </a:endParaRPr>
+          </a:p>
+        </p:txBody>
+      </p:sp>
+      <p:sp>
+        <p:nvSpPr>
+          <p:cNvPr id="6" name="CuadroTexto 5"/>
+          <p:cNvSpPr txBox="1"/>
+          <p:nvPr/>
+        </p:nvSpPr>
+        <p:spPr>
+          <a:xfrm>
+            <a:off x="602191" y="2437257"/>
+            <a:ext cx="7858241" cy="923330"/>
+          </a:xfrm>
+          <a:prstGeom prst="rect">
+            <a:avLst/>
+          </a:prstGeom>
+          <a:noFill/>
+        </p:spPr>
+        <p:txBody>
+          <a:bodyPr wrap="square" rtlCol="0">
+            <a:spAutoFit/>
+          </a:bodyPr>
+          <a:lstStyle/>
+          <a:p>
+            <a:r>
+              <a:rPr lang="es-PE" dirty="0"/>
+              <a:t>Aproximar las ecuaciones (forma </a:t>
+            </a:r>
+            <a:r>
+              <a:rPr lang="es-PE" b="1" i="1" dirty="0"/>
+              <a:t>no lineal</a:t>
+            </a:r>
+            <a:r>
+              <a:rPr lang="es-PE" i="1" dirty="0"/>
+              <a:t> </a:t>
+            </a:r>
+            <a:r>
+              <a:rPr lang="es-PE" dirty="0"/>
+              <a:t>a </a:t>
+            </a:r>
+            <a:r>
+              <a:rPr lang="es-PE" b="1" i="1" dirty="0"/>
+              <a:t>lineal</a:t>
+            </a:r>
+            <a:r>
+              <a:rPr lang="es-PE" dirty="0"/>
+              <a:t>)</a:t>
+            </a:r>
+          </a:p>
+          <a:p>
+            <a:pPr marL="285750" indent="-285750">
+              <a:buFont typeface="Arial" panose="020B0604020202020204" pitchFamily="34" charset="0"/>
+              <a:buChar char="•"/>
+            </a:pPr>
+            <a:r>
+              <a:rPr lang="es-PE" dirty="0"/>
+              <a:t>Algoritmos: son numéricamente estables; rápidos y escalables.</a:t>
+            </a:r>
+          </a:p>
+          <a:p>
+            <a:pPr marL="285750" indent="-285750">
+              <a:buFont typeface="Arial" panose="020B0604020202020204" pitchFamily="34" charset="0"/>
+              <a:buChar char="•"/>
+            </a:pPr>
+            <a:r>
+              <a:rPr lang="es-PE" dirty="0"/>
+              <a:t>Factibilidad: No se garantiza la factibilidad.</a:t>
+            </a:r>
+          </a:p>
+        </p:txBody>
+      </p:sp>
+      <p:sp>
+        <p:nvSpPr>
+          <p:cNvPr id="7" name="CuadroTexto 6"/>
+          <p:cNvSpPr txBox="1"/>
+          <p:nvPr/>
+        </p:nvSpPr>
+        <p:spPr>
+          <a:xfrm>
+            <a:off x="602191" y="4125521"/>
+            <a:ext cx="7858241" cy="1200329"/>
+          </a:xfrm>
+          <a:prstGeom prst="rect">
+            <a:avLst/>
+          </a:prstGeom>
+          <a:noFill/>
+        </p:spPr>
+        <p:txBody>
+          <a:bodyPr wrap="square" rtlCol="0">
+            <a:spAutoFit/>
+          </a:bodyPr>
+          <a:lstStyle/>
+          <a:p>
+            <a:r>
+              <a:rPr lang="es-PE" dirty="0" err="1"/>
+              <a:t>Convexificar</a:t>
+            </a:r>
+            <a:r>
+              <a:rPr lang="es-PE" dirty="0"/>
+              <a:t> las ecuaciones (Forma elegante de resolver un problema no lineal </a:t>
+            </a:r>
+            <a:r>
+              <a:rPr lang="es-PE" dirty="0" err="1"/>
+              <a:t>através</a:t>
+            </a:r>
+            <a:r>
+              <a:rPr lang="es-PE" dirty="0"/>
+              <a:t> de relajaciones convexas, sin aproximaciones e iteraciones)</a:t>
+            </a:r>
+          </a:p>
+          <a:p>
+            <a:pPr marL="285750" indent="-285750">
+              <a:buFont typeface="Arial" panose="020B0604020202020204" pitchFamily="34" charset="0"/>
+              <a:buChar char="•"/>
+            </a:pPr>
+            <a:r>
+              <a:rPr lang="es-PE" dirty="0"/>
+              <a:t>Algoritmos: son numéricamente estables; a veces lentos y difíciles de escalar.</a:t>
+            </a:r>
+          </a:p>
+          <a:p>
+            <a:pPr marL="285750" indent="-285750">
+              <a:buFont typeface="Arial" panose="020B0604020202020204" pitchFamily="34" charset="0"/>
+              <a:buChar char="•"/>
+            </a:pPr>
+            <a:r>
+              <a:rPr lang="es-PE" dirty="0"/>
+              <a:t>Factibilidad: Garantiza la factibilidad.</a:t>
+            </a:r>
+          </a:p>
+        </p:txBody>
+      </p:sp>
+    </p:spTree>
+    <p:extLst>
+      <p:ext uri="{BB962C8B-B14F-4D97-AF65-F5344CB8AC3E}">
+        <p14:creationId xmlns:p14="http://schemas.microsoft.com/office/powerpoint/2010/main" val="3959916357"/>
+      </p:ext>
+    </p:extLst>
+  </p:cSld>
+  <p:clrMapOvr>
+    <a:masterClrMapping/>
+  </p:clrMapOvr>
+  <p:transition spd="slow">
+    <p:fade/>
+  </p:transition>
+</p:sld>
+</file>
+
+<file path=ppt/slides/slide15.xml><?xml version="1.0" encoding="utf-8"?>
+<p:sld xmlns:a="http://schemas.openxmlformats.org/drawingml/2006/main" xmlns:r="http://schemas.openxmlformats.org/officeDocument/2006/relationships" xmlns:p="http://schemas.openxmlformats.org/presentationml/2006/main">
+  <p:cSld>
+    <p:spTree>
+      <p:nvGrpSpPr>
+        <p:cNvPr id="1" name=""/>
+        <p:cNvGrpSpPr/>
+        <p:nvPr/>
+      </p:nvGrpSpPr>
+      <p:grpSpPr>
+        <a:xfrm>
+          <a:off x="0" y="0"/>
+          <a:ext cx="0" cy="0"/>
+          <a:chOff x="0" y="0"/>
+          <a:chExt cx="0" cy="0"/>
+        </a:xfrm>
+      </p:grpSpPr>
+      <p:sp>
+        <p:nvSpPr>
           <p:cNvPr id="3" name="Marcador de número de diapositiva 2"/>
           <p:cNvSpPr>
             <a:spLocks noGrp="1"/>
@@ -7482,7 +13299,7 @@
             <a:fld id="{64BD7E74-CBD2-4D88-9109-2EA8081AE675}" type="slidenum">
               <a:rPr lang="es-ES" smtClean="0"/>
               <a:pPr/>
-              <a:t>11</a:t>
+              <a:t>15</a:t>
             </a:fld>
             <a:endParaRPr lang="es-ES"/>
           </a:p>
@@ -7665,7 +13482,7 @@
           </a:lstStyle>
           <a:p>
             <a:r>
-              <a:rPr lang="es-PE" altLang="en-US"/>
+              <a:rPr lang="es-PE" altLang="en-US" dirty="0"/>
               <a:t>Referencias</a:t>
             </a:r>
           </a:p>
@@ -8168,8 +13985,8 @@
           </a:p>
         </p:txBody>
       </p:sp>
-      <mc:AlternateContent xmlns:mc="http://schemas.openxmlformats.org/markup-compatibility/2006">
-        <mc:Choice xmlns:a14="http://schemas.microsoft.com/office/drawing/2010/main" Requires="a14">
+      <mc:AlternateContent xmlns:mc="http://schemas.openxmlformats.org/markup-compatibility/2006" xmlns:a14="http://schemas.microsoft.com/office/drawing/2010/main">
+        <mc:Choice Requires="a14">
           <p:sp>
             <p:nvSpPr>
               <p:cNvPr id="10" name="CaixaDeTexto 9">
@@ -8249,7 +14066,7 @@
             </p:txBody>
           </p:sp>
         </mc:Choice>
-        <mc:Fallback>
+        <mc:Fallback xmlns="">
           <p:sp>
             <p:nvSpPr>
               <p:cNvPr id="10" name="CaixaDeTexto 9">
@@ -8294,8 +14111,8 @@
           </p:sp>
         </mc:Fallback>
       </mc:AlternateContent>
-      <mc:AlternateContent xmlns:mc="http://schemas.openxmlformats.org/markup-compatibility/2006">
-        <mc:Choice xmlns:a14="http://schemas.microsoft.com/office/drawing/2010/main" Requires="a14">
+      <mc:AlternateContent xmlns:mc="http://schemas.openxmlformats.org/markup-compatibility/2006" xmlns:a14="http://schemas.microsoft.com/office/drawing/2010/main">
+        <mc:Choice Requires="a14">
           <p:sp>
             <p:nvSpPr>
               <p:cNvPr id="17" name="CaixaDeTexto 16">
@@ -8383,7 +14200,7 @@
             </p:txBody>
           </p:sp>
         </mc:Choice>
-        <mc:Fallback>
+        <mc:Fallback xmlns="">
           <p:sp>
             <p:nvSpPr>
               <p:cNvPr id="17" name="CaixaDeTexto 16">
@@ -8428,8 +14245,8 @@
           </p:sp>
         </mc:Fallback>
       </mc:AlternateContent>
-      <mc:AlternateContent xmlns:mc="http://schemas.openxmlformats.org/markup-compatibility/2006">
-        <mc:Choice xmlns:a14="http://schemas.microsoft.com/office/drawing/2010/main" Requires="a14">
+      <mc:AlternateContent xmlns:mc="http://schemas.openxmlformats.org/markup-compatibility/2006" xmlns:a14="http://schemas.microsoft.com/office/drawing/2010/main">
+        <mc:Choice Requires="a14">
           <p:sp>
             <p:nvSpPr>
               <p:cNvPr id="18" name="CaixaDeTexto 17">
@@ -8593,7 +14410,7 @@
             </p:txBody>
           </p:sp>
         </mc:Choice>
-        <mc:Fallback>
+        <mc:Fallback xmlns="">
           <p:sp>
             <p:nvSpPr>
               <p:cNvPr id="18" name="CaixaDeTexto 17">
@@ -8771,8 +14588,8 @@
           </a:p>
         </p:txBody>
       </p:sp>
-      <mc:AlternateContent xmlns:mc="http://schemas.openxmlformats.org/markup-compatibility/2006">
-        <mc:Choice xmlns:a14="http://schemas.microsoft.com/office/drawing/2010/main" Requires="a14">
+      <mc:AlternateContent xmlns:mc="http://schemas.openxmlformats.org/markup-compatibility/2006" xmlns:a14="http://schemas.microsoft.com/office/drawing/2010/main">
+        <mc:Choice Requires="a14">
           <p:sp>
             <p:nvSpPr>
               <p:cNvPr id="22" name="CaixaDeTexto 21">
@@ -8911,7 +14728,7 @@
             </p:txBody>
           </p:sp>
         </mc:Choice>
-        <mc:Fallback>
+        <mc:Fallback xmlns="">
           <p:sp>
             <p:nvSpPr>
               <p:cNvPr id="22" name="CaixaDeTexto 21">
@@ -8956,8 +14773,8 @@
           </p:sp>
         </mc:Fallback>
       </mc:AlternateContent>
-      <mc:AlternateContent xmlns:mc="http://schemas.openxmlformats.org/markup-compatibility/2006">
-        <mc:Choice xmlns:a14="http://schemas.microsoft.com/office/drawing/2010/main" Requires="a14">
+      <mc:AlternateContent xmlns:mc="http://schemas.openxmlformats.org/markup-compatibility/2006" xmlns:a14="http://schemas.microsoft.com/office/drawing/2010/main">
+        <mc:Choice Requires="a14">
           <p:sp>
             <p:nvSpPr>
               <p:cNvPr id="23" name="CaixaDeTexto 22">
@@ -9076,7 +14893,7 @@
             </p:txBody>
           </p:sp>
         </mc:Choice>
-        <mc:Fallback>
+        <mc:Fallback xmlns="">
           <p:sp>
             <p:nvSpPr>
               <p:cNvPr id="23" name="CaixaDeTexto 22">
@@ -9121,8 +14938,8 @@
           </p:sp>
         </mc:Fallback>
       </mc:AlternateContent>
-      <mc:AlternateContent xmlns:mc="http://schemas.openxmlformats.org/markup-compatibility/2006">
-        <mc:Choice xmlns:a14="http://schemas.microsoft.com/office/drawing/2010/main" Requires="a14">
+      <mc:AlternateContent xmlns:mc="http://schemas.openxmlformats.org/markup-compatibility/2006" xmlns:a14="http://schemas.microsoft.com/office/drawing/2010/main">
+        <mc:Choice Requires="a14">
           <p:sp>
             <p:nvSpPr>
               <p:cNvPr id="24" name="CaixaDeTexto 23">
@@ -9342,7 +15159,7 @@
             </p:txBody>
           </p:sp>
         </mc:Choice>
-        <mc:Fallback>
+        <mc:Fallback xmlns="">
           <p:sp>
             <p:nvSpPr>
               <p:cNvPr id="24" name="CaixaDeTexto 23">
@@ -9497,8 +15314,8 @@
           </a:p>
         </p:txBody>
       </p:sp>
-      <mc:AlternateContent xmlns:mc="http://schemas.openxmlformats.org/markup-compatibility/2006">
-        <mc:Choice xmlns:a14="http://schemas.microsoft.com/office/drawing/2010/main" Requires="a14">
+      <mc:AlternateContent xmlns:mc="http://schemas.openxmlformats.org/markup-compatibility/2006" xmlns:a14="http://schemas.microsoft.com/office/drawing/2010/main">
+        <mc:Choice Requires="a14">
           <p:graphicFrame>
             <p:nvGraphicFramePr>
               <p:cNvPr id="4" name="Tabela 3">
@@ -9599,6 +15416,7 @@
                         <a:bodyPr/>
                         <a:lstStyle/>
                         <a:p>
+                          <a:pPr/>
                           <a14:m>
                             <m:oMathPara xmlns:m="http://schemas.openxmlformats.org/officeDocument/2006/math">
                               <m:oMathParaPr>
@@ -9679,6 +15497,7 @@
                         <a:bodyPr/>
                         <a:lstStyle/>
                         <a:p>
+                          <a:pPr/>
                           <a14:m>
                             <m:oMathPara xmlns:m="http://schemas.openxmlformats.org/officeDocument/2006/math">
                               <m:oMathParaPr>
@@ -9853,6 +15672,7 @@
                         <a:bodyPr/>
                         <a:lstStyle/>
                         <a:p>
+                          <a:pPr/>
                           <a14:m>
                             <m:oMathPara xmlns:m="http://schemas.openxmlformats.org/officeDocument/2006/math">
                               <m:oMathParaPr>
@@ -9933,6 +15753,7 @@
                         <a:bodyPr/>
                         <a:lstStyle/>
                         <a:p>
+                          <a:pPr/>
                           <a14:m>
                             <m:oMathPara xmlns:m="http://schemas.openxmlformats.org/officeDocument/2006/math">
                               <m:oMathParaPr>
@@ -10094,6 +15915,7 @@
                         <a:bodyPr/>
                         <a:lstStyle/>
                         <a:p>
+                          <a:pPr/>
                           <a14:m>
                             <m:oMathPara xmlns:m="http://schemas.openxmlformats.org/officeDocument/2006/math">
                               <m:oMathParaPr>
@@ -10273,6 +16095,7 @@
                         <a:bodyPr/>
                         <a:lstStyle/>
                         <a:p>
+                          <a:pPr/>
                           <a14:m>
                             <m:oMathPara xmlns:m="http://schemas.openxmlformats.org/officeDocument/2006/math">
                               <m:oMathParaPr>
@@ -10438,6 +16261,7 @@
                         <a:bodyPr/>
                         <a:lstStyle/>
                         <a:p>
+                          <a:pPr/>
                           <a14:m>
                             <m:oMathPara xmlns:m="http://schemas.openxmlformats.org/officeDocument/2006/math">
                               <m:oMathParaPr>
@@ -10562,6 +16386,7 @@
                         <a:bodyPr/>
                         <a:lstStyle/>
                         <a:p>
+                          <a:pPr/>
                           <a14:m>
                             <m:oMathPara xmlns:m="http://schemas.openxmlformats.org/officeDocument/2006/math">
                               <m:oMathParaPr>
@@ -10743,7 +16568,7 @@
             </a:graphic>
           </p:graphicFrame>
         </mc:Choice>
-        <mc:Fallback>
+        <mc:Fallback xmlns="">
           <p:graphicFrame>
             <p:nvGraphicFramePr>
               <p:cNvPr id="4" name="Tabela 3">
@@ -11644,8 +17469,8 @@
           </a:p>
         </p:txBody>
       </p:sp>
-      <mc:AlternateContent xmlns:mc="http://schemas.openxmlformats.org/markup-compatibility/2006">
-        <mc:Choice xmlns:a14="http://schemas.microsoft.com/office/drawing/2010/main" Requires="a14">
+      <mc:AlternateContent xmlns:mc="http://schemas.openxmlformats.org/markup-compatibility/2006" xmlns:a14="http://schemas.microsoft.com/office/drawing/2010/main">
+        <mc:Choice Requires="a14">
           <p:sp>
             <p:nvSpPr>
               <p:cNvPr id="4" name="CaixaDeTexto 3">
@@ -11674,6 +17499,7 @@
               </a:bodyPr>
               <a:lstStyle/>
               <a:p>
+                <a:pPr/>
                 <a14:m>
                   <m:oMathPara xmlns:m="http://schemas.openxmlformats.org/officeDocument/2006/math">
                     <m:oMathParaPr>
@@ -11718,7 +17544,7 @@
             </p:txBody>
           </p:sp>
         </mc:Choice>
-        <mc:Fallback>
+        <mc:Fallback xmlns="">
           <p:sp>
             <p:nvSpPr>
               <p:cNvPr id="4" name="CaixaDeTexto 3">
@@ -11999,8 +17825,8 @@
           </a:fontRef>
         </p:style>
       </p:cxnSp>
-      <mc:AlternateContent xmlns:mc="http://schemas.openxmlformats.org/markup-compatibility/2006">
-        <mc:Choice xmlns:a14="http://schemas.microsoft.com/office/drawing/2010/main" Requires="a14">
+      <mc:AlternateContent xmlns:mc="http://schemas.openxmlformats.org/markup-compatibility/2006" xmlns:a14="http://schemas.microsoft.com/office/drawing/2010/main">
+        <mc:Choice Requires="a14">
           <p:sp>
             <p:nvSpPr>
               <p:cNvPr id="33" name="CaixaDeTexto 32">
@@ -12029,6 +17855,7 @@
               </a:bodyPr>
               <a:lstStyle/>
               <a:p>
+                <a:pPr/>
                 <a14:m>
                   <m:oMathPara xmlns:m="http://schemas.openxmlformats.org/officeDocument/2006/math">
                     <m:oMathParaPr>
@@ -12067,7 +17894,7 @@
             </p:txBody>
           </p:sp>
         </mc:Choice>
-        <mc:Fallback>
+        <mc:Fallback xmlns="">
           <p:sp>
             <p:nvSpPr>
               <p:cNvPr id="33" name="CaixaDeTexto 32">
@@ -12112,8 +17939,8 @@
           </p:sp>
         </mc:Fallback>
       </mc:AlternateContent>
-      <mc:AlternateContent xmlns:mc="http://schemas.openxmlformats.org/markup-compatibility/2006">
-        <mc:Choice xmlns:a14="http://schemas.microsoft.com/office/drawing/2010/main" Requires="a14">
+      <mc:AlternateContent xmlns:mc="http://schemas.openxmlformats.org/markup-compatibility/2006" xmlns:a14="http://schemas.microsoft.com/office/drawing/2010/main">
+        <mc:Choice Requires="a14">
           <p:sp>
             <p:nvSpPr>
               <p:cNvPr id="34" name="CaixaDeTexto 33">
@@ -12142,6 +17969,7 @@
               </a:bodyPr>
               <a:lstStyle/>
               <a:p>
+                <a:pPr/>
                 <a14:m>
                   <m:oMathPara xmlns:m="http://schemas.openxmlformats.org/officeDocument/2006/math">
                     <m:oMathParaPr>
@@ -12349,7 +18177,7 @@
             </p:txBody>
           </p:sp>
         </mc:Choice>
-        <mc:Fallback>
+        <mc:Fallback xmlns="">
           <p:sp>
             <p:nvSpPr>
               <p:cNvPr id="34" name="CaixaDeTexto 33">
@@ -12394,8 +18222,8 @@
           </p:sp>
         </mc:Fallback>
       </mc:AlternateContent>
-      <mc:AlternateContent xmlns:mc="http://schemas.openxmlformats.org/markup-compatibility/2006">
-        <mc:Choice xmlns:a14="http://schemas.microsoft.com/office/drawing/2010/main" Requires="a14">
+      <mc:AlternateContent xmlns:mc="http://schemas.openxmlformats.org/markup-compatibility/2006" xmlns:a14="http://schemas.microsoft.com/office/drawing/2010/main">
+        <mc:Choice Requires="a14">
           <p:sp>
             <p:nvSpPr>
               <p:cNvPr id="35" name="CaixaDeTexto 34">
@@ -12424,6 +18252,7 @@
               </a:bodyPr>
               <a:lstStyle/>
               <a:p>
+                <a:pPr/>
                 <a14:m>
                   <m:oMathPara xmlns:m="http://schemas.openxmlformats.org/officeDocument/2006/math">
                     <m:oMathParaPr>
@@ -12631,7 +18460,7 @@
             </p:txBody>
           </p:sp>
         </mc:Choice>
-        <mc:Fallback>
+        <mc:Fallback xmlns="">
           <p:sp>
             <p:nvSpPr>
               <p:cNvPr id="35" name="CaixaDeTexto 34">
@@ -12676,8 +18505,8 @@
           </p:sp>
         </mc:Fallback>
       </mc:AlternateContent>
-      <mc:AlternateContent xmlns:mc="http://schemas.openxmlformats.org/markup-compatibility/2006">
-        <mc:Choice xmlns:a14="http://schemas.microsoft.com/office/drawing/2010/main" Requires="a14">
+      <mc:AlternateContent xmlns:mc="http://schemas.openxmlformats.org/markup-compatibility/2006" xmlns:a14="http://schemas.microsoft.com/office/drawing/2010/main">
+        <mc:Choice Requires="a14">
           <p:sp>
             <p:nvSpPr>
               <p:cNvPr id="36" name="CaixaDeTexto 35">
@@ -12706,6 +18535,7 @@
               </a:bodyPr>
               <a:lstStyle/>
               <a:p>
+                <a:pPr/>
                 <a14:m>
                   <m:oMathPara xmlns:m="http://schemas.openxmlformats.org/officeDocument/2006/math">
                     <m:oMathParaPr>
@@ -12913,7 +18743,7 @@
             </p:txBody>
           </p:sp>
         </mc:Choice>
-        <mc:Fallback>
+        <mc:Fallback xmlns="">
           <p:sp>
             <p:nvSpPr>
               <p:cNvPr id="36" name="CaixaDeTexto 35">
@@ -13133,8 +18963,8 @@
           </a:p>
         </p:txBody>
       </p:sp>
-      <mc:AlternateContent xmlns:mc="http://schemas.openxmlformats.org/markup-compatibility/2006">
-        <mc:Choice xmlns:a14="http://schemas.microsoft.com/office/drawing/2010/main" Requires="a14">
+      <mc:AlternateContent xmlns:mc="http://schemas.openxmlformats.org/markup-compatibility/2006" xmlns:a14="http://schemas.microsoft.com/office/drawing/2010/main">
+        <mc:Choice Requires="a14">
           <p:sp>
             <p:nvSpPr>
               <p:cNvPr id="34" name="CaixaDeTexto 33">
@@ -13163,6 +18993,7 @@
               </a:bodyPr>
               <a:lstStyle/>
               <a:p>
+                <a:pPr/>
                 <a14:m>
                   <m:oMathPara xmlns:m="http://schemas.openxmlformats.org/officeDocument/2006/math">
                     <m:oMathParaPr>
@@ -13240,7 +19071,7 @@
             </p:txBody>
           </p:sp>
         </mc:Choice>
-        <mc:Fallback>
+        <mc:Fallback xmlns="">
           <p:sp>
             <p:nvSpPr>
               <p:cNvPr id="34" name="CaixaDeTexto 33">
@@ -13360,8 +19191,8 @@
           </a:p>
         </p:txBody>
       </p:sp>
-      <mc:AlternateContent xmlns:mc="http://schemas.openxmlformats.org/markup-compatibility/2006">
-        <mc:Choice xmlns:a14="http://schemas.microsoft.com/office/drawing/2010/main" Requires="a14">
+      <mc:AlternateContent xmlns:mc="http://schemas.openxmlformats.org/markup-compatibility/2006" xmlns:a14="http://schemas.microsoft.com/office/drawing/2010/main">
+        <mc:Choice Requires="a14">
           <p:sp>
             <p:nvSpPr>
               <p:cNvPr id="17" name="CaixaDeTexto 16">
@@ -13390,6 +19221,7 @@
               </a:bodyPr>
               <a:lstStyle/>
               <a:p>
+                <a:pPr/>
                 <a14:m>
                   <m:oMathPara xmlns:m="http://schemas.openxmlformats.org/officeDocument/2006/math">
                     <m:oMathParaPr>
@@ -13452,7 +19284,7 @@
             </p:txBody>
           </p:sp>
         </mc:Choice>
-        <mc:Fallback>
+        <mc:Fallback xmlns="">
           <p:sp>
             <p:nvSpPr>
               <p:cNvPr id="17" name="CaixaDeTexto 16">
@@ -13497,8 +19329,8 @@
           </p:sp>
         </mc:Fallback>
       </mc:AlternateContent>
-      <mc:AlternateContent xmlns:mc="http://schemas.openxmlformats.org/markup-compatibility/2006">
-        <mc:Choice xmlns:a14="http://schemas.microsoft.com/office/drawing/2010/main" Requires="a14">
+      <mc:AlternateContent xmlns:mc="http://schemas.openxmlformats.org/markup-compatibility/2006" xmlns:a14="http://schemas.microsoft.com/office/drawing/2010/main">
+        <mc:Choice Requires="a14">
           <p:sp>
             <p:nvSpPr>
               <p:cNvPr id="18" name="CaixaDeTexto 17">
@@ -13527,6 +19359,7 @@
               </a:bodyPr>
               <a:lstStyle/>
               <a:p>
+                <a:pPr/>
                 <a14:m>
                   <m:oMathPara xmlns:m="http://schemas.openxmlformats.org/officeDocument/2006/math">
                     <m:oMathParaPr>
@@ -13589,7 +19422,7 @@
             </p:txBody>
           </p:sp>
         </mc:Choice>
-        <mc:Fallback>
+        <mc:Fallback xmlns="">
           <p:sp>
             <p:nvSpPr>
               <p:cNvPr id="18" name="CaixaDeTexto 17">
@@ -13634,8 +19467,8 @@
           </p:sp>
         </mc:Fallback>
       </mc:AlternateContent>
-      <mc:AlternateContent xmlns:mc="http://schemas.openxmlformats.org/markup-compatibility/2006">
-        <mc:Choice xmlns:a14="http://schemas.microsoft.com/office/drawing/2010/main" Requires="a14">
+      <mc:AlternateContent xmlns:mc="http://schemas.openxmlformats.org/markup-compatibility/2006" xmlns:a14="http://schemas.microsoft.com/office/drawing/2010/main">
+        <mc:Choice Requires="a14">
           <p:sp>
             <p:nvSpPr>
               <p:cNvPr id="19" name="CaixaDeTexto 18">
@@ -13664,6 +19497,7 @@
               </a:bodyPr>
               <a:lstStyle/>
               <a:p>
+                <a:pPr/>
                 <a14:m>
                   <m:oMathPara xmlns:m="http://schemas.openxmlformats.org/officeDocument/2006/math">
                     <m:oMathParaPr>
@@ -13726,7 +19560,7 @@
             </p:txBody>
           </p:sp>
         </mc:Choice>
-        <mc:Fallback>
+        <mc:Fallback xmlns="">
           <p:sp>
             <p:nvSpPr>
               <p:cNvPr id="19" name="CaixaDeTexto 18">
@@ -13771,8 +19605,8 @@
           </p:sp>
         </mc:Fallback>
       </mc:AlternateContent>
-      <mc:AlternateContent xmlns:mc="http://schemas.openxmlformats.org/markup-compatibility/2006">
-        <mc:Choice xmlns:a14="http://schemas.microsoft.com/office/drawing/2010/main" Requires="a14">
+      <mc:AlternateContent xmlns:mc="http://schemas.openxmlformats.org/markup-compatibility/2006" xmlns:a14="http://schemas.microsoft.com/office/drawing/2010/main">
+        <mc:Choice Requires="a14">
           <p:sp>
             <p:nvSpPr>
               <p:cNvPr id="20" name="CaixaDeTexto 19">
@@ -13801,6 +19635,7 @@
               </a:bodyPr>
               <a:lstStyle/>
               <a:p>
+                <a:pPr/>
                 <a14:m>
                   <m:oMathPara xmlns:m="http://schemas.openxmlformats.org/officeDocument/2006/math">
                     <m:oMathParaPr>
@@ -13821,7 +19656,7 @@
             </p:txBody>
           </p:sp>
         </mc:Choice>
-        <mc:Fallback>
+        <mc:Fallback xmlns="">
           <p:sp>
             <p:nvSpPr>
               <p:cNvPr id="20" name="CaixaDeTexto 19">
@@ -13866,8 +19701,8 @@
           </p:sp>
         </mc:Fallback>
       </mc:AlternateContent>
-      <mc:AlternateContent xmlns:mc="http://schemas.openxmlformats.org/markup-compatibility/2006">
-        <mc:Choice xmlns:a14="http://schemas.microsoft.com/office/drawing/2010/main" Requires="a14">
+      <mc:AlternateContent xmlns:mc="http://schemas.openxmlformats.org/markup-compatibility/2006" xmlns:a14="http://schemas.microsoft.com/office/drawing/2010/main">
+        <mc:Choice Requires="a14">
           <p:sp>
             <p:nvSpPr>
               <p:cNvPr id="21" name="CaixaDeTexto 20">
@@ -13896,6 +19731,7 @@
               </a:bodyPr>
               <a:lstStyle/>
               <a:p>
+                <a:pPr/>
                 <a14:m>
                   <m:oMathPara xmlns:m="http://schemas.openxmlformats.org/officeDocument/2006/math">
                     <m:oMathParaPr>
@@ -13958,7 +19794,7 @@
             </p:txBody>
           </p:sp>
         </mc:Choice>
-        <mc:Fallback>
+        <mc:Fallback xmlns="">
           <p:sp>
             <p:nvSpPr>
               <p:cNvPr id="21" name="CaixaDeTexto 20">
@@ -14003,8 +19839,8 @@
           </p:sp>
         </mc:Fallback>
       </mc:AlternateContent>
-      <mc:AlternateContent xmlns:mc="http://schemas.openxmlformats.org/markup-compatibility/2006">
-        <mc:Choice xmlns:a14="http://schemas.microsoft.com/office/drawing/2010/main" Requires="a14">
+      <mc:AlternateContent xmlns:mc="http://schemas.openxmlformats.org/markup-compatibility/2006" xmlns:a14="http://schemas.microsoft.com/office/drawing/2010/main">
+        <mc:Choice Requires="a14">
           <p:sp>
             <p:nvSpPr>
               <p:cNvPr id="24" name="CaixaDeTexto 23">
@@ -14033,6 +19869,7 @@
               </a:bodyPr>
               <a:lstStyle/>
               <a:p>
+                <a:pPr/>
                 <a14:m>
                   <m:oMathPara xmlns:m="http://schemas.openxmlformats.org/officeDocument/2006/math">
                     <m:oMathParaPr>
@@ -14084,7 +19921,7 @@
             </p:txBody>
           </p:sp>
         </mc:Choice>
-        <mc:Fallback>
+        <mc:Fallback xmlns="">
           <p:sp>
             <p:nvSpPr>
               <p:cNvPr id="24" name="CaixaDeTexto 23">
@@ -14129,8 +19966,8 @@
           </p:sp>
         </mc:Fallback>
       </mc:AlternateContent>
-      <mc:AlternateContent xmlns:mc="http://schemas.openxmlformats.org/markup-compatibility/2006">
-        <mc:Choice xmlns:a14="http://schemas.microsoft.com/office/drawing/2010/main" Requires="a14">
+      <mc:AlternateContent xmlns:mc="http://schemas.openxmlformats.org/markup-compatibility/2006" xmlns:a14="http://schemas.microsoft.com/office/drawing/2010/main">
+        <mc:Choice Requires="a14">
           <p:sp>
             <p:nvSpPr>
               <p:cNvPr id="25" name="CaixaDeTexto 24">
@@ -14159,6 +19996,7 @@
               </a:bodyPr>
               <a:lstStyle/>
               <a:p>
+                <a:pPr/>
                 <a14:m>
                   <m:oMathPara xmlns:m="http://schemas.openxmlformats.org/officeDocument/2006/math">
                     <m:oMathParaPr>
@@ -14185,7 +20023,7 @@
             </p:txBody>
           </p:sp>
         </mc:Choice>
-        <mc:Fallback>
+        <mc:Fallback xmlns="">
           <p:sp>
             <p:nvSpPr>
               <p:cNvPr id="25" name="CaixaDeTexto 24">
@@ -14230,8 +20068,8 @@
           </p:sp>
         </mc:Fallback>
       </mc:AlternateContent>
-      <mc:AlternateContent xmlns:mc="http://schemas.openxmlformats.org/markup-compatibility/2006">
-        <mc:Choice xmlns:a14="http://schemas.microsoft.com/office/drawing/2010/main" Requires="a14">
+      <mc:AlternateContent xmlns:mc="http://schemas.openxmlformats.org/markup-compatibility/2006" xmlns:a14="http://schemas.microsoft.com/office/drawing/2010/main">
+        <mc:Choice Requires="a14">
           <p:sp>
             <p:nvSpPr>
               <p:cNvPr id="26" name="CaixaDeTexto 25">
@@ -14260,6 +20098,7 @@
               </a:bodyPr>
               <a:lstStyle/>
               <a:p>
+                <a:pPr/>
                 <a14:m>
                   <m:oMathPara xmlns:m="http://schemas.openxmlformats.org/officeDocument/2006/math">
                     <m:oMathParaPr>
@@ -14286,7 +20125,7 @@
             </p:txBody>
           </p:sp>
         </mc:Choice>
-        <mc:Fallback>
+        <mc:Fallback xmlns="">
           <p:sp>
             <p:nvSpPr>
               <p:cNvPr id="26" name="CaixaDeTexto 25">
@@ -14724,8 +20563,8 @@
           </a:p>
         </p:txBody>
       </p:sp>
-      <mc:AlternateContent xmlns:mc="http://schemas.openxmlformats.org/markup-compatibility/2006">
-        <mc:Choice xmlns:a14="http://schemas.microsoft.com/office/drawing/2010/main" Requires="a14">
+      <mc:AlternateContent xmlns:mc="http://schemas.openxmlformats.org/markup-compatibility/2006" xmlns:a14="http://schemas.microsoft.com/office/drawing/2010/main">
+        <mc:Choice Requires="a14">
           <p:sp>
             <p:nvSpPr>
               <p:cNvPr id="17" name="CaixaDeTexto 16">
@@ -14754,6 +20593,7 @@
               </a:bodyPr>
               <a:lstStyle/>
               <a:p>
+                <a:pPr/>
                 <a14:m>
                   <m:oMathPara xmlns:m="http://schemas.openxmlformats.org/officeDocument/2006/math">
                     <m:oMathParaPr>
@@ -14833,7 +20673,7 @@
             </p:txBody>
           </p:sp>
         </mc:Choice>
-        <mc:Fallback>
+        <mc:Fallback xmlns="">
           <p:sp>
             <p:nvSpPr>
               <p:cNvPr id="17" name="CaixaDeTexto 16">
@@ -14878,8 +20718,8 @@
           </p:sp>
         </mc:Fallback>
       </mc:AlternateContent>
-      <mc:AlternateContent xmlns:mc="http://schemas.openxmlformats.org/markup-compatibility/2006">
-        <mc:Choice xmlns:a14="http://schemas.microsoft.com/office/drawing/2010/main" Requires="a14">
+      <mc:AlternateContent xmlns:mc="http://schemas.openxmlformats.org/markup-compatibility/2006" xmlns:a14="http://schemas.microsoft.com/office/drawing/2010/main">
+        <mc:Choice Requires="a14">
           <p:sp>
             <p:nvSpPr>
               <p:cNvPr id="18" name="CaixaDeTexto 17">
@@ -14908,6 +20748,7 @@
               </a:bodyPr>
               <a:lstStyle/>
               <a:p>
+                <a:pPr/>
                 <a14:m>
                   <m:oMathPara xmlns:m="http://schemas.openxmlformats.org/officeDocument/2006/math">
                     <m:oMathParaPr>
@@ -14977,7 +20818,7 @@
             </p:txBody>
           </p:sp>
         </mc:Choice>
-        <mc:Fallback>
+        <mc:Fallback xmlns="">
           <p:sp>
             <p:nvSpPr>
               <p:cNvPr id="18" name="CaixaDeTexto 17">
@@ -15022,8 +20863,8 @@
           </p:sp>
         </mc:Fallback>
       </mc:AlternateContent>
-      <mc:AlternateContent xmlns:mc="http://schemas.openxmlformats.org/markup-compatibility/2006">
-        <mc:Choice xmlns:a14="http://schemas.microsoft.com/office/drawing/2010/main" Requires="a14">
+      <mc:AlternateContent xmlns:mc="http://schemas.openxmlformats.org/markup-compatibility/2006" xmlns:a14="http://schemas.microsoft.com/office/drawing/2010/main">
+        <mc:Choice Requires="a14">
           <p:sp>
             <p:nvSpPr>
               <p:cNvPr id="19" name="CaixaDeTexto 18">
@@ -15052,6 +20893,7 @@
               </a:bodyPr>
               <a:lstStyle/>
               <a:p>
+                <a:pPr/>
                 <a14:m>
                   <m:oMathPara xmlns:m="http://schemas.openxmlformats.org/officeDocument/2006/math">
                     <m:oMathParaPr>
@@ -15121,7 +20963,7 @@
             </p:txBody>
           </p:sp>
         </mc:Choice>
-        <mc:Fallback>
+        <mc:Fallback xmlns="">
           <p:sp>
             <p:nvSpPr>
               <p:cNvPr id="19" name="CaixaDeTexto 18">
@@ -15166,8 +21008,8 @@
           </p:sp>
         </mc:Fallback>
       </mc:AlternateContent>
-      <mc:AlternateContent xmlns:mc="http://schemas.openxmlformats.org/markup-compatibility/2006">
-        <mc:Choice xmlns:a14="http://schemas.microsoft.com/office/drawing/2010/main" Requires="a14">
+      <mc:AlternateContent xmlns:mc="http://schemas.openxmlformats.org/markup-compatibility/2006" xmlns:a14="http://schemas.microsoft.com/office/drawing/2010/main">
+        <mc:Choice Requires="a14">
           <p:sp>
             <p:nvSpPr>
               <p:cNvPr id="20" name="CaixaDeTexto 19">
@@ -15196,6 +21038,7 @@
               </a:bodyPr>
               <a:lstStyle/>
               <a:p>
+                <a:pPr/>
                 <a14:m>
                   <m:oMathPara xmlns:m="http://schemas.openxmlformats.org/officeDocument/2006/math">
                     <m:oMathParaPr>
@@ -15216,7 +21059,7 @@
             </p:txBody>
           </p:sp>
         </mc:Choice>
-        <mc:Fallback>
+        <mc:Fallback xmlns="">
           <p:sp>
             <p:nvSpPr>
               <p:cNvPr id="20" name="CaixaDeTexto 19">
@@ -15261,8 +21104,8 @@
           </p:sp>
         </mc:Fallback>
       </mc:AlternateContent>
-      <mc:AlternateContent xmlns:mc="http://schemas.openxmlformats.org/markup-compatibility/2006">
-        <mc:Choice xmlns:a14="http://schemas.microsoft.com/office/drawing/2010/main" Requires="a14">
+      <mc:AlternateContent xmlns:mc="http://schemas.openxmlformats.org/markup-compatibility/2006" xmlns:a14="http://schemas.microsoft.com/office/drawing/2010/main">
+        <mc:Choice Requires="a14">
           <p:sp>
             <p:nvSpPr>
               <p:cNvPr id="21" name="CaixaDeTexto 20">
@@ -15291,6 +21134,7 @@
               </a:bodyPr>
               <a:lstStyle/>
               <a:p>
+                <a:pPr/>
                 <a14:m>
                   <m:oMathPara xmlns:m="http://schemas.openxmlformats.org/officeDocument/2006/math">
                     <m:oMathParaPr>
@@ -15353,7 +21197,7 @@
             </p:txBody>
           </p:sp>
         </mc:Choice>
-        <mc:Fallback>
+        <mc:Fallback xmlns="">
           <p:sp>
             <p:nvSpPr>
               <p:cNvPr id="21" name="CaixaDeTexto 20">
@@ -15398,8 +21242,8 @@
           </p:sp>
         </mc:Fallback>
       </mc:AlternateContent>
-      <mc:AlternateContent xmlns:mc="http://schemas.openxmlformats.org/markup-compatibility/2006">
-        <mc:Choice xmlns:a14="http://schemas.microsoft.com/office/drawing/2010/main" Requires="a14">
+      <mc:AlternateContent xmlns:mc="http://schemas.openxmlformats.org/markup-compatibility/2006" xmlns:a14="http://schemas.microsoft.com/office/drawing/2010/main">
+        <mc:Choice Requires="a14">
           <p:sp>
             <p:nvSpPr>
               <p:cNvPr id="22" name="CaixaDeTexto 21">
@@ -15428,6 +21272,7 @@
               </a:bodyPr>
               <a:lstStyle/>
               <a:p>
+                <a:pPr/>
                 <a14:m>
                   <m:oMathPara xmlns:m="http://schemas.openxmlformats.org/officeDocument/2006/math">
                     <m:oMathParaPr>
@@ -15484,7 +21329,7 @@
             </p:txBody>
           </p:sp>
         </mc:Choice>
-        <mc:Fallback>
+        <mc:Fallback xmlns="">
           <p:sp>
             <p:nvSpPr>
               <p:cNvPr id="22" name="CaixaDeTexto 21">
@@ -15637,6 +21482,416 @@
       </p:sp>
       <p:sp>
         <p:nvSpPr>
+          <p:cNvPr id="8" name="4 Título"/>
+          <p:cNvSpPr txBox="1">
+            <a:spLocks/>
+          </p:cNvSpPr>
+          <p:nvPr/>
+        </p:nvSpPr>
+        <p:spPr>
+          <a:xfrm>
+            <a:off x="611560" y="188640"/>
+            <a:ext cx="8784976" cy="457120"/>
+          </a:xfrm>
+          <a:prstGeom prst="rect">
+            <a:avLst/>
+          </a:prstGeom>
+        </p:spPr>
+        <p:txBody>
+          <a:bodyPr bIns="91440" anchor="b" anchorCtr="0">
+            <a:noAutofit/>
+          </a:bodyPr>
+          <a:lstStyle>
+            <a:lvl1pPr>
+              <a:spcBef>
+                <a:spcPct val="0"/>
+              </a:spcBef>
+              <a:buNone/>
+              <a:defRPr kumimoji="0" sz="2400">
+                <a:ln w="0"/>
+                <a:solidFill>
+                  <a:schemeClr val="tx2"/>
+                </a:solidFill>
+                <a:effectLst>
+                  <a:outerShdw blurRad="38100" dist="19050" dir="2700000" algn="tl" rotWithShape="0">
+                    <a:schemeClr val="dk1">
+                      <a:alpha val="40000"/>
+                    </a:schemeClr>
+                  </a:outerShdw>
+                </a:effectLst>
+                <a:latin typeface="+mj-lt"/>
+                <a:ea typeface="+mj-ea"/>
+                <a:cs typeface="+mj-cs"/>
+              </a:defRPr>
+            </a:lvl1pPr>
+          </a:lstStyle>
+          <a:p>
+            <a:r>
+              <a:rPr lang="es-PE" altLang="en-US" dirty="0"/>
+              <a:t>Optimización en sistemas de energía eléctrica</a:t>
+            </a:r>
+          </a:p>
+        </p:txBody>
+      </p:sp>
+      <p:sp>
+        <p:nvSpPr>
+          <p:cNvPr id="4" name="CuadroTexto 3"/>
+          <p:cNvSpPr txBox="1"/>
+          <p:nvPr/>
+        </p:nvSpPr>
+        <p:spPr>
+          <a:xfrm>
+            <a:off x="602191" y="749017"/>
+            <a:ext cx="7858241" cy="5632311"/>
+          </a:xfrm>
+          <a:prstGeom prst="rect">
+            <a:avLst/>
+          </a:prstGeom>
+          <a:noFill/>
+        </p:spPr>
+        <p:txBody>
+          <a:bodyPr wrap="square" rtlCol="0">
+            <a:spAutoFit/>
+          </a:bodyPr>
+          <a:lstStyle/>
+          <a:p>
+            <a:pPr marL="285750" indent="-285750">
+              <a:buFont typeface="Arial" panose="020B0604020202020204" pitchFamily="34" charset="0"/>
+              <a:buChar char="•"/>
+            </a:pPr>
+            <a:r>
+              <a:rPr lang="es-PE" dirty="0"/>
+              <a:t>Para modelar diversos problemas de optimización en sistemas de energía eléctrica (</a:t>
+            </a:r>
+            <a:r>
+              <a:rPr lang="es-PE" b="1" dirty="0"/>
+              <a:t>SEE</a:t>
+            </a:r>
+            <a:r>
+              <a:rPr lang="es-PE" dirty="0"/>
+              <a:t>), es necesario modelar su estado de operación en régimen permanente. </a:t>
+            </a:r>
+          </a:p>
+          <a:p>
+            <a:pPr marL="285750" indent="-285750">
+              <a:buFont typeface="Arial" panose="020B0604020202020204" pitchFamily="34" charset="0"/>
+              <a:buChar char="•"/>
+            </a:pPr>
+            <a:r>
+              <a:rPr lang="es-PE" dirty="0"/>
+              <a:t>Si las ecuaciones que representan el estado de operación en régimen permanente de un SEE, son ecuaciones algebraicas no lineales. Entonces, los problemas de optimización serán problemas de </a:t>
+            </a:r>
+            <a:r>
+              <a:rPr lang="es-PE" b="1" dirty="0"/>
+              <a:t>PNL</a:t>
+            </a:r>
+            <a:r>
+              <a:rPr lang="es-PE" dirty="0"/>
+              <a:t> o </a:t>
+            </a:r>
+            <a:r>
+              <a:rPr lang="es-PE" b="1" dirty="0"/>
+              <a:t>PNLIM</a:t>
+            </a:r>
+            <a:r>
+              <a:rPr lang="es-PE" dirty="0"/>
+              <a:t> dependiendo de las variables de decisión (continuas o enteras).</a:t>
+            </a:r>
+          </a:p>
+          <a:p>
+            <a:pPr marL="285750" indent="-285750">
+              <a:buFont typeface="Arial" panose="020B0604020202020204" pitchFamily="34" charset="0"/>
+              <a:buChar char="•"/>
+            </a:pPr>
+            <a:r>
+              <a:rPr lang="es-PE" dirty="0"/>
+              <a:t>Las ecuaciones que representar el estado de operación en régimen permanente de un SEE son conocidas como las ecuaciones del </a:t>
+            </a:r>
+            <a:r>
+              <a:rPr lang="es-PE" b="1" dirty="0"/>
+              <a:t>Flujo de Carga</a:t>
+            </a:r>
+            <a:r>
+              <a:rPr lang="es-PE" dirty="0"/>
+              <a:t> (</a:t>
+            </a:r>
+            <a:r>
+              <a:rPr lang="es-PE" i="1" dirty="0"/>
+              <a:t>PF: </a:t>
+            </a:r>
+            <a:r>
+              <a:rPr lang="es-PE" i="1" dirty="0" err="1"/>
+              <a:t>Power</a:t>
+            </a:r>
+            <a:r>
+              <a:rPr lang="es-PE" i="1" dirty="0"/>
+              <a:t> </a:t>
+            </a:r>
+            <a:r>
+              <a:rPr lang="es-PE" i="1" dirty="0" err="1"/>
+              <a:t>Flow</a:t>
+            </a:r>
+            <a:r>
+              <a:rPr lang="es-PE" dirty="0"/>
+              <a:t>).</a:t>
+            </a:r>
+          </a:p>
+          <a:p>
+            <a:pPr marL="285750" indent="-285750">
+              <a:buFont typeface="Arial" panose="020B0604020202020204" pitchFamily="34" charset="0"/>
+              <a:buChar char="•"/>
+            </a:pPr>
+            <a:r>
+              <a:rPr lang="es-PE" dirty="0"/>
+              <a:t>El PF es una herramienta indispensable para análisis de redes eléctricas en régimen permanente. Muy utilizado en la operación en tiempo real y la planificación de la expansión de los SEE.</a:t>
+            </a:r>
+          </a:p>
+          <a:p>
+            <a:pPr marL="285750" indent="-285750">
+              <a:buFont typeface="Arial" panose="020B0604020202020204" pitchFamily="34" charset="0"/>
+              <a:buChar char="•"/>
+            </a:pPr>
+            <a:r>
+              <a:rPr lang="es-PE" dirty="0"/>
+              <a:t>De los estudios del </a:t>
+            </a:r>
+            <a:r>
+              <a:rPr lang="es-PE" b="1" dirty="0"/>
+              <a:t>PF</a:t>
+            </a:r>
+            <a:r>
+              <a:rPr lang="es-PE" dirty="0"/>
+              <a:t>, es posible determinar:</a:t>
+            </a:r>
+          </a:p>
+          <a:p>
+            <a:pPr marL="742950" lvl="1" indent="-285750">
+              <a:buFont typeface="Arial" panose="020B0604020202020204" pitchFamily="34" charset="0"/>
+              <a:buChar char="•"/>
+            </a:pPr>
+            <a:r>
+              <a:rPr lang="es-PE" dirty="0"/>
+              <a:t>Las perdidas de la red, el estado de líneas de transmisión, transformadores, generadores, reguladores de tensión y equipos de compensación reactiva.</a:t>
+            </a:r>
+          </a:p>
+          <a:p>
+            <a:pPr marL="285750" indent="-285750">
+              <a:buFont typeface="Arial" panose="020B0604020202020204" pitchFamily="34" charset="0"/>
+              <a:buChar char="•"/>
+            </a:pPr>
+            <a:r>
+              <a:rPr lang="es-PE" dirty="0"/>
+              <a:t>El objetivo del PF consiste en determinar el estado de operación en régimen permanente del SEE:</a:t>
+            </a:r>
+          </a:p>
+          <a:p>
+            <a:pPr marL="742950" lvl="1" indent="-285750">
+              <a:buFont typeface="Arial" panose="020B0604020202020204" pitchFamily="34" charset="0"/>
+              <a:buChar char="•"/>
+            </a:pPr>
+            <a:r>
+              <a:rPr lang="es-PE" dirty="0"/>
+              <a:t>Magnitudes de tensión y ángulos de fase en todos las barras</a:t>
+            </a:r>
+          </a:p>
+          <a:p>
+            <a:pPr marL="742950" lvl="1" indent="-285750">
+              <a:buFont typeface="Arial" panose="020B0604020202020204" pitchFamily="34" charset="0"/>
+              <a:buChar char="•"/>
+            </a:pPr>
+            <a:r>
+              <a:rPr lang="es-PE" dirty="0"/>
+              <a:t>Y sus derivados: flujo de potencia activa, reactiva y magnitudes de corriente, inyecciones de potencia activa y reactiva, etc.</a:t>
+            </a:r>
+          </a:p>
+          <a:p>
+            <a:pPr marL="285750" indent="-285750">
+              <a:buFont typeface="Arial" panose="020B0604020202020204" pitchFamily="34" charset="0"/>
+              <a:buChar char="•"/>
+            </a:pPr>
+            <a:endParaRPr lang="es-PE" dirty="0"/>
+          </a:p>
+        </p:txBody>
+      </p:sp>
+      <p:sp>
+        <p:nvSpPr>
+          <p:cNvPr id="10" name="Rectángulo 60">
+            <a:extLst>
+              <a:ext uri="{FF2B5EF4-FFF2-40B4-BE49-F238E27FC236}">
+                <a16:creationId xmlns:a16="http://schemas.microsoft.com/office/drawing/2014/main" id="{3B0A34A3-4995-4105-A426-03B064CED03C}"/>
+              </a:ext>
+            </a:extLst>
+          </p:cNvPr>
+          <p:cNvSpPr/>
+          <p:nvPr/>
+        </p:nvSpPr>
+        <p:spPr>
+          <a:xfrm>
+            <a:off x="602191" y="6227943"/>
+            <a:ext cx="7930249" cy="225393"/>
+          </a:xfrm>
+          <a:prstGeom prst="rect">
+            <a:avLst/>
+          </a:prstGeom>
+          <a:noFill/>
+          <a:ln>
+            <a:noFill/>
+          </a:ln>
+        </p:spPr>
+        <p:style>
+          <a:lnRef idx="2">
+            <a:schemeClr val="accent1">
+              <a:shade val="50000"/>
+            </a:schemeClr>
+          </a:lnRef>
+          <a:fillRef idx="1">
+            <a:schemeClr val="accent1"/>
+          </a:fillRef>
+          <a:effectRef idx="0">
+            <a:schemeClr val="accent1"/>
+          </a:effectRef>
+          <a:fontRef idx="minor">
+            <a:schemeClr val="lt1"/>
+          </a:fontRef>
+        </p:style>
+        <p:txBody>
+          <a:bodyPr rtlCol="0" anchor="ctr"/>
+          <a:lstStyle/>
+          <a:p>
+            <a:pPr lvl="0">
+              <a:defRPr/>
+            </a:pPr>
+            <a:r>
+              <a:rPr lang="en-US" sz="1000" dirty="0">
+                <a:solidFill>
+                  <a:schemeClr val="tx1"/>
+                </a:solidFill>
+              </a:rPr>
+              <a:t>PNL: </a:t>
+            </a:r>
+            <a:r>
+              <a:rPr lang="en-US" sz="1000" dirty="0" err="1">
+                <a:solidFill>
+                  <a:schemeClr val="tx1"/>
+                </a:solidFill>
+              </a:rPr>
+              <a:t>Programación</a:t>
+            </a:r>
+            <a:r>
+              <a:rPr lang="en-US" sz="1000" dirty="0">
+                <a:solidFill>
+                  <a:schemeClr val="tx1"/>
+                </a:solidFill>
+              </a:rPr>
+              <a:t> no lineal; PNLIM: </a:t>
+            </a:r>
+            <a:r>
+              <a:rPr lang="en-US" sz="1000" dirty="0" err="1">
+                <a:solidFill>
+                  <a:schemeClr val="tx1"/>
+                </a:solidFill>
+              </a:rPr>
+              <a:t>Programación</a:t>
+            </a:r>
+            <a:r>
+              <a:rPr lang="en-US" sz="1000" dirty="0">
+                <a:solidFill>
+                  <a:schemeClr val="tx1"/>
+                </a:solidFill>
+              </a:rPr>
+              <a:t> no lineal </a:t>
+            </a:r>
+            <a:r>
+              <a:rPr lang="en-US" sz="1000" dirty="0" err="1">
+                <a:solidFill>
+                  <a:schemeClr val="tx1"/>
+                </a:solidFill>
+              </a:rPr>
+              <a:t>entera</a:t>
+            </a:r>
+            <a:r>
+              <a:rPr lang="en-US" sz="1000" dirty="0">
+                <a:solidFill>
+                  <a:schemeClr val="tx1"/>
+                </a:solidFill>
+              </a:rPr>
+              <a:t> </a:t>
+            </a:r>
+            <a:r>
+              <a:rPr lang="en-US" sz="1000" dirty="0" err="1">
+                <a:solidFill>
+                  <a:schemeClr val="tx1"/>
+                </a:solidFill>
+              </a:rPr>
+              <a:t>mixta</a:t>
+            </a:r>
+            <a:endParaRPr lang="en-US" sz="1000" dirty="0">
+              <a:solidFill>
+                <a:schemeClr val="tx1"/>
+              </a:solidFill>
+            </a:endParaRPr>
+          </a:p>
+        </p:txBody>
+      </p:sp>
+    </p:spTree>
+    <p:extLst>
+      <p:ext uri="{BB962C8B-B14F-4D97-AF65-F5344CB8AC3E}">
+        <p14:creationId xmlns:p14="http://schemas.microsoft.com/office/powerpoint/2010/main" val="333084571"/>
+      </p:ext>
+    </p:extLst>
+  </p:cSld>
+  <p:clrMapOvr>
+    <a:masterClrMapping/>
+  </p:clrMapOvr>
+  <p:transition spd="slow">
+    <p:fade/>
+  </p:transition>
+</p:sld>
+</file>
+
+<file path=ppt/slides/slide9.xml><?xml version="1.0" encoding="utf-8"?>
+<p:sld xmlns:a="http://schemas.openxmlformats.org/drawingml/2006/main" xmlns:r="http://schemas.openxmlformats.org/officeDocument/2006/relationships" xmlns:p="http://schemas.openxmlformats.org/presentationml/2006/main">
+  <p:cSld>
+    <p:spTree>
+      <p:nvGrpSpPr>
+        <p:cNvPr id="1" name=""/>
+        <p:cNvGrpSpPr/>
+        <p:nvPr/>
+      </p:nvGrpSpPr>
+      <p:grpSpPr>
+        <a:xfrm>
+          <a:off x="0" y="0"/>
+          <a:ext cx="0" cy="0"/>
+          <a:chOff x="0" y="0"/>
+          <a:chExt cx="0" cy="0"/>
+        </a:xfrm>
+      </p:grpSpPr>
+      <p:sp>
+        <p:nvSpPr>
+          <p:cNvPr id="2" name="Marcador de número de diapositiva 1"/>
+          <p:cNvSpPr>
+            <a:spLocks noGrp="1"/>
+          </p:cNvSpPr>
+          <p:nvPr>
+            <p:ph type="sldNum" sz="quarter" idx="12"/>
+          </p:nvPr>
+        </p:nvSpPr>
+        <p:spPr/>
+        <p:txBody>
+          <a:bodyPr/>
+          <a:lstStyle/>
+          <a:p>
+            <a:fld id="{64BD7E74-CBD2-4D88-9109-2EA8081AE675}" type="slidenum">
+              <a:rPr lang="es-ES" smtClean="0"/>
+              <a:pPr/>
+              <a:t>9</a:t>
+            </a:fld>
+            <a:endParaRPr lang="es-ES"/>
+          </a:p>
+        </p:txBody>
+      </p:sp>
+      <p:sp>
+        <p:nvSpPr>
           <p:cNvPr id="3" name="4 Título"/>
           <p:cNvSpPr txBox="1">
             <a:spLocks/>
@@ -15688,8 +21943,8 @@
           </a:p>
         </p:txBody>
       </p:sp>
-      <mc:AlternateContent xmlns:mc="http://schemas.openxmlformats.org/markup-compatibility/2006">
-        <mc:Choice xmlns:a14="http://schemas.microsoft.com/office/drawing/2010/main" Requires="a14">
+      <mc:AlternateContent xmlns:mc="http://schemas.openxmlformats.org/markup-compatibility/2006" xmlns:a14="http://schemas.microsoft.com/office/drawing/2010/main">
+        <mc:Choice Requires="a14">
           <p:graphicFrame>
             <p:nvGraphicFramePr>
               <p:cNvPr id="6" name="Tabela 5">
@@ -15784,6 +22039,7 @@
                         <a:bodyPr/>
                         <a:lstStyle/>
                         <a:p>
+                          <a:pPr/>
                           <a14:m>
                             <m:oMathPara xmlns:m="http://schemas.openxmlformats.org/officeDocument/2006/math">
                               <m:oMathParaPr>
@@ -15883,6 +22139,7 @@
                         <a:bodyPr/>
                         <a:lstStyle/>
                         <a:p>
+                          <a:pPr/>
                           <a14:m>
                             <m:oMathPara xmlns:m="http://schemas.openxmlformats.org/officeDocument/2006/math">
                               <m:oMathParaPr>
@@ -16043,6 +22300,7 @@
                         <a:bodyPr/>
                         <a:lstStyle/>
                         <a:p>
+                          <a:pPr/>
                           <a14:m>
                             <m:oMathPara xmlns:m="http://schemas.openxmlformats.org/officeDocument/2006/math">
                               <m:oMathParaPr>
@@ -16215,6 +22473,7 @@
                         <a:bodyPr/>
                         <a:lstStyle/>
                         <a:p>
+                          <a:pPr/>
                           <a14:m>
                             <m:oMathPara xmlns:m="http://schemas.openxmlformats.org/officeDocument/2006/math">
                               <m:oMathParaPr>
@@ -16307,6 +22566,7 @@
                         <a:bodyPr/>
                         <a:lstStyle/>
                         <a:p>
+                          <a:pPr/>
                           <a14:m>
                             <m:oMathPara xmlns:m="http://schemas.openxmlformats.org/officeDocument/2006/math">
                               <m:oMathParaPr>
@@ -16438,7 +22698,7 @@
             </a:graphic>
           </p:graphicFrame>
         </mc:Choice>
-        <mc:Fallback>
+        <mc:Fallback xmlns="">
           <p:graphicFrame>
             <p:nvGraphicFramePr>
               <p:cNvPr id="6" name="Tabela 5">
@@ -17703,8 +23963,8 @@
           </a:p>
         </p:txBody>
       </p:sp>
-      <mc:AlternateContent xmlns:mc="http://schemas.openxmlformats.org/markup-compatibility/2006">
-        <mc:Choice xmlns:a14="http://schemas.microsoft.com/office/drawing/2010/main" Requires="a14">
+      <mc:AlternateContent xmlns:mc="http://schemas.openxmlformats.org/markup-compatibility/2006" xmlns:a14="http://schemas.microsoft.com/office/drawing/2010/main">
+        <mc:Choice Requires="a14">
           <p:sp>
             <p:nvSpPr>
               <p:cNvPr id="57" name="CaixaDeTexto 56">
@@ -17733,6 +23993,7 @@
               </a:bodyPr>
               <a:lstStyle/>
               <a:p>
+                <a:pPr/>
                 <a14:m>
                   <m:oMathPara xmlns:m="http://schemas.openxmlformats.org/officeDocument/2006/math">
                     <m:oMathParaPr>
@@ -17864,7 +24125,7 @@
             </p:txBody>
           </p:sp>
         </mc:Choice>
-        <mc:Fallback>
+        <mc:Fallback xmlns="">
           <p:sp>
             <p:nvSpPr>
               <p:cNvPr id="57" name="CaixaDeTexto 56">
@@ -18149,8 +24410,8 @@
           </a:fontRef>
         </p:style>
       </p:cxnSp>
-      <mc:AlternateContent xmlns:mc="http://schemas.openxmlformats.org/markup-compatibility/2006">
-        <mc:Choice xmlns:a14="http://schemas.microsoft.com/office/drawing/2010/main" Requires="a14">
+      <mc:AlternateContent xmlns:mc="http://schemas.openxmlformats.org/markup-compatibility/2006" xmlns:a14="http://schemas.microsoft.com/office/drawing/2010/main">
+        <mc:Choice Requires="a14">
           <p:sp>
             <p:nvSpPr>
               <p:cNvPr id="72" name="CaixaDeTexto 71">
@@ -18179,6 +24440,7 @@
               </a:bodyPr>
               <a:lstStyle/>
               <a:p>
+                <a:pPr/>
                 <a14:m>
                   <m:oMathPara xmlns:m="http://schemas.openxmlformats.org/officeDocument/2006/math">
                     <m:oMathParaPr>
@@ -18310,7 +24572,7 @@
             </p:txBody>
           </p:sp>
         </mc:Choice>
-        <mc:Fallback>
+        <mc:Fallback xmlns="">
           <p:sp>
             <p:nvSpPr>
               <p:cNvPr id="72" name="CaixaDeTexto 71">
@@ -18359,2189 +24621,6 @@
     <p:extLst>
       <p:ext uri="{BB962C8B-B14F-4D97-AF65-F5344CB8AC3E}">
         <p14:creationId xmlns:p14="http://schemas.microsoft.com/office/powerpoint/2010/main" val="1628293526"/>
-      </p:ext>
-    </p:extLst>
-  </p:cSld>
-  <p:clrMapOvr>
-    <a:masterClrMapping/>
-  </p:clrMapOvr>
-  <p:transition spd="slow">
-    <p:fade/>
-  </p:transition>
-</p:sld>
-</file>
-
-<file path=ppt/slides/slide9.xml><?xml version="1.0" encoding="utf-8"?>
-<p:sld xmlns:a="http://schemas.openxmlformats.org/drawingml/2006/main" xmlns:r="http://schemas.openxmlformats.org/officeDocument/2006/relationships" xmlns:p="http://schemas.openxmlformats.org/presentationml/2006/main">
-  <p:cSld>
-    <p:spTree>
-      <p:nvGrpSpPr>
-        <p:cNvPr id="1" name=""/>
-        <p:cNvGrpSpPr/>
-        <p:nvPr/>
-      </p:nvGrpSpPr>
-      <p:grpSpPr>
-        <a:xfrm>
-          <a:off x="0" y="0"/>
-          <a:ext cx="0" cy="0"/>
-          <a:chOff x="0" y="0"/>
-          <a:chExt cx="0" cy="0"/>
-        </a:xfrm>
-      </p:grpSpPr>
-      <p:sp>
-        <p:nvSpPr>
-          <p:cNvPr id="2" name="Marcador de número de diapositiva 1"/>
-          <p:cNvSpPr>
-            <a:spLocks noGrp="1"/>
-          </p:cNvSpPr>
-          <p:nvPr>
-            <p:ph type="sldNum" sz="quarter" idx="12"/>
-          </p:nvPr>
-        </p:nvSpPr>
-        <p:spPr/>
-        <p:txBody>
-          <a:bodyPr/>
-          <a:lstStyle/>
-          <a:p>
-            <a:fld id="{64BD7E74-CBD2-4D88-9109-2EA8081AE675}" type="slidenum">
-              <a:rPr lang="es-ES" smtClean="0"/>
-              <a:pPr/>
-              <a:t>9</a:t>
-            </a:fld>
-            <a:endParaRPr lang="es-ES"/>
-          </a:p>
-        </p:txBody>
-      </p:sp>
-      <p:sp>
-        <p:nvSpPr>
-          <p:cNvPr id="3" name="4 Título"/>
-          <p:cNvSpPr txBox="1">
-            <a:spLocks/>
-          </p:cNvSpPr>
-          <p:nvPr/>
-        </p:nvSpPr>
-        <p:spPr>
-          <a:xfrm>
-            <a:off x="611560" y="188640"/>
-            <a:ext cx="8784976" cy="457120"/>
-          </a:xfrm>
-          <a:prstGeom prst="rect">
-            <a:avLst/>
-          </a:prstGeom>
-        </p:spPr>
-        <p:txBody>
-          <a:bodyPr bIns="91440" anchor="b" anchorCtr="0">
-            <a:noAutofit/>
-          </a:bodyPr>
-          <a:lstStyle>
-            <a:lvl1pPr>
-              <a:spcBef>
-                <a:spcPct val="0"/>
-              </a:spcBef>
-              <a:buNone/>
-              <a:defRPr kumimoji="0" sz="2400">
-                <a:ln w="0"/>
-                <a:solidFill>
-                  <a:schemeClr val="tx2"/>
-                </a:solidFill>
-                <a:effectLst>
-                  <a:outerShdw blurRad="38100" dist="19050" dir="2700000" algn="tl" rotWithShape="0">
-                    <a:schemeClr val="dk1">
-                      <a:alpha val="40000"/>
-                    </a:schemeClr>
-                  </a:outerShdw>
-                </a:effectLst>
-                <a:latin typeface="+mj-lt"/>
-                <a:ea typeface="+mj-ea"/>
-                <a:cs typeface="+mj-cs"/>
-              </a:defRPr>
-            </a:lvl1pPr>
-          </a:lstStyle>
-          <a:p>
-            <a:r>
-              <a:rPr lang="es-PE" altLang="en-US" dirty="0"/>
-              <a:t>Línea de transmisión: Modelo impedancia serie</a:t>
-            </a:r>
-          </a:p>
-        </p:txBody>
-      </p:sp>
-      <mc:AlternateContent xmlns:mc="http://schemas.openxmlformats.org/markup-compatibility/2006">
-        <mc:Choice xmlns:a14="http://schemas.microsoft.com/office/drawing/2010/main" Requires="a14">
-          <p:sp>
-            <p:nvSpPr>
-              <p:cNvPr id="4" name="Retângulo 3">
-                <a:extLst>
-                  <a:ext uri="{FF2B5EF4-FFF2-40B4-BE49-F238E27FC236}">
-                    <a16:creationId xmlns:a16="http://schemas.microsoft.com/office/drawing/2014/main" id="{82427D91-6E57-4FCC-A029-F1ECE99B7202}"/>
-                  </a:ext>
-                </a:extLst>
-              </p:cNvPr>
-              <p:cNvSpPr/>
-              <p:nvPr/>
-            </p:nvSpPr>
-            <p:spPr>
-              <a:xfrm>
-                <a:off x="3995936" y="1387704"/>
-                <a:ext cx="1152128" cy="457120"/>
-              </a:xfrm>
-              <a:prstGeom prst="rect">
-                <a:avLst/>
-              </a:prstGeom>
-              <a:noFill/>
-              <a:ln w="28575" cap="flat" cmpd="sng" algn="ctr">
-                <a:solidFill>
-                  <a:schemeClr val="dk1"/>
-                </a:solidFill>
-                <a:prstDash val="solid"/>
-                <a:round/>
-                <a:headEnd type="none" w="med" len="med"/>
-                <a:tailEnd type="none" w="med" len="med"/>
-              </a:ln>
-            </p:spPr>
-            <p:style>
-              <a:lnRef idx="0">
-                <a:scrgbClr r="0" g="0" b="0"/>
-              </a:lnRef>
-              <a:fillRef idx="0">
-                <a:scrgbClr r="0" g="0" b="0"/>
-              </a:fillRef>
-              <a:effectRef idx="0">
-                <a:scrgbClr r="0" g="0" b="0"/>
-              </a:effectRef>
-              <a:fontRef idx="minor">
-                <a:schemeClr val="dk1"/>
-              </a:fontRef>
-            </p:style>
-            <p:txBody>
-              <a:bodyPr rtlCol="0" anchor="ctr"/>
-              <a:lstStyle/>
-              <a:p>
-                <a:pPr algn="ctr"/>
-                <a14:m>
-                  <m:oMathPara xmlns:m="http://schemas.openxmlformats.org/officeDocument/2006/math">
-                    <m:oMathParaPr>
-                      <m:jc m:val="centerGroup"/>
-                    </m:oMathParaPr>
-                    <m:oMath xmlns:m="http://schemas.openxmlformats.org/officeDocument/2006/math">
-                      <m:sSub>
-                        <m:sSubPr>
-                          <m:ctrlPr>
-                            <a:rPr lang="es-PE" i="1" smtClean="0">
-                              <a:latin typeface="Cambria Math" panose="02040503050406030204" pitchFamily="18" charset="0"/>
-                            </a:rPr>
-                          </m:ctrlPr>
-                        </m:sSubPr>
-                        <m:e>
-                          <m:r>
-                            <a:rPr lang="pt-BR" b="1" i="1" smtClean="0">
-                              <a:latin typeface="Cambria Math" panose="02040503050406030204" pitchFamily="18" charset="0"/>
-                            </a:rPr>
-                            <m:t>𝒀</m:t>
-                          </m:r>
-                        </m:e>
-                        <m:sub>
-                          <m:r>
-                            <a:rPr lang="pt-BR" b="0" i="1" smtClean="0">
-                              <a:latin typeface="Cambria Math" panose="02040503050406030204" pitchFamily="18" charset="0"/>
-                            </a:rPr>
-                            <m:t>𝑖𝑗</m:t>
-                          </m:r>
-                        </m:sub>
-                      </m:sSub>
-                    </m:oMath>
-                  </m:oMathPara>
-                </a14:m>
-                <a:endParaRPr lang="es-PE" dirty="0"/>
-              </a:p>
-            </p:txBody>
-          </p:sp>
-        </mc:Choice>
-        <mc:Fallback>
-          <p:sp>
-            <p:nvSpPr>
-              <p:cNvPr id="4" name="Retângulo 3">
-                <a:extLst>
-                  <a:ext uri="{FF2B5EF4-FFF2-40B4-BE49-F238E27FC236}">
-                    <a16:creationId xmlns:a16="http://schemas.microsoft.com/office/drawing/2014/main" id="{82427D91-6E57-4FCC-A029-F1ECE99B7202}"/>
-                  </a:ext>
-                </a:extLst>
-              </p:cNvPr>
-              <p:cNvSpPr>
-                <a:spLocks noRot="1" noChangeAspect="1" noMove="1" noResize="1" noEditPoints="1" noAdjustHandles="1" noChangeArrowheads="1" noChangeShapeType="1" noTextEdit="1"/>
-              </p:cNvSpPr>
-              <p:nvPr/>
-            </p:nvSpPr>
-            <p:spPr>
-              <a:xfrm>
-                <a:off x="3995936" y="1387704"/>
-                <a:ext cx="1152128" cy="457120"/>
-              </a:xfrm>
-              <a:prstGeom prst="rect">
-                <a:avLst/>
-              </a:prstGeom>
-              <a:blipFill>
-                <a:blip r:embed="rId2"/>
-                <a:stretch>
-                  <a:fillRect/>
-                </a:stretch>
-              </a:blipFill>
-              <a:ln w="28575" cap="flat" cmpd="sng" algn="ctr">
-                <a:solidFill>
-                  <a:schemeClr val="dk1"/>
-                </a:solidFill>
-                <a:prstDash val="solid"/>
-                <a:round/>
-                <a:headEnd type="none" w="med" len="med"/>
-                <a:tailEnd type="none" w="med" len="med"/>
-              </a:ln>
-            </p:spPr>
-            <p:txBody>
-              <a:bodyPr/>
-              <a:lstStyle/>
-              <a:p>
-                <a:r>
-                  <a:rPr lang="es-PE">
-                    <a:noFill/>
-                  </a:rPr>
-                  <a:t> </a:t>
-                </a:r>
-              </a:p>
-            </p:txBody>
-          </p:sp>
-        </mc:Fallback>
-      </mc:AlternateContent>
-      <p:sp>
-        <p:nvSpPr>
-          <p:cNvPr id="5" name="Elipse 4">
-            <a:extLst>
-              <a:ext uri="{FF2B5EF4-FFF2-40B4-BE49-F238E27FC236}">
-                <a16:creationId xmlns:a16="http://schemas.microsoft.com/office/drawing/2014/main" id="{96536000-70A4-48B9-8F01-E78DE9087F9B}"/>
-              </a:ext>
-            </a:extLst>
-          </p:cNvPr>
-          <p:cNvSpPr/>
-          <p:nvPr/>
-        </p:nvSpPr>
-        <p:spPr>
-          <a:xfrm>
-            <a:off x="7668344" y="1508252"/>
-            <a:ext cx="216024" cy="216024"/>
-          </a:xfrm>
-          <a:prstGeom prst="ellipse">
-            <a:avLst/>
-          </a:prstGeom>
-          <a:noFill/>
-          <a:ln w="28575" cap="flat" cmpd="sng" algn="ctr">
-            <a:solidFill>
-              <a:schemeClr val="dk1"/>
-            </a:solidFill>
-            <a:prstDash val="solid"/>
-            <a:round/>
-            <a:headEnd type="none" w="med" len="med"/>
-            <a:tailEnd type="none" w="med" len="med"/>
-          </a:ln>
-        </p:spPr>
-        <p:style>
-          <a:lnRef idx="0">
-            <a:scrgbClr r="0" g="0" b="0"/>
-          </a:lnRef>
-          <a:fillRef idx="0">
-            <a:scrgbClr r="0" g="0" b="0"/>
-          </a:fillRef>
-          <a:effectRef idx="0">
-            <a:scrgbClr r="0" g="0" b="0"/>
-          </a:effectRef>
-          <a:fontRef idx="minor">
-            <a:schemeClr val="dk1"/>
-          </a:fontRef>
-        </p:style>
-        <p:txBody>
-          <a:bodyPr rtlCol="0" anchor="ctr"/>
-          <a:lstStyle/>
-          <a:p>
-            <a:pPr algn="ctr"/>
-            <a:endParaRPr lang="es-PE"/>
-          </a:p>
-        </p:txBody>
-      </p:sp>
-      <p:cxnSp>
-        <p:nvCxnSpPr>
-          <p:cNvPr id="10" name="Conector reto 9">
-            <a:extLst>
-              <a:ext uri="{FF2B5EF4-FFF2-40B4-BE49-F238E27FC236}">
-                <a16:creationId xmlns:a16="http://schemas.microsoft.com/office/drawing/2014/main" id="{B69E918F-931E-484D-B43D-760D75FB38A3}"/>
-              </a:ext>
-            </a:extLst>
-          </p:cNvPr>
-          <p:cNvCxnSpPr>
-            <a:cxnSpLocks/>
-            <a:stCxn id="5" idx="2"/>
-            <a:endCxn id="4" idx="3"/>
-          </p:cNvCxnSpPr>
-          <p:nvPr/>
-        </p:nvCxnSpPr>
-        <p:spPr>
-          <a:xfrm flipH="1">
-            <a:off x="5148064" y="1616264"/>
-            <a:ext cx="2520280" cy="0"/>
-          </a:xfrm>
-          <a:prstGeom prst="line">
-            <a:avLst/>
-          </a:prstGeom>
-          <a:ln w="28575"/>
-        </p:spPr>
-        <p:style>
-          <a:lnRef idx="1">
-            <a:schemeClr val="dk1"/>
-          </a:lnRef>
-          <a:fillRef idx="0">
-            <a:schemeClr val="dk1"/>
-          </a:fillRef>
-          <a:effectRef idx="0">
-            <a:schemeClr val="dk1"/>
-          </a:effectRef>
-          <a:fontRef idx="minor">
-            <a:schemeClr val="tx1"/>
-          </a:fontRef>
-        </p:style>
-      </p:cxnSp>
-      <mc:AlternateContent xmlns:mc="http://schemas.openxmlformats.org/markup-compatibility/2006">
-        <mc:Choice xmlns:a14="http://schemas.microsoft.com/office/drawing/2010/main" Requires="a14">
-          <p:sp>
-            <p:nvSpPr>
-              <p:cNvPr id="13" name="CaixaDeTexto 12">
-                <a:extLst>
-                  <a:ext uri="{FF2B5EF4-FFF2-40B4-BE49-F238E27FC236}">
-                    <a16:creationId xmlns:a16="http://schemas.microsoft.com/office/drawing/2014/main" id="{EF091E1B-B075-43B1-8374-516CCA695777}"/>
-                  </a:ext>
-                </a:extLst>
-              </p:cNvPr>
-              <p:cNvSpPr txBox="1"/>
-              <p:nvPr/>
-            </p:nvSpPr>
-            <p:spPr>
-              <a:xfrm>
-                <a:off x="7683719" y="1197736"/>
-                <a:ext cx="238270" cy="299313"/>
-              </a:xfrm>
-              <a:prstGeom prst="rect">
-                <a:avLst/>
-              </a:prstGeom>
-              <a:noFill/>
-            </p:spPr>
-            <p:txBody>
-              <a:bodyPr wrap="none" lIns="0" tIns="0" rIns="0" bIns="0" rtlCol="0">
-                <a:spAutoFit/>
-              </a:bodyPr>
-              <a:lstStyle/>
-              <a:p>
-                <a14:m>
-                  <m:oMathPara xmlns:m="http://schemas.openxmlformats.org/officeDocument/2006/math">
-                    <m:oMathParaPr>
-                      <m:jc m:val="centerGroup"/>
-                    </m:oMathParaPr>
-                    <m:oMath xmlns:m="http://schemas.openxmlformats.org/officeDocument/2006/math">
-                      <m:sSub>
-                        <m:sSubPr>
-                          <m:ctrlPr>
-                            <a:rPr lang="es-PE" i="1" smtClean="0">
-                              <a:latin typeface="Cambria Math" panose="02040503050406030204" pitchFamily="18" charset="0"/>
-                            </a:rPr>
-                          </m:ctrlPr>
-                        </m:sSubPr>
-                        <m:e>
-                          <m:r>
-                            <a:rPr lang="pt-BR" b="0" i="1" smtClean="0">
-                              <a:latin typeface="Cambria Math" panose="02040503050406030204" pitchFamily="18" charset="0"/>
-                            </a:rPr>
-                            <m:t>𝑉</m:t>
-                          </m:r>
-                        </m:e>
-                        <m:sub>
-                          <m:r>
-                            <a:rPr lang="pt-BR" b="0" i="1" smtClean="0">
-                              <a:latin typeface="Cambria Math" panose="02040503050406030204" pitchFamily="18" charset="0"/>
-                            </a:rPr>
-                            <m:t>𝑗</m:t>
-                          </m:r>
-                        </m:sub>
-                      </m:sSub>
-                    </m:oMath>
-                  </m:oMathPara>
-                </a14:m>
-                <a:endParaRPr lang="es-PE" dirty="0"/>
-              </a:p>
-            </p:txBody>
-          </p:sp>
-        </mc:Choice>
-        <mc:Fallback>
-          <p:sp>
-            <p:nvSpPr>
-              <p:cNvPr id="13" name="CaixaDeTexto 12">
-                <a:extLst>
-                  <a:ext uri="{FF2B5EF4-FFF2-40B4-BE49-F238E27FC236}">
-                    <a16:creationId xmlns:a16="http://schemas.microsoft.com/office/drawing/2014/main" id="{EF091E1B-B075-43B1-8374-516CCA695777}"/>
-                  </a:ext>
-                </a:extLst>
-              </p:cNvPr>
-              <p:cNvSpPr txBox="1">
-                <a:spLocks noRot="1" noChangeAspect="1" noMove="1" noResize="1" noEditPoints="1" noAdjustHandles="1" noChangeArrowheads="1" noChangeShapeType="1" noTextEdit="1"/>
-              </p:cNvSpPr>
-              <p:nvPr/>
-            </p:nvSpPr>
-            <p:spPr>
-              <a:xfrm>
-                <a:off x="7683719" y="1197736"/>
-                <a:ext cx="238270" cy="299313"/>
-              </a:xfrm>
-              <a:prstGeom prst="rect">
-                <a:avLst/>
-              </a:prstGeom>
-              <a:blipFill>
-                <a:blip r:embed="rId3"/>
-                <a:stretch>
-                  <a:fillRect l="-22500" r="-15000" b="-24000"/>
-                </a:stretch>
-              </a:blipFill>
-            </p:spPr>
-            <p:txBody>
-              <a:bodyPr/>
-              <a:lstStyle/>
-              <a:p>
-                <a:r>
-                  <a:rPr lang="es-PE">
-                    <a:noFill/>
-                  </a:rPr>
-                  <a:t> </a:t>
-                </a:r>
-              </a:p>
-            </p:txBody>
-          </p:sp>
-        </mc:Fallback>
-      </mc:AlternateContent>
-      <p:sp>
-        <p:nvSpPr>
-          <p:cNvPr id="45" name="Elipse 44">
-            <a:extLst>
-              <a:ext uri="{FF2B5EF4-FFF2-40B4-BE49-F238E27FC236}">
-                <a16:creationId xmlns:a16="http://schemas.microsoft.com/office/drawing/2014/main" id="{3C3F3252-2EE7-43EE-8ADE-09119F27775A}"/>
-              </a:ext>
-            </a:extLst>
-          </p:cNvPr>
-          <p:cNvSpPr/>
-          <p:nvPr/>
-        </p:nvSpPr>
-        <p:spPr>
-          <a:xfrm>
-            <a:off x="1259632" y="1508252"/>
-            <a:ext cx="216024" cy="216024"/>
-          </a:xfrm>
-          <a:prstGeom prst="ellipse">
-            <a:avLst/>
-          </a:prstGeom>
-          <a:noFill/>
-          <a:ln w="28575" cap="flat" cmpd="sng" algn="ctr">
-            <a:solidFill>
-              <a:schemeClr val="dk1"/>
-            </a:solidFill>
-            <a:prstDash val="solid"/>
-            <a:round/>
-            <a:headEnd type="none" w="med" len="med"/>
-            <a:tailEnd type="none" w="med" len="med"/>
-          </a:ln>
-        </p:spPr>
-        <p:style>
-          <a:lnRef idx="0">
-            <a:scrgbClr r="0" g="0" b="0"/>
-          </a:lnRef>
-          <a:fillRef idx="0">
-            <a:scrgbClr r="0" g="0" b="0"/>
-          </a:fillRef>
-          <a:effectRef idx="0">
-            <a:scrgbClr r="0" g="0" b="0"/>
-          </a:effectRef>
-          <a:fontRef idx="minor">
-            <a:schemeClr val="dk1"/>
-          </a:fontRef>
-        </p:style>
-        <p:txBody>
-          <a:bodyPr rtlCol="0" anchor="ctr"/>
-          <a:lstStyle/>
-          <a:p>
-            <a:pPr algn="ctr"/>
-            <a:endParaRPr lang="es-PE"/>
-          </a:p>
-        </p:txBody>
-      </p:sp>
-      <p:cxnSp>
-        <p:nvCxnSpPr>
-          <p:cNvPr id="18" name="Conector reto 17">
-            <a:extLst>
-              <a:ext uri="{FF2B5EF4-FFF2-40B4-BE49-F238E27FC236}">
-                <a16:creationId xmlns:a16="http://schemas.microsoft.com/office/drawing/2014/main" id="{81855FCB-014A-4962-9045-A348AC195096}"/>
-              </a:ext>
-            </a:extLst>
-          </p:cNvPr>
-          <p:cNvCxnSpPr>
-            <a:stCxn id="4" idx="1"/>
-            <a:endCxn id="45" idx="6"/>
-          </p:cNvCxnSpPr>
-          <p:nvPr/>
-        </p:nvCxnSpPr>
-        <p:spPr>
-          <a:xfrm flipH="1">
-            <a:off x="1475656" y="1616264"/>
-            <a:ext cx="2520280" cy="0"/>
-          </a:xfrm>
-          <a:prstGeom prst="line">
-            <a:avLst/>
-          </a:prstGeom>
-          <a:ln w="28575"/>
-        </p:spPr>
-        <p:style>
-          <a:lnRef idx="1">
-            <a:schemeClr val="dk1"/>
-          </a:lnRef>
-          <a:fillRef idx="0">
-            <a:schemeClr val="dk1"/>
-          </a:fillRef>
-          <a:effectRef idx="0">
-            <a:schemeClr val="dk1"/>
-          </a:effectRef>
-          <a:fontRef idx="minor">
-            <a:schemeClr val="tx1"/>
-          </a:fontRef>
-        </p:style>
-      </p:cxnSp>
-      <mc:AlternateContent xmlns:mc="http://schemas.openxmlformats.org/markup-compatibility/2006">
-        <mc:Choice xmlns:a14="http://schemas.microsoft.com/office/drawing/2010/main" Requires="a14">
-          <p:sp>
-            <p:nvSpPr>
-              <p:cNvPr id="46" name="CaixaDeTexto 45">
-                <a:extLst>
-                  <a:ext uri="{FF2B5EF4-FFF2-40B4-BE49-F238E27FC236}">
-                    <a16:creationId xmlns:a16="http://schemas.microsoft.com/office/drawing/2014/main" id="{F294E811-2C90-4E89-99CA-281AB8E13340}"/>
-                  </a:ext>
-                </a:extLst>
-              </p:cNvPr>
-              <p:cNvSpPr txBox="1"/>
-              <p:nvPr/>
-            </p:nvSpPr>
-            <p:spPr>
-              <a:xfrm>
-                <a:off x="1259632" y="1197736"/>
-                <a:ext cx="239553" cy="276999"/>
-              </a:xfrm>
-              <a:prstGeom prst="rect">
-                <a:avLst/>
-              </a:prstGeom>
-              <a:noFill/>
-            </p:spPr>
-            <p:txBody>
-              <a:bodyPr wrap="none" lIns="0" tIns="0" rIns="0" bIns="0" rtlCol="0">
-                <a:spAutoFit/>
-              </a:bodyPr>
-              <a:lstStyle/>
-              <a:p>
-                <a14:m>
-                  <m:oMathPara xmlns:m="http://schemas.openxmlformats.org/officeDocument/2006/math">
-                    <m:oMathParaPr>
-                      <m:jc m:val="centerGroup"/>
-                    </m:oMathParaPr>
-                    <m:oMath xmlns:m="http://schemas.openxmlformats.org/officeDocument/2006/math">
-                      <m:sSub>
-                        <m:sSubPr>
-                          <m:ctrlPr>
-                            <a:rPr lang="es-PE" i="1" smtClean="0">
-                              <a:latin typeface="Cambria Math" panose="02040503050406030204" pitchFamily="18" charset="0"/>
-                            </a:rPr>
-                          </m:ctrlPr>
-                        </m:sSubPr>
-                        <m:e>
-                          <m:r>
-                            <a:rPr lang="pt-BR" b="0" i="1" smtClean="0">
-                              <a:latin typeface="Cambria Math" panose="02040503050406030204" pitchFamily="18" charset="0"/>
-                            </a:rPr>
-                            <m:t>𝑉</m:t>
-                          </m:r>
-                        </m:e>
-                        <m:sub>
-                          <m:r>
-                            <a:rPr lang="pt-BR" b="0" i="1" smtClean="0">
-                              <a:latin typeface="Cambria Math" panose="02040503050406030204" pitchFamily="18" charset="0"/>
-                            </a:rPr>
-                            <m:t>𝑖</m:t>
-                          </m:r>
-                        </m:sub>
-                      </m:sSub>
-                    </m:oMath>
-                  </m:oMathPara>
-                </a14:m>
-                <a:endParaRPr lang="es-PE" dirty="0"/>
-              </a:p>
-            </p:txBody>
-          </p:sp>
-        </mc:Choice>
-        <mc:Fallback>
-          <p:sp>
-            <p:nvSpPr>
-              <p:cNvPr id="46" name="CaixaDeTexto 45">
-                <a:extLst>
-                  <a:ext uri="{FF2B5EF4-FFF2-40B4-BE49-F238E27FC236}">
-                    <a16:creationId xmlns:a16="http://schemas.microsoft.com/office/drawing/2014/main" id="{F294E811-2C90-4E89-99CA-281AB8E13340}"/>
-                  </a:ext>
-                </a:extLst>
-              </p:cNvPr>
-              <p:cNvSpPr txBox="1">
-                <a:spLocks noRot="1" noChangeAspect="1" noMove="1" noResize="1" noEditPoints="1" noAdjustHandles="1" noChangeArrowheads="1" noChangeShapeType="1" noTextEdit="1"/>
-              </p:cNvSpPr>
-              <p:nvPr/>
-            </p:nvSpPr>
-            <p:spPr>
-              <a:xfrm>
-                <a:off x="1259632" y="1197736"/>
-                <a:ext cx="239553" cy="276999"/>
-              </a:xfrm>
-              <a:prstGeom prst="rect">
-                <a:avLst/>
-              </a:prstGeom>
-              <a:blipFill>
-                <a:blip r:embed="rId4"/>
-                <a:stretch>
-                  <a:fillRect l="-25641" r="-10256" b="-13043"/>
-                </a:stretch>
-              </a:blipFill>
-            </p:spPr>
-            <p:txBody>
-              <a:bodyPr/>
-              <a:lstStyle/>
-              <a:p>
-                <a:r>
-                  <a:rPr lang="es-PE">
-                    <a:noFill/>
-                  </a:rPr>
-                  <a:t> </a:t>
-                </a:r>
-              </a:p>
-            </p:txBody>
-          </p:sp>
-        </mc:Fallback>
-      </mc:AlternateContent>
-      <p:cxnSp>
-        <p:nvCxnSpPr>
-          <p:cNvPr id="20" name="Conector de Seta Reta 19">
-            <a:extLst>
-              <a:ext uri="{FF2B5EF4-FFF2-40B4-BE49-F238E27FC236}">
-                <a16:creationId xmlns:a16="http://schemas.microsoft.com/office/drawing/2014/main" id="{A45B75C4-A3C1-451F-AE2F-C33AE7B393FB}"/>
-              </a:ext>
-            </a:extLst>
-          </p:cNvPr>
-          <p:cNvCxnSpPr>
-            <a:stCxn id="5" idx="2"/>
-          </p:cNvCxnSpPr>
-          <p:nvPr/>
-        </p:nvCxnSpPr>
-        <p:spPr>
-          <a:xfrm flipH="1">
-            <a:off x="6444208" y="1616264"/>
-            <a:ext cx="1224136" cy="0"/>
-          </a:xfrm>
-          <a:prstGeom prst="straightConnector1">
-            <a:avLst/>
-          </a:prstGeom>
-          <a:ln w="28575">
-            <a:tailEnd type="triangle"/>
-          </a:ln>
-        </p:spPr>
-        <p:style>
-          <a:lnRef idx="1">
-            <a:schemeClr val="dk1"/>
-          </a:lnRef>
-          <a:fillRef idx="0">
-            <a:schemeClr val="dk1"/>
-          </a:fillRef>
-          <a:effectRef idx="0">
-            <a:schemeClr val="dk1"/>
-          </a:effectRef>
-          <a:fontRef idx="minor">
-            <a:schemeClr val="tx1"/>
-          </a:fontRef>
-        </p:style>
-      </p:cxnSp>
-      <p:cxnSp>
-        <p:nvCxnSpPr>
-          <p:cNvPr id="22" name="Conector de Seta Reta 21">
-            <a:extLst>
-              <a:ext uri="{FF2B5EF4-FFF2-40B4-BE49-F238E27FC236}">
-                <a16:creationId xmlns:a16="http://schemas.microsoft.com/office/drawing/2014/main" id="{653FCAC3-60A8-4306-960A-43E527CE1800}"/>
-              </a:ext>
-            </a:extLst>
-          </p:cNvPr>
-          <p:cNvCxnSpPr>
-            <a:stCxn id="45" idx="6"/>
-          </p:cNvCxnSpPr>
-          <p:nvPr/>
-        </p:nvCxnSpPr>
-        <p:spPr>
-          <a:xfrm>
-            <a:off x="1475656" y="1616264"/>
-            <a:ext cx="1224136" cy="0"/>
-          </a:xfrm>
-          <a:prstGeom prst="straightConnector1">
-            <a:avLst/>
-          </a:prstGeom>
-          <a:ln>
-            <a:tailEnd type="triangle"/>
-          </a:ln>
-        </p:spPr>
-        <p:style>
-          <a:lnRef idx="1">
-            <a:schemeClr val="dk1"/>
-          </a:lnRef>
-          <a:fillRef idx="0">
-            <a:schemeClr val="dk1"/>
-          </a:fillRef>
-          <a:effectRef idx="0">
-            <a:schemeClr val="dk1"/>
-          </a:effectRef>
-          <a:fontRef idx="minor">
-            <a:schemeClr val="tx1"/>
-          </a:fontRef>
-        </p:style>
-      </p:cxnSp>
-      <mc:AlternateContent xmlns:mc="http://schemas.openxmlformats.org/markup-compatibility/2006">
-        <mc:Choice xmlns:a14="http://schemas.microsoft.com/office/drawing/2010/main" Requires="a14">
-          <p:sp>
-            <p:nvSpPr>
-              <p:cNvPr id="23" name="CaixaDeTexto 22">
-                <a:extLst>
-                  <a:ext uri="{FF2B5EF4-FFF2-40B4-BE49-F238E27FC236}">
-                    <a16:creationId xmlns:a16="http://schemas.microsoft.com/office/drawing/2014/main" id="{774CDF36-1E44-4937-ADD3-00F48C31E7E1}"/>
-                  </a:ext>
-                </a:extLst>
-              </p:cNvPr>
-              <p:cNvSpPr txBox="1"/>
-              <p:nvPr/>
-            </p:nvSpPr>
-            <p:spPr>
-              <a:xfrm>
-                <a:off x="3508824" y="2227237"/>
-                <a:ext cx="2126351" cy="598562"/>
-              </a:xfrm>
-              <a:prstGeom prst="rect">
-                <a:avLst/>
-              </a:prstGeom>
-              <a:noFill/>
-            </p:spPr>
-            <p:txBody>
-              <a:bodyPr wrap="none" lIns="0" tIns="0" rIns="0" bIns="0" rtlCol="0">
-                <a:spAutoFit/>
-              </a:bodyPr>
-              <a:lstStyle/>
-              <a:p>
-                <a14:m>
-                  <m:oMathPara xmlns:m="http://schemas.openxmlformats.org/officeDocument/2006/math">
-                    <m:oMathParaPr>
-                      <m:jc m:val="centerGroup"/>
-                    </m:oMathParaPr>
-                    <m:oMath xmlns:m="http://schemas.openxmlformats.org/officeDocument/2006/math">
-                      <m:sSub>
-                        <m:sSubPr>
-                          <m:ctrlPr>
-                            <a:rPr lang="es-PE" i="1" smtClean="0">
-                              <a:latin typeface="Cambria Math" panose="02040503050406030204" pitchFamily="18" charset="0"/>
-                            </a:rPr>
-                          </m:ctrlPr>
-                        </m:sSubPr>
-                        <m:e>
-                          <m:r>
-                            <a:rPr lang="pt-BR" b="1" i="1" smtClean="0">
-                              <a:latin typeface="Cambria Math" panose="02040503050406030204" pitchFamily="18" charset="0"/>
-                            </a:rPr>
-                            <m:t>𝒀</m:t>
-                          </m:r>
-                        </m:e>
-                        <m:sub>
-                          <m:r>
-                            <a:rPr lang="pt-BR" b="0" i="1" smtClean="0">
-                              <a:latin typeface="Cambria Math" panose="02040503050406030204" pitchFamily="18" charset="0"/>
-                            </a:rPr>
-                            <m:t>𝑖𝑗</m:t>
-                          </m:r>
-                        </m:sub>
-                      </m:sSub>
-                      <m:r>
-                        <a:rPr lang="pt-BR" b="0" i="1" smtClean="0">
-                          <a:latin typeface="Cambria Math" panose="02040503050406030204" pitchFamily="18" charset="0"/>
-                        </a:rPr>
-                        <m:t>=</m:t>
-                      </m:r>
-                      <m:f>
-                        <m:fPr>
-                          <m:ctrlPr>
-                            <a:rPr lang="pt-BR" b="0" i="1" smtClean="0">
-                              <a:latin typeface="Cambria Math" panose="02040503050406030204" pitchFamily="18" charset="0"/>
-                            </a:rPr>
-                          </m:ctrlPr>
-                        </m:fPr>
-                        <m:num>
-                          <m:r>
-                            <a:rPr lang="pt-BR" b="0" i="1" smtClean="0">
-                              <a:latin typeface="Cambria Math" panose="02040503050406030204" pitchFamily="18" charset="0"/>
-                            </a:rPr>
-                            <m:t>1</m:t>
-                          </m:r>
-                        </m:num>
-                        <m:den>
-                          <m:sSub>
-                            <m:sSubPr>
-                              <m:ctrlPr>
-                                <a:rPr lang="pt-BR" b="0" i="1" smtClean="0">
-                                  <a:latin typeface="Cambria Math" panose="02040503050406030204" pitchFamily="18" charset="0"/>
-                                </a:rPr>
-                              </m:ctrlPr>
-                            </m:sSubPr>
-                            <m:e>
-                              <m:r>
-                                <a:rPr lang="pt-BR" b="1" i="1" smtClean="0">
-                                  <a:latin typeface="Cambria Math" panose="02040503050406030204" pitchFamily="18" charset="0"/>
-                                </a:rPr>
-                                <m:t>𝒁</m:t>
-                              </m:r>
-                            </m:e>
-                            <m:sub>
-                              <m:r>
-                                <a:rPr lang="pt-BR" b="0" i="1" smtClean="0">
-                                  <a:latin typeface="Cambria Math" panose="02040503050406030204" pitchFamily="18" charset="0"/>
-                                </a:rPr>
-                                <m:t>𝑖𝑗</m:t>
-                              </m:r>
-                            </m:sub>
-                          </m:sSub>
-                        </m:den>
-                      </m:f>
-                      <m:r>
-                        <a:rPr lang="pt-BR" b="0" i="1" smtClean="0">
-                          <a:latin typeface="Cambria Math" panose="02040503050406030204" pitchFamily="18" charset="0"/>
-                        </a:rPr>
-                        <m:t>=</m:t>
-                      </m:r>
-                      <m:f>
-                        <m:fPr>
-                          <m:ctrlPr>
-                            <a:rPr lang="pt-BR" b="0" i="1" smtClean="0">
-                              <a:latin typeface="Cambria Math" panose="02040503050406030204" pitchFamily="18" charset="0"/>
-                            </a:rPr>
-                          </m:ctrlPr>
-                        </m:fPr>
-                        <m:num>
-                          <m:r>
-                            <a:rPr lang="pt-BR" b="0" i="1" smtClean="0">
-                              <a:latin typeface="Cambria Math" panose="02040503050406030204" pitchFamily="18" charset="0"/>
-                            </a:rPr>
-                            <m:t>1</m:t>
-                          </m:r>
-                        </m:num>
-                        <m:den>
-                          <m:sSub>
-                            <m:sSubPr>
-                              <m:ctrlPr>
-                                <a:rPr lang="pt-BR" b="0" i="1" smtClean="0">
-                                  <a:latin typeface="Cambria Math" panose="02040503050406030204" pitchFamily="18" charset="0"/>
-                                </a:rPr>
-                              </m:ctrlPr>
-                            </m:sSubPr>
-                            <m:e>
-                              <m:r>
-                                <a:rPr lang="pt-BR" b="0" i="1" smtClean="0">
-                                  <a:latin typeface="Cambria Math" panose="02040503050406030204" pitchFamily="18" charset="0"/>
-                                </a:rPr>
-                                <m:t>𝑟</m:t>
-                              </m:r>
-                            </m:e>
-                            <m:sub>
-                              <m:r>
-                                <a:rPr lang="pt-BR" b="0" i="1" smtClean="0">
-                                  <a:latin typeface="Cambria Math" panose="02040503050406030204" pitchFamily="18" charset="0"/>
-                                </a:rPr>
-                                <m:t>𝑖𝑗</m:t>
-                              </m:r>
-                            </m:sub>
-                          </m:sSub>
-                          <m:r>
-                            <a:rPr lang="pt-BR" b="0" i="1" smtClean="0">
-                              <a:latin typeface="Cambria Math" panose="02040503050406030204" pitchFamily="18" charset="0"/>
-                            </a:rPr>
-                            <m:t>+</m:t>
-                          </m:r>
-                          <m:r>
-                            <a:rPr lang="pt-BR" b="1" i="1" smtClean="0">
-                              <a:latin typeface="Cambria Math" panose="02040503050406030204" pitchFamily="18" charset="0"/>
-                            </a:rPr>
-                            <m:t>𝒋</m:t>
-                          </m:r>
-                          <m:sSub>
-                            <m:sSubPr>
-                              <m:ctrlPr>
-                                <a:rPr lang="pt-BR" b="0" i="1" smtClean="0">
-                                  <a:latin typeface="Cambria Math" panose="02040503050406030204" pitchFamily="18" charset="0"/>
-                                </a:rPr>
-                              </m:ctrlPr>
-                            </m:sSubPr>
-                            <m:e>
-                              <m:r>
-                                <a:rPr lang="pt-BR" b="0" i="1" smtClean="0">
-                                  <a:latin typeface="Cambria Math" panose="02040503050406030204" pitchFamily="18" charset="0"/>
-                                </a:rPr>
-                                <m:t>𝑥</m:t>
-                              </m:r>
-                            </m:e>
-                            <m:sub>
-                              <m:r>
-                                <a:rPr lang="pt-BR" b="0" i="1" smtClean="0">
-                                  <a:latin typeface="Cambria Math" panose="02040503050406030204" pitchFamily="18" charset="0"/>
-                                </a:rPr>
-                                <m:t>𝑖𝑗</m:t>
-                              </m:r>
-                            </m:sub>
-                          </m:sSub>
-                        </m:den>
-                      </m:f>
-                    </m:oMath>
-                  </m:oMathPara>
-                </a14:m>
-                <a:endParaRPr lang="es-PE" dirty="0"/>
-              </a:p>
-            </p:txBody>
-          </p:sp>
-        </mc:Choice>
-        <mc:Fallback>
-          <p:sp>
-            <p:nvSpPr>
-              <p:cNvPr id="23" name="CaixaDeTexto 22">
-                <a:extLst>
-                  <a:ext uri="{FF2B5EF4-FFF2-40B4-BE49-F238E27FC236}">
-                    <a16:creationId xmlns:a16="http://schemas.microsoft.com/office/drawing/2014/main" id="{774CDF36-1E44-4937-ADD3-00F48C31E7E1}"/>
-                  </a:ext>
-                </a:extLst>
-              </p:cNvPr>
-              <p:cNvSpPr txBox="1">
-                <a:spLocks noRot="1" noChangeAspect="1" noMove="1" noResize="1" noEditPoints="1" noAdjustHandles="1" noChangeArrowheads="1" noChangeShapeType="1" noTextEdit="1"/>
-              </p:cNvSpPr>
-              <p:nvPr/>
-            </p:nvSpPr>
-            <p:spPr>
-              <a:xfrm>
-                <a:off x="3508824" y="2227237"/>
-                <a:ext cx="2126351" cy="598562"/>
-              </a:xfrm>
-              <a:prstGeom prst="rect">
-                <a:avLst/>
-              </a:prstGeom>
-              <a:blipFill>
-                <a:blip r:embed="rId5"/>
-                <a:stretch>
-                  <a:fillRect/>
-                </a:stretch>
-              </a:blipFill>
-            </p:spPr>
-            <p:txBody>
-              <a:bodyPr/>
-              <a:lstStyle/>
-              <a:p>
-                <a:r>
-                  <a:rPr lang="es-PE">
-                    <a:noFill/>
-                  </a:rPr>
-                  <a:t> </a:t>
-                </a:r>
-              </a:p>
-            </p:txBody>
-          </p:sp>
-        </mc:Fallback>
-      </mc:AlternateContent>
-      <p:sp>
-        <p:nvSpPr>
-          <p:cNvPr id="24" name="CaixaDeTexto 23">
-            <a:extLst>
-              <a:ext uri="{FF2B5EF4-FFF2-40B4-BE49-F238E27FC236}">
-                <a16:creationId xmlns:a16="http://schemas.microsoft.com/office/drawing/2014/main" id="{F70545E6-D70D-4994-A102-2E80DC080479}"/>
-              </a:ext>
-            </a:extLst>
-          </p:cNvPr>
-          <p:cNvSpPr txBox="1"/>
-          <p:nvPr/>
-        </p:nvSpPr>
-        <p:spPr>
-          <a:xfrm>
-            <a:off x="622695" y="3356992"/>
-            <a:ext cx="2492157" cy="369332"/>
-          </a:xfrm>
-          <a:prstGeom prst="rect">
-            <a:avLst/>
-          </a:prstGeom>
-          <a:noFill/>
-        </p:spPr>
-        <p:txBody>
-          <a:bodyPr wrap="none" rtlCol="0">
-            <a:spAutoFit/>
-          </a:bodyPr>
-          <a:lstStyle/>
-          <a:p>
-            <a:pPr marL="285750" indent="-285750">
-              <a:buFont typeface="Arial" panose="020B0604020202020204" pitchFamily="34" charset="0"/>
-              <a:buChar char="•"/>
-            </a:pPr>
-            <a:r>
-              <a:rPr lang="es-PE" dirty="0"/>
-              <a:t>Conecta barras en la red</a:t>
-            </a:r>
-          </a:p>
-        </p:txBody>
-      </p:sp>
-      <p:sp>
-        <p:nvSpPr>
-          <p:cNvPr id="50" name="CaixaDeTexto 49">
-            <a:extLst>
-              <a:ext uri="{FF2B5EF4-FFF2-40B4-BE49-F238E27FC236}">
-                <a16:creationId xmlns:a16="http://schemas.microsoft.com/office/drawing/2014/main" id="{EFD6272C-0EC5-4FCF-BE66-2903F4654031}"/>
-              </a:ext>
-            </a:extLst>
-          </p:cNvPr>
-          <p:cNvSpPr txBox="1"/>
-          <p:nvPr/>
-        </p:nvSpPr>
-        <p:spPr>
-          <a:xfrm>
-            <a:off x="622695" y="3816635"/>
-            <a:ext cx="3219343" cy="369332"/>
-          </a:xfrm>
-          <a:prstGeom prst="rect">
-            <a:avLst/>
-          </a:prstGeom>
-          <a:noFill/>
-        </p:spPr>
-        <p:txBody>
-          <a:bodyPr wrap="none" rtlCol="0">
-            <a:spAutoFit/>
-          </a:bodyPr>
-          <a:lstStyle/>
-          <a:p>
-            <a:pPr marL="285750" indent="-285750">
-              <a:buFont typeface="Arial" panose="020B0604020202020204" pitchFamily="34" charset="0"/>
-              <a:buChar char="•"/>
-            </a:pPr>
-            <a:r>
-              <a:rPr lang="es-PE" dirty="0"/>
-              <a:t>Modelo simple: Impedancia serie</a:t>
-            </a:r>
-          </a:p>
-        </p:txBody>
-      </p:sp>
-      <p:sp>
-        <p:nvSpPr>
-          <p:cNvPr id="51" name="CaixaDeTexto 50">
-            <a:extLst>
-              <a:ext uri="{FF2B5EF4-FFF2-40B4-BE49-F238E27FC236}">
-                <a16:creationId xmlns:a16="http://schemas.microsoft.com/office/drawing/2014/main" id="{C51587AF-7787-40BF-8038-487F81807B8C}"/>
-              </a:ext>
-            </a:extLst>
-          </p:cNvPr>
-          <p:cNvSpPr txBox="1"/>
-          <p:nvPr/>
-        </p:nvSpPr>
-        <p:spPr>
-          <a:xfrm>
-            <a:off x="622695" y="4273849"/>
-            <a:ext cx="1621085" cy="369332"/>
-          </a:xfrm>
-          <a:prstGeom prst="rect">
-            <a:avLst/>
-          </a:prstGeom>
-          <a:noFill/>
-        </p:spPr>
-        <p:txBody>
-          <a:bodyPr wrap="none" rtlCol="0">
-            <a:spAutoFit/>
-          </a:bodyPr>
-          <a:lstStyle/>
-          <a:p>
-            <a:pPr marL="285750" indent="-285750">
-              <a:buFont typeface="Arial" panose="020B0604020202020204" pitchFamily="34" charset="0"/>
-              <a:buChar char="•"/>
-            </a:pPr>
-            <a:r>
-              <a:rPr lang="es-PE" dirty="0"/>
-              <a:t>Ley de Ohm: </a:t>
-            </a:r>
-          </a:p>
-        </p:txBody>
-      </p:sp>
-      <p:sp>
-        <p:nvSpPr>
-          <p:cNvPr id="52" name="CaixaDeTexto 51">
-            <a:extLst>
-              <a:ext uri="{FF2B5EF4-FFF2-40B4-BE49-F238E27FC236}">
-                <a16:creationId xmlns:a16="http://schemas.microsoft.com/office/drawing/2014/main" id="{C18BA5D5-8C0D-453A-A494-564A03C563FE}"/>
-              </a:ext>
-            </a:extLst>
-          </p:cNvPr>
-          <p:cNvSpPr txBox="1"/>
-          <p:nvPr/>
-        </p:nvSpPr>
-        <p:spPr>
-          <a:xfrm>
-            <a:off x="622695" y="4731063"/>
-            <a:ext cx="1972015" cy="369332"/>
-          </a:xfrm>
-          <a:prstGeom prst="rect">
-            <a:avLst/>
-          </a:prstGeom>
-          <a:noFill/>
-        </p:spPr>
-        <p:txBody>
-          <a:bodyPr wrap="none" rtlCol="0">
-            <a:spAutoFit/>
-          </a:bodyPr>
-          <a:lstStyle/>
-          <a:p>
-            <a:pPr marL="285750" indent="-285750">
-              <a:buFont typeface="Arial" panose="020B0604020202020204" pitchFamily="34" charset="0"/>
-              <a:buChar char="•"/>
-            </a:pPr>
-            <a:r>
-              <a:rPr lang="es-PE" dirty="0"/>
-              <a:t>Flujo de potencia:</a:t>
-            </a:r>
-          </a:p>
-        </p:txBody>
-      </p:sp>
-      <mc:AlternateContent xmlns:mc="http://schemas.openxmlformats.org/markup-compatibility/2006">
-        <mc:Choice xmlns:a14="http://schemas.microsoft.com/office/drawing/2010/main" Requires="a14">
-          <p:sp>
-            <p:nvSpPr>
-              <p:cNvPr id="25" name="CaixaDeTexto 24">
-                <a:extLst>
-                  <a:ext uri="{FF2B5EF4-FFF2-40B4-BE49-F238E27FC236}">
-                    <a16:creationId xmlns:a16="http://schemas.microsoft.com/office/drawing/2014/main" id="{AB5DF08F-222B-40FB-B952-4F43E8EEC791}"/>
-                  </a:ext>
-                </a:extLst>
-              </p:cNvPr>
-              <p:cNvSpPr txBox="1"/>
-              <p:nvPr/>
-            </p:nvSpPr>
-            <p:spPr>
-              <a:xfrm>
-                <a:off x="2594710" y="4297626"/>
-                <a:ext cx="1737847" cy="319062"/>
-              </a:xfrm>
-              <a:prstGeom prst="rect">
-                <a:avLst/>
-              </a:prstGeom>
-              <a:noFill/>
-            </p:spPr>
-            <p:txBody>
-              <a:bodyPr wrap="none" lIns="0" tIns="0" rIns="0" bIns="0" rtlCol="0">
-                <a:spAutoFit/>
-              </a:bodyPr>
-              <a:lstStyle/>
-              <a:p>
-                <a14:m>
-                  <m:oMathPara xmlns:m="http://schemas.openxmlformats.org/officeDocument/2006/math">
-                    <m:oMathParaPr>
-                      <m:jc m:val="centerGroup"/>
-                    </m:oMathParaPr>
-                    <m:oMath xmlns:m="http://schemas.openxmlformats.org/officeDocument/2006/math">
-                      <m:sSub>
-                        <m:sSubPr>
-                          <m:ctrlPr>
-                            <a:rPr lang="es-PE" i="1" smtClean="0">
-                              <a:latin typeface="Cambria Math" panose="02040503050406030204" pitchFamily="18" charset="0"/>
-                            </a:rPr>
-                          </m:ctrlPr>
-                        </m:sSubPr>
-                        <m:e>
-                          <m:r>
-                            <a:rPr lang="pt-BR" b="0" i="1" smtClean="0">
-                              <a:latin typeface="Cambria Math" panose="02040503050406030204" pitchFamily="18" charset="0"/>
-                            </a:rPr>
-                            <m:t>𝐼</m:t>
-                          </m:r>
-                        </m:e>
-                        <m:sub>
-                          <m:r>
-                            <a:rPr lang="pt-BR" b="0" i="1" smtClean="0">
-                              <a:latin typeface="Cambria Math" panose="02040503050406030204" pitchFamily="18" charset="0"/>
-                            </a:rPr>
-                            <m:t>𝑖𝑗</m:t>
-                          </m:r>
-                        </m:sub>
-                      </m:sSub>
-                      <m:r>
-                        <a:rPr lang="pt-BR" b="0" i="1" smtClean="0">
-                          <a:latin typeface="Cambria Math" panose="02040503050406030204" pitchFamily="18" charset="0"/>
-                        </a:rPr>
-                        <m:t>=</m:t>
-                      </m:r>
-                      <m:sSub>
-                        <m:sSubPr>
-                          <m:ctrlPr>
-                            <a:rPr lang="pt-BR" b="0" i="1" smtClean="0">
-                              <a:latin typeface="Cambria Math" panose="02040503050406030204" pitchFamily="18" charset="0"/>
-                            </a:rPr>
-                          </m:ctrlPr>
-                        </m:sSubPr>
-                        <m:e>
-                          <m:r>
-                            <a:rPr lang="pt-BR" b="1" i="1" smtClean="0">
-                              <a:latin typeface="Cambria Math" panose="02040503050406030204" pitchFamily="18" charset="0"/>
-                            </a:rPr>
-                            <m:t>𝒀</m:t>
-                          </m:r>
-                        </m:e>
-                        <m:sub>
-                          <m:r>
-                            <a:rPr lang="pt-BR" b="0" i="1" smtClean="0">
-                              <a:latin typeface="Cambria Math" panose="02040503050406030204" pitchFamily="18" charset="0"/>
-                            </a:rPr>
-                            <m:t>𝑖𝑗</m:t>
-                          </m:r>
-                        </m:sub>
-                      </m:sSub>
-                      <m:d>
-                        <m:dPr>
-                          <m:ctrlPr>
-                            <a:rPr lang="pt-BR" b="0" i="1" smtClean="0">
-                              <a:latin typeface="Cambria Math" panose="02040503050406030204" pitchFamily="18" charset="0"/>
-                            </a:rPr>
-                          </m:ctrlPr>
-                        </m:dPr>
-                        <m:e>
-                          <m:sSub>
-                            <m:sSubPr>
-                              <m:ctrlPr>
-                                <a:rPr lang="pt-BR" b="0" i="1" smtClean="0">
-                                  <a:latin typeface="Cambria Math" panose="02040503050406030204" pitchFamily="18" charset="0"/>
-                                </a:rPr>
-                              </m:ctrlPr>
-                            </m:sSubPr>
-                            <m:e>
-                              <m:r>
-                                <a:rPr lang="pt-BR" b="0" i="1" smtClean="0">
-                                  <a:latin typeface="Cambria Math" panose="02040503050406030204" pitchFamily="18" charset="0"/>
-                                </a:rPr>
-                                <m:t>𝑉</m:t>
-                              </m:r>
-                            </m:e>
-                            <m:sub>
-                              <m:r>
-                                <a:rPr lang="pt-BR" b="0" i="1" smtClean="0">
-                                  <a:latin typeface="Cambria Math" panose="02040503050406030204" pitchFamily="18" charset="0"/>
-                                </a:rPr>
-                                <m:t>𝑖</m:t>
-                              </m:r>
-                            </m:sub>
-                          </m:sSub>
-                          <m:r>
-                            <a:rPr lang="pt-BR" b="0" i="1" smtClean="0">
-                              <a:latin typeface="Cambria Math" panose="02040503050406030204" pitchFamily="18" charset="0"/>
-                            </a:rPr>
-                            <m:t>−</m:t>
-                          </m:r>
-                          <m:sSub>
-                            <m:sSubPr>
-                              <m:ctrlPr>
-                                <a:rPr lang="pt-BR" b="0" i="1" smtClean="0">
-                                  <a:latin typeface="Cambria Math" panose="02040503050406030204" pitchFamily="18" charset="0"/>
-                                </a:rPr>
-                              </m:ctrlPr>
-                            </m:sSubPr>
-                            <m:e>
-                              <m:r>
-                                <a:rPr lang="pt-BR" b="0" i="1" smtClean="0">
-                                  <a:latin typeface="Cambria Math" panose="02040503050406030204" pitchFamily="18" charset="0"/>
-                                </a:rPr>
-                                <m:t>𝑉</m:t>
-                              </m:r>
-                            </m:e>
-                            <m:sub>
-                              <m:r>
-                                <a:rPr lang="pt-BR" b="0" i="1" smtClean="0">
-                                  <a:latin typeface="Cambria Math" panose="02040503050406030204" pitchFamily="18" charset="0"/>
-                                </a:rPr>
-                                <m:t>𝑗</m:t>
-                              </m:r>
-                            </m:sub>
-                          </m:sSub>
-                        </m:e>
-                      </m:d>
-                    </m:oMath>
-                  </m:oMathPara>
-                </a14:m>
-                <a:endParaRPr lang="es-PE" dirty="0"/>
-              </a:p>
-            </p:txBody>
-          </p:sp>
-        </mc:Choice>
-        <mc:Fallback>
-          <p:sp>
-            <p:nvSpPr>
-              <p:cNvPr id="25" name="CaixaDeTexto 24">
-                <a:extLst>
-                  <a:ext uri="{FF2B5EF4-FFF2-40B4-BE49-F238E27FC236}">
-                    <a16:creationId xmlns:a16="http://schemas.microsoft.com/office/drawing/2014/main" id="{AB5DF08F-222B-40FB-B952-4F43E8EEC791}"/>
-                  </a:ext>
-                </a:extLst>
-              </p:cNvPr>
-              <p:cNvSpPr txBox="1">
-                <a:spLocks noRot="1" noChangeAspect="1" noMove="1" noResize="1" noEditPoints="1" noAdjustHandles="1" noChangeArrowheads="1" noChangeShapeType="1" noTextEdit="1"/>
-              </p:cNvSpPr>
-              <p:nvPr/>
-            </p:nvSpPr>
-            <p:spPr>
-              <a:xfrm>
-                <a:off x="2594710" y="4297626"/>
-                <a:ext cx="1737847" cy="319062"/>
-              </a:xfrm>
-              <a:prstGeom prst="rect">
-                <a:avLst/>
-              </a:prstGeom>
-              <a:blipFill>
-                <a:blip r:embed="rId6"/>
-                <a:stretch>
-                  <a:fillRect l="-3158" b="-25000"/>
-                </a:stretch>
-              </a:blipFill>
-            </p:spPr>
-            <p:txBody>
-              <a:bodyPr/>
-              <a:lstStyle/>
-              <a:p>
-                <a:r>
-                  <a:rPr lang="es-PE">
-                    <a:noFill/>
-                  </a:rPr>
-                  <a:t> </a:t>
-                </a:r>
-              </a:p>
-            </p:txBody>
-          </p:sp>
-        </mc:Fallback>
-      </mc:AlternateContent>
-      <mc:AlternateContent xmlns:mc="http://schemas.openxmlformats.org/markup-compatibility/2006">
-        <mc:Choice xmlns:a14="http://schemas.microsoft.com/office/drawing/2010/main" Requires="a14">
-          <p:sp>
-            <p:nvSpPr>
-              <p:cNvPr id="58" name="CaixaDeTexto 57">
-                <a:extLst>
-                  <a:ext uri="{FF2B5EF4-FFF2-40B4-BE49-F238E27FC236}">
-                    <a16:creationId xmlns:a16="http://schemas.microsoft.com/office/drawing/2014/main" id="{DE48C7C5-FC79-441D-A92C-8033BD6FE0BB}"/>
-                  </a:ext>
-                </a:extLst>
-              </p:cNvPr>
-              <p:cNvSpPr txBox="1"/>
-              <p:nvPr/>
-            </p:nvSpPr>
-            <p:spPr>
-              <a:xfrm>
-                <a:off x="2594710" y="4737891"/>
-                <a:ext cx="2771913" cy="355675"/>
-              </a:xfrm>
-              <a:prstGeom prst="rect">
-                <a:avLst/>
-              </a:prstGeom>
-              <a:noFill/>
-            </p:spPr>
-            <p:txBody>
-              <a:bodyPr wrap="none" lIns="0" tIns="0" rIns="0" bIns="0" rtlCol="0">
-                <a:spAutoFit/>
-              </a:bodyPr>
-              <a:lstStyle/>
-              <a:p>
-                <a14:m>
-                  <m:oMathPara xmlns:m="http://schemas.openxmlformats.org/officeDocument/2006/math">
-                    <m:oMathParaPr>
-                      <m:jc m:val="centerGroup"/>
-                    </m:oMathParaPr>
-                    <m:oMath xmlns:m="http://schemas.openxmlformats.org/officeDocument/2006/math">
-                      <m:sSub>
-                        <m:sSubPr>
-                          <m:ctrlPr>
-                            <a:rPr lang="es-PE" i="1" smtClean="0">
-                              <a:latin typeface="Cambria Math" panose="02040503050406030204" pitchFamily="18" charset="0"/>
-                            </a:rPr>
-                          </m:ctrlPr>
-                        </m:sSubPr>
-                        <m:e>
-                          <m:r>
-                            <a:rPr lang="pt-BR" b="0" i="1" smtClean="0">
-                              <a:latin typeface="Cambria Math" panose="02040503050406030204" pitchFamily="18" charset="0"/>
-                            </a:rPr>
-                            <m:t>𝑆</m:t>
-                          </m:r>
-                        </m:e>
-                        <m:sub>
-                          <m:r>
-                            <a:rPr lang="pt-BR" b="0" i="1" smtClean="0">
-                              <a:latin typeface="Cambria Math" panose="02040503050406030204" pitchFamily="18" charset="0"/>
-                            </a:rPr>
-                            <m:t>𝑖𝑗</m:t>
-                          </m:r>
-                        </m:sub>
-                      </m:sSub>
-                      <m:r>
-                        <a:rPr lang="pt-BR" b="0" i="1" smtClean="0">
-                          <a:latin typeface="Cambria Math" panose="02040503050406030204" pitchFamily="18" charset="0"/>
-                        </a:rPr>
-                        <m:t>=</m:t>
-                      </m:r>
-                      <m:sSub>
-                        <m:sSubPr>
-                          <m:ctrlPr>
-                            <a:rPr lang="pt-BR" b="0" i="1" smtClean="0">
-                              <a:latin typeface="Cambria Math" panose="02040503050406030204" pitchFamily="18" charset="0"/>
-                            </a:rPr>
-                          </m:ctrlPr>
-                        </m:sSubPr>
-                        <m:e>
-                          <m:r>
-                            <a:rPr lang="pt-BR" b="0" i="1" smtClean="0">
-                              <a:latin typeface="Cambria Math" panose="02040503050406030204" pitchFamily="18" charset="0"/>
-                            </a:rPr>
-                            <m:t>𝑉</m:t>
-                          </m:r>
-                        </m:e>
-                        <m:sub>
-                          <m:r>
-                            <a:rPr lang="pt-BR" b="0" i="1" smtClean="0">
-                              <a:latin typeface="Cambria Math" panose="02040503050406030204" pitchFamily="18" charset="0"/>
-                            </a:rPr>
-                            <m:t>𝑖</m:t>
-                          </m:r>
-                        </m:sub>
-                      </m:sSub>
-                      <m:sSubSup>
-                        <m:sSubSupPr>
-                          <m:ctrlPr>
-                            <a:rPr lang="pt-BR" b="0" i="1" smtClean="0">
-                              <a:latin typeface="Cambria Math" panose="02040503050406030204" pitchFamily="18" charset="0"/>
-                            </a:rPr>
-                          </m:ctrlPr>
-                        </m:sSubSupPr>
-                        <m:e>
-                          <m:r>
-                            <a:rPr lang="pt-BR" b="0" i="1" smtClean="0">
-                              <a:latin typeface="Cambria Math" panose="02040503050406030204" pitchFamily="18" charset="0"/>
-                            </a:rPr>
-                            <m:t>𝐼</m:t>
-                          </m:r>
-                        </m:e>
-                        <m:sub>
-                          <m:r>
-                            <a:rPr lang="pt-BR" b="0" i="1" smtClean="0">
-                              <a:latin typeface="Cambria Math" panose="02040503050406030204" pitchFamily="18" charset="0"/>
-                            </a:rPr>
-                            <m:t>𝑖𝑗</m:t>
-                          </m:r>
-                        </m:sub>
-                        <m:sup>
-                          <m:r>
-                            <a:rPr lang="pt-BR" b="0" i="1" smtClean="0">
-                              <a:latin typeface="Cambria Math" panose="02040503050406030204" pitchFamily="18" charset="0"/>
-                            </a:rPr>
-                            <m:t>∗</m:t>
-                          </m:r>
-                        </m:sup>
-                      </m:sSubSup>
-                      <m:r>
-                        <a:rPr lang="pt-BR" b="0" i="1" smtClean="0">
-                          <a:latin typeface="Cambria Math" panose="02040503050406030204" pitchFamily="18" charset="0"/>
-                        </a:rPr>
-                        <m:t>=</m:t>
-                      </m:r>
-                      <m:sSub>
-                        <m:sSubPr>
-                          <m:ctrlPr>
-                            <a:rPr lang="pt-BR" b="0" i="1" smtClean="0">
-                              <a:latin typeface="Cambria Math" panose="02040503050406030204" pitchFamily="18" charset="0"/>
-                            </a:rPr>
-                          </m:ctrlPr>
-                        </m:sSubPr>
-                        <m:e>
-                          <m:r>
-                            <a:rPr lang="pt-BR" b="0" i="1" smtClean="0">
-                              <a:latin typeface="Cambria Math" panose="02040503050406030204" pitchFamily="18" charset="0"/>
-                            </a:rPr>
-                            <m:t>𝑉</m:t>
-                          </m:r>
-                        </m:e>
-                        <m:sub>
-                          <m:r>
-                            <a:rPr lang="pt-BR" b="0" i="1" smtClean="0">
-                              <a:latin typeface="Cambria Math" panose="02040503050406030204" pitchFamily="18" charset="0"/>
-                            </a:rPr>
-                            <m:t>𝑖</m:t>
-                          </m:r>
-                        </m:sub>
-                      </m:sSub>
-                      <m:sSubSup>
-                        <m:sSubSupPr>
-                          <m:ctrlPr>
-                            <a:rPr lang="pt-BR" b="0" i="1" smtClean="0">
-                              <a:latin typeface="Cambria Math" panose="02040503050406030204" pitchFamily="18" charset="0"/>
-                            </a:rPr>
-                          </m:ctrlPr>
-                        </m:sSubSupPr>
-                        <m:e>
-                          <m:r>
-                            <a:rPr lang="pt-BR" b="1" i="1" smtClean="0">
-                              <a:latin typeface="Cambria Math" panose="02040503050406030204" pitchFamily="18" charset="0"/>
-                            </a:rPr>
-                            <m:t>𝒀</m:t>
-                          </m:r>
-                        </m:e>
-                        <m:sub>
-                          <m:r>
-                            <a:rPr lang="pt-BR" b="0" i="1" smtClean="0">
-                              <a:latin typeface="Cambria Math" panose="02040503050406030204" pitchFamily="18" charset="0"/>
-                            </a:rPr>
-                            <m:t>𝑖𝑗</m:t>
-                          </m:r>
-                        </m:sub>
-                        <m:sup>
-                          <m:r>
-                            <a:rPr lang="pt-BR" b="0" i="1" smtClean="0">
-                              <a:latin typeface="Cambria Math" panose="02040503050406030204" pitchFamily="18" charset="0"/>
-                            </a:rPr>
-                            <m:t>∗</m:t>
-                          </m:r>
-                        </m:sup>
-                      </m:sSubSup>
-                      <m:sSup>
-                        <m:sSupPr>
-                          <m:ctrlPr>
-                            <a:rPr lang="pt-BR" b="0" i="1" smtClean="0">
-                              <a:latin typeface="Cambria Math" panose="02040503050406030204" pitchFamily="18" charset="0"/>
-                            </a:rPr>
-                          </m:ctrlPr>
-                        </m:sSupPr>
-                        <m:e>
-                          <m:d>
-                            <m:dPr>
-                              <m:ctrlPr>
-                                <a:rPr lang="pt-BR" i="1">
-                                  <a:latin typeface="Cambria Math" panose="02040503050406030204" pitchFamily="18" charset="0"/>
-                                </a:rPr>
-                              </m:ctrlPr>
-                            </m:dPr>
-                            <m:e>
-                              <m:sSub>
-                                <m:sSubPr>
-                                  <m:ctrlPr>
-                                    <a:rPr lang="pt-BR" i="1">
-                                      <a:latin typeface="Cambria Math" panose="02040503050406030204" pitchFamily="18" charset="0"/>
-                                    </a:rPr>
-                                  </m:ctrlPr>
-                                </m:sSubPr>
-                                <m:e>
-                                  <m:r>
-                                    <a:rPr lang="pt-BR" i="1">
-                                      <a:latin typeface="Cambria Math" panose="02040503050406030204" pitchFamily="18" charset="0"/>
-                                    </a:rPr>
-                                    <m:t>𝑉</m:t>
-                                  </m:r>
-                                </m:e>
-                                <m:sub>
-                                  <m:r>
-                                    <a:rPr lang="pt-BR" i="1">
-                                      <a:latin typeface="Cambria Math" panose="02040503050406030204" pitchFamily="18" charset="0"/>
-                                    </a:rPr>
-                                    <m:t>𝑖</m:t>
-                                  </m:r>
-                                </m:sub>
-                              </m:sSub>
-                              <m:r>
-                                <a:rPr lang="pt-BR" i="1">
-                                  <a:latin typeface="Cambria Math" panose="02040503050406030204" pitchFamily="18" charset="0"/>
-                                </a:rPr>
-                                <m:t>−</m:t>
-                              </m:r>
-                              <m:sSub>
-                                <m:sSubPr>
-                                  <m:ctrlPr>
-                                    <a:rPr lang="pt-BR" i="1">
-                                      <a:latin typeface="Cambria Math" panose="02040503050406030204" pitchFamily="18" charset="0"/>
-                                    </a:rPr>
-                                  </m:ctrlPr>
-                                </m:sSubPr>
-                                <m:e>
-                                  <m:r>
-                                    <a:rPr lang="pt-BR" i="1">
-                                      <a:latin typeface="Cambria Math" panose="02040503050406030204" pitchFamily="18" charset="0"/>
-                                    </a:rPr>
-                                    <m:t>𝑉</m:t>
-                                  </m:r>
-                                </m:e>
-                                <m:sub>
-                                  <m:r>
-                                    <a:rPr lang="pt-BR" i="1">
-                                      <a:latin typeface="Cambria Math" panose="02040503050406030204" pitchFamily="18" charset="0"/>
-                                    </a:rPr>
-                                    <m:t>𝑗</m:t>
-                                  </m:r>
-                                </m:sub>
-                              </m:sSub>
-                            </m:e>
-                          </m:d>
-                        </m:e>
-                        <m:sup>
-                          <m:r>
-                            <a:rPr lang="pt-BR" b="0" i="1" smtClean="0">
-                              <a:latin typeface="Cambria Math" panose="02040503050406030204" pitchFamily="18" charset="0"/>
-                            </a:rPr>
-                            <m:t>∗</m:t>
-                          </m:r>
-                        </m:sup>
-                      </m:sSup>
-                    </m:oMath>
-                  </m:oMathPara>
-                </a14:m>
-                <a:endParaRPr lang="es-PE" dirty="0"/>
-              </a:p>
-            </p:txBody>
-          </p:sp>
-        </mc:Choice>
-        <mc:Fallback>
-          <p:sp>
-            <p:nvSpPr>
-              <p:cNvPr id="58" name="CaixaDeTexto 57">
-                <a:extLst>
-                  <a:ext uri="{FF2B5EF4-FFF2-40B4-BE49-F238E27FC236}">
-                    <a16:creationId xmlns:a16="http://schemas.microsoft.com/office/drawing/2014/main" id="{DE48C7C5-FC79-441D-A92C-8033BD6FE0BB}"/>
-                  </a:ext>
-                </a:extLst>
-              </p:cNvPr>
-              <p:cNvSpPr txBox="1">
-                <a:spLocks noRot="1" noChangeAspect="1" noMove="1" noResize="1" noEditPoints="1" noAdjustHandles="1" noChangeArrowheads="1" noChangeShapeType="1" noTextEdit="1"/>
-              </p:cNvSpPr>
-              <p:nvPr/>
-            </p:nvSpPr>
-            <p:spPr>
-              <a:xfrm>
-                <a:off x="2594710" y="4737891"/>
-                <a:ext cx="2771913" cy="355675"/>
-              </a:xfrm>
-              <a:prstGeom prst="rect">
-                <a:avLst/>
-              </a:prstGeom>
-              <a:blipFill>
-                <a:blip r:embed="rId7"/>
-                <a:stretch>
-                  <a:fillRect l="-1762" r="-220" b="-20339"/>
-                </a:stretch>
-              </a:blipFill>
-            </p:spPr>
-            <p:txBody>
-              <a:bodyPr/>
-              <a:lstStyle/>
-              <a:p>
-                <a:r>
-                  <a:rPr lang="es-PE">
-                    <a:noFill/>
-                  </a:rPr>
-                  <a:t> </a:t>
-                </a:r>
-              </a:p>
-            </p:txBody>
-          </p:sp>
-        </mc:Fallback>
-      </mc:AlternateContent>
-      <mc:AlternateContent xmlns:mc="http://schemas.openxmlformats.org/markup-compatibility/2006">
-        <mc:Choice xmlns:a14="http://schemas.microsoft.com/office/drawing/2010/main" Requires="a14">
-          <p:sp>
-            <p:nvSpPr>
-              <p:cNvPr id="60" name="CaixaDeTexto 59">
-                <a:extLst>
-                  <a:ext uri="{FF2B5EF4-FFF2-40B4-BE49-F238E27FC236}">
-                    <a16:creationId xmlns:a16="http://schemas.microsoft.com/office/drawing/2014/main" id="{0CBA035F-58F6-4EC1-8094-4564658BD93F}"/>
-                  </a:ext>
-                </a:extLst>
-              </p:cNvPr>
-              <p:cNvSpPr txBox="1"/>
-              <p:nvPr/>
-            </p:nvSpPr>
-            <p:spPr>
-              <a:xfrm>
-                <a:off x="6012160" y="4737891"/>
-                <a:ext cx="2841804" cy="355675"/>
-              </a:xfrm>
-              <a:prstGeom prst="rect">
-                <a:avLst/>
-              </a:prstGeom>
-              <a:noFill/>
-            </p:spPr>
-            <p:txBody>
-              <a:bodyPr wrap="none" lIns="0" tIns="0" rIns="0" bIns="0" rtlCol="0">
-                <a:spAutoFit/>
-              </a:bodyPr>
-              <a:lstStyle/>
-              <a:p>
-                <a14:m>
-                  <m:oMathPara xmlns:m="http://schemas.openxmlformats.org/officeDocument/2006/math">
-                    <m:oMathParaPr>
-                      <m:jc m:val="centerGroup"/>
-                    </m:oMathParaPr>
-                    <m:oMath xmlns:m="http://schemas.openxmlformats.org/officeDocument/2006/math">
-                      <m:sSub>
-                        <m:sSubPr>
-                          <m:ctrlPr>
-                            <a:rPr lang="es-PE" i="1" smtClean="0">
-                              <a:latin typeface="Cambria Math" panose="02040503050406030204" pitchFamily="18" charset="0"/>
-                            </a:rPr>
-                          </m:ctrlPr>
-                        </m:sSubPr>
-                        <m:e>
-                          <m:r>
-                            <a:rPr lang="pt-BR" b="0" i="1" smtClean="0">
-                              <a:latin typeface="Cambria Math" panose="02040503050406030204" pitchFamily="18" charset="0"/>
-                            </a:rPr>
-                            <m:t>𝑆</m:t>
-                          </m:r>
-                        </m:e>
-                        <m:sub>
-                          <m:r>
-                            <a:rPr lang="pt-BR" b="0" i="1" smtClean="0">
-                              <a:latin typeface="Cambria Math" panose="02040503050406030204" pitchFamily="18" charset="0"/>
-                            </a:rPr>
-                            <m:t>𝑗𝑖</m:t>
-                          </m:r>
-                        </m:sub>
-                      </m:sSub>
-                      <m:r>
-                        <a:rPr lang="pt-BR" b="0" i="1" smtClean="0">
-                          <a:latin typeface="Cambria Math" panose="02040503050406030204" pitchFamily="18" charset="0"/>
-                        </a:rPr>
-                        <m:t>=</m:t>
-                      </m:r>
-                      <m:sSub>
-                        <m:sSubPr>
-                          <m:ctrlPr>
-                            <a:rPr lang="pt-BR" b="0" i="1" smtClean="0">
-                              <a:latin typeface="Cambria Math" panose="02040503050406030204" pitchFamily="18" charset="0"/>
-                            </a:rPr>
-                          </m:ctrlPr>
-                        </m:sSubPr>
-                        <m:e>
-                          <m:r>
-                            <a:rPr lang="pt-BR" b="0" i="1" smtClean="0">
-                              <a:latin typeface="Cambria Math" panose="02040503050406030204" pitchFamily="18" charset="0"/>
-                            </a:rPr>
-                            <m:t>𝑉</m:t>
-                          </m:r>
-                        </m:e>
-                        <m:sub>
-                          <m:r>
-                            <a:rPr lang="pt-BR" b="0" i="1" smtClean="0">
-                              <a:latin typeface="Cambria Math" panose="02040503050406030204" pitchFamily="18" charset="0"/>
-                            </a:rPr>
-                            <m:t>𝑗</m:t>
-                          </m:r>
-                        </m:sub>
-                      </m:sSub>
-                      <m:sSubSup>
-                        <m:sSubSupPr>
-                          <m:ctrlPr>
-                            <a:rPr lang="pt-BR" b="0" i="1" smtClean="0">
-                              <a:latin typeface="Cambria Math" panose="02040503050406030204" pitchFamily="18" charset="0"/>
-                            </a:rPr>
-                          </m:ctrlPr>
-                        </m:sSubSupPr>
-                        <m:e>
-                          <m:r>
-                            <a:rPr lang="pt-BR" b="0" i="1" smtClean="0">
-                              <a:latin typeface="Cambria Math" panose="02040503050406030204" pitchFamily="18" charset="0"/>
-                            </a:rPr>
-                            <m:t>𝐼</m:t>
-                          </m:r>
-                        </m:e>
-                        <m:sub>
-                          <m:r>
-                            <a:rPr lang="pt-BR" b="0" i="1" smtClean="0">
-                              <a:latin typeface="Cambria Math" panose="02040503050406030204" pitchFamily="18" charset="0"/>
-                            </a:rPr>
-                            <m:t>𝑖𝑗</m:t>
-                          </m:r>
-                        </m:sub>
-                        <m:sup>
-                          <m:r>
-                            <a:rPr lang="pt-BR" b="0" i="1" smtClean="0">
-                              <a:latin typeface="Cambria Math" panose="02040503050406030204" pitchFamily="18" charset="0"/>
-                            </a:rPr>
-                            <m:t>∗</m:t>
-                          </m:r>
-                        </m:sup>
-                      </m:sSubSup>
-                      <m:r>
-                        <a:rPr lang="pt-BR" b="0" i="1" smtClean="0">
-                          <a:latin typeface="Cambria Math" panose="02040503050406030204" pitchFamily="18" charset="0"/>
-                        </a:rPr>
-                        <m:t>=</m:t>
-                      </m:r>
-                      <m:sSub>
-                        <m:sSubPr>
-                          <m:ctrlPr>
-                            <a:rPr lang="pt-BR" b="0" i="1" smtClean="0">
-                              <a:latin typeface="Cambria Math" panose="02040503050406030204" pitchFamily="18" charset="0"/>
-                            </a:rPr>
-                          </m:ctrlPr>
-                        </m:sSubPr>
-                        <m:e>
-                          <m:r>
-                            <a:rPr lang="pt-BR" b="0" i="1" smtClean="0">
-                              <a:latin typeface="Cambria Math" panose="02040503050406030204" pitchFamily="18" charset="0"/>
-                            </a:rPr>
-                            <m:t>𝑉</m:t>
-                          </m:r>
-                        </m:e>
-                        <m:sub>
-                          <m:r>
-                            <a:rPr lang="pt-BR" b="0" i="1" smtClean="0">
-                              <a:latin typeface="Cambria Math" panose="02040503050406030204" pitchFamily="18" charset="0"/>
-                            </a:rPr>
-                            <m:t>𝑗</m:t>
-                          </m:r>
-                        </m:sub>
-                      </m:sSub>
-                      <m:sSubSup>
-                        <m:sSubSupPr>
-                          <m:ctrlPr>
-                            <a:rPr lang="pt-BR" b="0" i="1" smtClean="0">
-                              <a:latin typeface="Cambria Math" panose="02040503050406030204" pitchFamily="18" charset="0"/>
-                            </a:rPr>
-                          </m:ctrlPr>
-                        </m:sSubSupPr>
-                        <m:e>
-                          <m:r>
-                            <a:rPr lang="pt-BR" b="1" i="1" smtClean="0">
-                              <a:latin typeface="Cambria Math" panose="02040503050406030204" pitchFamily="18" charset="0"/>
-                            </a:rPr>
-                            <m:t>𝒀</m:t>
-                          </m:r>
-                        </m:e>
-                        <m:sub>
-                          <m:r>
-                            <a:rPr lang="pt-BR" b="0" i="1" smtClean="0">
-                              <a:latin typeface="Cambria Math" panose="02040503050406030204" pitchFamily="18" charset="0"/>
-                            </a:rPr>
-                            <m:t>𝑖𝑗</m:t>
-                          </m:r>
-                        </m:sub>
-                        <m:sup>
-                          <m:r>
-                            <a:rPr lang="pt-BR" b="0" i="1" smtClean="0">
-                              <a:latin typeface="Cambria Math" panose="02040503050406030204" pitchFamily="18" charset="0"/>
-                            </a:rPr>
-                            <m:t>∗</m:t>
-                          </m:r>
-                        </m:sup>
-                      </m:sSubSup>
-                      <m:sSup>
-                        <m:sSupPr>
-                          <m:ctrlPr>
-                            <a:rPr lang="pt-BR" b="0" i="1" smtClean="0">
-                              <a:latin typeface="Cambria Math" panose="02040503050406030204" pitchFamily="18" charset="0"/>
-                            </a:rPr>
-                          </m:ctrlPr>
-                        </m:sSupPr>
-                        <m:e>
-                          <m:d>
-                            <m:dPr>
-                              <m:ctrlPr>
-                                <a:rPr lang="pt-BR" i="1">
-                                  <a:latin typeface="Cambria Math" panose="02040503050406030204" pitchFamily="18" charset="0"/>
-                                </a:rPr>
-                              </m:ctrlPr>
-                            </m:dPr>
-                            <m:e>
-                              <m:sSub>
-                                <m:sSubPr>
-                                  <m:ctrlPr>
-                                    <a:rPr lang="pt-BR" i="1">
-                                      <a:latin typeface="Cambria Math" panose="02040503050406030204" pitchFamily="18" charset="0"/>
-                                    </a:rPr>
-                                  </m:ctrlPr>
-                                </m:sSubPr>
-                                <m:e>
-                                  <m:r>
-                                    <a:rPr lang="pt-BR" i="1">
-                                      <a:latin typeface="Cambria Math" panose="02040503050406030204" pitchFamily="18" charset="0"/>
-                                    </a:rPr>
-                                    <m:t>𝑉</m:t>
-                                  </m:r>
-                                </m:e>
-                                <m:sub>
-                                  <m:r>
-                                    <a:rPr lang="pt-BR" i="1">
-                                      <a:latin typeface="Cambria Math" panose="02040503050406030204" pitchFamily="18" charset="0"/>
-                                    </a:rPr>
-                                    <m:t>𝑖</m:t>
-                                  </m:r>
-                                </m:sub>
-                              </m:sSub>
-                              <m:r>
-                                <a:rPr lang="pt-BR" i="1">
-                                  <a:latin typeface="Cambria Math" panose="02040503050406030204" pitchFamily="18" charset="0"/>
-                                </a:rPr>
-                                <m:t>−</m:t>
-                              </m:r>
-                              <m:sSub>
-                                <m:sSubPr>
-                                  <m:ctrlPr>
-                                    <a:rPr lang="pt-BR" i="1">
-                                      <a:latin typeface="Cambria Math" panose="02040503050406030204" pitchFamily="18" charset="0"/>
-                                    </a:rPr>
-                                  </m:ctrlPr>
-                                </m:sSubPr>
-                                <m:e>
-                                  <m:r>
-                                    <a:rPr lang="pt-BR" i="1">
-                                      <a:latin typeface="Cambria Math" panose="02040503050406030204" pitchFamily="18" charset="0"/>
-                                    </a:rPr>
-                                    <m:t>𝑉</m:t>
-                                  </m:r>
-                                </m:e>
-                                <m:sub>
-                                  <m:r>
-                                    <a:rPr lang="pt-BR" i="1">
-                                      <a:latin typeface="Cambria Math" panose="02040503050406030204" pitchFamily="18" charset="0"/>
-                                    </a:rPr>
-                                    <m:t>𝑗</m:t>
-                                  </m:r>
-                                </m:sub>
-                              </m:sSub>
-                            </m:e>
-                          </m:d>
-                        </m:e>
-                        <m:sup>
-                          <m:r>
-                            <a:rPr lang="pt-BR" b="0" i="1" smtClean="0">
-                              <a:latin typeface="Cambria Math" panose="02040503050406030204" pitchFamily="18" charset="0"/>
-                            </a:rPr>
-                            <m:t>∗</m:t>
-                          </m:r>
-                        </m:sup>
-                      </m:sSup>
-                    </m:oMath>
-                  </m:oMathPara>
-                </a14:m>
-                <a:endParaRPr lang="es-PE" dirty="0"/>
-              </a:p>
-            </p:txBody>
-          </p:sp>
-        </mc:Choice>
-        <mc:Fallback>
-          <p:sp>
-            <p:nvSpPr>
-              <p:cNvPr id="60" name="CaixaDeTexto 59">
-                <a:extLst>
-                  <a:ext uri="{FF2B5EF4-FFF2-40B4-BE49-F238E27FC236}">
-                    <a16:creationId xmlns:a16="http://schemas.microsoft.com/office/drawing/2014/main" id="{0CBA035F-58F6-4EC1-8094-4564658BD93F}"/>
-                  </a:ext>
-                </a:extLst>
-              </p:cNvPr>
-              <p:cNvSpPr txBox="1">
-                <a:spLocks noRot="1" noChangeAspect="1" noMove="1" noResize="1" noEditPoints="1" noAdjustHandles="1" noChangeArrowheads="1" noChangeShapeType="1" noTextEdit="1"/>
-              </p:cNvSpPr>
-              <p:nvPr/>
-            </p:nvSpPr>
-            <p:spPr>
-              <a:xfrm>
-                <a:off x="6012160" y="4737891"/>
-                <a:ext cx="2841804" cy="355675"/>
-              </a:xfrm>
-              <a:prstGeom prst="rect">
-                <a:avLst/>
-              </a:prstGeom>
-              <a:blipFill>
-                <a:blip r:embed="rId8"/>
-                <a:stretch>
-                  <a:fillRect b="-20339"/>
-                </a:stretch>
-              </a:blipFill>
-            </p:spPr>
-            <p:txBody>
-              <a:bodyPr/>
-              <a:lstStyle/>
-              <a:p>
-                <a:r>
-                  <a:rPr lang="es-PE">
-                    <a:noFill/>
-                  </a:rPr>
-                  <a:t> </a:t>
-                </a:r>
-              </a:p>
-            </p:txBody>
-          </p:sp>
-        </mc:Fallback>
-      </mc:AlternateContent>
-      <mc:AlternateContent xmlns:mc="http://schemas.openxmlformats.org/markup-compatibility/2006">
-        <mc:Choice xmlns:a14="http://schemas.microsoft.com/office/drawing/2010/main" Requires="a14">
-          <p:sp>
-            <p:nvSpPr>
-              <p:cNvPr id="26" name="CaixaDeTexto 25">
-                <a:extLst>
-                  <a:ext uri="{FF2B5EF4-FFF2-40B4-BE49-F238E27FC236}">
-                    <a16:creationId xmlns:a16="http://schemas.microsoft.com/office/drawing/2014/main" id="{02A56800-6DC3-4F8B-BB97-95D254ECAA5F}"/>
-                  </a:ext>
-                </a:extLst>
-              </p:cNvPr>
-              <p:cNvSpPr txBox="1"/>
-              <p:nvPr/>
-            </p:nvSpPr>
-            <p:spPr>
-              <a:xfrm>
-                <a:off x="5515465" y="4731063"/>
-                <a:ext cx="347852" cy="430887"/>
-              </a:xfrm>
-              <a:prstGeom prst="rect">
-                <a:avLst/>
-              </a:prstGeom>
-              <a:noFill/>
-            </p:spPr>
-            <p:txBody>
-              <a:bodyPr wrap="none" lIns="0" tIns="0" rIns="0" bIns="0" rtlCol="0">
-                <a:spAutoFit/>
-              </a:bodyPr>
-              <a:lstStyle/>
-              <a:p>
-                <a14:m>
-                  <m:oMathPara xmlns:m="http://schemas.openxmlformats.org/officeDocument/2006/math">
-                    <m:oMathParaPr>
-                      <m:jc m:val="centerGroup"/>
-                    </m:oMathParaPr>
-                    <m:oMath xmlns:m="http://schemas.openxmlformats.org/officeDocument/2006/math">
-                      <m:r>
-                        <a:rPr lang="es-PE" sz="2800" i="1" smtClean="0">
-                          <a:solidFill>
-                            <a:srgbClr val="FF0000"/>
-                          </a:solidFill>
-                          <a:latin typeface="Cambria Math" panose="02040503050406030204" pitchFamily="18" charset="0"/>
-                          <a:ea typeface="Cambria Math" panose="02040503050406030204" pitchFamily="18" charset="0"/>
-                        </a:rPr>
-                        <m:t>≠</m:t>
-                      </m:r>
-                    </m:oMath>
-                  </m:oMathPara>
-                </a14:m>
-                <a:endParaRPr lang="es-PE" sz="2800" dirty="0">
-                  <a:solidFill>
-                    <a:srgbClr val="FF0000"/>
-                  </a:solidFill>
-                </a:endParaRPr>
-              </a:p>
-            </p:txBody>
-          </p:sp>
-        </mc:Choice>
-        <mc:Fallback>
-          <p:sp>
-            <p:nvSpPr>
-              <p:cNvPr id="26" name="CaixaDeTexto 25">
-                <a:extLst>
-                  <a:ext uri="{FF2B5EF4-FFF2-40B4-BE49-F238E27FC236}">
-                    <a16:creationId xmlns:a16="http://schemas.microsoft.com/office/drawing/2014/main" id="{02A56800-6DC3-4F8B-BB97-95D254ECAA5F}"/>
-                  </a:ext>
-                </a:extLst>
-              </p:cNvPr>
-              <p:cNvSpPr txBox="1">
-                <a:spLocks noRot="1" noChangeAspect="1" noMove="1" noResize="1" noEditPoints="1" noAdjustHandles="1" noChangeArrowheads="1" noChangeShapeType="1" noTextEdit="1"/>
-              </p:cNvSpPr>
-              <p:nvPr/>
-            </p:nvSpPr>
-            <p:spPr>
-              <a:xfrm>
-                <a:off x="5515465" y="4731063"/>
-                <a:ext cx="347852" cy="430887"/>
-              </a:xfrm>
-              <a:prstGeom prst="rect">
-                <a:avLst/>
-              </a:prstGeom>
-              <a:blipFill>
-                <a:blip r:embed="rId9"/>
-                <a:stretch>
-                  <a:fillRect/>
-                </a:stretch>
-              </a:blipFill>
-            </p:spPr>
-            <p:txBody>
-              <a:bodyPr/>
-              <a:lstStyle/>
-              <a:p>
-                <a:r>
-                  <a:rPr lang="es-PE">
-                    <a:noFill/>
-                  </a:rPr>
-                  <a:t> </a:t>
-                </a:r>
-              </a:p>
-            </p:txBody>
-          </p:sp>
-        </mc:Fallback>
-      </mc:AlternateContent>
-      <p:sp>
-        <p:nvSpPr>
-          <p:cNvPr id="28" name="CaixaDeTexto 27">
-            <a:extLst>
-              <a:ext uri="{FF2B5EF4-FFF2-40B4-BE49-F238E27FC236}">
-                <a16:creationId xmlns:a16="http://schemas.microsoft.com/office/drawing/2014/main" id="{B1D667E9-BDD6-4BC6-90A1-D65F379ADA85}"/>
-              </a:ext>
-            </a:extLst>
-          </p:cNvPr>
-          <p:cNvSpPr txBox="1"/>
-          <p:nvPr/>
-        </p:nvSpPr>
-        <p:spPr>
-          <a:xfrm>
-            <a:off x="5169056" y="4132730"/>
-            <a:ext cx="1040670" cy="646331"/>
-          </a:xfrm>
-          <a:prstGeom prst="rect">
-            <a:avLst/>
-          </a:prstGeom>
-          <a:noFill/>
-        </p:spPr>
-        <p:txBody>
-          <a:bodyPr wrap="none" rtlCol="0">
-            <a:spAutoFit/>
-          </a:bodyPr>
-          <a:lstStyle/>
-          <a:p>
-            <a:pPr algn="ctr"/>
-            <a:r>
-              <a:rPr lang="es-PE" dirty="0">
-                <a:solidFill>
-                  <a:srgbClr val="FF0000"/>
-                </a:solidFill>
-              </a:rPr>
-              <a:t>Perdidas </a:t>
-            </a:r>
-          </a:p>
-          <a:p>
-            <a:pPr algn="ctr"/>
-            <a:r>
-              <a:rPr lang="es-PE" dirty="0">
-                <a:solidFill>
-                  <a:srgbClr val="FF0000"/>
-                </a:solidFill>
-              </a:rPr>
-              <a:t>de energía</a:t>
-            </a:r>
-          </a:p>
-        </p:txBody>
-      </p:sp>
-    </p:spTree>
-    <p:extLst>
-      <p:ext uri="{BB962C8B-B14F-4D97-AF65-F5344CB8AC3E}">
-        <p14:creationId xmlns:p14="http://schemas.microsoft.com/office/powerpoint/2010/main" val="1089826976"/>
       </p:ext>
     </p:extLst>
   </p:cSld>

--- a/1. Lectures/Introducción a la Optimización aplicada a Sistemas de Energía Eléctrica/Dia 2/5. Power Flow.pptx
+++ b/1. Lectures/Introducción a la Optimización aplicada a Sistemas de Energía Eléctrica/Dia 2/5. Power Flow.pptx
@@ -5,10 +5,10 @@
     <p:sldMasterId id="2147483732" r:id="rId1"/>
   </p:sldMasterIdLst>
   <p:notesMasterIdLst>
-    <p:notesMasterId r:id="rId17"/>
+    <p:notesMasterId r:id="rId16"/>
   </p:notesMasterIdLst>
   <p:handoutMasterIdLst>
-    <p:handoutMasterId r:id="rId18"/>
+    <p:handoutMasterId r:id="rId17"/>
   </p:handoutMasterIdLst>
   <p:sldIdLst>
     <p:sldId id="256" r:id="rId2"/>
@@ -20,12 +20,11 @@
     <p:sldId id="397" r:id="rId8"/>
     <p:sldId id="403" r:id="rId9"/>
     <p:sldId id="398" r:id="rId10"/>
-    <p:sldId id="400" r:id="rId11"/>
-    <p:sldId id="401" r:id="rId12"/>
-    <p:sldId id="402" r:id="rId13"/>
-    <p:sldId id="404" r:id="rId14"/>
-    <p:sldId id="405" r:id="rId15"/>
-    <p:sldId id="305" r:id="rId16"/>
+    <p:sldId id="401" r:id="rId11"/>
+    <p:sldId id="402" r:id="rId12"/>
+    <p:sldId id="404" r:id="rId13"/>
+    <p:sldId id="405" r:id="rId14"/>
+    <p:sldId id="305" r:id="rId15"/>
   </p:sldIdLst>
   <p:sldSz cx="9144000" cy="6858000" type="screen4x3"/>
   <p:notesSz cx="6858000" cy="9144000"/>
@@ -138,7 +137,6 @@
             <p14:sldId id="397"/>
             <p14:sldId id="403"/>
             <p14:sldId id="398"/>
-            <p14:sldId id="400"/>
             <p14:sldId id="401"/>
             <p14:sldId id="402"/>
             <p14:sldId id="404"/>
@@ -252,7 +250,7 @@
             <a:fld id="{20597DA6-5F4F-42D3-8A01-E860A9714D40}" type="datetimeFigureOut">
               <a:rPr lang="es-ES" smtClean="0"/>
               <a:pPr/>
-              <a:t>15/03/2019</a:t>
+              <a:t>16/03/2019</a:t>
             </a:fld>
             <a:endParaRPr lang="es-ES"/>
           </a:p>
@@ -423,7 +421,7 @@
             <a:fld id="{D23D6ABD-B407-4DBB-94E4-3909D8A64036}" type="datetimeFigureOut">
               <a:rPr lang="es-ES" smtClean="0"/>
               <a:pPr/>
-              <a:t>15/03/2019</a:t>
+              <a:t>16/03/2019</a:t>
             </a:fld>
             <a:endParaRPr lang="es-ES"/>
           </a:p>
@@ -5361,259 +5359,19 @@
           <a:p>
             <a:r>
               <a:rPr lang="es-PE" altLang="en-US" dirty="0"/>
-              <a:t>Línea de transmisión: Modelo impedancia serie</a:t>
+              <a:t>Línea de transmisión: Modelo “Pi”</a:t>
             </a:r>
           </a:p>
         </p:txBody>
       </p:sp>
-      <mc:AlternateContent xmlns:mc="http://schemas.openxmlformats.org/markup-compatibility/2006" xmlns:a14="http://schemas.microsoft.com/office/drawing/2010/main">
-        <mc:Choice Requires="a14">
+      <mc:AlternateContent xmlns:mc="http://schemas.openxmlformats.org/markup-compatibility/2006">
+        <mc:Choice xmlns:a14="http://schemas.microsoft.com/office/drawing/2010/main" Requires="a14">
           <p:sp>
             <p:nvSpPr>
-              <p:cNvPr id="4" name="Retângulo 3">
+              <p:cNvPr id="24" name="CaixaDeTexto 23">
                 <a:extLst>
                   <a:ext uri="{FF2B5EF4-FFF2-40B4-BE49-F238E27FC236}">
-                    <a16:creationId xmlns:a16="http://schemas.microsoft.com/office/drawing/2014/main" id="{82427D91-6E57-4FCC-A029-F1ECE99B7202}"/>
-                  </a:ext>
-                </a:extLst>
-              </p:cNvPr>
-              <p:cNvSpPr/>
-              <p:nvPr/>
-            </p:nvSpPr>
-            <p:spPr>
-              <a:xfrm>
-                <a:off x="3995936" y="1387704"/>
-                <a:ext cx="1152128" cy="457120"/>
-              </a:xfrm>
-              <a:prstGeom prst="rect">
-                <a:avLst/>
-              </a:prstGeom>
-              <a:noFill/>
-              <a:ln w="28575" cap="flat" cmpd="sng" algn="ctr">
-                <a:solidFill>
-                  <a:schemeClr val="dk1"/>
-                </a:solidFill>
-                <a:prstDash val="solid"/>
-                <a:round/>
-                <a:headEnd type="none" w="med" len="med"/>
-                <a:tailEnd type="none" w="med" len="med"/>
-              </a:ln>
-            </p:spPr>
-            <p:style>
-              <a:lnRef idx="0">
-                <a:scrgbClr r="0" g="0" b="0"/>
-              </a:lnRef>
-              <a:fillRef idx="0">
-                <a:scrgbClr r="0" g="0" b="0"/>
-              </a:fillRef>
-              <a:effectRef idx="0">
-                <a:scrgbClr r="0" g="0" b="0"/>
-              </a:effectRef>
-              <a:fontRef idx="minor">
-                <a:schemeClr val="dk1"/>
-              </a:fontRef>
-            </p:style>
-            <p:txBody>
-              <a:bodyPr rtlCol="0" anchor="ctr"/>
-              <a:lstStyle/>
-              <a:p>
-                <a:pPr algn="ctr"/>
-                <a14:m>
-                  <m:oMathPara xmlns:m="http://schemas.openxmlformats.org/officeDocument/2006/math">
-                    <m:oMathParaPr>
-                      <m:jc m:val="centerGroup"/>
-                    </m:oMathParaPr>
-                    <m:oMath xmlns:m="http://schemas.openxmlformats.org/officeDocument/2006/math">
-                      <m:sSub>
-                        <m:sSubPr>
-                          <m:ctrlPr>
-                            <a:rPr lang="es-PE" i="1" smtClean="0">
-                              <a:latin typeface="Cambria Math" panose="02040503050406030204" pitchFamily="18" charset="0"/>
-                            </a:rPr>
-                          </m:ctrlPr>
-                        </m:sSubPr>
-                        <m:e>
-                          <m:r>
-                            <a:rPr lang="pt-BR" b="1" i="1" smtClean="0">
-                              <a:latin typeface="Cambria Math" panose="02040503050406030204" pitchFamily="18" charset="0"/>
-                            </a:rPr>
-                            <m:t>𝒀</m:t>
-                          </m:r>
-                        </m:e>
-                        <m:sub>
-                          <m:r>
-                            <a:rPr lang="pt-BR" b="0" i="1" smtClean="0">
-                              <a:latin typeface="Cambria Math" panose="02040503050406030204" pitchFamily="18" charset="0"/>
-                            </a:rPr>
-                            <m:t>𝑖𝑗</m:t>
-                          </m:r>
-                        </m:sub>
-                      </m:sSub>
-                    </m:oMath>
-                  </m:oMathPara>
-                </a14:m>
-                <a:endParaRPr lang="es-PE" dirty="0"/>
-              </a:p>
-            </p:txBody>
-          </p:sp>
-        </mc:Choice>
-        <mc:Fallback xmlns="">
-          <p:sp>
-            <p:nvSpPr>
-              <p:cNvPr id="4" name="Retângulo 3">
-                <a:extLst>
-                  <a:ext uri="{FF2B5EF4-FFF2-40B4-BE49-F238E27FC236}">
-                    <a16:creationId xmlns:a16="http://schemas.microsoft.com/office/drawing/2014/main" id="{82427D91-6E57-4FCC-A029-F1ECE99B7202}"/>
-                  </a:ext>
-                </a:extLst>
-              </p:cNvPr>
-              <p:cNvSpPr>
-                <a:spLocks noRot="1" noChangeAspect="1" noMove="1" noResize="1" noEditPoints="1" noAdjustHandles="1" noChangeArrowheads="1" noChangeShapeType="1" noTextEdit="1"/>
-              </p:cNvSpPr>
-              <p:nvPr/>
-            </p:nvSpPr>
-            <p:spPr>
-              <a:xfrm>
-                <a:off x="3995936" y="1387704"/>
-                <a:ext cx="1152128" cy="457120"/>
-              </a:xfrm>
-              <a:prstGeom prst="rect">
-                <a:avLst/>
-              </a:prstGeom>
-              <a:blipFill>
-                <a:blip r:embed="rId2"/>
-                <a:stretch>
-                  <a:fillRect/>
-                </a:stretch>
-              </a:blipFill>
-              <a:ln w="28575" cap="flat" cmpd="sng" algn="ctr">
-                <a:solidFill>
-                  <a:schemeClr val="dk1"/>
-                </a:solidFill>
-                <a:prstDash val="solid"/>
-                <a:round/>
-                <a:headEnd type="none" w="med" len="med"/>
-                <a:tailEnd type="none" w="med" len="med"/>
-              </a:ln>
-            </p:spPr>
-            <p:txBody>
-              <a:bodyPr/>
-              <a:lstStyle/>
-              <a:p>
-                <a:r>
-                  <a:rPr lang="es-PE">
-                    <a:noFill/>
-                  </a:rPr>
-                  <a:t> </a:t>
-                </a:r>
-              </a:p>
-            </p:txBody>
-          </p:sp>
-        </mc:Fallback>
-      </mc:AlternateContent>
-      <p:sp>
-        <p:nvSpPr>
-          <p:cNvPr id="5" name="Elipse 4">
-            <a:extLst>
-              <a:ext uri="{FF2B5EF4-FFF2-40B4-BE49-F238E27FC236}">
-                <a16:creationId xmlns:a16="http://schemas.microsoft.com/office/drawing/2014/main" id="{96536000-70A4-48B9-8F01-E78DE9087F9B}"/>
-              </a:ext>
-            </a:extLst>
-          </p:cNvPr>
-          <p:cNvSpPr/>
-          <p:nvPr/>
-        </p:nvSpPr>
-        <p:spPr>
-          <a:xfrm>
-            <a:off x="7668344" y="1508252"/>
-            <a:ext cx="216024" cy="216024"/>
-          </a:xfrm>
-          <a:prstGeom prst="ellipse">
-            <a:avLst/>
-          </a:prstGeom>
-          <a:noFill/>
-          <a:ln w="28575" cap="flat" cmpd="sng" algn="ctr">
-            <a:solidFill>
-              <a:schemeClr val="dk1"/>
-            </a:solidFill>
-            <a:prstDash val="solid"/>
-            <a:round/>
-            <a:headEnd type="none" w="med" len="med"/>
-            <a:tailEnd type="none" w="med" len="med"/>
-          </a:ln>
-        </p:spPr>
-        <p:style>
-          <a:lnRef idx="0">
-            <a:scrgbClr r="0" g="0" b="0"/>
-          </a:lnRef>
-          <a:fillRef idx="0">
-            <a:scrgbClr r="0" g="0" b="0"/>
-          </a:fillRef>
-          <a:effectRef idx="0">
-            <a:scrgbClr r="0" g="0" b="0"/>
-          </a:effectRef>
-          <a:fontRef idx="minor">
-            <a:schemeClr val="dk1"/>
-          </a:fontRef>
-        </p:style>
-        <p:txBody>
-          <a:bodyPr rtlCol="0" anchor="ctr"/>
-          <a:lstStyle/>
-          <a:p>
-            <a:pPr algn="ctr"/>
-            <a:endParaRPr lang="es-PE"/>
-          </a:p>
-        </p:txBody>
-      </p:sp>
-      <p:cxnSp>
-        <p:nvCxnSpPr>
-          <p:cNvPr id="10" name="Conector reto 9">
-            <a:extLst>
-              <a:ext uri="{FF2B5EF4-FFF2-40B4-BE49-F238E27FC236}">
-                <a16:creationId xmlns:a16="http://schemas.microsoft.com/office/drawing/2014/main" id="{B69E918F-931E-484D-B43D-760D75FB38A3}"/>
-              </a:ext>
-            </a:extLst>
-          </p:cNvPr>
-          <p:cNvCxnSpPr>
-            <a:cxnSpLocks/>
-            <a:stCxn id="5" idx="2"/>
-            <a:endCxn id="4" idx="3"/>
-          </p:cNvCxnSpPr>
-          <p:nvPr/>
-        </p:nvCxnSpPr>
-        <p:spPr>
-          <a:xfrm flipH="1">
-            <a:off x="5148064" y="1616264"/>
-            <a:ext cx="2520280" cy="0"/>
-          </a:xfrm>
-          <a:prstGeom prst="line">
-            <a:avLst/>
-          </a:prstGeom>
-          <a:ln w="28575"/>
-        </p:spPr>
-        <p:style>
-          <a:lnRef idx="1">
-            <a:schemeClr val="dk1"/>
-          </a:lnRef>
-          <a:fillRef idx="0">
-            <a:schemeClr val="dk1"/>
-          </a:fillRef>
-          <a:effectRef idx="0">
-            <a:schemeClr val="dk1"/>
-          </a:effectRef>
-          <a:fontRef idx="minor">
-            <a:schemeClr val="tx1"/>
-          </a:fontRef>
-        </p:style>
-      </p:cxnSp>
-      <mc:AlternateContent xmlns:mc="http://schemas.openxmlformats.org/markup-compatibility/2006" xmlns:a14="http://schemas.microsoft.com/office/drawing/2010/main">
-        <mc:Choice Requires="a14">
-          <p:sp>
-            <p:nvSpPr>
-              <p:cNvPr id="13" name="CaixaDeTexto 12">
-                <a:extLst>
-                  <a:ext uri="{FF2B5EF4-FFF2-40B4-BE49-F238E27FC236}">
-                    <a16:creationId xmlns:a16="http://schemas.microsoft.com/office/drawing/2014/main" id="{EF091E1B-B075-43B1-8374-516CCA695777}"/>
+                    <a16:creationId xmlns:a16="http://schemas.microsoft.com/office/drawing/2014/main" id="{F70545E6-D70D-4994-A102-2E80DC080479}"/>
                   </a:ext>
                 </a:extLst>
               </p:cNvPr>
@@ -5622,8 +5380,8 @@
             </p:nvSpPr>
             <p:spPr>
               <a:xfrm>
-                <a:off x="7683719" y="1197736"/>
-                <a:ext cx="238270" cy="299313"/>
+                <a:off x="622695" y="2490300"/>
+                <a:ext cx="3399392" cy="395621"/>
               </a:xfrm>
               <a:prstGeom prst="rect">
                 <a:avLst/>
@@ -5631,58 +5389,128 @@
               <a:noFill/>
             </p:spPr>
             <p:txBody>
-              <a:bodyPr wrap="none" lIns="0" tIns="0" rIns="0" bIns="0" rtlCol="0">
+              <a:bodyPr wrap="none" rtlCol="0">
                 <a:spAutoFit/>
               </a:bodyPr>
               <a:lstStyle/>
               <a:p>
-                <a:pPr/>
+                <a:pPr marL="285750" indent="-285750">
+                  <a:buFont typeface="Arial" panose="020B0604020202020204" pitchFamily="34" charset="0"/>
+                  <a:buChar char="•"/>
+                </a:pPr>
+                <a:r>
+                  <a:rPr lang="es-PE" dirty="0"/>
+                  <a:t>Impedancia serie: </a:t>
+                </a:r>
                 <a14:m>
-                  <m:oMathPara xmlns:m="http://schemas.openxmlformats.org/officeDocument/2006/math">
-                    <m:oMathParaPr>
-                      <m:jc m:val="centerGroup"/>
-                    </m:oMathParaPr>
-                    <m:oMath xmlns:m="http://schemas.openxmlformats.org/officeDocument/2006/math">
-                      <m:sSub>
-                        <m:sSubPr>
-                          <m:ctrlPr>
-                            <a:rPr lang="es-PE" i="1" smtClean="0">
-                              <a:latin typeface="Cambria Math" panose="02040503050406030204" pitchFamily="18" charset="0"/>
-                            </a:rPr>
-                          </m:ctrlPr>
-                        </m:sSubPr>
-                        <m:e>
-                          <m:r>
-                            <a:rPr lang="pt-BR" b="0" i="1" smtClean="0">
-                              <a:latin typeface="Cambria Math" panose="02040503050406030204" pitchFamily="18" charset="0"/>
-                            </a:rPr>
-                            <m:t>𝑉</m:t>
-                          </m:r>
-                        </m:e>
-                        <m:sub>
-                          <m:r>
-                            <a:rPr lang="pt-BR" b="0" i="1" smtClean="0">
-                              <a:latin typeface="Cambria Math" panose="02040503050406030204" pitchFamily="18" charset="0"/>
-                            </a:rPr>
-                            <m:t>𝑗</m:t>
-                          </m:r>
-                        </m:sub>
-                      </m:sSub>
-                    </m:oMath>
-                  </m:oMathPara>
+                  <m:oMath xmlns:m="http://schemas.openxmlformats.org/officeDocument/2006/math">
+                    <m:sSub>
+                      <m:sSubPr>
+                        <m:ctrlPr>
+                          <a:rPr lang="es-PE" i="1" smtClean="0">
+                            <a:latin typeface="Cambria Math" panose="02040503050406030204" pitchFamily="18" charset="0"/>
+                          </a:rPr>
+                        </m:ctrlPr>
+                      </m:sSubPr>
+                      <m:e>
+                        <m:r>
+                          <a:rPr lang="es-PE" b="0" i="1" smtClean="0">
+                            <a:latin typeface="Cambria Math" panose="02040503050406030204" pitchFamily="18" charset="0"/>
+                          </a:rPr>
+                          <m:t>𝑧</m:t>
+                        </m:r>
+                      </m:e>
+                      <m:sub>
+                        <m:r>
+                          <a:rPr lang="es-PE" b="0" i="1" smtClean="0">
+                            <a:latin typeface="Cambria Math" panose="02040503050406030204" pitchFamily="18" charset="0"/>
+                          </a:rPr>
+                          <m:t>𝑖𝑗</m:t>
+                        </m:r>
+                      </m:sub>
+                    </m:sSub>
+                    <m:r>
+                      <a:rPr lang="es-PE" b="0" i="1" smtClean="0">
+                        <a:latin typeface="Cambria Math" panose="02040503050406030204" pitchFamily="18" charset="0"/>
+                      </a:rPr>
+                      <m:t>=</m:t>
+                    </m:r>
+                    <m:sSub>
+                      <m:sSubPr>
+                        <m:ctrlPr>
+                          <a:rPr lang="es-PE" b="0" i="1" smtClean="0">
+                            <a:latin typeface="Cambria Math" panose="02040503050406030204" pitchFamily="18" charset="0"/>
+                          </a:rPr>
+                        </m:ctrlPr>
+                      </m:sSubPr>
+                      <m:e>
+                        <m:r>
+                          <a:rPr lang="es-PE" b="0" i="1" smtClean="0">
+                            <a:latin typeface="Cambria Math" panose="02040503050406030204" pitchFamily="18" charset="0"/>
+                          </a:rPr>
+                          <m:t>𝑟</m:t>
+                        </m:r>
+                      </m:e>
+                      <m:sub>
+                        <m:r>
+                          <a:rPr lang="es-PE" b="0" i="1" smtClean="0">
+                            <a:latin typeface="Cambria Math" panose="02040503050406030204" pitchFamily="18" charset="0"/>
+                          </a:rPr>
+                          <m:t>𝑖𝑗</m:t>
+                        </m:r>
+                      </m:sub>
+                    </m:sSub>
+                    <m:r>
+                      <a:rPr lang="es-PE" b="0" i="1" smtClean="0">
+                        <a:latin typeface="Cambria Math" panose="02040503050406030204" pitchFamily="18" charset="0"/>
+                      </a:rPr>
+                      <m:t>+</m:t>
+                    </m:r>
+                    <m:r>
+                      <a:rPr lang="es-PE" b="1" i="1" smtClean="0">
+                        <a:latin typeface="Cambria Math" panose="02040503050406030204" pitchFamily="18" charset="0"/>
+                      </a:rPr>
+                      <m:t>𝒋</m:t>
+                    </m:r>
+                    <m:sSub>
+                      <m:sSubPr>
+                        <m:ctrlPr>
+                          <a:rPr lang="es-PE" b="1" i="1" smtClean="0">
+                            <a:latin typeface="Cambria Math" panose="02040503050406030204" pitchFamily="18" charset="0"/>
+                          </a:rPr>
+                        </m:ctrlPr>
+                      </m:sSubPr>
+                      <m:e>
+                        <m:r>
+                          <a:rPr lang="es-PE" b="0" i="1" smtClean="0">
+                            <a:latin typeface="Cambria Math" panose="02040503050406030204" pitchFamily="18" charset="0"/>
+                          </a:rPr>
+                          <m:t>𝑥</m:t>
+                        </m:r>
+                      </m:e>
+                      <m:sub>
+                        <m:r>
+                          <a:rPr lang="es-PE" b="0" i="1" smtClean="0">
+                            <a:latin typeface="Cambria Math" panose="02040503050406030204" pitchFamily="18" charset="0"/>
+                          </a:rPr>
+                          <m:t>𝑖𝑗</m:t>
+                        </m:r>
+                      </m:sub>
+                    </m:sSub>
+                  </m:oMath>
                 </a14:m>
-                <a:endParaRPr lang="es-PE" dirty="0"/>
+                <a:endParaRPr lang="es-PE" b="1" dirty="0"/>
               </a:p>
             </p:txBody>
           </p:sp>
         </mc:Choice>
-        <mc:Fallback xmlns="">
+        <mc:Fallback>
           <p:sp>
             <p:nvSpPr>
-              <p:cNvPr id="13" name="CaixaDeTexto 12">
+              <p:cNvPr id="24" name="CaixaDeTexto 23">
                 <a:extLst>
                   <a:ext uri="{FF2B5EF4-FFF2-40B4-BE49-F238E27FC236}">
-                    <a16:creationId xmlns:a16="http://schemas.microsoft.com/office/drawing/2014/main" id="{EF091E1B-B075-43B1-8374-516CCA695777}"/>
+                    <a16:creationId xmlns:a16="http://schemas.microsoft.com/office/drawing/2014/main" id="{F70545E6-D70D-4994-A102-2E80DC080479}"/>
                   </a:ext>
                 </a:extLst>
               </p:cNvPr>
@@ -5693,16 +5521,16 @@
             </p:nvSpPr>
             <p:spPr>
               <a:xfrm>
-                <a:off x="7683719" y="1197736"/>
-                <a:ext cx="238270" cy="299313"/>
+                <a:off x="622695" y="2490300"/>
+                <a:ext cx="3399392" cy="395621"/>
               </a:xfrm>
               <a:prstGeom prst="rect">
                 <a:avLst/>
               </a:prstGeom>
               <a:blipFill>
-                <a:blip r:embed="rId3"/>
+                <a:blip r:embed="rId2"/>
                 <a:stretch>
-                  <a:fillRect l="-22500" r="-15000" b="-24000"/>
+                  <a:fillRect l="-1075" t="-3125" b="-25000"/>
                 </a:stretch>
               </a:blipFill>
             </p:spPr>
@@ -5721,108 +5549,1357 @@
           </p:sp>
         </mc:Fallback>
       </mc:AlternateContent>
-      <p:sp>
-        <p:nvSpPr>
-          <p:cNvPr id="45" name="Elipse 44">
-            <a:extLst>
-              <a:ext uri="{FF2B5EF4-FFF2-40B4-BE49-F238E27FC236}">
-                <a16:creationId xmlns:a16="http://schemas.microsoft.com/office/drawing/2014/main" id="{3C3F3252-2EE7-43EE-8ADE-09119F27775A}"/>
-              </a:ext>
-            </a:extLst>
-          </p:cNvPr>
-          <p:cNvSpPr/>
+      <p:grpSp>
+        <p:nvGrpSpPr>
+          <p:cNvPr id="9" name="Grupo 8"/>
+          <p:cNvGrpSpPr/>
           <p:nvPr/>
-        </p:nvSpPr>
-        <p:spPr>
+        </p:nvGrpSpPr>
+        <p:grpSpPr>
           <a:xfrm>
-            <a:off x="1259632" y="1508252"/>
-            <a:ext cx="216024" cy="216024"/>
+            <a:off x="2449381" y="788316"/>
+            <a:ext cx="4282860" cy="1424616"/>
+            <a:chOff x="1259632" y="996863"/>
+            <a:chExt cx="6662357" cy="2216113"/>
           </a:xfrm>
-          <a:prstGeom prst="ellipse">
-            <a:avLst/>
-          </a:prstGeom>
-          <a:noFill/>
-          <a:ln w="28575" cap="flat" cmpd="sng" algn="ctr">
-            <a:solidFill>
+        </p:grpSpPr>
+        <mc:AlternateContent xmlns:mc="http://schemas.openxmlformats.org/markup-compatibility/2006">
+          <mc:Choice xmlns:a14="http://schemas.microsoft.com/office/drawing/2010/main" Requires="a14">
+            <p:sp>
+              <p:nvSpPr>
+                <p:cNvPr id="4" name="Retângulo 3">
+                  <a:extLst>
+                    <a:ext uri="{FF2B5EF4-FFF2-40B4-BE49-F238E27FC236}">
+                      <a16:creationId xmlns:a16="http://schemas.microsoft.com/office/drawing/2014/main" id="{82427D91-6E57-4FCC-A029-F1ECE99B7202}"/>
+                    </a:ext>
+                  </a:extLst>
+                </p:cNvPr>
+                <p:cNvSpPr/>
+                <p:nvPr/>
+              </p:nvSpPr>
+              <p:spPr>
+                <a:xfrm>
+                  <a:off x="3995936" y="1387704"/>
+                  <a:ext cx="1152128" cy="457120"/>
+                </a:xfrm>
+                <a:prstGeom prst="rect">
+                  <a:avLst/>
+                </a:prstGeom>
+                <a:noFill/>
+                <a:ln w="28575" cap="flat" cmpd="sng" algn="ctr">
+                  <a:solidFill>
+                    <a:schemeClr val="dk1"/>
+                  </a:solidFill>
+                  <a:prstDash val="solid"/>
+                  <a:round/>
+                  <a:headEnd type="none" w="med" len="med"/>
+                  <a:tailEnd type="none" w="med" len="med"/>
+                </a:ln>
+              </p:spPr>
+              <p:style>
+                <a:lnRef idx="0">
+                  <a:scrgbClr r="0" g="0" b="0"/>
+                </a:lnRef>
+                <a:fillRef idx="0">
+                  <a:scrgbClr r="0" g="0" b="0"/>
+                </a:fillRef>
+                <a:effectRef idx="0">
+                  <a:scrgbClr r="0" g="0" b="0"/>
+                </a:effectRef>
+                <a:fontRef idx="minor">
+                  <a:schemeClr val="dk1"/>
+                </a:fontRef>
+              </p:style>
+              <p:txBody>
+                <a:bodyPr rtlCol="0" anchor="ctr"/>
+                <a:lstStyle/>
+                <a:p>
+                  <a:pPr algn="ctr"/>
+                  <a14:m>
+                    <m:oMathPara xmlns:m="http://schemas.openxmlformats.org/officeDocument/2006/math">
+                      <m:oMathParaPr>
+                        <m:jc m:val="centerGroup"/>
+                      </m:oMathParaPr>
+                      <m:oMath xmlns:m="http://schemas.openxmlformats.org/officeDocument/2006/math">
+                        <m:sSub>
+                          <m:sSubPr>
+                            <m:ctrlPr>
+                              <a:rPr lang="es-PE" i="1" smtClean="0">
+                                <a:latin typeface="Cambria Math" panose="02040503050406030204" pitchFamily="18" charset="0"/>
+                              </a:rPr>
+                            </m:ctrlPr>
+                          </m:sSubPr>
+                          <m:e>
+                            <m:r>
+                              <a:rPr lang="pt-BR" b="1" i="1" smtClean="0">
+                                <a:latin typeface="Cambria Math" panose="02040503050406030204" pitchFamily="18" charset="0"/>
+                              </a:rPr>
+                              <m:t>𝒀</m:t>
+                            </m:r>
+                          </m:e>
+                          <m:sub>
+                            <m:r>
+                              <a:rPr lang="pt-BR" b="0" i="1" smtClean="0">
+                                <a:latin typeface="Cambria Math" panose="02040503050406030204" pitchFamily="18" charset="0"/>
+                              </a:rPr>
+                              <m:t>𝑖𝑗</m:t>
+                            </m:r>
+                          </m:sub>
+                        </m:sSub>
+                      </m:oMath>
+                    </m:oMathPara>
+                  </a14:m>
+                  <a:endParaRPr lang="es-PE" dirty="0"/>
+                </a:p>
+              </p:txBody>
+            </p:sp>
+          </mc:Choice>
+          <mc:Fallback>
+            <p:sp>
+              <p:nvSpPr>
+                <p:cNvPr id="4" name="Retângulo 3">
+                  <a:extLst>
+                    <a:ext uri="{FF2B5EF4-FFF2-40B4-BE49-F238E27FC236}">
+                      <a16:creationId xmlns:a16="http://schemas.microsoft.com/office/drawing/2014/main" id="{82427D91-6E57-4FCC-A029-F1ECE99B7202}"/>
+                    </a:ext>
+                  </a:extLst>
+                </p:cNvPr>
+                <p:cNvSpPr>
+                  <a:spLocks noRot="1" noChangeAspect="1" noMove="1" noResize="1" noEditPoints="1" noAdjustHandles="1" noChangeArrowheads="1" noChangeShapeType="1" noTextEdit="1"/>
+                </p:cNvSpPr>
+                <p:nvPr/>
+              </p:nvSpPr>
+              <p:spPr>
+                <a:xfrm>
+                  <a:off x="3995936" y="1387704"/>
+                  <a:ext cx="1152128" cy="457120"/>
+                </a:xfrm>
+                <a:prstGeom prst="rect">
+                  <a:avLst/>
+                </a:prstGeom>
+                <a:blipFill>
+                  <a:blip r:embed="rId3"/>
+                  <a:stretch>
+                    <a:fillRect b="-18868"/>
+                  </a:stretch>
+                </a:blipFill>
+                <a:ln w="28575" cap="flat" cmpd="sng" algn="ctr">
+                  <a:solidFill>
+                    <a:schemeClr val="dk1"/>
+                  </a:solidFill>
+                  <a:prstDash val="solid"/>
+                  <a:round/>
+                  <a:headEnd type="none" w="med" len="med"/>
+                  <a:tailEnd type="none" w="med" len="med"/>
+                </a:ln>
+              </p:spPr>
+              <p:txBody>
+                <a:bodyPr/>
+                <a:lstStyle/>
+                <a:p>
+                  <a:r>
+                    <a:rPr lang="es-PE">
+                      <a:noFill/>
+                    </a:rPr>
+                    <a:t> </a:t>
+                  </a:r>
+                </a:p>
+              </p:txBody>
+            </p:sp>
+          </mc:Fallback>
+        </mc:AlternateContent>
+        <p:sp>
+          <p:nvSpPr>
+            <p:cNvPr id="5" name="Elipse 4">
+              <a:extLst>
+                <a:ext uri="{FF2B5EF4-FFF2-40B4-BE49-F238E27FC236}">
+                  <a16:creationId xmlns:a16="http://schemas.microsoft.com/office/drawing/2014/main" id="{96536000-70A4-48B9-8F01-E78DE9087F9B}"/>
+                </a:ext>
+              </a:extLst>
+            </p:cNvPr>
+            <p:cNvSpPr/>
+            <p:nvPr/>
+          </p:nvSpPr>
+          <p:spPr>
+            <a:xfrm>
+              <a:off x="7668344" y="1508252"/>
+              <a:ext cx="216024" cy="216024"/>
+            </a:xfrm>
+            <a:prstGeom prst="ellipse">
+              <a:avLst/>
+            </a:prstGeom>
+            <a:noFill/>
+            <a:ln w="28575" cap="flat" cmpd="sng" algn="ctr">
+              <a:solidFill>
+                <a:schemeClr val="dk1"/>
+              </a:solidFill>
+              <a:prstDash val="solid"/>
+              <a:round/>
+              <a:headEnd type="none" w="med" len="med"/>
+              <a:tailEnd type="none" w="med" len="med"/>
+            </a:ln>
+          </p:spPr>
+          <p:style>
+            <a:lnRef idx="0">
+              <a:scrgbClr r="0" g="0" b="0"/>
+            </a:lnRef>
+            <a:fillRef idx="0">
+              <a:scrgbClr r="0" g="0" b="0"/>
+            </a:fillRef>
+            <a:effectRef idx="0">
+              <a:scrgbClr r="0" g="0" b="0"/>
+            </a:effectRef>
+            <a:fontRef idx="minor">
               <a:schemeClr val="dk1"/>
-            </a:solidFill>
-            <a:prstDash val="solid"/>
-            <a:round/>
-            <a:headEnd type="none" w="med" len="med"/>
-            <a:tailEnd type="none" w="med" len="med"/>
-          </a:ln>
-        </p:spPr>
-        <p:style>
-          <a:lnRef idx="0">
-            <a:scrgbClr r="0" g="0" b="0"/>
-          </a:lnRef>
-          <a:fillRef idx="0">
-            <a:scrgbClr r="0" g="0" b="0"/>
-          </a:fillRef>
-          <a:effectRef idx="0">
-            <a:scrgbClr r="0" g="0" b="0"/>
-          </a:effectRef>
-          <a:fontRef idx="minor">
-            <a:schemeClr val="dk1"/>
-          </a:fontRef>
-        </p:style>
-        <p:txBody>
-          <a:bodyPr rtlCol="0" anchor="ctr"/>
-          <a:lstStyle/>
-          <a:p>
-            <a:pPr algn="ctr"/>
-            <a:endParaRPr lang="es-PE"/>
-          </a:p>
-        </p:txBody>
-      </p:sp>
-      <p:cxnSp>
-        <p:nvCxnSpPr>
-          <p:cNvPr id="18" name="Conector reto 17">
-            <a:extLst>
-              <a:ext uri="{FF2B5EF4-FFF2-40B4-BE49-F238E27FC236}">
-                <a16:creationId xmlns:a16="http://schemas.microsoft.com/office/drawing/2014/main" id="{81855FCB-014A-4962-9045-A348AC195096}"/>
-              </a:ext>
-            </a:extLst>
-          </p:cNvPr>
-          <p:cNvCxnSpPr>
-            <a:stCxn id="4" idx="1"/>
-            <a:endCxn id="45" idx="6"/>
-          </p:cNvCxnSpPr>
-          <p:nvPr/>
-        </p:nvCxnSpPr>
-        <p:spPr>
-          <a:xfrm flipH="1">
-            <a:off x="1475656" y="1616264"/>
-            <a:ext cx="2520280" cy="0"/>
-          </a:xfrm>
-          <a:prstGeom prst="line">
-            <a:avLst/>
-          </a:prstGeom>
-          <a:ln w="28575"/>
-        </p:spPr>
-        <p:style>
-          <a:lnRef idx="1">
-            <a:schemeClr val="dk1"/>
-          </a:lnRef>
-          <a:fillRef idx="0">
-            <a:schemeClr val="dk1"/>
-          </a:fillRef>
-          <a:effectRef idx="0">
-            <a:schemeClr val="dk1"/>
-          </a:effectRef>
-          <a:fontRef idx="minor">
-            <a:schemeClr val="tx1"/>
-          </a:fontRef>
-        </p:style>
-      </p:cxnSp>
-      <mc:AlternateContent xmlns:mc="http://schemas.openxmlformats.org/markup-compatibility/2006" xmlns:a14="http://schemas.microsoft.com/office/drawing/2010/main">
-        <mc:Choice Requires="a14">
+            </a:fontRef>
+          </p:style>
+          <p:txBody>
+            <a:bodyPr rtlCol="0" anchor="ctr"/>
+            <a:lstStyle/>
+            <a:p>
+              <a:pPr algn="ctr"/>
+              <a:endParaRPr lang="es-PE"/>
+            </a:p>
+          </p:txBody>
+        </p:sp>
+        <p:cxnSp>
+          <p:nvCxnSpPr>
+            <p:cNvPr id="10" name="Conector reto 9">
+              <a:extLst>
+                <a:ext uri="{FF2B5EF4-FFF2-40B4-BE49-F238E27FC236}">
+                  <a16:creationId xmlns:a16="http://schemas.microsoft.com/office/drawing/2014/main" id="{B69E918F-931E-484D-B43D-760D75FB38A3}"/>
+                </a:ext>
+              </a:extLst>
+            </p:cNvPr>
+            <p:cNvCxnSpPr>
+              <a:cxnSpLocks/>
+              <a:stCxn id="5" idx="2"/>
+              <a:endCxn id="4" idx="3"/>
+            </p:cNvCxnSpPr>
+            <p:nvPr/>
+          </p:nvCxnSpPr>
+          <p:spPr>
+            <a:xfrm flipH="1">
+              <a:off x="5148064" y="1616264"/>
+              <a:ext cx="2520280" cy="0"/>
+            </a:xfrm>
+            <a:prstGeom prst="line">
+              <a:avLst/>
+            </a:prstGeom>
+            <a:ln w="28575"/>
+          </p:spPr>
+          <p:style>
+            <a:lnRef idx="1">
+              <a:schemeClr val="dk1"/>
+            </a:lnRef>
+            <a:fillRef idx="0">
+              <a:schemeClr val="dk1"/>
+            </a:fillRef>
+            <a:effectRef idx="0">
+              <a:schemeClr val="dk1"/>
+            </a:effectRef>
+            <a:fontRef idx="minor">
+              <a:schemeClr val="tx1"/>
+            </a:fontRef>
+          </p:style>
+        </p:cxnSp>
+        <mc:AlternateContent xmlns:mc="http://schemas.openxmlformats.org/markup-compatibility/2006">
+          <mc:Choice xmlns:a14="http://schemas.microsoft.com/office/drawing/2010/main" Requires="a14">
+            <p:sp>
+              <p:nvSpPr>
+                <p:cNvPr id="13" name="CaixaDeTexto 12">
+                  <a:extLst>
+                    <a:ext uri="{FF2B5EF4-FFF2-40B4-BE49-F238E27FC236}">
+                      <a16:creationId xmlns:a16="http://schemas.microsoft.com/office/drawing/2014/main" id="{EF091E1B-B075-43B1-8374-516CCA695777}"/>
+                    </a:ext>
+                  </a:extLst>
+                </p:cNvPr>
+                <p:cNvSpPr txBox="1"/>
+                <p:nvPr/>
+              </p:nvSpPr>
+              <p:spPr>
+                <a:xfrm>
+                  <a:off x="7683718" y="996863"/>
+                  <a:ext cx="238271" cy="299313"/>
+                </a:xfrm>
+                <a:prstGeom prst="rect">
+                  <a:avLst/>
+                </a:prstGeom>
+                <a:noFill/>
+              </p:spPr>
+              <p:txBody>
+                <a:bodyPr wrap="none" lIns="0" tIns="0" rIns="0" bIns="0" rtlCol="0">
+                  <a:spAutoFit/>
+                </a:bodyPr>
+                <a:lstStyle/>
+                <a:p>
+                  <a:pPr/>
+                  <a14:m>
+                    <m:oMathPara xmlns:m="http://schemas.openxmlformats.org/officeDocument/2006/math">
+                      <m:oMathParaPr>
+                        <m:jc m:val="centerGroup"/>
+                      </m:oMathParaPr>
+                      <m:oMath xmlns:m="http://schemas.openxmlformats.org/officeDocument/2006/math">
+                        <m:sSub>
+                          <m:sSubPr>
+                            <m:ctrlPr>
+                              <a:rPr lang="es-PE" i="1" smtClean="0">
+                                <a:latin typeface="Cambria Math" panose="02040503050406030204" pitchFamily="18" charset="0"/>
+                              </a:rPr>
+                            </m:ctrlPr>
+                          </m:sSubPr>
+                          <m:e>
+                            <m:r>
+                              <a:rPr lang="pt-BR" b="0" i="1" smtClean="0">
+                                <a:latin typeface="Cambria Math" panose="02040503050406030204" pitchFamily="18" charset="0"/>
+                              </a:rPr>
+                              <m:t>𝑉</m:t>
+                            </m:r>
+                          </m:e>
+                          <m:sub>
+                            <m:r>
+                              <a:rPr lang="pt-BR" b="0" i="1" smtClean="0">
+                                <a:latin typeface="Cambria Math" panose="02040503050406030204" pitchFamily="18" charset="0"/>
+                              </a:rPr>
+                              <m:t>𝑗</m:t>
+                            </m:r>
+                          </m:sub>
+                        </m:sSub>
+                      </m:oMath>
+                    </m:oMathPara>
+                  </a14:m>
+                  <a:endParaRPr lang="es-PE" dirty="0"/>
+                </a:p>
+              </p:txBody>
+            </p:sp>
+          </mc:Choice>
+          <mc:Fallback>
+            <p:sp>
+              <p:nvSpPr>
+                <p:cNvPr id="13" name="CaixaDeTexto 12">
+                  <a:extLst>
+                    <a:ext uri="{FF2B5EF4-FFF2-40B4-BE49-F238E27FC236}">
+                      <a16:creationId xmlns:a16="http://schemas.microsoft.com/office/drawing/2014/main" id="{EF091E1B-B075-43B1-8374-516CCA695777}"/>
+                    </a:ext>
+                  </a:extLst>
+                </p:cNvPr>
+                <p:cNvSpPr txBox="1">
+                  <a:spLocks noRot="1" noChangeAspect="1" noMove="1" noResize="1" noEditPoints="1" noAdjustHandles="1" noChangeArrowheads="1" noChangeShapeType="1" noTextEdit="1"/>
+                </p:cNvSpPr>
+                <p:nvPr/>
+              </p:nvSpPr>
+              <p:spPr>
+                <a:xfrm>
+                  <a:off x="7683718" y="996863"/>
+                  <a:ext cx="238271" cy="299313"/>
+                </a:xfrm>
+                <a:prstGeom prst="rect">
+                  <a:avLst/>
+                </a:prstGeom>
+                <a:blipFill>
+                  <a:blip r:embed="rId4"/>
+                  <a:stretch>
+                    <a:fillRect l="-52000" r="-68000" b="-93750"/>
+                  </a:stretch>
+                </a:blipFill>
+              </p:spPr>
+              <p:txBody>
+                <a:bodyPr/>
+                <a:lstStyle/>
+                <a:p>
+                  <a:r>
+                    <a:rPr lang="es-PE">
+                      <a:noFill/>
+                    </a:rPr>
+                    <a:t> </a:t>
+                  </a:r>
+                </a:p>
+              </p:txBody>
+            </p:sp>
+          </mc:Fallback>
+        </mc:AlternateContent>
+        <p:sp>
+          <p:nvSpPr>
+            <p:cNvPr id="45" name="Elipse 44">
+              <a:extLst>
+                <a:ext uri="{FF2B5EF4-FFF2-40B4-BE49-F238E27FC236}">
+                  <a16:creationId xmlns:a16="http://schemas.microsoft.com/office/drawing/2014/main" id="{3C3F3252-2EE7-43EE-8ADE-09119F27775A}"/>
+                </a:ext>
+              </a:extLst>
+            </p:cNvPr>
+            <p:cNvSpPr/>
+            <p:nvPr/>
+          </p:nvSpPr>
+          <p:spPr>
+            <a:xfrm>
+              <a:off x="1259632" y="1508252"/>
+              <a:ext cx="216024" cy="216024"/>
+            </a:xfrm>
+            <a:prstGeom prst="ellipse">
+              <a:avLst/>
+            </a:prstGeom>
+            <a:noFill/>
+            <a:ln w="28575" cap="flat" cmpd="sng" algn="ctr">
+              <a:solidFill>
+                <a:schemeClr val="dk1"/>
+              </a:solidFill>
+              <a:prstDash val="solid"/>
+              <a:round/>
+              <a:headEnd type="none" w="med" len="med"/>
+              <a:tailEnd type="none" w="med" len="med"/>
+            </a:ln>
+          </p:spPr>
+          <p:style>
+            <a:lnRef idx="0">
+              <a:scrgbClr r="0" g="0" b="0"/>
+            </a:lnRef>
+            <a:fillRef idx="0">
+              <a:scrgbClr r="0" g="0" b="0"/>
+            </a:fillRef>
+            <a:effectRef idx="0">
+              <a:scrgbClr r="0" g="0" b="0"/>
+            </a:effectRef>
+            <a:fontRef idx="minor">
+              <a:schemeClr val="dk1"/>
+            </a:fontRef>
+          </p:style>
+          <p:txBody>
+            <a:bodyPr rtlCol="0" anchor="ctr"/>
+            <a:lstStyle/>
+            <a:p>
+              <a:pPr algn="ctr"/>
+              <a:endParaRPr lang="es-PE"/>
+            </a:p>
+          </p:txBody>
+        </p:sp>
+        <p:cxnSp>
+          <p:nvCxnSpPr>
+            <p:cNvPr id="18" name="Conector reto 17">
+              <a:extLst>
+                <a:ext uri="{FF2B5EF4-FFF2-40B4-BE49-F238E27FC236}">
+                  <a16:creationId xmlns:a16="http://schemas.microsoft.com/office/drawing/2014/main" id="{81855FCB-014A-4962-9045-A348AC195096}"/>
+                </a:ext>
+              </a:extLst>
+            </p:cNvPr>
+            <p:cNvCxnSpPr>
+              <a:stCxn id="4" idx="1"/>
+              <a:endCxn id="45" idx="6"/>
+            </p:cNvCxnSpPr>
+            <p:nvPr/>
+          </p:nvCxnSpPr>
+          <p:spPr>
+            <a:xfrm flipH="1">
+              <a:off x="1475656" y="1616264"/>
+              <a:ext cx="2520280" cy="0"/>
+            </a:xfrm>
+            <a:prstGeom prst="line">
+              <a:avLst/>
+            </a:prstGeom>
+            <a:ln w="28575"/>
+          </p:spPr>
+          <p:style>
+            <a:lnRef idx="1">
+              <a:schemeClr val="dk1"/>
+            </a:lnRef>
+            <a:fillRef idx="0">
+              <a:schemeClr val="dk1"/>
+            </a:fillRef>
+            <a:effectRef idx="0">
+              <a:schemeClr val="dk1"/>
+            </a:effectRef>
+            <a:fontRef idx="minor">
+              <a:schemeClr val="tx1"/>
+            </a:fontRef>
+          </p:style>
+        </p:cxnSp>
+        <mc:AlternateContent xmlns:mc="http://schemas.openxmlformats.org/markup-compatibility/2006">
+          <mc:Choice xmlns:a14="http://schemas.microsoft.com/office/drawing/2010/main" Requires="a14">
+            <p:sp>
+              <p:nvSpPr>
+                <p:cNvPr id="46" name="CaixaDeTexto 45">
+                  <a:extLst>
+                    <a:ext uri="{FF2B5EF4-FFF2-40B4-BE49-F238E27FC236}">
+                      <a16:creationId xmlns:a16="http://schemas.microsoft.com/office/drawing/2014/main" id="{F294E811-2C90-4E89-99CA-281AB8E13340}"/>
+                    </a:ext>
+                  </a:extLst>
+                </p:cNvPr>
+                <p:cNvSpPr txBox="1"/>
+                <p:nvPr/>
+              </p:nvSpPr>
+              <p:spPr>
+                <a:xfrm>
+                  <a:off x="1259632" y="1019177"/>
+                  <a:ext cx="239552" cy="276999"/>
+                </a:xfrm>
+                <a:prstGeom prst="rect">
+                  <a:avLst/>
+                </a:prstGeom>
+                <a:noFill/>
+              </p:spPr>
+              <p:txBody>
+                <a:bodyPr wrap="none" lIns="0" tIns="0" rIns="0" bIns="0" rtlCol="0">
+                  <a:spAutoFit/>
+                </a:bodyPr>
+                <a:lstStyle/>
+                <a:p>
+                  <a:pPr/>
+                  <a14:m>
+                    <m:oMathPara xmlns:m="http://schemas.openxmlformats.org/officeDocument/2006/math">
+                      <m:oMathParaPr>
+                        <m:jc m:val="centerGroup"/>
+                      </m:oMathParaPr>
+                      <m:oMath xmlns:m="http://schemas.openxmlformats.org/officeDocument/2006/math">
+                        <m:sSub>
+                          <m:sSubPr>
+                            <m:ctrlPr>
+                              <a:rPr lang="es-PE" i="1" smtClean="0">
+                                <a:latin typeface="Cambria Math" panose="02040503050406030204" pitchFamily="18" charset="0"/>
+                              </a:rPr>
+                            </m:ctrlPr>
+                          </m:sSubPr>
+                          <m:e>
+                            <m:r>
+                              <a:rPr lang="pt-BR" b="0" i="1" smtClean="0">
+                                <a:latin typeface="Cambria Math" panose="02040503050406030204" pitchFamily="18" charset="0"/>
+                              </a:rPr>
+                              <m:t>𝑉</m:t>
+                            </m:r>
+                          </m:e>
+                          <m:sub>
+                            <m:r>
+                              <a:rPr lang="pt-BR" b="0" i="1" smtClean="0">
+                                <a:latin typeface="Cambria Math" panose="02040503050406030204" pitchFamily="18" charset="0"/>
+                              </a:rPr>
+                              <m:t>𝑖</m:t>
+                            </m:r>
+                          </m:sub>
+                        </m:sSub>
+                      </m:oMath>
+                    </m:oMathPara>
+                  </a14:m>
+                  <a:endParaRPr lang="es-PE" dirty="0"/>
+                </a:p>
+              </p:txBody>
+            </p:sp>
+          </mc:Choice>
+          <mc:Fallback>
+            <p:sp>
+              <p:nvSpPr>
+                <p:cNvPr id="46" name="CaixaDeTexto 45">
+                  <a:extLst>
+                    <a:ext uri="{FF2B5EF4-FFF2-40B4-BE49-F238E27FC236}">
+                      <a16:creationId xmlns:a16="http://schemas.microsoft.com/office/drawing/2014/main" id="{F294E811-2C90-4E89-99CA-281AB8E13340}"/>
+                    </a:ext>
+                  </a:extLst>
+                </p:cNvPr>
+                <p:cNvSpPr txBox="1">
+                  <a:spLocks noRot="1" noChangeAspect="1" noMove="1" noResize="1" noEditPoints="1" noAdjustHandles="1" noChangeArrowheads="1" noChangeShapeType="1" noTextEdit="1"/>
+                </p:cNvSpPr>
+                <p:nvPr/>
+              </p:nvSpPr>
+              <p:spPr>
+                <a:xfrm>
+                  <a:off x="1259632" y="1019177"/>
+                  <a:ext cx="239552" cy="276999"/>
+                </a:xfrm>
+                <a:prstGeom prst="rect">
+                  <a:avLst/>
+                </a:prstGeom>
+                <a:blipFill>
+                  <a:blip r:embed="rId5"/>
+                  <a:stretch>
+                    <a:fillRect l="-56000" r="-56000" b="-75862"/>
+                  </a:stretch>
+                </a:blipFill>
+              </p:spPr>
+              <p:txBody>
+                <a:bodyPr/>
+                <a:lstStyle/>
+                <a:p>
+                  <a:r>
+                    <a:rPr lang="es-PE">
+                      <a:noFill/>
+                    </a:rPr>
+                    <a:t> </a:t>
+                  </a:r>
+                </a:p>
+              </p:txBody>
+            </p:sp>
+          </mc:Fallback>
+        </mc:AlternateContent>
+        <p:cxnSp>
+          <p:nvCxnSpPr>
+            <p:cNvPr id="20" name="Conector de Seta Reta 19">
+              <a:extLst>
+                <a:ext uri="{FF2B5EF4-FFF2-40B4-BE49-F238E27FC236}">
+                  <a16:creationId xmlns:a16="http://schemas.microsoft.com/office/drawing/2014/main" id="{A45B75C4-A3C1-451F-AE2F-C33AE7B393FB}"/>
+                </a:ext>
+              </a:extLst>
+            </p:cNvPr>
+            <p:cNvCxnSpPr>
+              <a:stCxn id="5" idx="2"/>
+            </p:cNvCxnSpPr>
+            <p:nvPr/>
+          </p:nvCxnSpPr>
+          <p:spPr>
+            <a:xfrm flipH="1">
+              <a:off x="6444208" y="1616264"/>
+              <a:ext cx="1224136" cy="0"/>
+            </a:xfrm>
+            <a:prstGeom prst="straightConnector1">
+              <a:avLst/>
+            </a:prstGeom>
+            <a:ln w="28575">
+              <a:tailEnd type="triangle"/>
+            </a:ln>
+          </p:spPr>
+          <p:style>
+            <a:lnRef idx="1">
+              <a:schemeClr val="dk1"/>
+            </a:lnRef>
+            <a:fillRef idx="0">
+              <a:schemeClr val="dk1"/>
+            </a:fillRef>
+            <a:effectRef idx="0">
+              <a:schemeClr val="dk1"/>
+            </a:effectRef>
+            <a:fontRef idx="minor">
+              <a:schemeClr val="tx1"/>
+            </a:fontRef>
+          </p:style>
+        </p:cxnSp>
+        <p:cxnSp>
+          <p:nvCxnSpPr>
+            <p:cNvPr id="22" name="Conector de Seta Reta 21">
+              <a:extLst>
+                <a:ext uri="{FF2B5EF4-FFF2-40B4-BE49-F238E27FC236}">
+                  <a16:creationId xmlns:a16="http://schemas.microsoft.com/office/drawing/2014/main" id="{653FCAC3-60A8-4306-960A-43E527CE1800}"/>
+                </a:ext>
+              </a:extLst>
+            </p:cNvPr>
+            <p:cNvCxnSpPr>
+              <a:stCxn id="45" idx="6"/>
+            </p:cNvCxnSpPr>
+            <p:nvPr/>
+          </p:nvCxnSpPr>
+          <p:spPr>
+            <a:xfrm>
+              <a:off x="1475656" y="1616264"/>
+              <a:ext cx="1224136" cy="0"/>
+            </a:xfrm>
+            <a:prstGeom prst="straightConnector1">
+              <a:avLst/>
+            </a:prstGeom>
+            <a:ln>
+              <a:tailEnd type="triangle"/>
+            </a:ln>
+          </p:spPr>
+          <p:style>
+            <a:lnRef idx="1">
+              <a:schemeClr val="dk1"/>
+            </a:lnRef>
+            <a:fillRef idx="0">
+              <a:schemeClr val="dk1"/>
+            </a:fillRef>
+            <a:effectRef idx="0">
+              <a:schemeClr val="dk1"/>
+            </a:effectRef>
+            <a:fontRef idx="minor">
+              <a:schemeClr val="tx1"/>
+            </a:fontRef>
+          </p:style>
+        </p:cxnSp>
+        <p:cxnSp>
+          <p:nvCxnSpPr>
+            <p:cNvPr id="12" name="Conector recto 11"/>
+            <p:cNvCxnSpPr/>
+            <p:nvPr/>
+          </p:nvCxnSpPr>
+          <p:spPr>
+            <a:xfrm>
+              <a:off x="1475656" y="3212976"/>
+              <a:ext cx="6208063" cy="0"/>
+            </a:xfrm>
+            <a:prstGeom prst="line">
+              <a:avLst/>
+            </a:prstGeom>
+            <a:ln w="28575"/>
+          </p:spPr>
+          <p:style>
+            <a:lnRef idx="1">
+              <a:schemeClr val="dk1"/>
+            </a:lnRef>
+            <a:fillRef idx="0">
+              <a:schemeClr val="dk1"/>
+            </a:fillRef>
+            <a:effectRef idx="0">
+              <a:schemeClr val="dk1"/>
+            </a:effectRef>
+            <a:fontRef idx="minor">
+              <a:schemeClr val="tx1"/>
+            </a:fontRef>
+          </p:style>
+        </p:cxnSp>
+        <mc:AlternateContent xmlns:mc="http://schemas.openxmlformats.org/markup-compatibility/2006">
+          <mc:Choice xmlns:a14="http://schemas.microsoft.com/office/drawing/2010/main" Requires="a14">
+            <p:sp>
+              <p:nvSpPr>
+                <p:cNvPr id="14" name="Rectángulo 13"/>
+                <p:cNvSpPr/>
+                <p:nvPr/>
+              </p:nvSpPr>
+              <p:spPr>
+                <a:xfrm>
+                  <a:off x="2699792" y="2134460"/>
+                  <a:ext cx="690640" cy="576064"/>
+                </a:xfrm>
+                <a:prstGeom prst="rect">
+                  <a:avLst/>
+                </a:prstGeom>
+                <a:ln w="28575"/>
+              </p:spPr>
+              <p:style>
+                <a:lnRef idx="2">
+                  <a:schemeClr val="dk1"/>
+                </a:lnRef>
+                <a:fillRef idx="1">
+                  <a:schemeClr val="lt1"/>
+                </a:fillRef>
+                <a:effectRef idx="0">
+                  <a:schemeClr val="dk1"/>
+                </a:effectRef>
+                <a:fontRef idx="minor">
+                  <a:schemeClr val="dk1"/>
+                </a:fontRef>
+              </p:style>
+              <p:txBody>
+                <a:bodyPr rtlCol="0" anchor="ctr"/>
+                <a:lstStyle/>
+                <a:p>
+                  <a:pPr algn="ctr"/>
+                  <a14:m>
+                    <m:oMathPara xmlns:m="http://schemas.openxmlformats.org/officeDocument/2006/math">
+                      <m:oMathParaPr>
+                        <m:jc m:val="centerGroup"/>
+                      </m:oMathParaPr>
+                      <m:oMath xmlns:m="http://schemas.openxmlformats.org/officeDocument/2006/math">
+                        <m:sSubSup>
+                          <m:sSubSupPr>
+                            <m:ctrlPr>
+                              <a:rPr lang="es-PE" i="1" smtClean="0">
+                                <a:latin typeface="Cambria Math" panose="02040503050406030204" pitchFamily="18" charset="0"/>
+                              </a:rPr>
+                            </m:ctrlPr>
+                          </m:sSubSupPr>
+                          <m:e>
+                            <m:r>
+                              <a:rPr lang="es-PE" b="1" i="1" smtClean="0">
+                                <a:latin typeface="Cambria Math" panose="02040503050406030204" pitchFamily="18" charset="0"/>
+                              </a:rPr>
+                              <m:t>𝒀</m:t>
+                            </m:r>
+                          </m:e>
+                          <m:sub>
+                            <m:r>
+                              <a:rPr lang="es-PE" b="0" i="1" smtClean="0">
+                                <a:latin typeface="Cambria Math" panose="02040503050406030204" pitchFamily="18" charset="0"/>
+                              </a:rPr>
+                              <m:t>𝑖𝑗</m:t>
+                            </m:r>
+                          </m:sub>
+                          <m:sup>
+                            <m:r>
+                              <a:rPr lang="es-PE" b="0" i="1" smtClean="0">
+                                <a:latin typeface="Cambria Math" panose="02040503050406030204" pitchFamily="18" charset="0"/>
+                              </a:rPr>
+                              <m:t>𝑐</m:t>
+                            </m:r>
+                          </m:sup>
+                        </m:sSubSup>
+                      </m:oMath>
+                    </m:oMathPara>
+                  </a14:m>
+                  <a:endParaRPr lang="es-PE" dirty="0"/>
+                </a:p>
+              </p:txBody>
+            </p:sp>
+          </mc:Choice>
+          <mc:Fallback>
+            <p:sp>
+              <p:nvSpPr>
+                <p:cNvPr id="14" name="Rectángulo 13"/>
+                <p:cNvSpPr>
+                  <a:spLocks noRot="1" noChangeAspect="1" noMove="1" noResize="1" noEditPoints="1" noAdjustHandles="1" noChangeArrowheads="1" noChangeShapeType="1" noTextEdit="1"/>
+                </p:cNvSpPr>
+                <p:nvPr/>
+              </p:nvSpPr>
+              <p:spPr>
+                <a:xfrm>
+                  <a:off x="2699792" y="2134460"/>
+                  <a:ext cx="690640" cy="576064"/>
+                </a:xfrm>
+                <a:prstGeom prst="rect">
+                  <a:avLst/>
+                </a:prstGeom>
+                <a:blipFill>
+                  <a:blip r:embed="rId6"/>
+                  <a:stretch>
+                    <a:fillRect l="-5128" b="-9091"/>
+                  </a:stretch>
+                </a:blipFill>
+                <a:ln w="28575"/>
+              </p:spPr>
+              <p:txBody>
+                <a:bodyPr/>
+                <a:lstStyle/>
+                <a:p>
+                  <a:r>
+                    <a:rPr lang="es-PE">
+                      <a:noFill/>
+                    </a:rPr>
+                    <a:t> </a:t>
+                  </a:r>
+                </a:p>
+              </p:txBody>
+            </p:sp>
+          </mc:Fallback>
+        </mc:AlternateContent>
+        <mc:AlternateContent xmlns:mc="http://schemas.openxmlformats.org/markup-compatibility/2006">
+          <mc:Choice xmlns:a14="http://schemas.microsoft.com/office/drawing/2010/main" Requires="a14">
+            <p:sp>
+              <p:nvSpPr>
+                <p:cNvPr id="31" name="Rectángulo 30"/>
+                <p:cNvSpPr/>
+                <p:nvPr/>
+              </p:nvSpPr>
+              <p:spPr>
+                <a:xfrm>
+                  <a:off x="5717564" y="2134460"/>
+                  <a:ext cx="690640" cy="576064"/>
+                </a:xfrm>
+                <a:prstGeom prst="rect">
+                  <a:avLst/>
+                </a:prstGeom>
+                <a:ln w="28575"/>
+              </p:spPr>
+              <p:style>
+                <a:lnRef idx="2">
+                  <a:schemeClr val="dk1"/>
+                </a:lnRef>
+                <a:fillRef idx="1">
+                  <a:schemeClr val="lt1"/>
+                </a:fillRef>
+                <a:effectRef idx="0">
+                  <a:schemeClr val="dk1"/>
+                </a:effectRef>
+                <a:fontRef idx="minor">
+                  <a:schemeClr val="dk1"/>
+                </a:fontRef>
+              </p:style>
+              <p:txBody>
+                <a:bodyPr rtlCol="0" anchor="ctr"/>
+                <a:lstStyle/>
+                <a:p>
+                  <a:pPr algn="ctr"/>
+                  <a14:m>
+                    <m:oMathPara xmlns:m="http://schemas.openxmlformats.org/officeDocument/2006/math">
+                      <m:oMathParaPr>
+                        <m:jc m:val="centerGroup"/>
+                      </m:oMathParaPr>
+                      <m:oMath xmlns:m="http://schemas.openxmlformats.org/officeDocument/2006/math">
+                        <m:sSubSup>
+                          <m:sSubSupPr>
+                            <m:ctrlPr>
+                              <a:rPr lang="es-PE" i="1" smtClean="0">
+                                <a:latin typeface="Cambria Math" panose="02040503050406030204" pitchFamily="18" charset="0"/>
+                              </a:rPr>
+                            </m:ctrlPr>
+                          </m:sSubSupPr>
+                          <m:e>
+                            <m:r>
+                              <a:rPr lang="es-PE" b="1" i="1" smtClean="0">
+                                <a:latin typeface="Cambria Math" panose="02040503050406030204" pitchFamily="18" charset="0"/>
+                              </a:rPr>
+                              <m:t>𝒀</m:t>
+                            </m:r>
+                          </m:e>
+                          <m:sub>
+                            <m:r>
+                              <a:rPr lang="es-PE" b="0" i="1" smtClean="0">
+                                <a:latin typeface="Cambria Math" panose="02040503050406030204" pitchFamily="18" charset="0"/>
+                              </a:rPr>
+                              <m:t>𝑖𝑗</m:t>
+                            </m:r>
+                          </m:sub>
+                          <m:sup>
+                            <m:r>
+                              <a:rPr lang="es-PE" b="0" i="1" smtClean="0">
+                                <a:latin typeface="Cambria Math" panose="02040503050406030204" pitchFamily="18" charset="0"/>
+                              </a:rPr>
+                              <m:t>𝑐</m:t>
+                            </m:r>
+                          </m:sup>
+                        </m:sSubSup>
+                      </m:oMath>
+                    </m:oMathPara>
+                  </a14:m>
+                  <a:endParaRPr lang="es-PE" dirty="0"/>
+                </a:p>
+              </p:txBody>
+            </p:sp>
+          </mc:Choice>
+          <mc:Fallback>
+            <p:sp>
+              <p:nvSpPr>
+                <p:cNvPr id="31" name="Rectángulo 30"/>
+                <p:cNvSpPr>
+                  <a:spLocks noRot="1" noChangeAspect="1" noMove="1" noResize="1" noEditPoints="1" noAdjustHandles="1" noChangeArrowheads="1" noChangeShapeType="1" noTextEdit="1"/>
+                </p:cNvSpPr>
+                <p:nvPr/>
+              </p:nvSpPr>
+              <p:spPr>
+                <a:xfrm>
+                  <a:off x="5717564" y="2134460"/>
+                  <a:ext cx="690640" cy="576064"/>
+                </a:xfrm>
+                <a:prstGeom prst="rect">
+                  <a:avLst/>
+                </a:prstGeom>
+                <a:blipFill>
+                  <a:blip r:embed="rId7"/>
+                  <a:stretch>
+                    <a:fillRect l="-5128" b="-9091"/>
+                  </a:stretch>
+                </a:blipFill>
+                <a:ln w="28575"/>
+              </p:spPr>
+              <p:txBody>
+                <a:bodyPr/>
+                <a:lstStyle/>
+                <a:p>
+                  <a:r>
+                    <a:rPr lang="es-PE">
+                      <a:noFill/>
+                    </a:rPr>
+                    <a:t> </a:t>
+                  </a:r>
+                </a:p>
+              </p:txBody>
+            </p:sp>
+          </mc:Fallback>
+        </mc:AlternateContent>
+        <p:cxnSp>
+          <p:nvCxnSpPr>
+            <p:cNvPr id="16" name="Conector recto 15"/>
+            <p:cNvCxnSpPr>
+              <a:stCxn id="14" idx="0"/>
+            </p:cNvCxnSpPr>
+            <p:nvPr/>
+          </p:nvCxnSpPr>
+          <p:spPr>
+            <a:xfrm flipV="1">
+              <a:off x="3045112" y="1616264"/>
+              <a:ext cx="0" cy="518196"/>
+            </a:xfrm>
+            <a:prstGeom prst="line">
+              <a:avLst/>
+            </a:prstGeom>
+            <a:ln w="28575"/>
+          </p:spPr>
+          <p:style>
+            <a:lnRef idx="1">
+              <a:schemeClr val="dk1"/>
+            </a:lnRef>
+            <a:fillRef idx="0">
+              <a:schemeClr val="dk1"/>
+            </a:fillRef>
+            <a:effectRef idx="0">
+              <a:schemeClr val="dk1"/>
+            </a:effectRef>
+            <a:fontRef idx="minor">
+              <a:schemeClr val="tx1"/>
+            </a:fontRef>
+          </p:style>
+        </p:cxnSp>
+        <p:cxnSp>
+          <p:nvCxnSpPr>
+            <p:cNvPr id="34" name="Conector recto 33"/>
+            <p:cNvCxnSpPr/>
+            <p:nvPr/>
+          </p:nvCxnSpPr>
+          <p:spPr>
+            <a:xfrm flipV="1">
+              <a:off x="6062884" y="1616264"/>
+              <a:ext cx="0" cy="518196"/>
+            </a:xfrm>
+            <a:prstGeom prst="line">
+              <a:avLst/>
+            </a:prstGeom>
+            <a:ln w="28575"/>
+          </p:spPr>
+          <p:style>
+            <a:lnRef idx="1">
+              <a:schemeClr val="dk1"/>
+            </a:lnRef>
+            <a:fillRef idx="0">
+              <a:schemeClr val="dk1"/>
+            </a:fillRef>
+            <a:effectRef idx="0">
+              <a:schemeClr val="dk1"/>
+            </a:effectRef>
+            <a:fontRef idx="minor">
+              <a:schemeClr val="tx1"/>
+            </a:fontRef>
+          </p:style>
+        </p:cxnSp>
+        <p:cxnSp>
+          <p:nvCxnSpPr>
+            <p:cNvPr id="19" name="Conector recto 18"/>
+            <p:cNvCxnSpPr>
+              <a:stCxn id="14" idx="2"/>
+            </p:cNvCxnSpPr>
+            <p:nvPr/>
+          </p:nvCxnSpPr>
+          <p:spPr>
+            <a:xfrm>
+              <a:off x="3045112" y="2710524"/>
+              <a:ext cx="0" cy="502452"/>
+            </a:xfrm>
+            <a:prstGeom prst="line">
+              <a:avLst/>
+            </a:prstGeom>
+            <a:ln w="28575"/>
+          </p:spPr>
+          <p:style>
+            <a:lnRef idx="1">
+              <a:schemeClr val="dk1"/>
+            </a:lnRef>
+            <a:fillRef idx="0">
+              <a:schemeClr val="dk1"/>
+            </a:fillRef>
+            <a:effectRef idx="0">
+              <a:schemeClr val="dk1"/>
+            </a:effectRef>
+            <a:fontRef idx="minor">
+              <a:schemeClr val="tx1"/>
+            </a:fontRef>
+          </p:style>
+        </p:cxnSp>
+        <p:cxnSp>
+          <p:nvCxnSpPr>
+            <p:cNvPr id="37" name="Conector recto 36"/>
+            <p:cNvCxnSpPr/>
+            <p:nvPr/>
+          </p:nvCxnSpPr>
+          <p:spPr>
+            <a:xfrm>
+              <a:off x="6084139" y="2710524"/>
+              <a:ext cx="0" cy="502452"/>
+            </a:xfrm>
+            <a:prstGeom prst="line">
+              <a:avLst/>
+            </a:prstGeom>
+            <a:ln w="28575"/>
+          </p:spPr>
+          <p:style>
+            <a:lnRef idx="1">
+              <a:schemeClr val="dk1"/>
+            </a:lnRef>
+            <a:fillRef idx="0">
+              <a:schemeClr val="dk1"/>
+            </a:fillRef>
+            <a:effectRef idx="0">
+              <a:schemeClr val="dk1"/>
+            </a:effectRef>
+            <a:fontRef idx="minor">
+              <a:schemeClr val="tx1"/>
+            </a:fontRef>
+          </p:style>
+        </p:cxnSp>
+        <p:sp>
+          <p:nvSpPr>
+            <p:cNvPr id="21" name="CuadroTexto 20"/>
+            <p:cNvSpPr txBox="1"/>
+            <p:nvPr/>
+          </p:nvSpPr>
+          <p:spPr>
+            <a:xfrm>
+              <a:off x="6725897" y="2229954"/>
+              <a:ext cx="660758" cy="369332"/>
+            </a:xfrm>
+            <a:prstGeom prst="rect">
+              <a:avLst/>
+            </a:prstGeom>
+            <a:noFill/>
+          </p:spPr>
+          <p:txBody>
+            <a:bodyPr wrap="none" rtlCol="0">
+              <a:spAutoFit/>
+            </a:bodyPr>
+            <a:lstStyle/>
+            <a:p>
+              <a:r>
+                <a:rPr lang="es-PE" dirty="0"/>
+                <a:t>Shunt</a:t>
+              </a:r>
+            </a:p>
+          </p:txBody>
+        </p:sp>
+        <mc:AlternateContent xmlns:mc="http://schemas.openxmlformats.org/markup-compatibility/2006">
+          <mc:Choice xmlns:a14="http://schemas.microsoft.com/office/drawing/2010/main" Requires="a14">
+            <p:sp>
+              <p:nvSpPr>
+                <p:cNvPr id="30" name="CaixaDeTexto 45">
+                  <a:extLst>
+                    <a:ext uri="{FF2B5EF4-FFF2-40B4-BE49-F238E27FC236}">
+                      <a16:creationId xmlns:a16="http://schemas.microsoft.com/office/drawing/2014/main" id="{F294E811-2C90-4E89-99CA-281AB8E13340}"/>
+                    </a:ext>
+                  </a:extLst>
+                </p:cNvPr>
+                <p:cNvSpPr txBox="1"/>
+                <p:nvPr/>
+              </p:nvSpPr>
+              <p:spPr>
+                <a:xfrm>
+                  <a:off x="2460239" y="1019176"/>
+                  <a:ext cx="560265" cy="514183"/>
+                </a:xfrm>
+                <a:prstGeom prst="rect">
+                  <a:avLst/>
+                </a:prstGeom>
+                <a:noFill/>
+              </p:spPr>
+              <p:txBody>
+                <a:bodyPr wrap="none" lIns="0" tIns="0" rIns="0" bIns="0" rtlCol="0">
+                  <a:spAutoFit/>
+                </a:bodyPr>
+                <a:lstStyle/>
+                <a:p>
+                  <a:pPr/>
+                  <a14:m>
+                    <m:oMathPara xmlns:m="http://schemas.openxmlformats.org/officeDocument/2006/math">
+                      <m:oMathParaPr>
+                        <m:jc m:val="centerGroup"/>
+                      </m:oMathParaPr>
+                      <m:oMath xmlns:m="http://schemas.openxmlformats.org/officeDocument/2006/math">
+                        <m:sSubSup>
+                          <m:sSubSupPr>
+                            <m:ctrlPr>
+                              <a:rPr lang="es-PE" i="1" smtClean="0">
+                                <a:latin typeface="Cambria Math" panose="02040503050406030204" pitchFamily="18" charset="0"/>
+                              </a:rPr>
+                            </m:ctrlPr>
+                          </m:sSubSupPr>
+                          <m:e>
+                            <m:r>
+                              <a:rPr lang="es-PE" b="0" i="1" smtClean="0">
+                                <a:latin typeface="Cambria Math" panose="02040503050406030204" pitchFamily="18" charset="0"/>
+                              </a:rPr>
+                              <m:t>𝐼</m:t>
+                            </m:r>
+                          </m:e>
+                          <m:sub>
+                            <m:r>
+                              <a:rPr lang="es-PE" b="0" i="1" smtClean="0">
+                                <a:latin typeface="Cambria Math" panose="02040503050406030204" pitchFamily="18" charset="0"/>
+                              </a:rPr>
+                              <m:t>𝑖𝑗</m:t>
+                            </m:r>
+                          </m:sub>
+                          <m:sup>
+                            <m:r>
+                              <a:rPr lang="es-PE" b="0" i="1" smtClean="0">
+                                <a:latin typeface="Cambria Math" panose="02040503050406030204" pitchFamily="18" charset="0"/>
+                              </a:rPr>
+                              <m:t>𝑑𝑒</m:t>
+                            </m:r>
+                          </m:sup>
+                        </m:sSubSup>
+                      </m:oMath>
+                    </m:oMathPara>
+                  </a14:m>
+                  <a:endParaRPr lang="es-PE" dirty="0"/>
+                </a:p>
+              </p:txBody>
+            </p:sp>
+          </mc:Choice>
+          <mc:Fallback>
+            <p:sp>
+              <p:nvSpPr>
+                <p:cNvPr id="30" name="CaixaDeTexto 45">
+                  <a:extLst>
+                    <a:ext uri="{FF2B5EF4-FFF2-40B4-BE49-F238E27FC236}">
+                      <a16:creationId xmlns:a16="http://schemas.microsoft.com/office/drawing/2014/main" id="{F294E811-2C90-4E89-99CA-281AB8E13340}"/>
+                    </a:ext>
+                  </a:extLst>
+                </p:cNvPr>
+                <p:cNvSpPr txBox="1">
+                  <a:spLocks noRot="1" noChangeAspect="1" noMove="1" noResize="1" noEditPoints="1" noAdjustHandles="1" noChangeArrowheads="1" noChangeShapeType="1" noTextEdit="1"/>
+                </p:cNvSpPr>
+                <p:nvPr/>
+              </p:nvSpPr>
+              <p:spPr>
+                <a:xfrm>
+                  <a:off x="2460239" y="1019176"/>
+                  <a:ext cx="560265" cy="514183"/>
+                </a:xfrm>
+                <a:prstGeom prst="rect">
+                  <a:avLst/>
+                </a:prstGeom>
+                <a:blipFill>
+                  <a:blip r:embed="rId8"/>
+                  <a:stretch>
+                    <a:fillRect l="-15254" t="-1852" r="-5085" b="-24074"/>
+                  </a:stretch>
+                </a:blipFill>
+              </p:spPr>
+              <p:txBody>
+                <a:bodyPr/>
+                <a:lstStyle/>
+                <a:p>
+                  <a:r>
+                    <a:rPr lang="es-PE">
+                      <a:noFill/>
+                    </a:rPr>
+                    <a:t> </a:t>
+                  </a:r>
+                </a:p>
+              </p:txBody>
+            </p:sp>
+          </mc:Fallback>
+        </mc:AlternateContent>
+        <mc:AlternateContent xmlns:mc="http://schemas.openxmlformats.org/markup-compatibility/2006">
+          <mc:Choice xmlns:a14="http://schemas.microsoft.com/office/drawing/2010/main" Requires="a14">
+            <p:sp>
+              <p:nvSpPr>
+                <p:cNvPr id="32" name="CaixaDeTexto 45">
+                  <a:extLst>
+                    <a:ext uri="{FF2B5EF4-FFF2-40B4-BE49-F238E27FC236}">
+                      <a16:creationId xmlns:a16="http://schemas.microsoft.com/office/drawing/2014/main" id="{F294E811-2C90-4E89-99CA-281AB8E13340}"/>
+                    </a:ext>
+                  </a:extLst>
+                </p:cNvPr>
+                <p:cNvSpPr txBox="1"/>
+                <p:nvPr/>
+              </p:nvSpPr>
+              <p:spPr>
+                <a:xfrm>
+                  <a:off x="6500283" y="1019176"/>
+                  <a:ext cx="578717" cy="530640"/>
+                </a:xfrm>
+                <a:prstGeom prst="rect">
+                  <a:avLst/>
+                </a:prstGeom>
+                <a:noFill/>
+              </p:spPr>
+              <p:txBody>
+                <a:bodyPr wrap="none" lIns="0" tIns="0" rIns="0" bIns="0" rtlCol="0">
+                  <a:spAutoFit/>
+                </a:bodyPr>
+                <a:lstStyle/>
+                <a:p>
+                  <a:pPr/>
+                  <a14:m>
+                    <m:oMathPara xmlns:m="http://schemas.openxmlformats.org/officeDocument/2006/math">
+                      <m:oMathParaPr>
+                        <m:jc m:val="centerGroup"/>
+                      </m:oMathParaPr>
+                      <m:oMath xmlns:m="http://schemas.openxmlformats.org/officeDocument/2006/math">
+                        <m:sSubSup>
+                          <m:sSubSupPr>
+                            <m:ctrlPr>
+                              <a:rPr lang="es-PE" i="1" smtClean="0">
+                                <a:latin typeface="Cambria Math" panose="02040503050406030204" pitchFamily="18" charset="0"/>
+                              </a:rPr>
+                            </m:ctrlPr>
+                          </m:sSubSupPr>
+                          <m:e>
+                            <m:r>
+                              <a:rPr lang="es-PE" b="0" i="1" smtClean="0">
+                                <a:latin typeface="Cambria Math" panose="02040503050406030204" pitchFamily="18" charset="0"/>
+                              </a:rPr>
+                              <m:t>𝐼</m:t>
+                            </m:r>
+                          </m:e>
+                          <m:sub>
+                            <m:r>
+                              <a:rPr lang="es-PE" b="0" i="1" smtClean="0">
+                                <a:latin typeface="Cambria Math" panose="02040503050406030204" pitchFamily="18" charset="0"/>
+                              </a:rPr>
+                              <m:t>𝑖𝑗</m:t>
+                            </m:r>
+                          </m:sub>
+                          <m:sup>
+                            <m:r>
+                              <a:rPr lang="es-PE" b="0" i="1" smtClean="0">
+                                <a:latin typeface="Cambria Math" panose="02040503050406030204" pitchFamily="18" charset="0"/>
+                              </a:rPr>
+                              <m:t>𝑝𝑎</m:t>
+                            </m:r>
+                          </m:sup>
+                        </m:sSubSup>
+                      </m:oMath>
+                    </m:oMathPara>
+                  </a14:m>
+                  <a:endParaRPr lang="es-PE" dirty="0"/>
+                </a:p>
+              </p:txBody>
+            </p:sp>
+          </mc:Choice>
+          <mc:Fallback>
+            <p:sp>
+              <p:nvSpPr>
+                <p:cNvPr id="32" name="CaixaDeTexto 45">
+                  <a:extLst>
+                    <a:ext uri="{FF2B5EF4-FFF2-40B4-BE49-F238E27FC236}">
+                      <a16:creationId xmlns:a16="http://schemas.microsoft.com/office/drawing/2014/main" id="{F294E811-2C90-4E89-99CA-281AB8E13340}"/>
+                    </a:ext>
+                  </a:extLst>
+                </p:cNvPr>
+                <p:cNvSpPr txBox="1">
+                  <a:spLocks noRot="1" noChangeAspect="1" noMove="1" noResize="1" noEditPoints="1" noAdjustHandles="1" noChangeArrowheads="1" noChangeShapeType="1" noTextEdit="1"/>
+                </p:cNvSpPr>
+                <p:nvPr/>
+              </p:nvSpPr>
+              <p:spPr>
+                <a:xfrm>
+                  <a:off x="6500283" y="1019176"/>
+                  <a:ext cx="578717" cy="530640"/>
+                </a:xfrm>
+                <a:prstGeom prst="rect">
+                  <a:avLst/>
+                </a:prstGeom>
+                <a:blipFill>
+                  <a:blip r:embed="rId9"/>
+                  <a:stretch>
+                    <a:fillRect l="-14754" t="-1786" r="-4918" b="-21429"/>
+                  </a:stretch>
+                </a:blipFill>
+              </p:spPr>
+              <p:txBody>
+                <a:bodyPr/>
+                <a:lstStyle/>
+                <a:p>
+                  <a:r>
+                    <a:rPr lang="es-PE">
+                      <a:noFill/>
+                    </a:rPr>
+                    <a:t> </a:t>
+                  </a:r>
+                </a:p>
+              </p:txBody>
+            </p:sp>
+          </mc:Fallback>
+        </mc:AlternateContent>
+      </p:grpSp>
+      <mc:AlternateContent xmlns:mc="http://schemas.openxmlformats.org/markup-compatibility/2006">
+        <mc:Choice xmlns:a14="http://schemas.microsoft.com/office/drawing/2010/main" Requires="a14">
           <p:sp>
             <p:nvSpPr>
-              <p:cNvPr id="46" name="CaixaDeTexto 45">
+              <p:cNvPr id="33" name="CaixaDeTexto 23">
                 <a:extLst>
                   <a:ext uri="{FF2B5EF4-FFF2-40B4-BE49-F238E27FC236}">
-                    <a16:creationId xmlns:a16="http://schemas.microsoft.com/office/drawing/2014/main" id="{F294E811-2C90-4E89-99CA-281AB8E13340}"/>
+                    <a16:creationId xmlns:a16="http://schemas.microsoft.com/office/drawing/2014/main" id="{F70545E6-D70D-4994-A102-2E80DC080479}"/>
                   </a:ext>
                 </a:extLst>
               </p:cNvPr>
@@ -5831,8 +6908,8 @@
             </p:nvSpPr>
             <p:spPr>
               <a:xfrm>
-                <a:off x="1259632" y="1197736"/>
-                <a:ext cx="239553" cy="276999"/>
+                <a:off x="622695" y="2881093"/>
+                <a:ext cx="5792163" cy="566309"/>
               </a:xfrm>
               <a:prstGeom prst="rect">
                 <a:avLst/>
@@ -5840,58 +6917,416 @@
               <a:noFill/>
             </p:spPr>
             <p:txBody>
-              <a:bodyPr wrap="none" lIns="0" tIns="0" rIns="0" bIns="0" rtlCol="0">
+              <a:bodyPr wrap="none" rtlCol="0">
                 <a:spAutoFit/>
               </a:bodyPr>
               <a:lstStyle/>
               <a:p>
-                <a:pPr/>
+                <a:pPr marL="285750" indent="-285750">
+                  <a:buFont typeface="Arial" panose="020B0604020202020204" pitchFamily="34" charset="0"/>
+                  <a:buChar char="•"/>
+                </a:pPr>
+                <a:r>
+                  <a:rPr lang="es-PE" dirty="0"/>
+                  <a:t>Admitancia serie: </a:t>
+                </a:r>
                 <a14:m>
-                  <m:oMathPara xmlns:m="http://schemas.openxmlformats.org/officeDocument/2006/math">
-                    <m:oMathParaPr>
-                      <m:jc m:val="centerGroup"/>
-                    </m:oMathParaPr>
-                    <m:oMath xmlns:m="http://schemas.openxmlformats.org/officeDocument/2006/math">
-                      <m:sSub>
-                        <m:sSubPr>
-                          <m:ctrlPr>
-                            <a:rPr lang="es-PE" i="1" smtClean="0">
-                              <a:latin typeface="Cambria Math" panose="02040503050406030204" pitchFamily="18" charset="0"/>
-                            </a:rPr>
-                          </m:ctrlPr>
-                        </m:sSubPr>
-                        <m:e>
-                          <m:r>
-                            <a:rPr lang="pt-BR" b="0" i="1" smtClean="0">
-                              <a:latin typeface="Cambria Math" panose="02040503050406030204" pitchFamily="18" charset="0"/>
-                            </a:rPr>
-                            <m:t>𝑉</m:t>
-                          </m:r>
-                        </m:e>
-                        <m:sub>
-                          <m:r>
-                            <a:rPr lang="pt-BR" b="0" i="1" smtClean="0">
-                              <a:latin typeface="Cambria Math" panose="02040503050406030204" pitchFamily="18" charset="0"/>
-                            </a:rPr>
-                            <m:t>𝑖</m:t>
-                          </m:r>
-                        </m:sub>
-                      </m:sSub>
-                    </m:oMath>
-                  </m:oMathPara>
+                  <m:oMath xmlns:m="http://schemas.openxmlformats.org/officeDocument/2006/math">
+                    <m:sSub>
+                      <m:sSubPr>
+                        <m:ctrlPr>
+                          <a:rPr lang="es-PE" i="1" smtClean="0">
+                            <a:latin typeface="Cambria Math" panose="02040503050406030204" pitchFamily="18" charset="0"/>
+                          </a:rPr>
+                        </m:ctrlPr>
+                      </m:sSubPr>
+                      <m:e>
+                        <m:r>
+                          <a:rPr lang="es-PE" b="1" i="1" smtClean="0">
+                            <a:latin typeface="Cambria Math" panose="02040503050406030204" pitchFamily="18" charset="0"/>
+                          </a:rPr>
+                          <m:t>𝒀</m:t>
+                        </m:r>
+                      </m:e>
+                      <m:sub>
+                        <m:r>
+                          <a:rPr lang="es-PE" b="0" i="1" smtClean="0">
+                            <a:latin typeface="Cambria Math" panose="02040503050406030204" pitchFamily="18" charset="0"/>
+                          </a:rPr>
+                          <m:t>𝑖𝑗</m:t>
+                        </m:r>
+                      </m:sub>
+                    </m:sSub>
+                    <m:r>
+                      <a:rPr lang="es-PE" b="0" i="1" smtClean="0">
+                        <a:latin typeface="Cambria Math" panose="02040503050406030204" pitchFamily="18" charset="0"/>
+                      </a:rPr>
+                      <m:t>=</m:t>
+                    </m:r>
+                    <m:f>
+                      <m:fPr>
+                        <m:ctrlPr>
+                          <a:rPr lang="es-PE" b="0" i="1" smtClean="0">
+                            <a:latin typeface="Cambria Math" panose="02040503050406030204" pitchFamily="18" charset="0"/>
+                          </a:rPr>
+                        </m:ctrlPr>
+                      </m:fPr>
+                      <m:num>
+                        <m:r>
+                          <a:rPr lang="es-PE" b="0" i="1" smtClean="0">
+                            <a:latin typeface="Cambria Math" panose="02040503050406030204" pitchFamily="18" charset="0"/>
+                          </a:rPr>
+                          <m:t>1</m:t>
+                        </m:r>
+                      </m:num>
+                      <m:den>
+                        <m:sSub>
+                          <m:sSubPr>
+                            <m:ctrlPr>
+                              <a:rPr lang="es-PE" b="0" i="1" smtClean="0">
+                                <a:latin typeface="Cambria Math" panose="02040503050406030204" pitchFamily="18" charset="0"/>
+                              </a:rPr>
+                            </m:ctrlPr>
+                          </m:sSubPr>
+                          <m:e>
+                            <m:r>
+                              <a:rPr lang="es-PE" b="0" i="1" smtClean="0">
+                                <a:latin typeface="Cambria Math" panose="02040503050406030204" pitchFamily="18" charset="0"/>
+                              </a:rPr>
+                              <m:t>𝑧</m:t>
+                            </m:r>
+                          </m:e>
+                          <m:sub>
+                            <m:r>
+                              <a:rPr lang="es-PE" b="0" i="1" smtClean="0">
+                                <a:latin typeface="Cambria Math" panose="02040503050406030204" pitchFamily="18" charset="0"/>
+                              </a:rPr>
+                              <m:t>𝑖𝑗</m:t>
+                            </m:r>
+                          </m:sub>
+                        </m:sSub>
+                      </m:den>
+                    </m:f>
+                    <m:r>
+                      <a:rPr lang="es-PE" b="0" i="1" smtClean="0">
+                        <a:latin typeface="Cambria Math" panose="02040503050406030204" pitchFamily="18" charset="0"/>
+                      </a:rPr>
+                      <m:t>=</m:t>
+                    </m:r>
+                    <m:sSub>
+                      <m:sSubPr>
+                        <m:ctrlPr>
+                          <a:rPr lang="es-PE" b="0" i="1" smtClean="0">
+                            <a:latin typeface="Cambria Math" panose="02040503050406030204" pitchFamily="18" charset="0"/>
+                          </a:rPr>
+                        </m:ctrlPr>
+                      </m:sSubPr>
+                      <m:e>
+                        <m:r>
+                          <a:rPr lang="es-PE" b="0" i="1" smtClean="0">
+                            <a:latin typeface="Cambria Math" panose="02040503050406030204" pitchFamily="18" charset="0"/>
+                          </a:rPr>
+                          <m:t>𝑔</m:t>
+                        </m:r>
+                      </m:e>
+                      <m:sub>
+                        <m:r>
+                          <a:rPr lang="es-PE" b="0" i="1" smtClean="0">
+                            <a:latin typeface="Cambria Math" panose="02040503050406030204" pitchFamily="18" charset="0"/>
+                          </a:rPr>
+                          <m:t>𝑖𝑗</m:t>
+                        </m:r>
+                      </m:sub>
+                    </m:sSub>
+                    <m:r>
+                      <a:rPr lang="es-PE" b="0" i="1" smtClean="0">
+                        <a:latin typeface="Cambria Math" panose="02040503050406030204" pitchFamily="18" charset="0"/>
+                      </a:rPr>
+                      <m:t>+</m:t>
+                    </m:r>
+                    <m:r>
+                      <a:rPr lang="es-PE" b="1" i="1" smtClean="0">
+                        <a:latin typeface="Cambria Math" panose="02040503050406030204" pitchFamily="18" charset="0"/>
+                      </a:rPr>
+                      <m:t>𝒋</m:t>
+                    </m:r>
+                    <m:sSub>
+                      <m:sSubPr>
+                        <m:ctrlPr>
+                          <a:rPr lang="es-PE" b="1" i="1" smtClean="0">
+                            <a:latin typeface="Cambria Math" panose="02040503050406030204" pitchFamily="18" charset="0"/>
+                          </a:rPr>
+                        </m:ctrlPr>
+                      </m:sSubPr>
+                      <m:e>
+                        <m:r>
+                          <a:rPr lang="es-PE" b="0" i="1" smtClean="0">
+                            <a:latin typeface="Cambria Math" panose="02040503050406030204" pitchFamily="18" charset="0"/>
+                          </a:rPr>
+                          <m:t>𝑏</m:t>
+                        </m:r>
+                      </m:e>
+                      <m:sub>
+                        <m:r>
+                          <a:rPr lang="es-PE" b="0" i="1" smtClean="0">
+                            <a:latin typeface="Cambria Math" panose="02040503050406030204" pitchFamily="18" charset="0"/>
+                          </a:rPr>
+                          <m:t>𝑖𝑗</m:t>
+                        </m:r>
+                      </m:sub>
+                    </m:sSub>
+                    <m:r>
+                      <a:rPr lang="es-PE" b="1" i="1" smtClean="0">
+                        <a:latin typeface="Cambria Math" panose="02040503050406030204" pitchFamily="18" charset="0"/>
+                      </a:rPr>
+                      <m:t>=</m:t>
+                    </m:r>
+                    <m:f>
+                      <m:fPr>
+                        <m:ctrlPr>
+                          <a:rPr lang="es-PE" b="1" i="1" smtClean="0">
+                            <a:latin typeface="Cambria Math" panose="02040503050406030204" pitchFamily="18" charset="0"/>
+                          </a:rPr>
+                        </m:ctrlPr>
+                      </m:fPr>
+                      <m:num>
+                        <m:sSub>
+                          <m:sSubPr>
+                            <m:ctrlPr>
+                              <a:rPr lang="es-PE" b="1" i="1" smtClean="0">
+                                <a:latin typeface="Cambria Math" panose="02040503050406030204" pitchFamily="18" charset="0"/>
+                              </a:rPr>
+                            </m:ctrlPr>
+                          </m:sSubPr>
+                          <m:e>
+                            <m:r>
+                              <a:rPr lang="es-PE" b="1" i="1" smtClean="0">
+                                <a:latin typeface="Cambria Math" panose="02040503050406030204" pitchFamily="18" charset="0"/>
+                              </a:rPr>
+                              <m:t>𝒓</m:t>
+                            </m:r>
+                          </m:e>
+                          <m:sub>
+                            <m:r>
+                              <a:rPr lang="es-PE" b="1" i="1" smtClean="0">
+                                <a:latin typeface="Cambria Math" panose="02040503050406030204" pitchFamily="18" charset="0"/>
+                              </a:rPr>
+                              <m:t>𝒊𝒋</m:t>
+                            </m:r>
+                          </m:sub>
+                        </m:sSub>
+                      </m:num>
+                      <m:den>
+                        <m:sSubSup>
+                          <m:sSubSupPr>
+                            <m:ctrlPr>
+                              <a:rPr lang="es-PE" b="1" i="1" smtClean="0">
+                                <a:latin typeface="Cambria Math" panose="02040503050406030204" pitchFamily="18" charset="0"/>
+                              </a:rPr>
+                            </m:ctrlPr>
+                          </m:sSubSupPr>
+                          <m:e>
+                            <m:r>
+                              <a:rPr lang="es-PE" b="1" i="1" smtClean="0">
+                                <a:latin typeface="Cambria Math" panose="02040503050406030204" pitchFamily="18" charset="0"/>
+                              </a:rPr>
+                              <m:t>𝒓</m:t>
+                            </m:r>
+                          </m:e>
+                          <m:sub>
+                            <m:r>
+                              <a:rPr lang="es-PE" b="1" i="1" smtClean="0">
+                                <a:latin typeface="Cambria Math" panose="02040503050406030204" pitchFamily="18" charset="0"/>
+                              </a:rPr>
+                              <m:t>𝒊𝒋</m:t>
+                            </m:r>
+                          </m:sub>
+                          <m:sup>
+                            <m:r>
+                              <a:rPr lang="es-PE" b="1" i="1" smtClean="0">
+                                <a:latin typeface="Cambria Math" panose="02040503050406030204" pitchFamily="18" charset="0"/>
+                              </a:rPr>
+                              <m:t>𝟐</m:t>
+                            </m:r>
+                          </m:sup>
+                        </m:sSubSup>
+                        <m:r>
+                          <a:rPr lang="es-PE" b="1" i="1" smtClean="0">
+                            <a:latin typeface="Cambria Math" panose="02040503050406030204" pitchFamily="18" charset="0"/>
+                          </a:rPr>
+                          <m:t>+</m:t>
+                        </m:r>
+                        <m:sSubSup>
+                          <m:sSubSupPr>
+                            <m:ctrlPr>
+                              <a:rPr lang="es-PE" b="1" i="1" smtClean="0">
+                                <a:latin typeface="Cambria Math" panose="02040503050406030204" pitchFamily="18" charset="0"/>
+                              </a:rPr>
+                            </m:ctrlPr>
+                          </m:sSubSupPr>
+                          <m:e>
+                            <m:r>
+                              <a:rPr lang="es-PE" b="1" i="1" smtClean="0">
+                                <a:latin typeface="Cambria Math" panose="02040503050406030204" pitchFamily="18" charset="0"/>
+                              </a:rPr>
+                              <m:t>𝒙</m:t>
+                            </m:r>
+                          </m:e>
+                          <m:sub>
+                            <m:r>
+                              <a:rPr lang="es-PE" b="1" i="1" smtClean="0">
+                                <a:latin typeface="Cambria Math" panose="02040503050406030204" pitchFamily="18" charset="0"/>
+                              </a:rPr>
+                              <m:t>𝒊𝒋</m:t>
+                            </m:r>
+                          </m:sub>
+                          <m:sup>
+                            <m:r>
+                              <a:rPr lang="es-PE" b="1" i="1" smtClean="0">
+                                <a:latin typeface="Cambria Math" panose="02040503050406030204" pitchFamily="18" charset="0"/>
+                              </a:rPr>
+                              <m:t>𝟐</m:t>
+                            </m:r>
+                          </m:sup>
+                        </m:sSubSup>
+                      </m:den>
+                    </m:f>
+                    <m:r>
+                      <a:rPr lang="es-PE" b="1" i="1" smtClean="0">
+                        <a:latin typeface="Cambria Math" panose="02040503050406030204" pitchFamily="18" charset="0"/>
+                      </a:rPr>
+                      <m:t>−</m:t>
+                    </m:r>
+                    <m:r>
+                      <a:rPr lang="es-PE" b="1" i="1" smtClean="0">
+                        <a:latin typeface="Cambria Math" panose="02040503050406030204" pitchFamily="18" charset="0"/>
+                      </a:rPr>
+                      <m:t>𝒋</m:t>
+                    </m:r>
+                    <m:f>
+                      <m:fPr>
+                        <m:ctrlPr>
+                          <a:rPr lang="es-PE" b="1" i="1">
+                            <a:latin typeface="Cambria Math" panose="02040503050406030204" pitchFamily="18" charset="0"/>
+                          </a:rPr>
+                        </m:ctrlPr>
+                      </m:fPr>
+                      <m:num>
+                        <m:sSub>
+                          <m:sSubPr>
+                            <m:ctrlPr>
+                              <a:rPr lang="es-PE" b="1" i="1">
+                                <a:latin typeface="Cambria Math" panose="02040503050406030204" pitchFamily="18" charset="0"/>
+                              </a:rPr>
+                            </m:ctrlPr>
+                          </m:sSubPr>
+                          <m:e>
+                            <m:r>
+                              <a:rPr lang="es-PE" b="1" i="1" smtClean="0">
+                                <a:latin typeface="Cambria Math" panose="02040503050406030204" pitchFamily="18" charset="0"/>
+                              </a:rPr>
+                              <m:t>𝒙</m:t>
+                            </m:r>
+                          </m:e>
+                          <m:sub>
+                            <m:r>
+                              <a:rPr lang="es-PE" b="1" i="1">
+                                <a:latin typeface="Cambria Math" panose="02040503050406030204" pitchFamily="18" charset="0"/>
+                              </a:rPr>
+                              <m:t>𝒊𝒋</m:t>
+                            </m:r>
+                          </m:sub>
+                        </m:sSub>
+                      </m:num>
+                      <m:den>
+                        <m:sSubSup>
+                          <m:sSubSupPr>
+                            <m:ctrlPr>
+                              <a:rPr lang="es-PE" b="1" i="1">
+                                <a:latin typeface="Cambria Math" panose="02040503050406030204" pitchFamily="18" charset="0"/>
+                              </a:rPr>
+                            </m:ctrlPr>
+                          </m:sSubSupPr>
+                          <m:e>
+                            <m:r>
+                              <a:rPr lang="es-PE" b="1" i="1">
+                                <a:latin typeface="Cambria Math" panose="02040503050406030204" pitchFamily="18" charset="0"/>
+                              </a:rPr>
+                              <m:t>𝒓</m:t>
+                            </m:r>
+                          </m:e>
+                          <m:sub>
+                            <m:r>
+                              <a:rPr lang="es-PE" b="1" i="1">
+                                <a:latin typeface="Cambria Math" panose="02040503050406030204" pitchFamily="18" charset="0"/>
+                              </a:rPr>
+                              <m:t>𝒊𝒋</m:t>
+                            </m:r>
+                          </m:sub>
+                          <m:sup>
+                            <m:r>
+                              <a:rPr lang="es-PE" b="1" i="1">
+                                <a:latin typeface="Cambria Math" panose="02040503050406030204" pitchFamily="18" charset="0"/>
+                              </a:rPr>
+                              <m:t>𝟐</m:t>
+                            </m:r>
+                          </m:sup>
+                        </m:sSubSup>
+                        <m:r>
+                          <a:rPr lang="es-PE" b="1" i="1">
+                            <a:latin typeface="Cambria Math" panose="02040503050406030204" pitchFamily="18" charset="0"/>
+                          </a:rPr>
+                          <m:t>+</m:t>
+                        </m:r>
+                        <m:sSubSup>
+                          <m:sSubSupPr>
+                            <m:ctrlPr>
+                              <a:rPr lang="es-PE" b="1" i="1">
+                                <a:latin typeface="Cambria Math" panose="02040503050406030204" pitchFamily="18" charset="0"/>
+                              </a:rPr>
+                            </m:ctrlPr>
+                          </m:sSubSupPr>
+                          <m:e>
+                            <m:r>
+                              <a:rPr lang="es-PE" b="1" i="1">
+                                <a:latin typeface="Cambria Math" panose="02040503050406030204" pitchFamily="18" charset="0"/>
+                              </a:rPr>
+                              <m:t>𝒙</m:t>
+                            </m:r>
+                          </m:e>
+                          <m:sub>
+                            <m:r>
+                              <a:rPr lang="es-PE" b="1" i="1">
+                                <a:latin typeface="Cambria Math" panose="02040503050406030204" pitchFamily="18" charset="0"/>
+                              </a:rPr>
+                              <m:t>𝒊𝒋</m:t>
+                            </m:r>
+                          </m:sub>
+                          <m:sup>
+                            <m:r>
+                              <a:rPr lang="es-PE" b="1" i="1">
+                                <a:latin typeface="Cambria Math" panose="02040503050406030204" pitchFamily="18" charset="0"/>
+                              </a:rPr>
+                              <m:t>𝟐</m:t>
+                            </m:r>
+                          </m:sup>
+                        </m:sSubSup>
+                      </m:den>
+                    </m:f>
+                  </m:oMath>
                 </a14:m>
-                <a:endParaRPr lang="es-PE" dirty="0"/>
+                <a:endParaRPr lang="es-PE" b="1" dirty="0"/>
               </a:p>
             </p:txBody>
           </p:sp>
         </mc:Choice>
-        <mc:Fallback xmlns="">
+        <mc:Fallback>
           <p:sp>
             <p:nvSpPr>
-              <p:cNvPr id="46" name="CaixaDeTexto 45">
+              <p:cNvPr id="33" name="CaixaDeTexto 23">
                 <a:extLst>
                   <a:ext uri="{FF2B5EF4-FFF2-40B4-BE49-F238E27FC236}">
-                    <a16:creationId xmlns:a16="http://schemas.microsoft.com/office/drawing/2014/main" id="{F294E811-2C90-4E89-99CA-281AB8E13340}"/>
+                    <a16:creationId xmlns:a16="http://schemas.microsoft.com/office/drawing/2014/main" id="{F70545E6-D70D-4994-A102-2E80DC080479}"/>
                   </a:ext>
                 </a:extLst>
               </p:cNvPr>
@@ -5902,16 +7337,16 @@
             </p:nvSpPr>
             <p:spPr>
               <a:xfrm>
-                <a:off x="1259632" y="1197736"/>
-                <a:ext cx="239553" cy="276999"/>
+                <a:off x="622695" y="2881093"/>
+                <a:ext cx="5792163" cy="566309"/>
               </a:xfrm>
               <a:prstGeom prst="rect">
                 <a:avLst/>
               </a:prstGeom>
               <a:blipFill>
-                <a:blip r:embed="rId4"/>
+                <a:blip r:embed="rId10"/>
                 <a:stretch>
-                  <a:fillRect l="-25641" r="-10256" b="-13043"/>
+                  <a:fillRect l="-632" b="-3226"/>
                 </a:stretch>
               </a:blipFill>
             </p:spPr>
@@ -5930,96 +7365,14 @@
           </p:sp>
         </mc:Fallback>
       </mc:AlternateContent>
-      <p:cxnSp>
-        <p:nvCxnSpPr>
-          <p:cNvPr id="20" name="Conector de Seta Reta 19">
-            <a:extLst>
-              <a:ext uri="{FF2B5EF4-FFF2-40B4-BE49-F238E27FC236}">
-                <a16:creationId xmlns:a16="http://schemas.microsoft.com/office/drawing/2014/main" id="{A45B75C4-A3C1-451F-AE2F-C33AE7B393FB}"/>
-              </a:ext>
-            </a:extLst>
-          </p:cNvPr>
-          <p:cNvCxnSpPr>
-            <a:stCxn id="5" idx="2"/>
-          </p:cNvCxnSpPr>
-          <p:nvPr/>
-        </p:nvCxnSpPr>
-        <p:spPr>
-          <a:xfrm flipH="1">
-            <a:off x="6444208" y="1616264"/>
-            <a:ext cx="1224136" cy="0"/>
-          </a:xfrm>
-          <a:prstGeom prst="straightConnector1">
-            <a:avLst/>
-          </a:prstGeom>
-          <a:ln w="28575">
-            <a:tailEnd type="triangle"/>
-          </a:ln>
-        </p:spPr>
-        <p:style>
-          <a:lnRef idx="1">
-            <a:schemeClr val="dk1"/>
-          </a:lnRef>
-          <a:fillRef idx="0">
-            <a:schemeClr val="dk1"/>
-          </a:fillRef>
-          <a:effectRef idx="0">
-            <a:schemeClr val="dk1"/>
-          </a:effectRef>
-          <a:fontRef idx="minor">
-            <a:schemeClr val="tx1"/>
-          </a:fontRef>
-        </p:style>
-      </p:cxnSp>
-      <p:cxnSp>
-        <p:nvCxnSpPr>
-          <p:cNvPr id="22" name="Conector de Seta Reta 21">
-            <a:extLst>
-              <a:ext uri="{FF2B5EF4-FFF2-40B4-BE49-F238E27FC236}">
-                <a16:creationId xmlns:a16="http://schemas.microsoft.com/office/drawing/2014/main" id="{653FCAC3-60A8-4306-960A-43E527CE1800}"/>
-              </a:ext>
-            </a:extLst>
-          </p:cNvPr>
-          <p:cNvCxnSpPr>
-            <a:stCxn id="45" idx="6"/>
-          </p:cNvCxnSpPr>
-          <p:nvPr/>
-        </p:nvCxnSpPr>
-        <p:spPr>
-          <a:xfrm>
-            <a:off x="1475656" y="1616264"/>
-            <a:ext cx="1224136" cy="0"/>
-          </a:xfrm>
-          <a:prstGeom prst="straightConnector1">
-            <a:avLst/>
-          </a:prstGeom>
-          <a:ln>
-            <a:tailEnd type="triangle"/>
-          </a:ln>
-        </p:spPr>
-        <p:style>
-          <a:lnRef idx="1">
-            <a:schemeClr val="dk1"/>
-          </a:lnRef>
-          <a:fillRef idx="0">
-            <a:schemeClr val="dk1"/>
-          </a:fillRef>
-          <a:effectRef idx="0">
-            <a:schemeClr val="dk1"/>
-          </a:effectRef>
-          <a:fontRef idx="minor">
-            <a:schemeClr val="tx1"/>
-          </a:fontRef>
-        </p:style>
-      </p:cxnSp>
-      <mc:AlternateContent xmlns:mc="http://schemas.openxmlformats.org/markup-compatibility/2006" xmlns:a14="http://schemas.microsoft.com/office/drawing/2010/main">
-        <mc:Choice Requires="a14">
+      <mc:AlternateContent xmlns:mc="http://schemas.openxmlformats.org/markup-compatibility/2006">
+        <mc:Choice xmlns:a14="http://schemas.microsoft.com/office/drawing/2010/main" Requires="a14">
           <p:sp>
             <p:nvSpPr>
-              <p:cNvPr id="23" name="CaixaDeTexto 22">
+              <p:cNvPr id="35" name="CaixaDeTexto 23">
                 <a:extLst>
                   <a:ext uri="{FF2B5EF4-FFF2-40B4-BE49-F238E27FC236}">
-                    <a16:creationId xmlns:a16="http://schemas.microsoft.com/office/drawing/2014/main" id="{774CDF36-1E44-4937-ADD3-00F48C31E7E1}"/>
+                    <a16:creationId xmlns:a16="http://schemas.microsoft.com/office/drawing/2014/main" id="{F70545E6-D70D-4994-A102-2E80DC080479}"/>
                   </a:ext>
                 </a:extLst>
               </p:cNvPr>
@@ -6028,8 +7381,8 @@
             </p:nvSpPr>
             <p:spPr>
               <a:xfrm>
-                <a:off x="3508824" y="2227237"/>
-                <a:ext cx="2126351" cy="598562"/>
+                <a:off x="622695" y="3722505"/>
+                <a:ext cx="4862357" cy="1054071"/>
               </a:xfrm>
               <a:prstGeom prst="rect">
                 <a:avLst/>
@@ -6037,195 +7390,764 @@
               <a:noFill/>
             </p:spPr>
             <p:txBody>
-              <a:bodyPr wrap="none" lIns="0" tIns="0" rIns="0" bIns="0" rtlCol="0">
+              <a:bodyPr wrap="none" rtlCol="0">
                 <a:spAutoFit/>
               </a:bodyPr>
               <a:lstStyle/>
               <a:p>
-                <a:pPr/>
+                <a:pPr marL="285750" indent="-285750">
+                  <a:buFont typeface="Arial" panose="020B0604020202020204" pitchFamily="34" charset="0"/>
+                  <a:buChar char="•"/>
+                </a:pPr>
+                <a:r>
+                  <a:rPr lang="es-PE" dirty="0"/>
+                  <a:t>Calculo de corrientes:</a:t>
+                </a:r>
+              </a:p>
+              <a:p>
+                <a:pPr marL="742950" lvl="1" indent="-285750">
+                  <a:buFont typeface="Arial" panose="020B0604020202020204" pitchFamily="34" charset="0"/>
+                  <a:buChar char="•"/>
+                </a:pPr>
                 <a14:m>
-                  <m:oMathPara xmlns:m="http://schemas.openxmlformats.org/officeDocument/2006/math">
-                    <m:oMathParaPr>
-                      <m:jc m:val="centerGroup"/>
-                    </m:oMathParaPr>
-                    <m:oMath xmlns:m="http://schemas.openxmlformats.org/officeDocument/2006/math">
-                      <m:sSub>
-                        <m:sSubPr>
-                          <m:ctrlPr>
-                            <a:rPr lang="es-PE" i="1" smtClean="0">
-                              <a:latin typeface="Cambria Math" panose="02040503050406030204" pitchFamily="18" charset="0"/>
-                            </a:rPr>
-                          </m:ctrlPr>
-                        </m:sSubPr>
-                        <m:e>
-                          <m:r>
-                            <a:rPr lang="pt-BR" b="1" i="1" smtClean="0">
-                              <a:latin typeface="Cambria Math" panose="02040503050406030204" pitchFamily="18" charset="0"/>
-                            </a:rPr>
-                            <m:t>𝒀</m:t>
-                          </m:r>
-                        </m:e>
-                        <m:sub>
-                          <m:r>
-                            <a:rPr lang="pt-BR" b="0" i="1" smtClean="0">
-                              <a:latin typeface="Cambria Math" panose="02040503050406030204" pitchFamily="18" charset="0"/>
-                            </a:rPr>
-                            <m:t>𝑖𝑗</m:t>
-                          </m:r>
-                        </m:sub>
-                      </m:sSub>
-                      <m:r>
-                        <a:rPr lang="pt-BR" b="0" i="1" smtClean="0">
-                          <a:latin typeface="Cambria Math" panose="02040503050406030204" pitchFamily="18" charset="0"/>
-                        </a:rPr>
-                        <m:t>=</m:t>
-                      </m:r>
-                      <m:f>
-                        <m:fPr>
-                          <m:ctrlPr>
-                            <a:rPr lang="pt-BR" b="0" i="1" smtClean="0">
-                              <a:latin typeface="Cambria Math" panose="02040503050406030204" pitchFamily="18" charset="0"/>
-                            </a:rPr>
-                          </m:ctrlPr>
-                        </m:fPr>
-                        <m:num>
-                          <m:r>
-                            <a:rPr lang="pt-BR" b="0" i="1" smtClean="0">
-                              <a:latin typeface="Cambria Math" panose="02040503050406030204" pitchFamily="18" charset="0"/>
-                            </a:rPr>
-                            <m:t>1</m:t>
-                          </m:r>
-                        </m:num>
-                        <m:den>
-                          <m:sSub>
-                            <m:sSubPr>
-                              <m:ctrlPr>
-                                <a:rPr lang="pt-BR" b="0" i="1" smtClean="0">
-                                  <a:latin typeface="Cambria Math" panose="02040503050406030204" pitchFamily="18" charset="0"/>
-                                </a:rPr>
-                              </m:ctrlPr>
-                            </m:sSubPr>
-                            <m:e>
-                              <m:r>
-                                <a:rPr lang="pt-BR" b="1" i="1" smtClean="0">
-                                  <a:latin typeface="Cambria Math" panose="02040503050406030204" pitchFamily="18" charset="0"/>
-                                </a:rPr>
-                                <m:t>𝒁</m:t>
-                              </m:r>
-                            </m:e>
-                            <m:sub>
-                              <m:r>
-                                <a:rPr lang="pt-BR" b="0" i="1" smtClean="0">
-                                  <a:latin typeface="Cambria Math" panose="02040503050406030204" pitchFamily="18" charset="0"/>
-                                </a:rPr>
-                                <m:t>𝑖𝑗</m:t>
-                              </m:r>
-                            </m:sub>
-                          </m:sSub>
-                        </m:den>
-                      </m:f>
-                      <m:r>
-                        <a:rPr lang="pt-BR" b="0" i="1" smtClean="0">
-                          <a:latin typeface="Cambria Math" panose="02040503050406030204" pitchFamily="18" charset="0"/>
-                        </a:rPr>
-                        <m:t>=</m:t>
-                      </m:r>
-                      <m:f>
-                        <m:fPr>
-                          <m:ctrlPr>
-                            <a:rPr lang="pt-BR" b="0" i="1" smtClean="0">
-                              <a:latin typeface="Cambria Math" panose="02040503050406030204" pitchFamily="18" charset="0"/>
-                            </a:rPr>
-                          </m:ctrlPr>
-                        </m:fPr>
-                        <m:num>
-                          <m:r>
-                            <a:rPr lang="pt-BR" b="0" i="1" smtClean="0">
-                              <a:latin typeface="Cambria Math" panose="02040503050406030204" pitchFamily="18" charset="0"/>
-                            </a:rPr>
-                            <m:t>1</m:t>
-                          </m:r>
-                        </m:num>
-                        <m:den>
-                          <m:sSub>
-                            <m:sSubPr>
-                              <m:ctrlPr>
-                                <a:rPr lang="pt-BR" b="0" i="1" smtClean="0">
-                                  <a:latin typeface="Cambria Math" panose="02040503050406030204" pitchFamily="18" charset="0"/>
-                                </a:rPr>
-                              </m:ctrlPr>
-                            </m:sSubPr>
-                            <m:e>
-                              <m:r>
-                                <a:rPr lang="pt-BR" b="0" i="1" smtClean="0">
-                                  <a:latin typeface="Cambria Math" panose="02040503050406030204" pitchFamily="18" charset="0"/>
-                                </a:rPr>
-                                <m:t>𝑟</m:t>
-                              </m:r>
-                            </m:e>
-                            <m:sub>
-                              <m:r>
-                                <a:rPr lang="pt-BR" b="0" i="1" smtClean="0">
-                                  <a:latin typeface="Cambria Math" panose="02040503050406030204" pitchFamily="18" charset="0"/>
-                                </a:rPr>
-                                <m:t>𝑖𝑗</m:t>
-                              </m:r>
-                            </m:sub>
-                          </m:sSub>
-                          <m:r>
-                            <a:rPr lang="pt-BR" b="0" i="1" smtClean="0">
-                              <a:latin typeface="Cambria Math" panose="02040503050406030204" pitchFamily="18" charset="0"/>
-                            </a:rPr>
-                            <m:t>+</m:t>
-                          </m:r>
-                          <m:r>
-                            <a:rPr lang="pt-BR" b="1" i="1" smtClean="0">
-                              <a:latin typeface="Cambria Math" panose="02040503050406030204" pitchFamily="18" charset="0"/>
-                            </a:rPr>
-                            <m:t>𝒋</m:t>
-                          </m:r>
-                          <m:sSub>
-                            <m:sSubPr>
-                              <m:ctrlPr>
-                                <a:rPr lang="pt-BR" b="0" i="1" smtClean="0">
-                                  <a:latin typeface="Cambria Math" panose="02040503050406030204" pitchFamily="18" charset="0"/>
-                                </a:rPr>
-                              </m:ctrlPr>
-                            </m:sSubPr>
-                            <m:e>
-                              <m:r>
-                                <a:rPr lang="pt-BR" b="0" i="1" smtClean="0">
-                                  <a:latin typeface="Cambria Math" panose="02040503050406030204" pitchFamily="18" charset="0"/>
-                                </a:rPr>
-                                <m:t>𝑥</m:t>
-                              </m:r>
-                            </m:e>
-                            <m:sub>
-                              <m:r>
-                                <a:rPr lang="pt-BR" b="0" i="1" smtClean="0">
-                                  <a:latin typeface="Cambria Math" panose="02040503050406030204" pitchFamily="18" charset="0"/>
-                                </a:rPr>
-                                <m:t>𝑖𝑗</m:t>
-                              </m:r>
-                            </m:sub>
-                          </m:sSub>
-                        </m:den>
-                      </m:f>
-                    </m:oMath>
-                  </m:oMathPara>
+                  <m:oMath xmlns:m="http://schemas.openxmlformats.org/officeDocument/2006/math">
+                    <m:sSubSup>
+                      <m:sSubSupPr>
+                        <m:ctrlPr>
+                          <a:rPr lang="es-PE" b="0" i="1" smtClean="0">
+                            <a:latin typeface="Cambria Math" panose="02040503050406030204" pitchFamily="18" charset="0"/>
+                          </a:rPr>
+                        </m:ctrlPr>
+                      </m:sSubSupPr>
+                      <m:e>
+                        <m:r>
+                          <a:rPr lang="es-PE" b="0" i="1" smtClean="0">
+                            <a:latin typeface="Cambria Math" panose="02040503050406030204" pitchFamily="18" charset="0"/>
+                          </a:rPr>
+                          <m:t>𝐼</m:t>
+                        </m:r>
+                      </m:e>
+                      <m:sub>
+                        <m:r>
+                          <a:rPr lang="es-PE" b="0" i="1" smtClean="0">
+                            <a:latin typeface="Cambria Math" panose="02040503050406030204" pitchFamily="18" charset="0"/>
+                          </a:rPr>
+                          <m:t>𝑖𝑗</m:t>
+                        </m:r>
+                      </m:sub>
+                      <m:sup>
+                        <m:r>
+                          <a:rPr lang="es-PE" b="0" i="1" smtClean="0">
+                            <a:latin typeface="Cambria Math" panose="02040503050406030204" pitchFamily="18" charset="0"/>
+                          </a:rPr>
+                          <m:t>𝑑𝑒</m:t>
+                        </m:r>
+                      </m:sup>
+                    </m:sSubSup>
+                    <m:r>
+                      <a:rPr lang="es-PE" b="0" i="1" smtClean="0">
+                        <a:latin typeface="Cambria Math" panose="02040503050406030204" pitchFamily="18" charset="0"/>
+                      </a:rPr>
+                      <m:t>=</m:t>
+                    </m:r>
+                    <m:sSub>
+                      <m:sSubPr>
+                        <m:ctrlPr>
+                          <a:rPr lang="es-PE" i="1">
+                            <a:latin typeface="Cambria Math" panose="02040503050406030204" pitchFamily="18" charset="0"/>
+                          </a:rPr>
+                        </m:ctrlPr>
+                      </m:sSubPr>
+                      <m:e>
+                        <m:r>
+                          <a:rPr lang="es-PE" b="1" i="1">
+                            <a:latin typeface="Cambria Math" panose="02040503050406030204" pitchFamily="18" charset="0"/>
+                          </a:rPr>
+                          <m:t>𝒀</m:t>
+                        </m:r>
+                      </m:e>
+                      <m:sub>
+                        <m:r>
+                          <a:rPr lang="es-PE" i="1">
+                            <a:latin typeface="Cambria Math" panose="02040503050406030204" pitchFamily="18" charset="0"/>
+                          </a:rPr>
+                          <m:t>𝑖𝑗</m:t>
+                        </m:r>
+                      </m:sub>
+                    </m:sSub>
+                    <m:d>
+                      <m:dPr>
+                        <m:ctrlPr>
+                          <a:rPr lang="es-PE" i="1" smtClean="0">
+                            <a:latin typeface="Cambria Math" panose="02040503050406030204" pitchFamily="18" charset="0"/>
+                          </a:rPr>
+                        </m:ctrlPr>
+                      </m:dPr>
+                      <m:e>
+                        <m:sSub>
+                          <m:sSubPr>
+                            <m:ctrlPr>
+                              <a:rPr lang="es-PE" i="1" smtClean="0">
+                                <a:latin typeface="Cambria Math" panose="02040503050406030204" pitchFamily="18" charset="0"/>
+                              </a:rPr>
+                            </m:ctrlPr>
+                          </m:sSubPr>
+                          <m:e>
+                            <m:r>
+                              <a:rPr lang="es-PE" b="0" i="1" smtClean="0">
+                                <a:latin typeface="Cambria Math" panose="02040503050406030204" pitchFamily="18" charset="0"/>
+                              </a:rPr>
+                              <m:t>𝑉</m:t>
+                            </m:r>
+                          </m:e>
+                          <m:sub>
+                            <m:r>
+                              <a:rPr lang="es-PE" b="0" i="1" smtClean="0">
+                                <a:latin typeface="Cambria Math" panose="02040503050406030204" pitchFamily="18" charset="0"/>
+                              </a:rPr>
+                              <m:t>𝑖</m:t>
+                            </m:r>
+                          </m:sub>
+                        </m:sSub>
+                        <m:sSup>
+                          <m:sSupPr>
+                            <m:ctrlPr>
+                              <a:rPr lang="es-PE" i="1" smtClean="0">
+                                <a:latin typeface="Cambria Math" panose="02040503050406030204" pitchFamily="18" charset="0"/>
+                              </a:rPr>
+                            </m:ctrlPr>
+                          </m:sSupPr>
+                          <m:e>
+                            <m:r>
+                              <a:rPr lang="es-PE" i="1" smtClean="0">
+                                <a:latin typeface="Cambria Math" panose="02040503050406030204" pitchFamily="18" charset="0"/>
+                              </a:rPr>
+                              <m:t>𝑒</m:t>
+                            </m:r>
+                          </m:e>
+                          <m:sup>
+                            <m:r>
+                              <a:rPr lang="es-PE" b="1" i="1" smtClean="0">
+                                <a:latin typeface="Cambria Math" panose="02040503050406030204" pitchFamily="18" charset="0"/>
+                              </a:rPr>
+                              <m:t>𝒋</m:t>
+                            </m:r>
+                            <m:sSub>
+                              <m:sSubPr>
+                                <m:ctrlPr>
+                                  <a:rPr lang="es-PE" b="1" i="1" smtClean="0">
+                                    <a:latin typeface="Cambria Math" panose="02040503050406030204" pitchFamily="18" charset="0"/>
+                                  </a:rPr>
+                                </m:ctrlPr>
+                              </m:sSubPr>
+                              <m:e>
+                                <m:r>
+                                  <a:rPr lang="es-PE" b="0" i="1" smtClean="0">
+                                    <a:latin typeface="Cambria Math" panose="02040503050406030204" pitchFamily="18" charset="0"/>
+                                    <a:ea typeface="Cambria Math" panose="02040503050406030204" pitchFamily="18" charset="0"/>
+                                  </a:rPr>
+                                  <m:t>𝜃</m:t>
+                                </m:r>
+                              </m:e>
+                              <m:sub>
+                                <m:r>
+                                  <a:rPr lang="es-PE" b="0" i="1" smtClean="0">
+                                    <a:latin typeface="Cambria Math" panose="02040503050406030204" pitchFamily="18" charset="0"/>
+                                  </a:rPr>
+                                  <m:t>𝑖</m:t>
+                                </m:r>
+                              </m:sub>
+                            </m:sSub>
+                          </m:sup>
+                        </m:sSup>
+                        <m:r>
+                          <a:rPr lang="es-PE" b="0" i="1" smtClean="0">
+                            <a:latin typeface="Cambria Math" panose="02040503050406030204" pitchFamily="18" charset="0"/>
+                          </a:rPr>
+                          <m:t>−</m:t>
+                        </m:r>
+                        <m:sSub>
+                          <m:sSubPr>
+                            <m:ctrlPr>
+                              <a:rPr lang="es-PE" i="1">
+                                <a:latin typeface="Cambria Math" panose="02040503050406030204" pitchFamily="18" charset="0"/>
+                              </a:rPr>
+                            </m:ctrlPr>
+                          </m:sSubPr>
+                          <m:e>
+                            <m:r>
+                              <a:rPr lang="es-PE" i="1">
+                                <a:latin typeface="Cambria Math" panose="02040503050406030204" pitchFamily="18" charset="0"/>
+                              </a:rPr>
+                              <m:t>𝑉</m:t>
+                            </m:r>
+                          </m:e>
+                          <m:sub>
+                            <m:r>
+                              <a:rPr lang="es-PE" b="0" i="1" smtClean="0">
+                                <a:latin typeface="Cambria Math" panose="02040503050406030204" pitchFamily="18" charset="0"/>
+                              </a:rPr>
+                              <m:t>𝑗</m:t>
+                            </m:r>
+                          </m:sub>
+                        </m:sSub>
+                        <m:sSup>
+                          <m:sSupPr>
+                            <m:ctrlPr>
+                              <a:rPr lang="es-PE" i="1">
+                                <a:latin typeface="Cambria Math" panose="02040503050406030204" pitchFamily="18" charset="0"/>
+                              </a:rPr>
+                            </m:ctrlPr>
+                          </m:sSupPr>
+                          <m:e>
+                            <m:r>
+                              <a:rPr lang="es-PE" i="1">
+                                <a:latin typeface="Cambria Math" panose="02040503050406030204" pitchFamily="18" charset="0"/>
+                              </a:rPr>
+                              <m:t>𝑒</m:t>
+                            </m:r>
+                          </m:e>
+                          <m:sup>
+                            <m:r>
+                              <a:rPr lang="es-PE" b="1" i="1">
+                                <a:latin typeface="Cambria Math" panose="02040503050406030204" pitchFamily="18" charset="0"/>
+                              </a:rPr>
+                              <m:t>𝒋</m:t>
+                            </m:r>
+                            <m:sSub>
+                              <m:sSubPr>
+                                <m:ctrlPr>
+                                  <a:rPr lang="es-PE" b="1" i="1">
+                                    <a:latin typeface="Cambria Math" panose="02040503050406030204" pitchFamily="18" charset="0"/>
+                                  </a:rPr>
+                                </m:ctrlPr>
+                              </m:sSubPr>
+                              <m:e>
+                                <m:r>
+                                  <a:rPr lang="es-PE" i="1">
+                                    <a:latin typeface="Cambria Math" panose="02040503050406030204" pitchFamily="18" charset="0"/>
+                                    <a:ea typeface="Cambria Math" panose="02040503050406030204" pitchFamily="18" charset="0"/>
+                                  </a:rPr>
+                                  <m:t>𝜃</m:t>
+                                </m:r>
+                              </m:e>
+                              <m:sub>
+                                <m:r>
+                                  <a:rPr lang="es-PE" b="1" i="1" smtClean="0">
+                                    <a:latin typeface="Cambria Math" panose="02040503050406030204" pitchFamily="18" charset="0"/>
+                                    <a:ea typeface="Cambria Math" panose="02040503050406030204" pitchFamily="18" charset="0"/>
+                                  </a:rPr>
+                                  <m:t>𝒋</m:t>
+                                </m:r>
+                              </m:sub>
+                            </m:sSub>
+                          </m:sup>
+                        </m:sSup>
+                      </m:e>
+                    </m:d>
+                    <m:r>
+                      <a:rPr lang="es-PE" b="0" i="1" smtClean="0">
+                        <a:latin typeface="Cambria Math" panose="02040503050406030204" pitchFamily="18" charset="0"/>
+                      </a:rPr>
+                      <m:t>+</m:t>
+                    </m:r>
+                    <m:r>
+                      <a:rPr lang="es-PE" b="1" i="1" smtClean="0">
+                        <a:latin typeface="Cambria Math" panose="02040503050406030204" pitchFamily="18" charset="0"/>
+                      </a:rPr>
+                      <m:t>𝒋</m:t>
+                    </m:r>
+                    <m:sSubSup>
+                      <m:sSubSupPr>
+                        <m:ctrlPr>
+                          <a:rPr lang="es-PE" b="0" i="1" smtClean="0">
+                            <a:latin typeface="Cambria Math" panose="02040503050406030204" pitchFamily="18" charset="0"/>
+                          </a:rPr>
+                        </m:ctrlPr>
+                      </m:sSubSupPr>
+                      <m:e>
+                        <m:r>
+                          <a:rPr lang="es-PE" b="0" i="1" smtClean="0">
+                            <a:latin typeface="Cambria Math" panose="02040503050406030204" pitchFamily="18" charset="0"/>
+                          </a:rPr>
+                          <m:t>𝑏</m:t>
+                        </m:r>
+                      </m:e>
+                      <m:sub>
+                        <m:r>
+                          <a:rPr lang="es-PE" b="0" i="1" smtClean="0">
+                            <a:latin typeface="Cambria Math" panose="02040503050406030204" pitchFamily="18" charset="0"/>
+                          </a:rPr>
+                          <m:t>𝑖𝑗</m:t>
+                        </m:r>
+                      </m:sub>
+                      <m:sup>
+                        <m:r>
+                          <a:rPr lang="es-PE" b="0" i="1" smtClean="0">
+                            <a:latin typeface="Cambria Math" panose="02040503050406030204" pitchFamily="18" charset="0"/>
+                          </a:rPr>
+                          <m:t>𝑠h𝑙</m:t>
+                        </m:r>
+                      </m:sup>
+                    </m:sSubSup>
+                    <m:sSub>
+                      <m:sSubPr>
+                        <m:ctrlPr>
+                          <a:rPr lang="es-PE" b="0" i="1" smtClean="0">
+                            <a:latin typeface="Cambria Math" panose="02040503050406030204" pitchFamily="18" charset="0"/>
+                          </a:rPr>
+                        </m:ctrlPr>
+                      </m:sSubPr>
+                      <m:e>
+                        <m:r>
+                          <a:rPr lang="es-PE" b="0" i="1" smtClean="0">
+                            <a:latin typeface="Cambria Math" panose="02040503050406030204" pitchFamily="18" charset="0"/>
+                          </a:rPr>
+                          <m:t>𝑉</m:t>
+                        </m:r>
+                      </m:e>
+                      <m:sub>
+                        <m:r>
+                          <a:rPr lang="es-PE" b="0" i="1" smtClean="0">
+                            <a:latin typeface="Cambria Math" panose="02040503050406030204" pitchFamily="18" charset="0"/>
+                          </a:rPr>
+                          <m:t>𝑖</m:t>
+                        </m:r>
+                      </m:sub>
+                    </m:sSub>
+                    <m:sSup>
+                      <m:sSupPr>
+                        <m:ctrlPr>
+                          <a:rPr lang="es-PE" b="0" i="1" smtClean="0">
+                            <a:latin typeface="Cambria Math" panose="02040503050406030204" pitchFamily="18" charset="0"/>
+                          </a:rPr>
+                        </m:ctrlPr>
+                      </m:sSupPr>
+                      <m:e>
+                        <m:r>
+                          <a:rPr lang="es-PE" b="0" i="1" smtClean="0">
+                            <a:latin typeface="Cambria Math" panose="02040503050406030204" pitchFamily="18" charset="0"/>
+                          </a:rPr>
+                          <m:t>𝑒</m:t>
+                        </m:r>
+                      </m:e>
+                      <m:sup>
+                        <m:r>
+                          <a:rPr lang="es-PE" b="1" i="1">
+                            <a:latin typeface="Cambria Math" panose="02040503050406030204" pitchFamily="18" charset="0"/>
+                          </a:rPr>
+                          <m:t>𝒋</m:t>
+                        </m:r>
+                        <m:sSub>
+                          <m:sSubPr>
+                            <m:ctrlPr>
+                              <a:rPr lang="es-PE" b="1" i="1">
+                                <a:latin typeface="Cambria Math" panose="02040503050406030204" pitchFamily="18" charset="0"/>
+                              </a:rPr>
+                            </m:ctrlPr>
+                          </m:sSubPr>
+                          <m:e>
+                            <m:r>
+                              <a:rPr lang="es-PE" i="1">
+                                <a:latin typeface="Cambria Math" panose="02040503050406030204" pitchFamily="18" charset="0"/>
+                                <a:ea typeface="Cambria Math" panose="02040503050406030204" pitchFamily="18" charset="0"/>
+                              </a:rPr>
+                              <m:t>𝜃</m:t>
+                            </m:r>
+                          </m:e>
+                          <m:sub>
+                            <m:r>
+                              <a:rPr lang="es-PE" i="1">
+                                <a:latin typeface="Cambria Math" panose="02040503050406030204" pitchFamily="18" charset="0"/>
+                              </a:rPr>
+                              <m:t>𝑖</m:t>
+                            </m:r>
+                          </m:sub>
+                        </m:sSub>
+                      </m:sup>
+                    </m:sSup>
+                  </m:oMath>
                 </a14:m>
-                <a:endParaRPr lang="es-PE" dirty="0"/>
+                <a:endParaRPr lang="es-PE" b="1" dirty="0"/>
+              </a:p>
+              <a:p>
+                <a:pPr marL="742950" lvl="1" indent="-285750">
+                  <a:buFont typeface="Arial" panose="020B0604020202020204" pitchFamily="34" charset="0"/>
+                  <a:buChar char="•"/>
+                </a:pPr>
+                <a14:m>
+                  <m:oMath xmlns:m="http://schemas.openxmlformats.org/officeDocument/2006/math">
+                    <m:sSubSup>
+                      <m:sSubSupPr>
+                        <m:ctrlPr>
+                          <a:rPr lang="es-PE" i="1">
+                            <a:latin typeface="Cambria Math" panose="02040503050406030204" pitchFamily="18" charset="0"/>
+                          </a:rPr>
+                        </m:ctrlPr>
+                      </m:sSubSupPr>
+                      <m:e>
+                        <m:r>
+                          <a:rPr lang="es-PE" i="1">
+                            <a:latin typeface="Cambria Math" panose="02040503050406030204" pitchFamily="18" charset="0"/>
+                          </a:rPr>
+                          <m:t>𝐼</m:t>
+                        </m:r>
+                      </m:e>
+                      <m:sub>
+                        <m:r>
+                          <a:rPr lang="es-PE" i="1">
+                            <a:latin typeface="Cambria Math" panose="02040503050406030204" pitchFamily="18" charset="0"/>
+                          </a:rPr>
+                          <m:t>𝑖𝑗</m:t>
+                        </m:r>
+                      </m:sub>
+                      <m:sup>
+                        <m:r>
+                          <a:rPr lang="es-PE" b="0" i="1" smtClean="0">
+                            <a:latin typeface="Cambria Math" panose="02040503050406030204" pitchFamily="18" charset="0"/>
+                          </a:rPr>
+                          <m:t>𝑝𝑎</m:t>
+                        </m:r>
+                      </m:sup>
+                    </m:sSubSup>
+                    <m:r>
+                      <a:rPr lang="es-PE" i="1">
+                        <a:latin typeface="Cambria Math" panose="02040503050406030204" pitchFamily="18" charset="0"/>
+                      </a:rPr>
+                      <m:t>=</m:t>
+                    </m:r>
+                    <m:sSub>
+                      <m:sSubPr>
+                        <m:ctrlPr>
+                          <a:rPr lang="es-PE" i="1">
+                            <a:latin typeface="Cambria Math" panose="02040503050406030204" pitchFamily="18" charset="0"/>
+                          </a:rPr>
+                        </m:ctrlPr>
+                      </m:sSubPr>
+                      <m:e>
+                        <m:r>
+                          <a:rPr lang="es-PE" b="1" i="1">
+                            <a:latin typeface="Cambria Math" panose="02040503050406030204" pitchFamily="18" charset="0"/>
+                          </a:rPr>
+                          <m:t>𝒀</m:t>
+                        </m:r>
+                      </m:e>
+                      <m:sub>
+                        <m:r>
+                          <a:rPr lang="es-PE" i="1">
+                            <a:latin typeface="Cambria Math" panose="02040503050406030204" pitchFamily="18" charset="0"/>
+                          </a:rPr>
+                          <m:t>𝑖𝑗</m:t>
+                        </m:r>
+                      </m:sub>
+                    </m:sSub>
+                    <m:d>
+                      <m:dPr>
+                        <m:ctrlPr>
+                          <a:rPr lang="es-PE" i="1">
+                            <a:latin typeface="Cambria Math" panose="02040503050406030204" pitchFamily="18" charset="0"/>
+                          </a:rPr>
+                        </m:ctrlPr>
+                      </m:dPr>
+                      <m:e>
+                        <m:sSub>
+                          <m:sSubPr>
+                            <m:ctrlPr>
+                              <a:rPr lang="es-PE" i="1">
+                                <a:latin typeface="Cambria Math" panose="02040503050406030204" pitchFamily="18" charset="0"/>
+                              </a:rPr>
+                            </m:ctrlPr>
+                          </m:sSubPr>
+                          <m:e>
+                            <m:r>
+                              <a:rPr lang="es-PE" i="1">
+                                <a:latin typeface="Cambria Math" panose="02040503050406030204" pitchFamily="18" charset="0"/>
+                              </a:rPr>
+                              <m:t>𝑉</m:t>
+                            </m:r>
+                          </m:e>
+                          <m:sub>
+                            <m:r>
+                              <a:rPr lang="es-PE" b="0" i="1" smtClean="0">
+                                <a:latin typeface="Cambria Math" panose="02040503050406030204" pitchFamily="18" charset="0"/>
+                              </a:rPr>
+                              <m:t>𝑗</m:t>
+                            </m:r>
+                          </m:sub>
+                        </m:sSub>
+                        <m:sSup>
+                          <m:sSupPr>
+                            <m:ctrlPr>
+                              <a:rPr lang="es-PE" i="1">
+                                <a:latin typeface="Cambria Math" panose="02040503050406030204" pitchFamily="18" charset="0"/>
+                              </a:rPr>
+                            </m:ctrlPr>
+                          </m:sSupPr>
+                          <m:e>
+                            <m:r>
+                              <a:rPr lang="es-PE" i="1">
+                                <a:latin typeface="Cambria Math" panose="02040503050406030204" pitchFamily="18" charset="0"/>
+                              </a:rPr>
+                              <m:t>𝑒</m:t>
+                            </m:r>
+                          </m:e>
+                          <m:sup>
+                            <m:r>
+                              <a:rPr lang="es-PE" b="1" i="1">
+                                <a:latin typeface="Cambria Math" panose="02040503050406030204" pitchFamily="18" charset="0"/>
+                              </a:rPr>
+                              <m:t>𝒋</m:t>
+                            </m:r>
+                            <m:sSub>
+                              <m:sSubPr>
+                                <m:ctrlPr>
+                                  <a:rPr lang="es-PE" b="1" i="1">
+                                    <a:latin typeface="Cambria Math" panose="02040503050406030204" pitchFamily="18" charset="0"/>
+                                  </a:rPr>
+                                </m:ctrlPr>
+                              </m:sSubPr>
+                              <m:e>
+                                <m:r>
+                                  <a:rPr lang="es-PE" i="1">
+                                    <a:latin typeface="Cambria Math" panose="02040503050406030204" pitchFamily="18" charset="0"/>
+                                    <a:ea typeface="Cambria Math" panose="02040503050406030204" pitchFamily="18" charset="0"/>
+                                  </a:rPr>
+                                  <m:t>𝜃</m:t>
+                                </m:r>
+                              </m:e>
+                              <m:sub>
+                                <m:r>
+                                  <a:rPr lang="es-PE" b="1" i="1" smtClean="0">
+                                    <a:latin typeface="Cambria Math" panose="02040503050406030204" pitchFamily="18" charset="0"/>
+                                    <a:ea typeface="Cambria Math" panose="02040503050406030204" pitchFamily="18" charset="0"/>
+                                  </a:rPr>
+                                  <m:t>𝒋</m:t>
+                                </m:r>
+                              </m:sub>
+                            </m:sSub>
+                          </m:sup>
+                        </m:sSup>
+                        <m:r>
+                          <a:rPr lang="es-PE" i="1">
+                            <a:latin typeface="Cambria Math" panose="02040503050406030204" pitchFamily="18" charset="0"/>
+                          </a:rPr>
+                          <m:t>−</m:t>
+                        </m:r>
+                        <m:sSub>
+                          <m:sSubPr>
+                            <m:ctrlPr>
+                              <a:rPr lang="es-PE" i="1">
+                                <a:latin typeface="Cambria Math" panose="02040503050406030204" pitchFamily="18" charset="0"/>
+                              </a:rPr>
+                            </m:ctrlPr>
+                          </m:sSubPr>
+                          <m:e>
+                            <m:r>
+                              <a:rPr lang="es-PE" i="1">
+                                <a:latin typeface="Cambria Math" panose="02040503050406030204" pitchFamily="18" charset="0"/>
+                              </a:rPr>
+                              <m:t>𝑉</m:t>
+                            </m:r>
+                          </m:e>
+                          <m:sub>
+                            <m:r>
+                              <a:rPr lang="es-PE" b="0" i="1" smtClean="0">
+                                <a:latin typeface="Cambria Math" panose="02040503050406030204" pitchFamily="18" charset="0"/>
+                              </a:rPr>
+                              <m:t>𝑖</m:t>
+                            </m:r>
+                          </m:sub>
+                        </m:sSub>
+                        <m:sSup>
+                          <m:sSupPr>
+                            <m:ctrlPr>
+                              <a:rPr lang="es-PE" i="1">
+                                <a:latin typeface="Cambria Math" panose="02040503050406030204" pitchFamily="18" charset="0"/>
+                              </a:rPr>
+                            </m:ctrlPr>
+                          </m:sSupPr>
+                          <m:e>
+                            <m:r>
+                              <a:rPr lang="es-PE" i="1">
+                                <a:latin typeface="Cambria Math" panose="02040503050406030204" pitchFamily="18" charset="0"/>
+                              </a:rPr>
+                              <m:t>𝑒</m:t>
+                            </m:r>
+                          </m:e>
+                          <m:sup>
+                            <m:r>
+                              <a:rPr lang="es-PE" b="1" i="1">
+                                <a:latin typeface="Cambria Math" panose="02040503050406030204" pitchFamily="18" charset="0"/>
+                              </a:rPr>
+                              <m:t>𝒋</m:t>
+                            </m:r>
+                            <m:sSub>
+                              <m:sSubPr>
+                                <m:ctrlPr>
+                                  <a:rPr lang="es-PE" b="1" i="1">
+                                    <a:latin typeface="Cambria Math" panose="02040503050406030204" pitchFamily="18" charset="0"/>
+                                  </a:rPr>
+                                </m:ctrlPr>
+                              </m:sSubPr>
+                              <m:e>
+                                <m:r>
+                                  <a:rPr lang="es-PE" i="1">
+                                    <a:latin typeface="Cambria Math" panose="02040503050406030204" pitchFamily="18" charset="0"/>
+                                    <a:ea typeface="Cambria Math" panose="02040503050406030204" pitchFamily="18" charset="0"/>
+                                  </a:rPr>
+                                  <m:t>𝜃</m:t>
+                                </m:r>
+                              </m:e>
+                              <m:sub>
+                                <m:r>
+                                  <a:rPr lang="es-PE" b="1" i="1" smtClean="0">
+                                    <a:latin typeface="Cambria Math" panose="02040503050406030204" pitchFamily="18" charset="0"/>
+                                    <a:ea typeface="Cambria Math" panose="02040503050406030204" pitchFamily="18" charset="0"/>
+                                  </a:rPr>
+                                  <m:t>𝒊</m:t>
+                                </m:r>
+                              </m:sub>
+                            </m:sSub>
+                          </m:sup>
+                        </m:sSup>
+                      </m:e>
+                    </m:d>
+                    <m:r>
+                      <a:rPr lang="es-PE" i="1">
+                        <a:latin typeface="Cambria Math" panose="02040503050406030204" pitchFamily="18" charset="0"/>
+                      </a:rPr>
+                      <m:t>+</m:t>
+                    </m:r>
+                    <m:r>
+                      <a:rPr lang="es-PE" b="1" i="1">
+                        <a:latin typeface="Cambria Math" panose="02040503050406030204" pitchFamily="18" charset="0"/>
+                      </a:rPr>
+                      <m:t>𝒋</m:t>
+                    </m:r>
+                    <m:sSubSup>
+                      <m:sSubSupPr>
+                        <m:ctrlPr>
+                          <a:rPr lang="es-PE" i="1">
+                            <a:latin typeface="Cambria Math" panose="02040503050406030204" pitchFamily="18" charset="0"/>
+                          </a:rPr>
+                        </m:ctrlPr>
+                      </m:sSubSupPr>
+                      <m:e>
+                        <m:r>
+                          <a:rPr lang="es-PE" i="1">
+                            <a:latin typeface="Cambria Math" panose="02040503050406030204" pitchFamily="18" charset="0"/>
+                          </a:rPr>
+                          <m:t>𝑏</m:t>
+                        </m:r>
+                      </m:e>
+                      <m:sub>
+                        <m:r>
+                          <a:rPr lang="es-PE" i="1">
+                            <a:latin typeface="Cambria Math" panose="02040503050406030204" pitchFamily="18" charset="0"/>
+                          </a:rPr>
+                          <m:t>𝑖𝑗</m:t>
+                        </m:r>
+                      </m:sub>
+                      <m:sup>
+                        <m:r>
+                          <a:rPr lang="es-PE" i="1">
+                            <a:latin typeface="Cambria Math" panose="02040503050406030204" pitchFamily="18" charset="0"/>
+                          </a:rPr>
+                          <m:t>𝑠h𝑙</m:t>
+                        </m:r>
+                      </m:sup>
+                    </m:sSubSup>
+                    <m:sSub>
+                      <m:sSubPr>
+                        <m:ctrlPr>
+                          <a:rPr lang="es-PE" i="1">
+                            <a:latin typeface="Cambria Math" panose="02040503050406030204" pitchFamily="18" charset="0"/>
+                          </a:rPr>
+                        </m:ctrlPr>
+                      </m:sSubPr>
+                      <m:e>
+                        <m:r>
+                          <a:rPr lang="es-PE" i="1">
+                            <a:latin typeface="Cambria Math" panose="02040503050406030204" pitchFamily="18" charset="0"/>
+                          </a:rPr>
+                          <m:t>𝑉</m:t>
+                        </m:r>
+                      </m:e>
+                      <m:sub>
+                        <m:r>
+                          <a:rPr lang="es-PE" i="1">
+                            <a:latin typeface="Cambria Math" panose="02040503050406030204" pitchFamily="18" charset="0"/>
+                          </a:rPr>
+                          <m:t>𝑖</m:t>
+                        </m:r>
+                      </m:sub>
+                    </m:sSub>
+                    <m:sSup>
+                      <m:sSupPr>
+                        <m:ctrlPr>
+                          <a:rPr lang="es-PE" i="1">
+                            <a:latin typeface="Cambria Math" panose="02040503050406030204" pitchFamily="18" charset="0"/>
+                          </a:rPr>
+                        </m:ctrlPr>
+                      </m:sSupPr>
+                      <m:e>
+                        <m:r>
+                          <a:rPr lang="es-PE" i="1">
+                            <a:latin typeface="Cambria Math" panose="02040503050406030204" pitchFamily="18" charset="0"/>
+                          </a:rPr>
+                          <m:t>𝑒</m:t>
+                        </m:r>
+                      </m:e>
+                      <m:sup>
+                        <m:r>
+                          <a:rPr lang="es-PE" b="1" i="1">
+                            <a:latin typeface="Cambria Math" panose="02040503050406030204" pitchFamily="18" charset="0"/>
+                          </a:rPr>
+                          <m:t>𝒋</m:t>
+                        </m:r>
+                        <m:sSub>
+                          <m:sSubPr>
+                            <m:ctrlPr>
+                              <a:rPr lang="es-PE" b="1" i="1">
+                                <a:latin typeface="Cambria Math" panose="02040503050406030204" pitchFamily="18" charset="0"/>
+                              </a:rPr>
+                            </m:ctrlPr>
+                          </m:sSubPr>
+                          <m:e>
+                            <m:r>
+                              <a:rPr lang="es-PE" i="1">
+                                <a:latin typeface="Cambria Math" panose="02040503050406030204" pitchFamily="18" charset="0"/>
+                                <a:ea typeface="Cambria Math" panose="02040503050406030204" pitchFamily="18" charset="0"/>
+                              </a:rPr>
+                              <m:t>𝜃</m:t>
+                            </m:r>
+                          </m:e>
+                          <m:sub>
+                            <m:r>
+                              <a:rPr lang="es-PE" b="1" i="1" smtClean="0">
+                                <a:latin typeface="Cambria Math" panose="02040503050406030204" pitchFamily="18" charset="0"/>
+                                <a:ea typeface="Cambria Math" panose="02040503050406030204" pitchFamily="18" charset="0"/>
+                              </a:rPr>
+                              <m:t>𝒋</m:t>
+                            </m:r>
+                          </m:sub>
+                        </m:sSub>
+                      </m:sup>
+                    </m:sSup>
+                  </m:oMath>
+                </a14:m>
+                <a:endParaRPr lang="es-PE" b="1" dirty="0"/>
               </a:p>
             </p:txBody>
           </p:sp>
         </mc:Choice>
-        <mc:Fallback xmlns="">
+        <mc:Fallback>
           <p:sp>
             <p:nvSpPr>
-              <p:cNvPr id="23" name="CaixaDeTexto 22">
+              <p:cNvPr id="35" name="CaixaDeTexto 23">
                 <a:extLst>
                   <a:ext uri="{FF2B5EF4-FFF2-40B4-BE49-F238E27FC236}">
-                    <a16:creationId xmlns:a16="http://schemas.microsoft.com/office/drawing/2014/main" id="{774CDF36-1E44-4937-ADD3-00F48C31E7E1}"/>
+                    <a16:creationId xmlns:a16="http://schemas.microsoft.com/office/drawing/2014/main" id="{F70545E6-D70D-4994-A102-2E80DC080479}"/>
                   </a:ext>
                 </a:extLst>
               </p:cNvPr>
@@ -6236,16 +8158,16 @@
             </p:nvSpPr>
             <p:spPr>
               <a:xfrm>
-                <a:off x="3508824" y="2227237"/>
-                <a:ext cx="2126351" cy="598562"/>
+                <a:off x="622695" y="3722505"/>
+                <a:ext cx="4862357" cy="1054071"/>
               </a:xfrm>
               <a:prstGeom prst="rect">
                 <a:avLst/>
               </a:prstGeom>
               <a:blipFill>
-                <a:blip r:embed="rId5"/>
+                <a:blip r:embed="rId11"/>
                 <a:stretch>
-                  <a:fillRect/>
+                  <a:fillRect l="-752" t="-3468" b="-1734"/>
                 </a:stretch>
               </a:blipFill>
             </p:spPr>
@@ -6264,1192 +8186,10 @@
           </p:sp>
         </mc:Fallback>
       </mc:AlternateContent>
-      <p:sp>
-        <p:nvSpPr>
-          <p:cNvPr id="24" name="CaixaDeTexto 23">
-            <a:extLst>
-              <a:ext uri="{FF2B5EF4-FFF2-40B4-BE49-F238E27FC236}">
-                <a16:creationId xmlns:a16="http://schemas.microsoft.com/office/drawing/2014/main" id="{F70545E6-D70D-4994-A102-2E80DC080479}"/>
-              </a:ext>
-            </a:extLst>
-          </p:cNvPr>
-          <p:cNvSpPr txBox="1"/>
-          <p:nvPr/>
-        </p:nvSpPr>
-        <p:spPr>
-          <a:xfrm>
-            <a:off x="622695" y="3356992"/>
-            <a:ext cx="2492157" cy="369332"/>
-          </a:xfrm>
-          <a:prstGeom prst="rect">
-            <a:avLst/>
-          </a:prstGeom>
-          <a:noFill/>
-        </p:spPr>
-        <p:txBody>
-          <a:bodyPr wrap="none" rtlCol="0">
-            <a:spAutoFit/>
-          </a:bodyPr>
-          <a:lstStyle/>
-          <a:p>
-            <a:pPr marL="285750" indent="-285750">
-              <a:buFont typeface="Arial" panose="020B0604020202020204" pitchFamily="34" charset="0"/>
-              <a:buChar char="•"/>
-            </a:pPr>
-            <a:r>
-              <a:rPr lang="es-PE" dirty="0"/>
-              <a:t>Conecta barras en la red</a:t>
-            </a:r>
-          </a:p>
-        </p:txBody>
-      </p:sp>
-      <p:sp>
-        <p:nvSpPr>
-          <p:cNvPr id="50" name="CaixaDeTexto 49">
-            <a:extLst>
-              <a:ext uri="{FF2B5EF4-FFF2-40B4-BE49-F238E27FC236}">
-                <a16:creationId xmlns:a16="http://schemas.microsoft.com/office/drawing/2014/main" id="{EFD6272C-0EC5-4FCF-BE66-2903F4654031}"/>
-              </a:ext>
-            </a:extLst>
-          </p:cNvPr>
-          <p:cNvSpPr txBox="1"/>
-          <p:nvPr/>
-        </p:nvSpPr>
-        <p:spPr>
-          <a:xfrm>
-            <a:off x="622695" y="3816635"/>
-            <a:ext cx="3219343" cy="369332"/>
-          </a:xfrm>
-          <a:prstGeom prst="rect">
-            <a:avLst/>
-          </a:prstGeom>
-          <a:noFill/>
-        </p:spPr>
-        <p:txBody>
-          <a:bodyPr wrap="none" rtlCol="0">
-            <a:spAutoFit/>
-          </a:bodyPr>
-          <a:lstStyle/>
-          <a:p>
-            <a:pPr marL="285750" indent="-285750">
-              <a:buFont typeface="Arial" panose="020B0604020202020204" pitchFamily="34" charset="0"/>
-              <a:buChar char="•"/>
-            </a:pPr>
-            <a:r>
-              <a:rPr lang="es-PE" dirty="0"/>
-              <a:t>Modelo simple: Impedancia serie</a:t>
-            </a:r>
-          </a:p>
-        </p:txBody>
-      </p:sp>
-      <p:sp>
-        <p:nvSpPr>
-          <p:cNvPr id="51" name="CaixaDeTexto 50">
-            <a:extLst>
-              <a:ext uri="{FF2B5EF4-FFF2-40B4-BE49-F238E27FC236}">
-                <a16:creationId xmlns:a16="http://schemas.microsoft.com/office/drawing/2014/main" id="{C51587AF-7787-40BF-8038-487F81807B8C}"/>
-              </a:ext>
-            </a:extLst>
-          </p:cNvPr>
-          <p:cNvSpPr txBox="1"/>
-          <p:nvPr/>
-        </p:nvSpPr>
-        <p:spPr>
-          <a:xfrm>
-            <a:off x="622695" y="4273849"/>
-            <a:ext cx="1621085" cy="369332"/>
-          </a:xfrm>
-          <a:prstGeom prst="rect">
-            <a:avLst/>
-          </a:prstGeom>
-          <a:noFill/>
-        </p:spPr>
-        <p:txBody>
-          <a:bodyPr wrap="none" rtlCol="0">
-            <a:spAutoFit/>
-          </a:bodyPr>
-          <a:lstStyle/>
-          <a:p>
-            <a:pPr marL="285750" indent="-285750">
-              <a:buFont typeface="Arial" panose="020B0604020202020204" pitchFamily="34" charset="0"/>
-              <a:buChar char="•"/>
-            </a:pPr>
-            <a:r>
-              <a:rPr lang="es-PE" dirty="0"/>
-              <a:t>Ley de Ohm: </a:t>
-            </a:r>
-          </a:p>
-        </p:txBody>
-      </p:sp>
-      <p:sp>
-        <p:nvSpPr>
-          <p:cNvPr id="52" name="CaixaDeTexto 51">
-            <a:extLst>
-              <a:ext uri="{FF2B5EF4-FFF2-40B4-BE49-F238E27FC236}">
-                <a16:creationId xmlns:a16="http://schemas.microsoft.com/office/drawing/2014/main" id="{C18BA5D5-8C0D-453A-A494-564A03C563FE}"/>
-              </a:ext>
-            </a:extLst>
-          </p:cNvPr>
-          <p:cNvSpPr txBox="1"/>
-          <p:nvPr/>
-        </p:nvSpPr>
-        <p:spPr>
-          <a:xfrm>
-            <a:off x="622695" y="4731063"/>
-            <a:ext cx="1972015" cy="369332"/>
-          </a:xfrm>
-          <a:prstGeom prst="rect">
-            <a:avLst/>
-          </a:prstGeom>
-          <a:noFill/>
-        </p:spPr>
-        <p:txBody>
-          <a:bodyPr wrap="none" rtlCol="0">
-            <a:spAutoFit/>
-          </a:bodyPr>
-          <a:lstStyle/>
-          <a:p>
-            <a:pPr marL="285750" indent="-285750">
-              <a:buFont typeface="Arial" panose="020B0604020202020204" pitchFamily="34" charset="0"/>
-              <a:buChar char="•"/>
-            </a:pPr>
-            <a:r>
-              <a:rPr lang="es-PE" dirty="0"/>
-              <a:t>Flujo de potencia:</a:t>
-            </a:r>
-          </a:p>
-        </p:txBody>
-      </p:sp>
-      <mc:AlternateContent xmlns:mc="http://schemas.openxmlformats.org/markup-compatibility/2006" xmlns:a14="http://schemas.microsoft.com/office/drawing/2010/main">
-        <mc:Choice Requires="a14">
-          <p:sp>
-            <p:nvSpPr>
-              <p:cNvPr id="25" name="CaixaDeTexto 24">
-                <a:extLst>
-                  <a:ext uri="{FF2B5EF4-FFF2-40B4-BE49-F238E27FC236}">
-                    <a16:creationId xmlns:a16="http://schemas.microsoft.com/office/drawing/2014/main" id="{AB5DF08F-222B-40FB-B952-4F43E8EEC791}"/>
-                  </a:ext>
-                </a:extLst>
-              </p:cNvPr>
-              <p:cNvSpPr txBox="1"/>
-              <p:nvPr/>
-            </p:nvSpPr>
-            <p:spPr>
-              <a:xfrm>
-                <a:off x="2594710" y="4297626"/>
-                <a:ext cx="1737847" cy="319062"/>
-              </a:xfrm>
-              <a:prstGeom prst="rect">
-                <a:avLst/>
-              </a:prstGeom>
-              <a:noFill/>
-            </p:spPr>
-            <p:txBody>
-              <a:bodyPr wrap="none" lIns="0" tIns="0" rIns="0" bIns="0" rtlCol="0">
-                <a:spAutoFit/>
-              </a:bodyPr>
-              <a:lstStyle/>
-              <a:p>
-                <a:pPr/>
-                <a14:m>
-                  <m:oMathPara xmlns:m="http://schemas.openxmlformats.org/officeDocument/2006/math">
-                    <m:oMathParaPr>
-                      <m:jc m:val="centerGroup"/>
-                    </m:oMathParaPr>
-                    <m:oMath xmlns:m="http://schemas.openxmlformats.org/officeDocument/2006/math">
-                      <m:sSub>
-                        <m:sSubPr>
-                          <m:ctrlPr>
-                            <a:rPr lang="es-PE" i="1" smtClean="0">
-                              <a:latin typeface="Cambria Math" panose="02040503050406030204" pitchFamily="18" charset="0"/>
-                            </a:rPr>
-                          </m:ctrlPr>
-                        </m:sSubPr>
-                        <m:e>
-                          <m:r>
-                            <a:rPr lang="pt-BR" b="0" i="1" smtClean="0">
-                              <a:latin typeface="Cambria Math" panose="02040503050406030204" pitchFamily="18" charset="0"/>
-                            </a:rPr>
-                            <m:t>𝐼</m:t>
-                          </m:r>
-                        </m:e>
-                        <m:sub>
-                          <m:r>
-                            <a:rPr lang="pt-BR" b="0" i="1" smtClean="0">
-                              <a:latin typeface="Cambria Math" panose="02040503050406030204" pitchFamily="18" charset="0"/>
-                            </a:rPr>
-                            <m:t>𝑖𝑗</m:t>
-                          </m:r>
-                        </m:sub>
-                      </m:sSub>
-                      <m:r>
-                        <a:rPr lang="pt-BR" b="0" i="1" smtClean="0">
-                          <a:latin typeface="Cambria Math" panose="02040503050406030204" pitchFamily="18" charset="0"/>
-                        </a:rPr>
-                        <m:t>=</m:t>
-                      </m:r>
-                      <m:sSub>
-                        <m:sSubPr>
-                          <m:ctrlPr>
-                            <a:rPr lang="pt-BR" b="0" i="1" smtClean="0">
-                              <a:latin typeface="Cambria Math" panose="02040503050406030204" pitchFamily="18" charset="0"/>
-                            </a:rPr>
-                          </m:ctrlPr>
-                        </m:sSubPr>
-                        <m:e>
-                          <m:r>
-                            <a:rPr lang="pt-BR" b="1" i="1" smtClean="0">
-                              <a:latin typeface="Cambria Math" panose="02040503050406030204" pitchFamily="18" charset="0"/>
-                            </a:rPr>
-                            <m:t>𝒀</m:t>
-                          </m:r>
-                        </m:e>
-                        <m:sub>
-                          <m:r>
-                            <a:rPr lang="pt-BR" b="0" i="1" smtClean="0">
-                              <a:latin typeface="Cambria Math" panose="02040503050406030204" pitchFamily="18" charset="0"/>
-                            </a:rPr>
-                            <m:t>𝑖𝑗</m:t>
-                          </m:r>
-                        </m:sub>
-                      </m:sSub>
-                      <m:d>
-                        <m:dPr>
-                          <m:ctrlPr>
-                            <a:rPr lang="pt-BR" b="0" i="1" smtClean="0">
-                              <a:latin typeface="Cambria Math" panose="02040503050406030204" pitchFamily="18" charset="0"/>
-                            </a:rPr>
-                          </m:ctrlPr>
-                        </m:dPr>
-                        <m:e>
-                          <m:sSub>
-                            <m:sSubPr>
-                              <m:ctrlPr>
-                                <a:rPr lang="pt-BR" b="0" i="1" smtClean="0">
-                                  <a:latin typeface="Cambria Math" panose="02040503050406030204" pitchFamily="18" charset="0"/>
-                                </a:rPr>
-                              </m:ctrlPr>
-                            </m:sSubPr>
-                            <m:e>
-                              <m:r>
-                                <a:rPr lang="pt-BR" b="0" i="1" smtClean="0">
-                                  <a:latin typeface="Cambria Math" panose="02040503050406030204" pitchFamily="18" charset="0"/>
-                                </a:rPr>
-                                <m:t>𝑉</m:t>
-                              </m:r>
-                            </m:e>
-                            <m:sub>
-                              <m:r>
-                                <a:rPr lang="pt-BR" b="0" i="1" smtClean="0">
-                                  <a:latin typeface="Cambria Math" panose="02040503050406030204" pitchFamily="18" charset="0"/>
-                                </a:rPr>
-                                <m:t>𝑖</m:t>
-                              </m:r>
-                            </m:sub>
-                          </m:sSub>
-                          <m:r>
-                            <a:rPr lang="pt-BR" b="0" i="1" smtClean="0">
-                              <a:latin typeface="Cambria Math" panose="02040503050406030204" pitchFamily="18" charset="0"/>
-                            </a:rPr>
-                            <m:t>−</m:t>
-                          </m:r>
-                          <m:sSub>
-                            <m:sSubPr>
-                              <m:ctrlPr>
-                                <a:rPr lang="pt-BR" b="0" i="1" smtClean="0">
-                                  <a:latin typeface="Cambria Math" panose="02040503050406030204" pitchFamily="18" charset="0"/>
-                                </a:rPr>
-                              </m:ctrlPr>
-                            </m:sSubPr>
-                            <m:e>
-                              <m:r>
-                                <a:rPr lang="pt-BR" b="0" i="1" smtClean="0">
-                                  <a:latin typeface="Cambria Math" panose="02040503050406030204" pitchFamily="18" charset="0"/>
-                                </a:rPr>
-                                <m:t>𝑉</m:t>
-                              </m:r>
-                            </m:e>
-                            <m:sub>
-                              <m:r>
-                                <a:rPr lang="pt-BR" b="0" i="1" smtClean="0">
-                                  <a:latin typeface="Cambria Math" panose="02040503050406030204" pitchFamily="18" charset="0"/>
-                                </a:rPr>
-                                <m:t>𝑗</m:t>
-                              </m:r>
-                            </m:sub>
-                          </m:sSub>
-                        </m:e>
-                      </m:d>
-                    </m:oMath>
-                  </m:oMathPara>
-                </a14:m>
-                <a:endParaRPr lang="es-PE" dirty="0"/>
-              </a:p>
-            </p:txBody>
-          </p:sp>
-        </mc:Choice>
-        <mc:Fallback xmlns="">
-          <p:sp>
-            <p:nvSpPr>
-              <p:cNvPr id="25" name="CaixaDeTexto 24">
-                <a:extLst>
-                  <a:ext uri="{FF2B5EF4-FFF2-40B4-BE49-F238E27FC236}">
-                    <a16:creationId xmlns:a16="http://schemas.microsoft.com/office/drawing/2014/main" id="{AB5DF08F-222B-40FB-B952-4F43E8EEC791}"/>
-                  </a:ext>
-                </a:extLst>
-              </p:cNvPr>
-              <p:cNvSpPr txBox="1">
-                <a:spLocks noRot="1" noChangeAspect="1" noMove="1" noResize="1" noEditPoints="1" noAdjustHandles="1" noChangeArrowheads="1" noChangeShapeType="1" noTextEdit="1"/>
-              </p:cNvSpPr>
-              <p:nvPr/>
-            </p:nvSpPr>
-            <p:spPr>
-              <a:xfrm>
-                <a:off x="2594710" y="4297626"/>
-                <a:ext cx="1737847" cy="319062"/>
-              </a:xfrm>
-              <a:prstGeom prst="rect">
-                <a:avLst/>
-              </a:prstGeom>
-              <a:blipFill>
-                <a:blip r:embed="rId6"/>
-                <a:stretch>
-                  <a:fillRect l="-3158" b="-25000"/>
-                </a:stretch>
-              </a:blipFill>
-            </p:spPr>
-            <p:txBody>
-              <a:bodyPr/>
-              <a:lstStyle/>
-              <a:p>
-                <a:r>
-                  <a:rPr lang="es-PE">
-                    <a:noFill/>
-                  </a:rPr>
-                  <a:t> </a:t>
-                </a:r>
-              </a:p>
-            </p:txBody>
-          </p:sp>
-        </mc:Fallback>
-      </mc:AlternateContent>
-      <mc:AlternateContent xmlns:mc="http://schemas.openxmlformats.org/markup-compatibility/2006" xmlns:a14="http://schemas.microsoft.com/office/drawing/2010/main">
-        <mc:Choice Requires="a14">
-          <p:sp>
-            <p:nvSpPr>
-              <p:cNvPr id="58" name="CaixaDeTexto 57">
-                <a:extLst>
-                  <a:ext uri="{FF2B5EF4-FFF2-40B4-BE49-F238E27FC236}">
-                    <a16:creationId xmlns:a16="http://schemas.microsoft.com/office/drawing/2014/main" id="{DE48C7C5-FC79-441D-A92C-8033BD6FE0BB}"/>
-                  </a:ext>
-                </a:extLst>
-              </p:cNvPr>
-              <p:cNvSpPr txBox="1"/>
-              <p:nvPr/>
-            </p:nvSpPr>
-            <p:spPr>
-              <a:xfrm>
-                <a:off x="2594710" y="4737891"/>
-                <a:ext cx="2771913" cy="355675"/>
-              </a:xfrm>
-              <a:prstGeom prst="rect">
-                <a:avLst/>
-              </a:prstGeom>
-              <a:noFill/>
-            </p:spPr>
-            <p:txBody>
-              <a:bodyPr wrap="none" lIns="0" tIns="0" rIns="0" bIns="0" rtlCol="0">
-                <a:spAutoFit/>
-              </a:bodyPr>
-              <a:lstStyle/>
-              <a:p>
-                <a:pPr/>
-                <a14:m>
-                  <m:oMathPara xmlns:m="http://schemas.openxmlformats.org/officeDocument/2006/math">
-                    <m:oMathParaPr>
-                      <m:jc m:val="centerGroup"/>
-                    </m:oMathParaPr>
-                    <m:oMath xmlns:m="http://schemas.openxmlformats.org/officeDocument/2006/math">
-                      <m:sSub>
-                        <m:sSubPr>
-                          <m:ctrlPr>
-                            <a:rPr lang="es-PE" i="1" smtClean="0">
-                              <a:latin typeface="Cambria Math" panose="02040503050406030204" pitchFamily="18" charset="0"/>
-                            </a:rPr>
-                          </m:ctrlPr>
-                        </m:sSubPr>
-                        <m:e>
-                          <m:r>
-                            <a:rPr lang="pt-BR" b="0" i="1" smtClean="0">
-                              <a:latin typeface="Cambria Math" panose="02040503050406030204" pitchFamily="18" charset="0"/>
-                            </a:rPr>
-                            <m:t>𝑆</m:t>
-                          </m:r>
-                        </m:e>
-                        <m:sub>
-                          <m:r>
-                            <a:rPr lang="pt-BR" b="0" i="1" smtClean="0">
-                              <a:latin typeface="Cambria Math" panose="02040503050406030204" pitchFamily="18" charset="0"/>
-                            </a:rPr>
-                            <m:t>𝑖𝑗</m:t>
-                          </m:r>
-                        </m:sub>
-                      </m:sSub>
-                      <m:r>
-                        <a:rPr lang="pt-BR" b="0" i="1" smtClean="0">
-                          <a:latin typeface="Cambria Math" panose="02040503050406030204" pitchFamily="18" charset="0"/>
-                        </a:rPr>
-                        <m:t>=</m:t>
-                      </m:r>
-                      <m:sSub>
-                        <m:sSubPr>
-                          <m:ctrlPr>
-                            <a:rPr lang="pt-BR" b="0" i="1" smtClean="0">
-                              <a:latin typeface="Cambria Math" panose="02040503050406030204" pitchFamily="18" charset="0"/>
-                            </a:rPr>
-                          </m:ctrlPr>
-                        </m:sSubPr>
-                        <m:e>
-                          <m:r>
-                            <a:rPr lang="pt-BR" b="0" i="1" smtClean="0">
-                              <a:latin typeface="Cambria Math" panose="02040503050406030204" pitchFamily="18" charset="0"/>
-                            </a:rPr>
-                            <m:t>𝑉</m:t>
-                          </m:r>
-                        </m:e>
-                        <m:sub>
-                          <m:r>
-                            <a:rPr lang="pt-BR" b="0" i="1" smtClean="0">
-                              <a:latin typeface="Cambria Math" panose="02040503050406030204" pitchFamily="18" charset="0"/>
-                            </a:rPr>
-                            <m:t>𝑖</m:t>
-                          </m:r>
-                        </m:sub>
-                      </m:sSub>
-                      <m:sSubSup>
-                        <m:sSubSupPr>
-                          <m:ctrlPr>
-                            <a:rPr lang="pt-BR" b="0" i="1" smtClean="0">
-                              <a:latin typeface="Cambria Math" panose="02040503050406030204" pitchFamily="18" charset="0"/>
-                            </a:rPr>
-                          </m:ctrlPr>
-                        </m:sSubSupPr>
-                        <m:e>
-                          <m:r>
-                            <a:rPr lang="pt-BR" b="0" i="1" smtClean="0">
-                              <a:latin typeface="Cambria Math" panose="02040503050406030204" pitchFamily="18" charset="0"/>
-                            </a:rPr>
-                            <m:t>𝐼</m:t>
-                          </m:r>
-                        </m:e>
-                        <m:sub>
-                          <m:r>
-                            <a:rPr lang="pt-BR" b="0" i="1" smtClean="0">
-                              <a:latin typeface="Cambria Math" panose="02040503050406030204" pitchFamily="18" charset="0"/>
-                            </a:rPr>
-                            <m:t>𝑖𝑗</m:t>
-                          </m:r>
-                        </m:sub>
-                        <m:sup>
-                          <m:r>
-                            <a:rPr lang="pt-BR" b="0" i="1" smtClean="0">
-                              <a:latin typeface="Cambria Math" panose="02040503050406030204" pitchFamily="18" charset="0"/>
-                            </a:rPr>
-                            <m:t>∗</m:t>
-                          </m:r>
-                        </m:sup>
-                      </m:sSubSup>
-                      <m:r>
-                        <a:rPr lang="pt-BR" b="0" i="1" smtClean="0">
-                          <a:latin typeface="Cambria Math" panose="02040503050406030204" pitchFamily="18" charset="0"/>
-                        </a:rPr>
-                        <m:t>=</m:t>
-                      </m:r>
-                      <m:sSub>
-                        <m:sSubPr>
-                          <m:ctrlPr>
-                            <a:rPr lang="pt-BR" b="0" i="1" smtClean="0">
-                              <a:latin typeface="Cambria Math" panose="02040503050406030204" pitchFamily="18" charset="0"/>
-                            </a:rPr>
-                          </m:ctrlPr>
-                        </m:sSubPr>
-                        <m:e>
-                          <m:r>
-                            <a:rPr lang="pt-BR" b="0" i="1" smtClean="0">
-                              <a:latin typeface="Cambria Math" panose="02040503050406030204" pitchFamily="18" charset="0"/>
-                            </a:rPr>
-                            <m:t>𝑉</m:t>
-                          </m:r>
-                        </m:e>
-                        <m:sub>
-                          <m:r>
-                            <a:rPr lang="pt-BR" b="0" i="1" smtClean="0">
-                              <a:latin typeface="Cambria Math" panose="02040503050406030204" pitchFamily="18" charset="0"/>
-                            </a:rPr>
-                            <m:t>𝑖</m:t>
-                          </m:r>
-                        </m:sub>
-                      </m:sSub>
-                      <m:sSubSup>
-                        <m:sSubSupPr>
-                          <m:ctrlPr>
-                            <a:rPr lang="pt-BR" b="0" i="1" smtClean="0">
-                              <a:latin typeface="Cambria Math" panose="02040503050406030204" pitchFamily="18" charset="0"/>
-                            </a:rPr>
-                          </m:ctrlPr>
-                        </m:sSubSupPr>
-                        <m:e>
-                          <m:r>
-                            <a:rPr lang="pt-BR" b="1" i="1" smtClean="0">
-                              <a:latin typeface="Cambria Math" panose="02040503050406030204" pitchFamily="18" charset="0"/>
-                            </a:rPr>
-                            <m:t>𝒀</m:t>
-                          </m:r>
-                        </m:e>
-                        <m:sub>
-                          <m:r>
-                            <a:rPr lang="pt-BR" b="0" i="1" smtClean="0">
-                              <a:latin typeface="Cambria Math" panose="02040503050406030204" pitchFamily="18" charset="0"/>
-                            </a:rPr>
-                            <m:t>𝑖𝑗</m:t>
-                          </m:r>
-                        </m:sub>
-                        <m:sup>
-                          <m:r>
-                            <a:rPr lang="pt-BR" b="0" i="1" smtClean="0">
-                              <a:latin typeface="Cambria Math" panose="02040503050406030204" pitchFamily="18" charset="0"/>
-                            </a:rPr>
-                            <m:t>∗</m:t>
-                          </m:r>
-                        </m:sup>
-                      </m:sSubSup>
-                      <m:sSup>
-                        <m:sSupPr>
-                          <m:ctrlPr>
-                            <a:rPr lang="pt-BR" b="0" i="1" smtClean="0">
-                              <a:latin typeface="Cambria Math" panose="02040503050406030204" pitchFamily="18" charset="0"/>
-                            </a:rPr>
-                          </m:ctrlPr>
-                        </m:sSupPr>
-                        <m:e>
-                          <m:d>
-                            <m:dPr>
-                              <m:ctrlPr>
-                                <a:rPr lang="pt-BR" i="1">
-                                  <a:latin typeface="Cambria Math" panose="02040503050406030204" pitchFamily="18" charset="0"/>
-                                </a:rPr>
-                              </m:ctrlPr>
-                            </m:dPr>
-                            <m:e>
-                              <m:sSub>
-                                <m:sSubPr>
-                                  <m:ctrlPr>
-                                    <a:rPr lang="pt-BR" i="1">
-                                      <a:latin typeface="Cambria Math" panose="02040503050406030204" pitchFamily="18" charset="0"/>
-                                    </a:rPr>
-                                  </m:ctrlPr>
-                                </m:sSubPr>
-                                <m:e>
-                                  <m:r>
-                                    <a:rPr lang="pt-BR" i="1">
-                                      <a:latin typeface="Cambria Math" panose="02040503050406030204" pitchFamily="18" charset="0"/>
-                                    </a:rPr>
-                                    <m:t>𝑉</m:t>
-                                  </m:r>
-                                </m:e>
-                                <m:sub>
-                                  <m:r>
-                                    <a:rPr lang="pt-BR" i="1">
-                                      <a:latin typeface="Cambria Math" panose="02040503050406030204" pitchFamily="18" charset="0"/>
-                                    </a:rPr>
-                                    <m:t>𝑖</m:t>
-                                  </m:r>
-                                </m:sub>
-                              </m:sSub>
-                              <m:r>
-                                <a:rPr lang="pt-BR" i="1">
-                                  <a:latin typeface="Cambria Math" panose="02040503050406030204" pitchFamily="18" charset="0"/>
-                                </a:rPr>
-                                <m:t>−</m:t>
-                              </m:r>
-                              <m:sSub>
-                                <m:sSubPr>
-                                  <m:ctrlPr>
-                                    <a:rPr lang="pt-BR" i="1">
-                                      <a:latin typeface="Cambria Math" panose="02040503050406030204" pitchFamily="18" charset="0"/>
-                                    </a:rPr>
-                                  </m:ctrlPr>
-                                </m:sSubPr>
-                                <m:e>
-                                  <m:r>
-                                    <a:rPr lang="pt-BR" i="1">
-                                      <a:latin typeface="Cambria Math" panose="02040503050406030204" pitchFamily="18" charset="0"/>
-                                    </a:rPr>
-                                    <m:t>𝑉</m:t>
-                                  </m:r>
-                                </m:e>
-                                <m:sub>
-                                  <m:r>
-                                    <a:rPr lang="pt-BR" i="1">
-                                      <a:latin typeface="Cambria Math" panose="02040503050406030204" pitchFamily="18" charset="0"/>
-                                    </a:rPr>
-                                    <m:t>𝑗</m:t>
-                                  </m:r>
-                                </m:sub>
-                              </m:sSub>
-                            </m:e>
-                          </m:d>
-                        </m:e>
-                        <m:sup>
-                          <m:r>
-                            <a:rPr lang="pt-BR" b="0" i="1" smtClean="0">
-                              <a:latin typeface="Cambria Math" panose="02040503050406030204" pitchFamily="18" charset="0"/>
-                            </a:rPr>
-                            <m:t>∗</m:t>
-                          </m:r>
-                        </m:sup>
-                      </m:sSup>
-                    </m:oMath>
-                  </m:oMathPara>
-                </a14:m>
-                <a:endParaRPr lang="es-PE" dirty="0"/>
-              </a:p>
-            </p:txBody>
-          </p:sp>
-        </mc:Choice>
-        <mc:Fallback xmlns="">
-          <p:sp>
-            <p:nvSpPr>
-              <p:cNvPr id="58" name="CaixaDeTexto 57">
-                <a:extLst>
-                  <a:ext uri="{FF2B5EF4-FFF2-40B4-BE49-F238E27FC236}">
-                    <a16:creationId xmlns:a16="http://schemas.microsoft.com/office/drawing/2014/main" id="{DE48C7C5-FC79-441D-A92C-8033BD6FE0BB}"/>
-                  </a:ext>
-                </a:extLst>
-              </p:cNvPr>
-              <p:cNvSpPr txBox="1">
-                <a:spLocks noRot="1" noChangeAspect="1" noMove="1" noResize="1" noEditPoints="1" noAdjustHandles="1" noChangeArrowheads="1" noChangeShapeType="1" noTextEdit="1"/>
-              </p:cNvSpPr>
-              <p:nvPr/>
-            </p:nvSpPr>
-            <p:spPr>
-              <a:xfrm>
-                <a:off x="2594710" y="4737891"/>
-                <a:ext cx="2771913" cy="355675"/>
-              </a:xfrm>
-              <a:prstGeom prst="rect">
-                <a:avLst/>
-              </a:prstGeom>
-              <a:blipFill>
-                <a:blip r:embed="rId7"/>
-                <a:stretch>
-                  <a:fillRect l="-1762" r="-220" b="-20339"/>
-                </a:stretch>
-              </a:blipFill>
-            </p:spPr>
-            <p:txBody>
-              <a:bodyPr/>
-              <a:lstStyle/>
-              <a:p>
-                <a:r>
-                  <a:rPr lang="es-PE">
-                    <a:noFill/>
-                  </a:rPr>
-                  <a:t> </a:t>
-                </a:r>
-              </a:p>
-            </p:txBody>
-          </p:sp>
-        </mc:Fallback>
-      </mc:AlternateContent>
-      <mc:AlternateContent xmlns:mc="http://schemas.openxmlformats.org/markup-compatibility/2006" xmlns:a14="http://schemas.microsoft.com/office/drawing/2010/main">
-        <mc:Choice Requires="a14">
-          <p:sp>
-            <p:nvSpPr>
-              <p:cNvPr id="60" name="CaixaDeTexto 59">
-                <a:extLst>
-                  <a:ext uri="{FF2B5EF4-FFF2-40B4-BE49-F238E27FC236}">
-                    <a16:creationId xmlns:a16="http://schemas.microsoft.com/office/drawing/2014/main" id="{0CBA035F-58F6-4EC1-8094-4564658BD93F}"/>
-                  </a:ext>
-                </a:extLst>
-              </p:cNvPr>
-              <p:cNvSpPr txBox="1"/>
-              <p:nvPr/>
-            </p:nvSpPr>
-            <p:spPr>
-              <a:xfrm>
-                <a:off x="6012160" y="4737891"/>
-                <a:ext cx="2841804" cy="355675"/>
-              </a:xfrm>
-              <a:prstGeom prst="rect">
-                <a:avLst/>
-              </a:prstGeom>
-              <a:noFill/>
-            </p:spPr>
-            <p:txBody>
-              <a:bodyPr wrap="none" lIns="0" tIns="0" rIns="0" bIns="0" rtlCol="0">
-                <a:spAutoFit/>
-              </a:bodyPr>
-              <a:lstStyle/>
-              <a:p>
-                <a:pPr/>
-                <a14:m>
-                  <m:oMathPara xmlns:m="http://schemas.openxmlformats.org/officeDocument/2006/math">
-                    <m:oMathParaPr>
-                      <m:jc m:val="centerGroup"/>
-                    </m:oMathParaPr>
-                    <m:oMath xmlns:m="http://schemas.openxmlformats.org/officeDocument/2006/math">
-                      <m:sSub>
-                        <m:sSubPr>
-                          <m:ctrlPr>
-                            <a:rPr lang="es-PE" i="1" smtClean="0">
-                              <a:latin typeface="Cambria Math" panose="02040503050406030204" pitchFamily="18" charset="0"/>
-                            </a:rPr>
-                          </m:ctrlPr>
-                        </m:sSubPr>
-                        <m:e>
-                          <m:r>
-                            <a:rPr lang="pt-BR" b="0" i="1" smtClean="0">
-                              <a:latin typeface="Cambria Math" panose="02040503050406030204" pitchFamily="18" charset="0"/>
-                            </a:rPr>
-                            <m:t>𝑆</m:t>
-                          </m:r>
-                        </m:e>
-                        <m:sub>
-                          <m:r>
-                            <a:rPr lang="pt-BR" b="0" i="1" smtClean="0">
-                              <a:latin typeface="Cambria Math" panose="02040503050406030204" pitchFamily="18" charset="0"/>
-                            </a:rPr>
-                            <m:t>𝑗𝑖</m:t>
-                          </m:r>
-                        </m:sub>
-                      </m:sSub>
-                      <m:r>
-                        <a:rPr lang="pt-BR" b="0" i="1" smtClean="0">
-                          <a:latin typeface="Cambria Math" panose="02040503050406030204" pitchFamily="18" charset="0"/>
-                        </a:rPr>
-                        <m:t>=</m:t>
-                      </m:r>
-                      <m:sSub>
-                        <m:sSubPr>
-                          <m:ctrlPr>
-                            <a:rPr lang="pt-BR" b="0" i="1" smtClean="0">
-                              <a:latin typeface="Cambria Math" panose="02040503050406030204" pitchFamily="18" charset="0"/>
-                            </a:rPr>
-                          </m:ctrlPr>
-                        </m:sSubPr>
-                        <m:e>
-                          <m:r>
-                            <a:rPr lang="pt-BR" b="0" i="1" smtClean="0">
-                              <a:latin typeface="Cambria Math" panose="02040503050406030204" pitchFamily="18" charset="0"/>
-                            </a:rPr>
-                            <m:t>𝑉</m:t>
-                          </m:r>
-                        </m:e>
-                        <m:sub>
-                          <m:r>
-                            <a:rPr lang="pt-BR" b="0" i="1" smtClean="0">
-                              <a:latin typeface="Cambria Math" panose="02040503050406030204" pitchFamily="18" charset="0"/>
-                            </a:rPr>
-                            <m:t>𝑗</m:t>
-                          </m:r>
-                        </m:sub>
-                      </m:sSub>
-                      <m:sSubSup>
-                        <m:sSubSupPr>
-                          <m:ctrlPr>
-                            <a:rPr lang="pt-BR" b="0" i="1" smtClean="0">
-                              <a:latin typeface="Cambria Math" panose="02040503050406030204" pitchFamily="18" charset="0"/>
-                            </a:rPr>
-                          </m:ctrlPr>
-                        </m:sSubSupPr>
-                        <m:e>
-                          <m:r>
-                            <a:rPr lang="pt-BR" b="0" i="1" smtClean="0">
-                              <a:latin typeface="Cambria Math" panose="02040503050406030204" pitchFamily="18" charset="0"/>
-                            </a:rPr>
-                            <m:t>𝐼</m:t>
-                          </m:r>
-                        </m:e>
-                        <m:sub>
-                          <m:r>
-                            <a:rPr lang="pt-BR" b="0" i="1" smtClean="0">
-                              <a:latin typeface="Cambria Math" panose="02040503050406030204" pitchFamily="18" charset="0"/>
-                            </a:rPr>
-                            <m:t>𝑖𝑗</m:t>
-                          </m:r>
-                        </m:sub>
-                        <m:sup>
-                          <m:r>
-                            <a:rPr lang="pt-BR" b="0" i="1" smtClean="0">
-                              <a:latin typeface="Cambria Math" panose="02040503050406030204" pitchFamily="18" charset="0"/>
-                            </a:rPr>
-                            <m:t>∗</m:t>
-                          </m:r>
-                        </m:sup>
-                      </m:sSubSup>
-                      <m:r>
-                        <a:rPr lang="pt-BR" b="0" i="1" smtClean="0">
-                          <a:latin typeface="Cambria Math" panose="02040503050406030204" pitchFamily="18" charset="0"/>
-                        </a:rPr>
-                        <m:t>=</m:t>
-                      </m:r>
-                      <m:sSub>
-                        <m:sSubPr>
-                          <m:ctrlPr>
-                            <a:rPr lang="pt-BR" b="0" i="1" smtClean="0">
-                              <a:latin typeface="Cambria Math" panose="02040503050406030204" pitchFamily="18" charset="0"/>
-                            </a:rPr>
-                          </m:ctrlPr>
-                        </m:sSubPr>
-                        <m:e>
-                          <m:r>
-                            <a:rPr lang="pt-BR" b="0" i="1" smtClean="0">
-                              <a:latin typeface="Cambria Math" panose="02040503050406030204" pitchFamily="18" charset="0"/>
-                            </a:rPr>
-                            <m:t>𝑉</m:t>
-                          </m:r>
-                        </m:e>
-                        <m:sub>
-                          <m:r>
-                            <a:rPr lang="pt-BR" b="0" i="1" smtClean="0">
-                              <a:latin typeface="Cambria Math" panose="02040503050406030204" pitchFamily="18" charset="0"/>
-                            </a:rPr>
-                            <m:t>𝑗</m:t>
-                          </m:r>
-                        </m:sub>
-                      </m:sSub>
-                      <m:sSubSup>
-                        <m:sSubSupPr>
-                          <m:ctrlPr>
-                            <a:rPr lang="pt-BR" b="0" i="1" smtClean="0">
-                              <a:latin typeface="Cambria Math" panose="02040503050406030204" pitchFamily="18" charset="0"/>
-                            </a:rPr>
-                          </m:ctrlPr>
-                        </m:sSubSupPr>
-                        <m:e>
-                          <m:r>
-                            <a:rPr lang="pt-BR" b="1" i="1" smtClean="0">
-                              <a:latin typeface="Cambria Math" panose="02040503050406030204" pitchFamily="18" charset="0"/>
-                            </a:rPr>
-                            <m:t>𝒀</m:t>
-                          </m:r>
-                        </m:e>
-                        <m:sub>
-                          <m:r>
-                            <a:rPr lang="pt-BR" b="0" i="1" smtClean="0">
-                              <a:latin typeface="Cambria Math" panose="02040503050406030204" pitchFamily="18" charset="0"/>
-                            </a:rPr>
-                            <m:t>𝑖𝑗</m:t>
-                          </m:r>
-                        </m:sub>
-                        <m:sup>
-                          <m:r>
-                            <a:rPr lang="pt-BR" b="0" i="1" smtClean="0">
-                              <a:latin typeface="Cambria Math" panose="02040503050406030204" pitchFamily="18" charset="0"/>
-                            </a:rPr>
-                            <m:t>∗</m:t>
-                          </m:r>
-                        </m:sup>
-                      </m:sSubSup>
-                      <m:sSup>
-                        <m:sSupPr>
-                          <m:ctrlPr>
-                            <a:rPr lang="pt-BR" b="0" i="1" smtClean="0">
-                              <a:latin typeface="Cambria Math" panose="02040503050406030204" pitchFamily="18" charset="0"/>
-                            </a:rPr>
-                          </m:ctrlPr>
-                        </m:sSupPr>
-                        <m:e>
-                          <m:d>
-                            <m:dPr>
-                              <m:ctrlPr>
-                                <a:rPr lang="pt-BR" i="1">
-                                  <a:latin typeface="Cambria Math" panose="02040503050406030204" pitchFamily="18" charset="0"/>
-                                </a:rPr>
-                              </m:ctrlPr>
-                            </m:dPr>
-                            <m:e>
-                              <m:sSub>
-                                <m:sSubPr>
-                                  <m:ctrlPr>
-                                    <a:rPr lang="pt-BR" i="1">
-                                      <a:latin typeface="Cambria Math" panose="02040503050406030204" pitchFamily="18" charset="0"/>
-                                    </a:rPr>
-                                  </m:ctrlPr>
-                                </m:sSubPr>
-                                <m:e>
-                                  <m:r>
-                                    <a:rPr lang="pt-BR" i="1">
-                                      <a:latin typeface="Cambria Math" panose="02040503050406030204" pitchFamily="18" charset="0"/>
-                                    </a:rPr>
-                                    <m:t>𝑉</m:t>
-                                  </m:r>
-                                </m:e>
-                                <m:sub>
-                                  <m:r>
-                                    <a:rPr lang="pt-BR" i="1">
-                                      <a:latin typeface="Cambria Math" panose="02040503050406030204" pitchFamily="18" charset="0"/>
-                                    </a:rPr>
-                                    <m:t>𝑖</m:t>
-                                  </m:r>
-                                </m:sub>
-                              </m:sSub>
-                              <m:r>
-                                <a:rPr lang="pt-BR" i="1">
-                                  <a:latin typeface="Cambria Math" panose="02040503050406030204" pitchFamily="18" charset="0"/>
-                                </a:rPr>
-                                <m:t>−</m:t>
-                              </m:r>
-                              <m:sSub>
-                                <m:sSubPr>
-                                  <m:ctrlPr>
-                                    <a:rPr lang="pt-BR" i="1">
-                                      <a:latin typeface="Cambria Math" panose="02040503050406030204" pitchFamily="18" charset="0"/>
-                                    </a:rPr>
-                                  </m:ctrlPr>
-                                </m:sSubPr>
-                                <m:e>
-                                  <m:r>
-                                    <a:rPr lang="pt-BR" i="1">
-                                      <a:latin typeface="Cambria Math" panose="02040503050406030204" pitchFamily="18" charset="0"/>
-                                    </a:rPr>
-                                    <m:t>𝑉</m:t>
-                                  </m:r>
-                                </m:e>
-                                <m:sub>
-                                  <m:r>
-                                    <a:rPr lang="pt-BR" i="1">
-                                      <a:latin typeface="Cambria Math" panose="02040503050406030204" pitchFamily="18" charset="0"/>
-                                    </a:rPr>
-                                    <m:t>𝑗</m:t>
-                                  </m:r>
-                                </m:sub>
-                              </m:sSub>
-                            </m:e>
-                          </m:d>
-                        </m:e>
-                        <m:sup>
-                          <m:r>
-                            <a:rPr lang="pt-BR" b="0" i="1" smtClean="0">
-                              <a:latin typeface="Cambria Math" panose="02040503050406030204" pitchFamily="18" charset="0"/>
-                            </a:rPr>
-                            <m:t>∗</m:t>
-                          </m:r>
-                        </m:sup>
-                      </m:sSup>
-                    </m:oMath>
-                  </m:oMathPara>
-                </a14:m>
-                <a:endParaRPr lang="es-PE" dirty="0"/>
-              </a:p>
-            </p:txBody>
-          </p:sp>
-        </mc:Choice>
-        <mc:Fallback xmlns="">
-          <p:sp>
-            <p:nvSpPr>
-              <p:cNvPr id="60" name="CaixaDeTexto 59">
-                <a:extLst>
-                  <a:ext uri="{FF2B5EF4-FFF2-40B4-BE49-F238E27FC236}">
-                    <a16:creationId xmlns:a16="http://schemas.microsoft.com/office/drawing/2014/main" id="{0CBA035F-58F6-4EC1-8094-4564658BD93F}"/>
-                  </a:ext>
-                </a:extLst>
-              </p:cNvPr>
-              <p:cNvSpPr txBox="1">
-                <a:spLocks noRot="1" noChangeAspect="1" noMove="1" noResize="1" noEditPoints="1" noAdjustHandles="1" noChangeArrowheads="1" noChangeShapeType="1" noTextEdit="1"/>
-              </p:cNvSpPr>
-              <p:nvPr/>
-            </p:nvSpPr>
-            <p:spPr>
-              <a:xfrm>
-                <a:off x="6012160" y="4737891"/>
-                <a:ext cx="2841804" cy="355675"/>
-              </a:xfrm>
-              <a:prstGeom prst="rect">
-                <a:avLst/>
-              </a:prstGeom>
-              <a:blipFill>
-                <a:blip r:embed="rId8"/>
-                <a:stretch>
-                  <a:fillRect b="-20339"/>
-                </a:stretch>
-              </a:blipFill>
-            </p:spPr>
-            <p:txBody>
-              <a:bodyPr/>
-              <a:lstStyle/>
-              <a:p>
-                <a:r>
-                  <a:rPr lang="es-PE">
-                    <a:noFill/>
-                  </a:rPr>
-                  <a:t> </a:t>
-                </a:r>
-              </a:p>
-            </p:txBody>
-          </p:sp>
-        </mc:Fallback>
-      </mc:AlternateContent>
-      <mc:AlternateContent xmlns:mc="http://schemas.openxmlformats.org/markup-compatibility/2006" xmlns:a14="http://schemas.microsoft.com/office/drawing/2010/main">
-        <mc:Choice Requires="a14">
-          <p:sp>
-            <p:nvSpPr>
-              <p:cNvPr id="26" name="CaixaDeTexto 25">
-                <a:extLst>
-                  <a:ext uri="{FF2B5EF4-FFF2-40B4-BE49-F238E27FC236}">
-                    <a16:creationId xmlns:a16="http://schemas.microsoft.com/office/drawing/2014/main" id="{02A56800-6DC3-4F8B-BB97-95D254ECAA5F}"/>
-                  </a:ext>
-                </a:extLst>
-              </p:cNvPr>
-              <p:cNvSpPr txBox="1"/>
-              <p:nvPr/>
-            </p:nvSpPr>
-            <p:spPr>
-              <a:xfrm>
-                <a:off x="5515465" y="4731063"/>
-                <a:ext cx="347852" cy="430887"/>
-              </a:xfrm>
-              <a:prstGeom prst="rect">
-                <a:avLst/>
-              </a:prstGeom>
-              <a:noFill/>
-            </p:spPr>
-            <p:txBody>
-              <a:bodyPr wrap="none" lIns="0" tIns="0" rIns="0" bIns="0" rtlCol="0">
-                <a:spAutoFit/>
-              </a:bodyPr>
-              <a:lstStyle/>
-              <a:p>
-                <a:pPr/>
-                <a14:m>
-                  <m:oMathPara xmlns:m="http://schemas.openxmlformats.org/officeDocument/2006/math">
-                    <m:oMathParaPr>
-                      <m:jc m:val="centerGroup"/>
-                    </m:oMathParaPr>
-                    <m:oMath xmlns:m="http://schemas.openxmlformats.org/officeDocument/2006/math">
-                      <m:r>
-                        <a:rPr lang="es-PE" sz="2800" i="1" smtClean="0">
-                          <a:solidFill>
-                            <a:srgbClr val="FF0000"/>
-                          </a:solidFill>
-                          <a:latin typeface="Cambria Math" panose="02040503050406030204" pitchFamily="18" charset="0"/>
-                          <a:ea typeface="Cambria Math" panose="02040503050406030204" pitchFamily="18" charset="0"/>
-                        </a:rPr>
-                        <m:t>≠</m:t>
-                      </m:r>
-                    </m:oMath>
-                  </m:oMathPara>
-                </a14:m>
-                <a:endParaRPr lang="es-PE" sz="2800" dirty="0">
-                  <a:solidFill>
-                    <a:srgbClr val="FF0000"/>
-                  </a:solidFill>
-                </a:endParaRPr>
-              </a:p>
-            </p:txBody>
-          </p:sp>
-        </mc:Choice>
-        <mc:Fallback xmlns="">
-          <p:sp>
-            <p:nvSpPr>
-              <p:cNvPr id="26" name="CaixaDeTexto 25">
-                <a:extLst>
-                  <a:ext uri="{FF2B5EF4-FFF2-40B4-BE49-F238E27FC236}">
-                    <a16:creationId xmlns:a16="http://schemas.microsoft.com/office/drawing/2014/main" id="{02A56800-6DC3-4F8B-BB97-95D254ECAA5F}"/>
-                  </a:ext>
-                </a:extLst>
-              </p:cNvPr>
-              <p:cNvSpPr txBox="1">
-                <a:spLocks noRot="1" noChangeAspect="1" noMove="1" noResize="1" noEditPoints="1" noAdjustHandles="1" noChangeArrowheads="1" noChangeShapeType="1" noTextEdit="1"/>
-              </p:cNvSpPr>
-              <p:nvPr/>
-            </p:nvSpPr>
-            <p:spPr>
-              <a:xfrm>
-                <a:off x="5515465" y="4731063"/>
-                <a:ext cx="347852" cy="430887"/>
-              </a:xfrm>
-              <a:prstGeom prst="rect">
-                <a:avLst/>
-              </a:prstGeom>
-              <a:blipFill>
-                <a:blip r:embed="rId9"/>
-                <a:stretch>
-                  <a:fillRect/>
-                </a:stretch>
-              </a:blipFill>
-            </p:spPr>
-            <p:txBody>
-              <a:bodyPr/>
-              <a:lstStyle/>
-              <a:p>
-                <a:r>
-                  <a:rPr lang="es-PE">
-                    <a:noFill/>
-                  </a:rPr>
-                  <a:t> </a:t>
-                </a:r>
-              </a:p>
-            </p:txBody>
-          </p:sp>
-        </mc:Fallback>
-      </mc:AlternateContent>
-      <p:sp>
-        <p:nvSpPr>
-          <p:cNvPr id="28" name="CaixaDeTexto 27">
-            <a:extLst>
-              <a:ext uri="{FF2B5EF4-FFF2-40B4-BE49-F238E27FC236}">
-                <a16:creationId xmlns:a16="http://schemas.microsoft.com/office/drawing/2014/main" id="{B1D667E9-BDD6-4BC6-90A1-D65F379ADA85}"/>
-              </a:ext>
-            </a:extLst>
-          </p:cNvPr>
-          <p:cNvSpPr txBox="1"/>
-          <p:nvPr/>
-        </p:nvSpPr>
-        <p:spPr>
-          <a:xfrm>
-            <a:off x="5169056" y="4132730"/>
-            <a:ext cx="1040670" cy="646331"/>
-          </a:xfrm>
-          <a:prstGeom prst="rect">
-            <a:avLst/>
-          </a:prstGeom>
-          <a:noFill/>
-        </p:spPr>
-        <p:txBody>
-          <a:bodyPr wrap="none" rtlCol="0">
-            <a:spAutoFit/>
-          </a:bodyPr>
-          <a:lstStyle/>
-          <a:p>
-            <a:pPr algn="ctr"/>
-            <a:r>
-              <a:rPr lang="es-PE" dirty="0">
-                <a:solidFill>
-                  <a:srgbClr val="FF0000"/>
-                </a:solidFill>
-              </a:rPr>
-              <a:t>Perdidas </a:t>
-            </a:r>
-          </a:p>
-          <a:p>
-            <a:pPr algn="ctr"/>
-            <a:r>
-              <a:rPr lang="es-PE" dirty="0">
-                <a:solidFill>
-                  <a:srgbClr val="FF0000"/>
-                </a:solidFill>
-              </a:rPr>
-              <a:t>de energía</a:t>
-            </a:r>
-          </a:p>
-        </p:txBody>
-      </p:sp>
     </p:spTree>
     <p:extLst>
       <p:ext uri="{BB962C8B-B14F-4D97-AF65-F5344CB8AC3E}">
-        <p14:creationId xmlns:p14="http://schemas.microsoft.com/office/powerpoint/2010/main" val="1089826976"/>
+        <p14:creationId xmlns:p14="http://schemas.microsoft.com/office/powerpoint/2010/main" val="1420479825"/>
       </p:ext>
     </p:extLst>
   </p:cSld>
@@ -7551,2498 +8291,13 @@
           <a:p>
             <a:r>
               <a:rPr lang="es-PE" altLang="en-US" dirty="0"/>
-              <a:t>Línea de transmisión: Modelo “Pi”</a:t>
+              <a:t>Transformador: Modelo “Pi”</a:t>
             </a:r>
           </a:p>
         </p:txBody>
       </p:sp>
       <mc:AlternateContent xmlns:mc="http://schemas.openxmlformats.org/markup-compatibility/2006" xmlns:a14="http://schemas.microsoft.com/office/drawing/2010/main">
         <mc:Choice Requires="a14">
-          <p:sp>
-            <p:nvSpPr>
-              <p:cNvPr id="4" name="Retângulo 3">
-                <a:extLst>
-                  <a:ext uri="{FF2B5EF4-FFF2-40B4-BE49-F238E27FC236}">
-                    <a16:creationId xmlns:a16="http://schemas.microsoft.com/office/drawing/2014/main" id="{82427D91-6E57-4FCC-A029-F1ECE99B7202}"/>
-                  </a:ext>
-                </a:extLst>
-              </p:cNvPr>
-              <p:cNvSpPr/>
-              <p:nvPr/>
-            </p:nvSpPr>
-            <p:spPr>
-              <a:xfrm>
-                <a:off x="3995936" y="1387704"/>
-                <a:ext cx="1152128" cy="457120"/>
-              </a:xfrm>
-              <a:prstGeom prst="rect">
-                <a:avLst/>
-              </a:prstGeom>
-              <a:noFill/>
-              <a:ln w="28575" cap="flat" cmpd="sng" algn="ctr">
-                <a:solidFill>
-                  <a:schemeClr val="dk1"/>
-                </a:solidFill>
-                <a:prstDash val="solid"/>
-                <a:round/>
-                <a:headEnd type="none" w="med" len="med"/>
-                <a:tailEnd type="none" w="med" len="med"/>
-              </a:ln>
-            </p:spPr>
-            <p:style>
-              <a:lnRef idx="0">
-                <a:scrgbClr r="0" g="0" b="0"/>
-              </a:lnRef>
-              <a:fillRef idx="0">
-                <a:scrgbClr r="0" g="0" b="0"/>
-              </a:fillRef>
-              <a:effectRef idx="0">
-                <a:scrgbClr r="0" g="0" b="0"/>
-              </a:effectRef>
-              <a:fontRef idx="minor">
-                <a:schemeClr val="dk1"/>
-              </a:fontRef>
-            </p:style>
-            <p:txBody>
-              <a:bodyPr rtlCol="0" anchor="ctr"/>
-              <a:lstStyle/>
-              <a:p>
-                <a:pPr algn="ctr"/>
-                <a14:m>
-                  <m:oMathPara xmlns:m="http://schemas.openxmlformats.org/officeDocument/2006/math">
-                    <m:oMathParaPr>
-                      <m:jc m:val="centerGroup"/>
-                    </m:oMathParaPr>
-                    <m:oMath xmlns:m="http://schemas.openxmlformats.org/officeDocument/2006/math">
-                      <m:sSub>
-                        <m:sSubPr>
-                          <m:ctrlPr>
-                            <a:rPr lang="es-PE" i="1" smtClean="0">
-                              <a:latin typeface="Cambria Math" panose="02040503050406030204" pitchFamily="18" charset="0"/>
-                            </a:rPr>
-                          </m:ctrlPr>
-                        </m:sSubPr>
-                        <m:e>
-                          <m:r>
-                            <a:rPr lang="pt-BR" b="1" i="1" smtClean="0">
-                              <a:latin typeface="Cambria Math" panose="02040503050406030204" pitchFamily="18" charset="0"/>
-                            </a:rPr>
-                            <m:t>𝒀</m:t>
-                          </m:r>
-                        </m:e>
-                        <m:sub>
-                          <m:r>
-                            <a:rPr lang="pt-BR" b="0" i="1" smtClean="0">
-                              <a:latin typeface="Cambria Math" panose="02040503050406030204" pitchFamily="18" charset="0"/>
-                            </a:rPr>
-                            <m:t>𝑖𝑗</m:t>
-                          </m:r>
-                        </m:sub>
-                      </m:sSub>
-                    </m:oMath>
-                  </m:oMathPara>
-                </a14:m>
-                <a:endParaRPr lang="es-PE" dirty="0"/>
-              </a:p>
-            </p:txBody>
-          </p:sp>
-        </mc:Choice>
-        <mc:Fallback xmlns="">
-          <p:sp>
-            <p:nvSpPr>
-              <p:cNvPr id="4" name="Retângulo 3">
-                <a:extLst>
-                  <a:ext uri="{FF2B5EF4-FFF2-40B4-BE49-F238E27FC236}">
-                    <a16:creationId xmlns:a16="http://schemas.microsoft.com/office/drawing/2014/main" id="{82427D91-6E57-4FCC-A029-F1ECE99B7202}"/>
-                  </a:ext>
-                </a:extLst>
-              </p:cNvPr>
-              <p:cNvSpPr>
-                <a:spLocks noRot="1" noChangeAspect="1" noMove="1" noResize="1" noEditPoints="1" noAdjustHandles="1" noChangeArrowheads="1" noChangeShapeType="1" noTextEdit="1"/>
-              </p:cNvSpPr>
-              <p:nvPr/>
-            </p:nvSpPr>
-            <p:spPr>
-              <a:xfrm>
-                <a:off x="3995936" y="1387704"/>
-                <a:ext cx="1152128" cy="457120"/>
-              </a:xfrm>
-              <a:prstGeom prst="rect">
-                <a:avLst/>
-              </a:prstGeom>
-              <a:blipFill>
-                <a:blip r:embed="rId2"/>
-                <a:stretch>
-                  <a:fillRect/>
-                </a:stretch>
-              </a:blipFill>
-              <a:ln w="28575" cap="flat" cmpd="sng" algn="ctr">
-                <a:solidFill>
-                  <a:schemeClr val="dk1"/>
-                </a:solidFill>
-                <a:prstDash val="solid"/>
-                <a:round/>
-                <a:headEnd type="none" w="med" len="med"/>
-                <a:tailEnd type="none" w="med" len="med"/>
-              </a:ln>
-            </p:spPr>
-            <p:txBody>
-              <a:bodyPr/>
-              <a:lstStyle/>
-              <a:p>
-                <a:r>
-                  <a:rPr lang="es-PE">
-                    <a:noFill/>
-                  </a:rPr>
-                  <a:t> </a:t>
-                </a:r>
-              </a:p>
-            </p:txBody>
-          </p:sp>
-        </mc:Fallback>
-      </mc:AlternateContent>
-      <p:sp>
-        <p:nvSpPr>
-          <p:cNvPr id="5" name="Elipse 4">
-            <a:extLst>
-              <a:ext uri="{FF2B5EF4-FFF2-40B4-BE49-F238E27FC236}">
-                <a16:creationId xmlns:a16="http://schemas.microsoft.com/office/drawing/2014/main" id="{96536000-70A4-48B9-8F01-E78DE9087F9B}"/>
-              </a:ext>
-            </a:extLst>
-          </p:cNvPr>
-          <p:cNvSpPr/>
-          <p:nvPr/>
-        </p:nvSpPr>
-        <p:spPr>
-          <a:xfrm>
-            <a:off x="7668344" y="1508252"/>
-            <a:ext cx="216024" cy="216024"/>
-          </a:xfrm>
-          <a:prstGeom prst="ellipse">
-            <a:avLst/>
-          </a:prstGeom>
-          <a:noFill/>
-          <a:ln w="28575" cap="flat" cmpd="sng" algn="ctr">
-            <a:solidFill>
-              <a:schemeClr val="dk1"/>
-            </a:solidFill>
-            <a:prstDash val="solid"/>
-            <a:round/>
-            <a:headEnd type="none" w="med" len="med"/>
-            <a:tailEnd type="none" w="med" len="med"/>
-          </a:ln>
-        </p:spPr>
-        <p:style>
-          <a:lnRef idx="0">
-            <a:scrgbClr r="0" g="0" b="0"/>
-          </a:lnRef>
-          <a:fillRef idx="0">
-            <a:scrgbClr r="0" g="0" b="0"/>
-          </a:fillRef>
-          <a:effectRef idx="0">
-            <a:scrgbClr r="0" g="0" b="0"/>
-          </a:effectRef>
-          <a:fontRef idx="minor">
-            <a:schemeClr val="dk1"/>
-          </a:fontRef>
-        </p:style>
-        <p:txBody>
-          <a:bodyPr rtlCol="0" anchor="ctr"/>
-          <a:lstStyle/>
-          <a:p>
-            <a:pPr algn="ctr"/>
-            <a:endParaRPr lang="es-PE"/>
-          </a:p>
-        </p:txBody>
-      </p:sp>
-      <p:cxnSp>
-        <p:nvCxnSpPr>
-          <p:cNvPr id="10" name="Conector reto 9">
-            <a:extLst>
-              <a:ext uri="{FF2B5EF4-FFF2-40B4-BE49-F238E27FC236}">
-                <a16:creationId xmlns:a16="http://schemas.microsoft.com/office/drawing/2014/main" id="{B69E918F-931E-484D-B43D-760D75FB38A3}"/>
-              </a:ext>
-            </a:extLst>
-          </p:cNvPr>
-          <p:cNvCxnSpPr>
-            <a:cxnSpLocks/>
-            <a:stCxn id="5" idx="2"/>
-            <a:endCxn id="4" idx="3"/>
-          </p:cNvCxnSpPr>
-          <p:nvPr/>
-        </p:nvCxnSpPr>
-        <p:spPr>
-          <a:xfrm flipH="1">
-            <a:off x="5148064" y="1616264"/>
-            <a:ext cx="2520280" cy="0"/>
-          </a:xfrm>
-          <a:prstGeom prst="line">
-            <a:avLst/>
-          </a:prstGeom>
-          <a:ln w="28575"/>
-        </p:spPr>
-        <p:style>
-          <a:lnRef idx="1">
-            <a:schemeClr val="dk1"/>
-          </a:lnRef>
-          <a:fillRef idx="0">
-            <a:schemeClr val="dk1"/>
-          </a:fillRef>
-          <a:effectRef idx="0">
-            <a:schemeClr val="dk1"/>
-          </a:effectRef>
-          <a:fontRef idx="minor">
-            <a:schemeClr val="tx1"/>
-          </a:fontRef>
-        </p:style>
-      </p:cxnSp>
-      <mc:AlternateContent xmlns:mc="http://schemas.openxmlformats.org/markup-compatibility/2006" xmlns:a14="http://schemas.microsoft.com/office/drawing/2010/main">
-        <mc:Choice Requires="a14">
-          <p:sp>
-            <p:nvSpPr>
-              <p:cNvPr id="13" name="CaixaDeTexto 12">
-                <a:extLst>
-                  <a:ext uri="{FF2B5EF4-FFF2-40B4-BE49-F238E27FC236}">
-                    <a16:creationId xmlns:a16="http://schemas.microsoft.com/office/drawing/2014/main" id="{EF091E1B-B075-43B1-8374-516CCA695777}"/>
-                  </a:ext>
-                </a:extLst>
-              </p:cNvPr>
-              <p:cNvSpPr txBox="1"/>
-              <p:nvPr/>
-            </p:nvSpPr>
-            <p:spPr>
-              <a:xfrm>
-                <a:off x="7683719" y="1197736"/>
-                <a:ext cx="238270" cy="299313"/>
-              </a:xfrm>
-              <a:prstGeom prst="rect">
-                <a:avLst/>
-              </a:prstGeom>
-              <a:noFill/>
-            </p:spPr>
-            <p:txBody>
-              <a:bodyPr wrap="none" lIns="0" tIns="0" rIns="0" bIns="0" rtlCol="0">
-                <a:spAutoFit/>
-              </a:bodyPr>
-              <a:lstStyle/>
-              <a:p>
-                <a:pPr/>
-                <a14:m>
-                  <m:oMathPara xmlns:m="http://schemas.openxmlformats.org/officeDocument/2006/math">
-                    <m:oMathParaPr>
-                      <m:jc m:val="centerGroup"/>
-                    </m:oMathParaPr>
-                    <m:oMath xmlns:m="http://schemas.openxmlformats.org/officeDocument/2006/math">
-                      <m:sSub>
-                        <m:sSubPr>
-                          <m:ctrlPr>
-                            <a:rPr lang="es-PE" i="1" smtClean="0">
-                              <a:latin typeface="Cambria Math" panose="02040503050406030204" pitchFamily="18" charset="0"/>
-                            </a:rPr>
-                          </m:ctrlPr>
-                        </m:sSubPr>
-                        <m:e>
-                          <m:r>
-                            <a:rPr lang="pt-BR" b="0" i="1" smtClean="0">
-                              <a:latin typeface="Cambria Math" panose="02040503050406030204" pitchFamily="18" charset="0"/>
-                            </a:rPr>
-                            <m:t>𝑉</m:t>
-                          </m:r>
-                        </m:e>
-                        <m:sub>
-                          <m:r>
-                            <a:rPr lang="pt-BR" b="0" i="1" smtClean="0">
-                              <a:latin typeface="Cambria Math" panose="02040503050406030204" pitchFamily="18" charset="0"/>
-                            </a:rPr>
-                            <m:t>𝑗</m:t>
-                          </m:r>
-                        </m:sub>
-                      </m:sSub>
-                    </m:oMath>
-                  </m:oMathPara>
-                </a14:m>
-                <a:endParaRPr lang="es-PE" dirty="0"/>
-              </a:p>
-            </p:txBody>
-          </p:sp>
-        </mc:Choice>
-        <mc:Fallback xmlns="">
-          <p:sp>
-            <p:nvSpPr>
-              <p:cNvPr id="13" name="CaixaDeTexto 12">
-                <a:extLst>
-                  <a:ext uri="{FF2B5EF4-FFF2-40B4-BE49-F238E27FC236}">
-                    <a16:creationId xmlns:a16="http://schemas.microsoft.com/office/drawing/2014/main" id="{EF091E1B-B075-43B1-8374-516CCA695777}"/>
-                  </a:ext>
-                </a:extLst>
-              </p:cNvPr>
-              <p:cNvSpPr txBox="1">
-                <a:spLocks noRot="1" noChangeAspect="1" noMove="1" noResize="1" noEditPoints="1" noAdjustHandles="1" noChangeArrowheads="1" noChangeShapeType="1" noTextEdit="1"/>
-              </p:cNvSpPr>
-              <p:nvPr/>
-            </p:nvSpPr>
-            <p:spPr>
-              <a:xfrm>
-                <a:off x="7683719" y="1197736"/>
-                <a:ext cx="238270" cy="299313"/>
-              </a:xfrm>
-              <a:prstGeom prst="rect">
-                <a:avLst/>
-              </a:prstGeom>
-              <a:blipFill>
-                <a:blip r:embed="rId3"/>
-                <a:stretch>
-                  <a:fillRect l="-22500" r="-15000" b="-24000"/>
-                </a:stretch>
-              </a:blipFill>
-            </p:spPr>
-            <p:txBody>
-              <a:bodyPr/>
-              <a:lstStyle/>
-              <a:p>
-                <a:r>
-                  <a:rPr lang="es-PE">
-                    <a:noFill/>
-                  </a:rPr>
-                  <a:t> </a:t>
-                </a:r>
-              </a:p>
-            </p:txBody>
-          </p:sp>
-        </mc:Fallback>
-      </mc:AlternateContent>
-      <p:sp>
-        <p:nvSpPr>
-          <p:cNvPr id="45" name="Elipse 44">
-            <a:extLst>
-              <a:ext uri="{FF2B5EF4-FFF2-40B4-BE49-F238E27FC236}">
-                <a16:creationId xmlns:a16="http://schemas.microsoft.com/office/drawing/2014/main" id="{3C3F3252-2EE7-43EE-8ADE-09119F27775A}"/>
-              </a:ext>
-            </a:extLst>
-          </p:cNvPr>
-          <p:cNvSpPr/>
-          <p:nvPr/>
-        </p:nvSpPr>
-        <p:spPr>
-          <a:xfrm>
-            <a:off x="1259632" y="1508252"/>
-            <a:ext cx="216024" cy="216024"/>
-          </a:xfrm>
-          <a:prstGeom prst="ellipse">
-            <a:avLst/>
-          </a:prstGeom>
-          <a:noFill/>
-          <a:ln w="28575" cap="flat" cmpd="sng" algn="ctr">
-            <a:solidFill>
-              <a:schemeClr val="dk1"/>
-            </a:solidFill>
-            <a:prstDash val="solid"/>
-            <a:round/>
-            <a:headEnd type="none" w="med" len="med"/>
-            <a:tailEnd type="none" w="med" len="med"/>
-          </a:ln>
-        </p:spPr>
-        <p:style>
-          <a:lnRef idx="0">
-            <a:scrgbClr r="0" g="0" b="0"/>
-          </a:lnRef>
-          <a:fillRef idx="0">
-            <a:scrgbClr r="0" g="0" b="0"/>
-          </a:fillRef>
-          <a:effectRef idx="0">
-            <a:scrgbClr r="0" g="0" b="0"/>
-          </a:effectRef>
-          <a:fontRef idx="minor">
-            <a:schemeClr val="dk1"/>
-          </a:fontRef>
-        </p:style>
-        <p:txBody>
-          <a:bodyPr rtlCol="0" anchor="ctr"/>
-          <a:lstStyle/>
-          <a:p>
-            <a:pPr algn="ctr"/>
-            <a:endParaRPr lang="es-PE"/>
-          </a:p>
-        </p:txBody>
-      </p:sp>
-      <p:cxnSp>
-        <p:nvCxnSpPr>
-          <p:cNvPr id="18" name="Conector reto 17">
-            <a:extLst>
-              <a:ext uri="{FF2B5EF4-FFF2-40B4-BE49-F238E27FC236}">
-                <a16:creationId xmlns:a16="http://schemas.microsoft.com/office/drawing/2014/main" id="{81855FCB-014A-4962-9045-A348AC195096}"/>
-              </a:ext>
-            </a:extLst>
-          </p:cNvPr>
-          <p:cNvCxnSpPr>
-            <a:stCxn id="4" idx="1"/>
-            <a:endCxn id="45" idx="6"/>
-          </p:cNvCxnSpPr>
-          <p:nvPr/>
-        </p:nvCxnSpPr>
-        <p:spPr>
-          <a:xfrm flipH="1">
-            <a:off x="1475656" y="1616264"/>
-            <a:ext cx="2520280" cy="0"/>
-          </a:xfrm>
-          <a:prstGeom prst="line">
-            <a:avLst/>
-          </a:prstGeom>
-          <a:ln w="28575"/>
-        </p:spPr>
-        <p:style>
-          <a:lnRef idx="1">
-            <a:schemeClr val="dk1"/>
-          </a:lnRef>
-          <a:fillRef idx="0">
-            <a:schemeClr val="dk1"/>
-          </a:fillRef>
-          <a:effectRef idx="0">
-            <a:schemeClr val="dk1"/>
-          </a:effectRef>
-          <a:fontRef idx="minor">
-            <a:schemeClr val="tx1"/>
-          </a:fontRef>
-        </p:style>
-      </p:cxnSp>
-      <mc:AlternateContent xmlns:mc="http://schemas.openxmlformats.org/markup-compatibility/2006" xmlns:a14="http://schemas.microsoft.com/office/drawing/2010/main">
-        <mc:Choice Requires="a14">
-          <p:sp>
-            <p:nvSpPr>
-              <p:cNvPr id="46" name="CaixaDeTexto 45">
-                <a:extLst>
-                  <a:ext uri="{FF2B5EF4-FFF2-40B4-BE49-F238E27FC236}">
-                    <a16:creationId xmlns:a16="http://schemas.microsoft.com/office/drawing/2014/main" id="{F294E811-2C90-4E89-99CA-281AB8E13340}"/>
-                  </a:ext>
-                </a:extLst>
-              </p:cNvPr>
-              <p:cNvSpPr txBox="1"/>
-              <p:nvPr/>
-            </p:nvSpPr>
-            <p:spPr>
-              <a:xfrm>
-                <a:off x="1259632" y="1197736"/>
-                <a:ext cx="239553" cy="276999"/>
-              </a:xfrm>
-              <a:prstGeom prst="rect">
-                <a:avLst/>
-              </a:prstGeom>
-              <a:noFill/>
-            </p:spPr>
-            <p:txBody>
-              <a:bodyPr wrap="none" lIns="0" tIns="0" rIns="0" bIns="0" rtlCol="0">
-                <a:spAutoFit/>
-              </a:bodyPr>
-              <a:lstStyle/>
-              <a:p>
-                <a:pPr/>
-                <a14:m>
-                  <m:oMathPara xmlns:m="http://schemas.openxmlformats.org/officeDocument/2006/math">
-                    <m:oMathParaPr>
-                      <m:jc m:val="centerGroup"/>
-                    </m:oMathParaPr>
-                    <m:oMath xmlns:m="http://schemas.openxmlformats.org/officeDocument/2006/math">
-                      <m:sSub>
-                        <m:sSubPr>
-                          <m:ctrlPr>
-                            <a:rPr lang="es-PE" i="1" smtClean="0">
-                              <a:latin typeface="Cambria Math" panose="02040503050406030204" pitchFamily="18" charset="0"/>
-                            </a:rPr>
-                          </m:ctrlPr>
-                        </m:sSubPr>
-                        <m:e>
-                          <m:r>
-                            <a:rPr lang="pt-BR" b="0" i="1" smtClean="0">
-                              <a:latin typeface="Cambria Math" panose="02040503050406030204" pitchFamily="18" charset="0"/>
-                            </a:rPr>
-                            <m:t>𝑉</m:t>
-                          </m:r>
-                        </m:e>
-                        <m:sub>
-                          <m:r>
-                            <a:rPr lang="pt-BR" b="0" i="1" smtClean="0">
-                              <a:latin typeface="Cambria Math" panose="02040503050406030204" pitchFamily="18" charset="0"/>
-                            </a:rPr>
-                            <m:t>𝑖</m:t>
-                          </m:r>
-                        </m:sub>
-                      </m:sSub>
-                    </m:oMath>
-                  </m:oMathPara>
-                </a14:m>
-                <a:endParaRPr lang="es-PE" dirty="0"/>
-              </a:p>
-            </p:txBody>
-          </p:sp>
-        </mc:Choice>
-        <mc:Fallback xmlns="">
-          <p:sp>
-            <p:nvSpPr>
-              <p:cNvPr id="46" name="CaixaDeTexto 45">
-                <a:extLst>
-                  <a:ext uri="{FF2B5EF4-FFF2-40B4-BE49-F238E27FC236}">
-                    <a16:creationId xmlns:a16="http://schemas.microsoft.com/office/drawing/2014/main" id="{F294E811-2C90-4E89-99CA-281AB8E13340}"/>
-                  </a:ext>
-                </a:extLst>
-              </p:cNvPr>
-              <p:cNvSpPr txBox="1">
-                <a:spLocks noRot="1" noChangeAspect="1" noMove="1" noResize="1" noEditPoints="1" noAdjustHandles="1" noChangeArrowheads="1" noChangeShapeType="1" noTextEdit="1"/>
-              </p:cNvSpPr>
-              <p:nvPr/>
-            </p:nvSpPr>
-            <p:spPr>
-              <a:xfrm>
-                <a:off x="1259632" y="1197736"/>
-                <a:ext cx="239553" cy="276999"/>
-              </a:xfrm>
-              <a:prstGeom prst="rect">
-                <a:avLst/>
-              </a:prstGeom>
-              <a:blipFill>
-                <a:blip r:embed="rId4"/>
-                <a:stretch>
-                  <a:fillRect l="-25641" r="-10256" b="-13043"/>
-                </a:stretch>
-              </a:blipFill>
-            </p:spPr>
-            <p:txBody>
-              <a:bodyPr/>
-              <a:lstStyle/>
-              <a:p>
-                <a:r>
-                  <a:rPr lang="es-PE">
-                    <a:noFill/>
-                  </a:rPr>
-                  <a:t> </a:t>
-                </a:r>
-              </a:p>
-            </p:txBody>
-          </p:sp>
-        </mc:Fallback>
-      </mc:AlternateContent>
-      <p:cxnSp>
-        <p:nvCxnSpPr>
-          <p:cNvPr id="20" name="Conector de Seta Reta 19">
-            <a:extLst>
-              <a:ext uri="{FF2B5EF4-FFF2-40B4-BE49-F238E27FC236}">
-                <a16:creationId xmlns:a16="http://schemas.microsoft.com/office/drawing/2014/main" id="{A45B75C4-A3C1-451F-AE2F-C33AE7B393FB}"/>
-              </a:ext>
-            </a:extLst>
-          </p:cNvPr>
-          <p:cNvCxnSpPr>
-            <a:stCxn id="5" idx="2"/>
-          </p:cNvCxnSpPr>
-          <p:nvPr/>
-        </p:nvCxnSpPr>
-        <p:spPr>
-          <a:xfrm flipH="1">
-            <a:off x="6444208" y="1616264"/>
-            <a:ext cx="1224136" cy="0"/>
-          </a:xfrm>
-          <a:prstGeom prst="straightConnector1">
-            <a:avLst/>
-          </a:prstGeom>
-          <a:ln w="28575">
-            <a:tailEnd type="triangle"/>
-          </a:ln>
-        </p:spPr>
-        <p:style>
-          <a:lnRef idx="1">
-            <a:schemeClr val="dk1"/>
-          </a:lnRef>
-          <a:fillRef idx="0">
-            <a:schemeClr val="dk1"/>
-          </a:fillRef>
-          <a:effectRef idx="0">
-            <a:schemeClr val="dk1"/>
-          </a:effectRef>
-          <a:fontRef idx="minor">
-            <a:schemeClr val="tx1"/>
-          </a:fontRef>
-        </p:style>
-      </p:cxnSp>
-      <p:cxnSp>
-        <p:nvCxnSpPr>
-          <p:cNvPr id="22" name="Conector de Seta Reta 21">
-            <a:extLst>
-              <a:ext uri="{FF2B5EF4-FFF2-40B4-BE49-F238E27FC236}">
-                <a16:creationId xmlns:a16="http://schemas.microsoft.com/office/drawing/2014/main" id="{653FCAC3-60A8-4306-960A-43E527CE1800}"/>
-              </a:ext>
-            </a:extLst>
-          </p:cNvPr>
-          <p:cNvCxnSpPr>
-            <a:stCxn id="45" idx="6"/>
-          </p:cNvCxnSpPr>
-          <p:nvPr/>
-        </p:nvCxnSpPr>
-        <p:spPr>
-          <a:xfrm>
-            <a:off x="1475656" y="1616264"/>
-            <a:ext cx="1224136" cy="0"/>
-          </a:xfrm>
-          <a:prstGeom prst="straightConnector1">
-            <a:avLst/>
-          </a:prstGeom>
-          <a:ln>
-            <a:tailEnd type="triangle"/>
-          </a:ln>
-        </p:spPr>
-        <p:style>
-          <a:lnRef idx="1">
-            <a:schemeClr val="dk1"/>
-          </a:lnRef>
-          <a:fillRef idx="0">
-            <a:schemeClr val="dk1"/>
-          </a:fillRef>
-          <a:effectRef idx="0">
-            <a:schemeClr val="dk1"/>
-          </a:effectRef>
-          <a:fontRef idx="minor">
-            <a:schemeClr val="tx1"/>
-          </a:fontRef>
-        </p:style>
-      </p:cxnSp>
-      <p:sp>
-        <p:nvSpPr>
-          <p:cNvPr id="24" name="CaixaDeTexto 23">
-            <a:extLst>
-              <a:ext uri="{FF2B5EF4-FFF2-40B4-BE49-F238E27FC236}">
-                <a16:creationId xmlns:a16="http://schemas.microsoft.com/office/drawing/2014/main" id="{F70545E6-D70D-4994-A102-2E80DC080479}"/>
-              </a:ext>
-            </a:extLst>
-          </p:cNvPr>
-          <p:cNvSpPr txBox="1"/>
-          <p:nvPr/>
-        </p:nvSpPr>
-        <p:spPr>
-          <a:xfrm>
-            <a:off x="622695" y="3356992"/>
-            <a:ext cx="2492157" cy="369332"/>
-          </a:xfrm>
-          <a:prstGeom prst="rect">
-            <a:avLst/>
-          </a:prstGeom>
-          <a:noFill/>
-        </p:spPr>
-        <p:txBody>
-          <a:bodyPr wrap="none" rtlCol="0">
-            <a:spAutoFit/>
-          </a:bodyPr>
-          <a:lstStyle/>
-          <a:p>
-            <a:pPr marL="285750" indent="-285750">
-              <a:buFont typeface="Arial" panose="020B0604020202020204" pitchFamily="34" charset="0"/>
-              <a:buChar char="•"/>
-            </a:pPr>
-            <a:r>
-              <a:rPr lang="es-PE" dirty="0"/>
-              <a:t>Conecta barras en la red</a:t>
-            </a:r>
-          </a:p>
-        </p:txBody>
-      </p:sp>
-      <p:sp>
-        <p:nvSpPr>
-          <p:cNvPr id="50" name="CaixaDeTexto 49">
-            <a:extLst>
-              <a:ext uri="{FF2B5EF4-FFF2-40B4-BE49-F238E27FC236}">
-                <a16:creationId xmlns:a16="http://schemas.microsoft.com/office/drawing/2014/main" id="{EFD6272C-0EC5-4FCF-BE66-2903F4654031}"/>
-              </a:ext>
-            </a:extLst>
-          </p:cNvPr>
-          <p:cNvSpPr txBox="1"/>
-          <p:nvPr/>
-        </p:nvSpPr>
-        <p:spPr>
-          <a:xfrm>
-            <a:off x="622695" y="3816635"/>
-            <a:ext cx="2133276" cy="369332"/>
-          </a:xfrm>
-          <a:prstGeom prst="rect">
-            <a:avLst/>
-          </a:prstGeom>
-          <a:noFill/>
-        </p:spPr>
-        <p:txBody>
-          <a:bodyPr wrap="none" rtlCol="0">
-            <a:spAutoFit/>
-          </a:bodyPr>
-          <a:lstStyle/>
-          <a:p>
-            <a:pPr marL="285750" indent="-285750">
-              <a:buFont typeface="Arial" panose="020B0604020202020204" pitchFamily="34" charset="0"/>
-              <a:buChar char="•"/>
-            </a:pPr>
-            <a:r>
-              <a:rPr lang="es-PE" dirty="0"/>
-              <a:t>Modelo más realista</a:t>
-            </a:r>
-          </a:p>
-        </p:txBody>
-      </p:sp>
-      <p:sp>
-        <p:nvSpPr>
-          <p:cNvPr id="52" name="CaixaDeTexto 51">
-            <a:extLst>
-              <a:ext uri="{FF2B5EF4-FFF2-40B4-BE49-F238E27FC236}">
-                <a16:creationId xmlns:a16="http://schemas.microsoft.com/office/drawing/2014/main" id="{C18BA5D5-8C0D-453A-A494-564A03C563FE}"/>
-              </a:ext>
-            </a:extLst>
-          </p:cNvPr>
-          <p:cNvSpPr txBox="1"/>
-          <p:nvPr/>
-        </p:nvSpPr>
-        <p:spPr>
-          <a:xfrm>
-            <a:off x="622695" y="4731063"/>
-            <a:ext cx="1972015" cy="369332"/>
-          </a:xfrm>
-          <a:prstGeom prst="rect">
-            <a:avLst/>
-          </a:prstGeom>
-          <a:noFill/>
-        </p:spPr>
-        <p:txBody>
-          <a:bodyPr wrap="none" rtlCol="0">
-            <a:spAutoFit/>
-          </a:bodyPr>
-          <a:lstStyle/>
-          <a:p>
-            <a:pPr marL="285750" indent="-285750">
-              <a:buFont typeface="Arial" panose="020B0604020202020204" pitchFamily="34" charset="0"/>
-              <a:buChar char="•"/>
-            </a:pPr>
-            <a:r>
-              <a:rPr lang="es-PE" dirty="0"/>
-              <a:t>Flujo de potencia:</a:t>
-            </a:r>
-          </a:p>
-        </p:txBody>
-      </p:sp>
-      <mc:AlternateContent xmlns:mc="http://schemas.openxmlformats.org/markup-compatibility/2006">
-        <mc:Choice xmlns:a14="http://schemas.microsoft.com/office/drawing/2010/main" Requires="a14">
-          <p:sp>
-            <p:nvSpPr>
-              <p:cNvPr id="58" name="CaixaDeTexto 57">
-                <a:extLst>
-                  <a:ext uri="{FF2B5EF4-FFF2-40B4-BE49-F238E27FC236}">
-                    <a16:creationId xmlns:a16="http://schemas.microsoft.com/office/drawing/2014/main" id="{DE48C7C5-FC79-441D-A92C-8033BD6FE0BB}"/>
-                  </a:ext>
-                </a:extLst>
-              </p:cNvPr>
-              <p:cNvSpPr txBox="1"/>
-              <p:nvPr/>
-            </p:nvSpPr>
-            <p:spPr>
-              <a:xfrm>
-                <a:off x="2594710" y="4737891"/>
-                <a:ext cx="6180282" cy="441916"/>
-              </a:xfrm>
-              <a:prstGeom prst="rect">
-                <a:avLst/>
-              </a:prstGeom>
-              <a:noFill/>
-            </p:spPr>
-            <p:txBody>
-              <a:bodyPr wrap="none" lIns="0" tIns="0" rIns="0" bIns="0" rtlCol="0">
-                <a:spAutoFit/>
-              </a:bodyPr>
-              <a:lstStyle/>
-              <a:p>
-                <a:pPr/>
-                <a14:m>
-                  <m:oMathPara xmlns:m="http://schemas.openxmlformats.org/officeDocument/2006/math">
-                    <m:oMathParaPr>
-                      <m:jc m:val="centerGroup"/>
-                    </m:oMathParaPr>
-                    <m:oMath xmlns:m="http://schemas.openxmlformats.org/officeDocument/2006/math">
-                      <m:sSub>
-                        <m:sSubPr>
-                          <m:ctrlPr>
-                            <a:rPr lang="es-PE" i="1" smtClean="0">
-                              <a:latin typeface="Cambria Math" panose="02040503050406030204" pitchFamily="18" charset="0"/>
-                            </a:rPr>
-                          </m:ctrlPr>
-                        </m:sSubPr>
-                        <m:e>
-                          <m:r>
-                            <a:rPr lang="pt-BR" b="0" i="1" smtClean="0">
-                              <a:latin typeface="Cambria Math" panose="02040503050406030204" pitchFamily="18" charset="0"/>
-                            </a:rPr>
-                            <m:t>𝑆</m:t>
-                          </m:r>
-                        </m:e>
-                        <m:sub>
-                          <m:r>
-                            <a:rPr lang="pt-BR" b="0" i="1" smtClean="0">
-                              <a:latin typeface="Cambria Math" panose="02040503050406030204" pitchFamily="18" charset="0"/>
-                            </a:rPr>
-                            <m:t>𝑖𝑗</m:t>
-                          </m:r>
-                        </m:sub>
-                      </m:sSub>
-                      <m:r>
-                        <a:rPr lang="pt-BR" b="0" i="1" smtClean="0">
-                          <a:latin typeface="Cambria Math" panose="02040503050406030204" pitchFamily="18" charset="0"/>
-                        </a:rPr>
-                        <m:t>=</m:t>
-                      </m:r>
-                      <m:sSub>
-                        <m:sSubPr>
-                          <m:ctrlPr>
-                            <a:rPr lang="pt-BR" b="0" i="1" smtClean="0">
-                              <a:latin typeface="Cambria Math" panose="02040503050406030204" pitchFamily="18" charset="0"/>
-                            </a:rPr>
-                          </m:ctrlPr>
-                        </m:sSubPr>
-                        <m:e>
-                          <m:r>
-                            <a:rPr lang="pt-BR" b="0" i="1" smtClean="0">
-                              <a:latin typeface="Cambria Math" panose="02040503050406030204" pitchFamily="18" charset="0"/>
-                            </a:rPr>
-                            <m:t>𝑉</m:t>
-                          </m:r>
-                        </m:e>
-                        <m:sub>
-                          <m:r>
-                            <a:rPr lang="pt-BR" b="0" i="1" smtClean="0">
-                              <a:latin typeface="Cambria Math" panose="02040503050406030204" pitchFamily="18" charset="0"/>
-                            </a:rPr>
-                            <m:t>𝑖</m:t>
-                          </m:r>
-                        </m:sub>
-                      </m:sSub>
-                      <m:sSup>
-                        <m:sSupPr>
-                          <m:ctrlPr>
-                            <a:rPr lang="pt-BR" b="0" i="1" smtClean="0">
-                              <a:latin typeface="Cambria Math" panose="02040503050406030204" pitchFamily="18" charset="0"/>
-                            </a:rPr>
-                          </m:ctrlPr>
-                        </m:sSupPr>
-                        <m:e>
-                          <m:d>
-                            <m:dPr>
-                              <m:ctrlPr>
-                                <a:rPr lang="pt-BR" i="1">
-                                  <a:latin typeface="Cambria Math" panose="02040503050406030204" pitchFamily="18" charset="0"/>
-                                </a:rPr>
-                              </m:ctrlPr>
-                            </m:dPr>
-                            <m:e>
-                              <m:d>
-                                <m:dPr>
-                                  <m:ctrlPr>
-                                    <a:rPr lang="pt-BR" i="1" smtClean="0">
-                                      <a:latin typeface="Cambria Math" panose="02040503050406030204" pitchFamily="18" charset="0"/>
-                                    </a:rPr>
-                                  </m:ctrlPr>
-                                </m:dPr>
-                                <m:e>
-                                  <m:sSub>
-                                    <m:sSubPr>
-                                      <m:ctrlPr>
-                                        <a:rPr lang="pt-BR" i="1" smtClean="0">
-                                          <a:latin typeface="Cambria Math" panose="02040503050406030204" pitchFamily="18" charset="0"/>
-                                        </a:rPr>
-                                      </m:ctrlPr>
-                                    </m:sSubPr>
-                                    <m:e>
-                                      <m:r>
-                                        <a:rPr lang="es-PE" b="1" i="1" smtClean="0">
-                                          <a:latin typeface="Cambria Math" panose="02040503050406030204" pitchFamily="18" charset="0"/>
-                                        </a:rPr>
-                                        <m:t>𝒀</m:t>
-                                      </m:r>
-                                    </m:e>
-                                    <m:sub>
-                                      <m:r>
-                                        <a:rPr lang="es-PE" b="0" i="1" smtClean="0">
-                                          <a:latin typeface="Cambria Math" panose="02040503050406030204" pitchFamily="18" charset="0"/>
-                                        </a:rPr>
-                                        <m:t>𝑖𝑗</m:t>
-                                      </m:r>
-                                    </m:sub>
-                                  </m:sSub>
-                                  <m:r>
-                                    <a:rPr lang="es-PE" b="0" i="1" smtClean="0">
-                                      <a:latin typeface="Cambria Math" panose="02040503050406030204" pitchFamily="18" charset="0"/>
-                                    </a:rPr>
-                                    <m:t>+</m:t>
-                                  </m:r>
-                                  <m:sSubSup>
-                                    <m:sSubSupPr>
-                                      <m:ctrlPr>
-                                        <a:rPr lang="es-PE" b="0" i="1" smtClean="0">
-                                          <a:latin typeface="Cambria Math" panose="02040503050406030204" pitchFamily="18" charset="0"/>
-                                        </a:rPr>
-                                      </m:ctrlPr>
-                                    </m:sSubSupPr>
-                                    <m:e>
-                                      <m:r>
-                                        <a:rPr lang="es-PE" b="1" i="1" smtClean="0">
-                                          <a:latin typeface="Cambria Math" panose="02040503050406030204" pitchFamily="18" charset="0"/>
-                                        </a:rPr>
-                                        <m:t>𝒀</m:t>
-                                      </m:r>
-                                    </m:e>
-                                    <m:sub>
-                                      <m:r>
-                                        <a:rPr lang="es-PE" b="0" i="1" smtClean="0">
-                                          <a:latin typeface="Cambria Math" panose="02040503050406030204" pitchFamily="18" charset="0"/>
-                                        </a:rPr>
-                                        <m:t>𝑖𝑗</m:t>
-                                      </m:r>
-                                    </m:sub>
-                                    <m:sup>
-                                      <m:r>
-                                        <a:rPr lang="es-PE" b="0" i="1" smtClean="0">
-                                          <a:latin typeface="Cambria Math" panose="02040503050406030204" pitchFamily="18" charset="0"/>
-                                        </a:rPr>
-                                        <m:t>𝑐</m:t>
-                                      </m:r>
-                                    </m:sup>
-                                  </m:sSubSup>
-                                </m:e>
-                              </m:d>
-                              <m:sSub>
-                                <m:sSubPr>
-                                  <m:ctrlPr>
-                                    <a:rPr lang="pt-BR" i="1">
-                                      <a:latin typeface="Cambria Math" panose="02040503050406030204" pitchFamily="18" charset="0"/>
-                                    </a:rPr>
-                                  </m:ctrlPr>
-                                </m:sSubPr>
-                                <m:e>
-                                  <m:r>
-                                    <a:rPr lang="pt-BR" i="1">
-                                      <a:latin typeface="Cambria Math" panose="02040503050406030204" pitchFamily="18" charset="0"/>
-                                    </a:rPr>
-                                    <m:t>𝑉</m:t>
-                                  </m:r>
-                                </m:e>
-                                <m:sub>
-                                  <m:r>
-                                    <a:rPr lang="pt-BR" i="1">
-                                      <a:latin typeface="Cambria Math" panose="02040503050406030204" pitchFamily="18" charset="0"/>
-                                    </a:rPr>
-                                    <m:t>𝑖</m:t>
-                                  </m:r>
-                                </m:sub>
-                              </m:sSub>
-                              <m:r>
-                                <a:rPr lang="pt-BR" i="1">
-                                  <a:latin typeface="Cambria Math" panose="02040503050406030204" pitchFamily="18" charset="0"/>
-                                </a:rPr>
-                                <m:t>−</m:t>
-                              </m:r>
-                              <m:sSub>
-                                <m:sSubPr>
-                                  <m:ctrlPr>
-                                    <a:rPr lang="pt-BR" i="1">
-                                      <a:latin typeface="Cambria Math" panose="02040503050406030204" pitchFamily="18" charset="0"/>
-                                    </a:rPr>
-                                  </m:ctrlPr>
-                                </m:sSubPr>
-                                <m:e>
-                                  <m:sSub>
-                                    <m:sSubPr>
-                                      <m:ctrlPr>
-                                        <a:rPr lang="pt-BR" i="1" smtClean="0">
-                                          <a:latin typeface="Cambria Math" panose="02040503050406030204" pitchFamily="18" charset="0"/>
-                                        </a:rPr>
-                                      </m:ctrlPr>
-                                    </m:sSubPr>
-                                    <m:e>
-                                      <m:r>
-                                        <a:rPr lang="es-PE" b="1" i="1" smtClean="0">
-                                          <a:latin typeface="Cambria Math" panose="02040503050406030204" pitchFamily="18" charset="0"/>
-                                        </a:rPr>
-                                        <m:t>𝒀</m:t>
-                                      </m:r>
-                                    </m:e>
-                                    <m:sub>
-                                      <m:r>
-                                        <a:rPr lang="es-PE" b="0" i="1" smtClean="0">
-                                          <a:latin typeface="Cambria Math" panose="02040503050406030204" pitchFamily="18" charset="0"/>
-                                        </a:rPr>
-                                        <m:t>𝑖𝑗</m:t>
-                                      </m:r>
-                                    </m:sub>
-                                  </m:sSub>
-                                  <m:r>
-                                    <a:rPr lang="pt-BR" i="1">
-                                      <a:latin typeface="Cambria Math" panose="02040503050406030204" pitchFamily="18" charset="0"/>
-                                    </a:rPr>
-                                    <m:t>𝑉</m:t>
-                                  </m:r>
-                                </m:e>
-                                <m:sub>
-                                  <m:r>
-                                    <a:rPr lang="pt-BR" i="1">
-                                      <a:latin typeface="Cambria Math" panose="02040503050406030204" pitchFamily="18" charset="0"/>
-                                    </a:rPr>
-                                    <m:t>𝑗</m:t>
-                                  </m:r>
-                                </m:sub>
-                              </m:sSub>
-                            </m:e>
-                          </m:d>
-                        </m:e>
-                        <m:sup>
-                          <m:r>
-                            <a:rPr lang="pt-BR" b="0" i="1" smtClean="0">
-                              <a:latin typeface="Cambria Math" panose="02040503050406030204" pitchFamily="18" charset="0"/>
-                            </a:rPr>
-                            <m:t>∗</m:t>
-                          </m:r>
-                        </m:sup>
-                      </m:sSup>
-                      <m:r>
-                        <a:rPr lang="es-PE" b="0" i="1" smtClean="0">
-                          <a:latin typeface="Cambria Math" panose="02040503050406030204" pitchFamily="18" charset="0"/>
-                        </a:rPr>
-                        <m:t>=</m:t>
-                      </m:r>
-                      <m:d>
-                        <m:dPr>
-                          <m:ctrlPr>
-                            <a:rPr lang="es-PE" b="0" i="1" smtClean="0">
-                              <a:latin typeface="Cambria Math" panose="02040503050406030204" pitchFamily="18" charset="0"/>
-                            </a:rPr>
-                          </m:ctrlPr>
-                        </m:dPr>
-                        <m:e>
-                          <m:sSubSup>
-                            <m:sSubSupPr>
-                              <m:ctrlPr>
-                                <a:rPr lang="es-PE" b="0" i="1" smtClean="0">
-                                  <a:latin typeface="Cambria Math" panose="02040503050406030204" pitchFamily="18" charset="0"/>
-                                </a:rPr>
-                              </m:ctrlPr>
-                            </m:sSubSupPr>
-                            <m:e>
-                              <m:r>
-                                <a:rPr lang="es-PE" b="1" i="1" smtClean="0">
-                                  <a:latin typeface="Cambria Math" panose="02040503050406030204" pitchFamily="18" charset="0"/>
-                                </a:rPr>
-                                <m:t>𝒀</m:t>
-                              </m:r>
-                            </m:e>
-                            <m:sub>
-                              <m:r>
-                                <a:rPr lang="es-PE" b="0" i="1" smtClean="0">
-                                  <a:latin typeface="Cambria Math" panose="02040503050406030204" pitchFamily="18" charset="0"/>
-                                </a:rPr>
-                                <m:t>𝑖𝑗</m:t>
-                              </m:r>
-                            </m:sub>
-                            <m:sup>
-                              <m:r>
-                                <a:rPr lang="es-PE" b="0" i="1" smtClean="0">
-                                  <a:latin typeface="Cambria Math" panose="02040503050406030204" pitchFamily="18" charset="0"/>
-                                </a:rPr>
-                                <m:t>∗</m:t>
-                              </m:r>
-                            </m:sup>
-                          </m:sSubSup>
-                          <m:r>
-                            <a:rPr lang="es-PE" b="0" i="1" smtClean="0">
-                              <a:latin typeface="Cambria Math" panose="02040503050406030204" pitchFamily="18" charset="0"/>
-                            </a:rPr>
-                            <m:t>+</m:t>
-                          </m:r>
-                          <m:sSubSup>
-                            <m:sSubSupPr>
-                              <m:ctrlPr>
-                                <a:rPr lang="es-PE" b="0" i="1" smtClean="0">
-                                  <a:latin typeface="Cambria Math" panose="02040503050406030204" pitchFamily="18" charset="0"/>
-                                </a:rPr>
-                              </m:ctrlPr>
-                            </m:sSubSupPr>
-                            <m:e>
-                              <m:r>
-                                <a:rPr lang="es-PE" b="1" i="1" smtClean="0">
-                                  <a:latin typeface="Cambria Math" panose="02040503050406030204" pitchFamily="18" charset="0"/>
-                                </a:rPr>
-                                <m:t>𝒀</m:t>
-                              </m:r>
-                            </m:e>
-                            <m:sub>
-                              <m:r>
-                                <a:rPr lang="es-PE" b="0" i="1" smtClean="0">
-                                  <a:latin typeface="Cambria Math" panose="02040503050406030204" pitchFamily="18" charset="0"/>
-                                </a:rPr>
-                                <m:t>𝑖𝑗</m:t>
-                              </m:r>
-                            </m:sub>
-                            <m:sup>
-                              <m:r>
-                                <a:rPr lang="es-PE" b="0" i="1" smtClean="0">
-                                  <a:latin typeface="Cambria Math" panose="02040503050406030204" pitchFamily="18" charset="0"/>
-                                </a:rPr>
-                                <m:t>𝑐</m:t>
-                              </m:r>
-                              <m:r>
-                                <a:rPr lang="es-PE" b="0" i="1" smtClean="0">
-                                  <a:latin typeface="Cambria Math" panose="02040503050406030204" pitchFamily="18" charset="0"/>
-                                </a:rPr>
-                                <m:t>∗</m:t>
-                              </m:r>
-                            </m:sup>
-                          </m:sSubSup>
-                        </m:e>
-                      </m:d>
-                      <m:sSub>
-                        <m:sSubPr>
-                          <m:ctrlPr>
-                            <a:rPr lang="es-PE" b="0" i="1" smtClean="0">
-                              <a:latin typeface="Cambria Math" panose="02040503050406030204" pitchFamily="18" charset="0"/>
-                            </a:rPr>
-                          </m:ctrlPr>
-                        </m:sSubPr>
-                        <m:e>
-                          <m:r>
-                            <a:rPr lang="es-PE" b="0" i="1" smtClean="0">
-                              <a:latin typeface="Cambria Math" panose="02040503050406030204" pitchFamily="18" charset="0"/>
-                            </a:rPr>
-                            <m:t>𝑉</m:t>
-                          </m:r>
-                        </m:e>
-                        <m:sub>
-                          <m:r>
-                            <a:rPr lang="es-PE" b="0" i="1" smtClean="0">
-                              <a:latin typeface="Cambria Math" panose="02040503050406030204" pitchFamily="18" charset="0"/>
-                            </a:rPr>
-                            <m:t>𝑖</m:t>
-                          </m:r>
-                        </m:sub>
-                      </m:sSub>
-                      <m:sSubSup>
-                        <m:sSubSupPr>
-                          <m:ctrlPr>
-                            <a:rPr lang="es-PE" b="0" i="1" smtClean="0">
-                              <a:latin typeface="Cambria Math" panose="02040503050406030204" pitchFamily="18" charset="0"/>
-                            </a:rPr>
-                          </m:ctrlPr>
-                        </m:sSubSupPr>
-                        <m:e>
-                          <m:r>
-                            <a:rPr lang="es-PE" b="0" i="1" smtClean="0">
-                              <a:latin typeface="Cambria Math" panose="02040503050406030204" pitchFamily="18" charset="0"/>
-                            </a:rPr>
-                            <m:t>𝑉</m:t>
-                          </m:r>
-                        </m:e>
-                        <m:sub>
-                          <m:r>
-                            <a:rPr lang="es-PE" b="0" i="1" smtClean="0">
-                              <a:latin typeface="Cambria Math" panose="02040503050406030204" pitchFamily="18" charset="0"/>
-                            </a:rPr>
-                            <m:t>𝑖</m:t>
-                          </m:r>
-                        </m:sub>
-                        <m:sup>
-                          <m:r>
-                            <a:rPr lang="es-PE" b="0" i="1" smtClean="0">
-                              <a:latin typeface="Cambria Math" panose="02040503050406030204" pitchFamily="18" charset="0"/>
-                            </a:rPr>
-                            <m:t>∗</m:t>
-                          </m:r>
-                        </m:sup>
-                      </m:sSubSup>
-                      <m:r>
-                        <a:rPr lang="es-PE" b="0" i="1" smtClean="0">
-                          <a:latin typeface="Cambria Math" panose="02040503050406030204" pitchFamily="18" charset="0"/>
-                        </a:rPr>
-                        <m:t>−</m:t>
-                      </m:r>
-                      <m:sSubSup>
-                        <m:sSubSupPr>
-                          <m:ctrlPr>
-                            <a:rPr lang="es-PE" b="0" i="1" smtClean="0">
-                              <a:latin typeface="Cambria Math" panose="02040503050406030204" pitchFamily="18" charset="0"/>
-                            </a:rPr>
-                          </m:ctrlPr>
-                        </m:sSubSupPr>
-                        <m:e>
-                          <m:r>
-                            <a:rPr lang="es-PE" b="1" i="1" smtClean="0">
-                              <a:latin typeface="Cambria Math" panose="02040503050406030204" pitchFamily="18" charset="0"/>
-                            </a:rPr>
-                            <m:t>𝒀</m:t>
-                          </m:r>
-                        </m:e>
-                        <m:sub>
-                          <m:r>
-                            <a:rPr lang="es-PE" b="0" i="1" smtClean="0">
-                              <a:latin typeface="Cambria Math" panose="02040503050406030204" pitchFamily="18" charset="0"/>
-                            </a:rPr>
-                            <m:t>𝑖𝑗</m:t>
-                          </m:r>
-                        </m:sub>
-                        <m:sup>
-                          <m:r>
-                            <a:rPr lang="es-PE" b="0" i="1" smtClean="0">
-                              <a:latin typeface="Cambria Math" panose="02040503050406030204" pitchFamily="18" charset="0"/>
-                            </a:rPr>
-                            <m:t>∗</m:t>
-                          </m:r>
-                        </m:sup>
-                      </m:sSubSup>
-                      <m:sSub>
-                        <m:sSubPr>
-                          <m:ctrlPr>
-                            <a:rPr lang="es-PE" b="0" i="1" smtClean="0">
-                              <a:latin typeface="Cambria Math" panose="02040503050406030204" pitchFamily="18" charset="0"/>
-                            </a:rPr>
-                          </m:ctrlPr>
-                        </m:sSubPr>
-                        <m:e>
-                          <m:r>
-                            <a:rPr lang="es-PE" b="0" i="1" smtClean="0">
-                              <a:latin typeface="Cambria Math" panose="02040503050406030204" pitchFamily="18" charset="0"/>
-                            </a:rPr>
-                            <m:t>𝑉</m:t>
-                          </m:r>
-                        </m:e>
-                        <m:sub>
-                          <m:r>
-                            <a:rPr lang="es-PE" b="0" i="1" smtClean="0">
-                              <a:latin typeface="Cambria Math" panose="02040503050406030204" pitchFamily="18" charset="0"/>
-                            </a:rPr>
-                            <m:t>𝑖</m:t>
-                          </m:r>
-                        </m:sub>
-                      </m:sSub>
-                      <m:sSubSup>
-                        <m:sSubSupPr>
-                          <m:ctrlPr>
-                            <a:rPr lang="es-PE" b="0" i="1" smtClean="0">
-                              <a:latin typeface="Cambria Math" panose="02040503050406030204" pitchFamily="18" charset="0"/>
-                            </a:rPr>
-                          </m:ctrlPr>
-                        </m:sSubSupPr>
-                        <m:e>
-                          <m:r>
-                            <a:rPr lang="es-PE" b="0" i="1" smtClean="0">
-                              <a:latin typeface="Cambria Math" panose="02040503050406030204" pitchFamily="18" charset="0"/>
-                            </a:rPr>
-                            <m:t>𝑉</m:t>
-                          </m:r>
-                        </m:e>
-                        <m:sub>
-                          <m:r>
-                            <a:rPr lang="es-PE" b="0" i="1" smtClean="0">
-                              <a:latin typeface="Cambria Math" panose="02040503050406030204" pitchFamily="18" charset="0"/>
-                            </a:rPr>
-                            <m:t>𝑗</m:t>
-                          </m:r>
-                        </m:sub>
-                        <m:sup>
-                          <m:r>
-                            <a:rPr lang="es-PE" b="0" i="1" smtClean="0">
-                              <a:latin typeface="Cambria Math" panose="02040503050406030204" pitchFamily="18" charset="0"/>
-                            </a:rPr>
-                            <m:t>∗</m:t>
-                          </m:r>
-                        </m:sup>
-                      </m:sSubSup>
-                    </m:oMath>
-                  </m:oMathPara>
-                </a14:m>
-                <a:endParaRPr lang="es-PE" dirty="0"/>
-              </a:p>
-            </p:txBody>
-          </p:sp>
-        </mc:Choice>
-        <mc:Fallback>
-          <p:sp>
-            <p:nvSpPr>
-              <p:cNvPr id="58" name="CaixaDeTexto 57">
-                <a:extLst>
-                  <a:ext uri="{FF2B5EF4-FFF2-40B4-BE49-F238E27FC236}">
-                    <a16:creationId xmlns:a16="http://schemas.microsoft.com/office/drawing/2014/main" id="{DE48C7C5-FC79-441D-A92C-8033BD6FE0BB}"/>
-                  </a:ext>
-                </a:extLst>
-              </p:cNvPr>
-              <p:cNvSpPr txBox="1">
-                <a:spLocks noRot="1" noChangeAspect="1" noMove="1" noResize="1" noEditPoints="1" noAdjustHandles="1" noChangeArrowheads="1" noChangeShapeType="1" noTextEdit="1"/>
-              </p:cNvSpPr>
-              <p:nvPr/>
-            </p:nvSpPr>
-            <p:spPr>
-              <a:xfrm>
-                <a:off x="2594710" y="4737891"/>
-                <a:ext cx="6180282" cy="441916"/>
-              </a:xfrm>
-              <a:prstGeom prst="rect">
-                <a:avLst/>
-              </a:prstGeom>
-              <a:blipFill>
-                <a:blip r:embed="rId5"/>
-                <a:stretch>
-                  <a:fillRect/>
-                </a:stretch>
-              </a:blipFill>
-            </p:spPr>
-            <p:txBody>
-              <a:bodyPr/>
-              <a:lstStyle/>
-              <a:p>
-                <a:r>
-                  <a:rPr lang="es-PE">
-                    <a:noFill/>
-                  </a:rPr>
-                  <a:t> </a:t>
-                </a:r>
-              </a:p>
-            </p:txBody>
-          </p:sp>
-        </mc:Fallback>
-      </mc:AlternateContent>
-      <p:cxnSp>
-        <p:nvCxnSpPr>
-          <p:cNvPr id="12" name="Conector recto 11"/>
-          <p:cNvCxnSpPr/>
-          <p:nvPr/>
-        </p:nvCxnSpPr>
-        <p:spPr>
-          <a:xfrm>
-            <a:off x="1475656" y="3212976"/>
-            <a:ext cx="6208063" cy="0"/>
-          </a:xfrm>
-          <a:prstGeom prst="line">
-            <a:avLst/>
-          </a:prstGeom>
-          <a:ln w="28575"/>
-        </p:spPr>
-        <p:style>
-          <a:lnRef idx="1">
-            <a:schemeClr val="dk1"/>
-          </a:lnRef>
-          <a:fillRef idx="0">
-            <a:schemeClr val="dk1"/>
-          </a:fillRef>
-          <a:effectRef idx="0">
-            <a:schemeClr val="dk1"/>
-          </a:effectRef>
-          <a:fontRef idx="minor">
-            <a:schemeClr val="tx1"/>
-          </a:fontRef>
-        </p:style>
-      </p:cxnSp>
-      <mc:AlternateContent xmlns:mc="http://schemas.openxmlformats.org/markup-compatibility/2006">
-        <mc:Choice xmlns:a14="http://schemas.microsoft.com/office/drawing/2010/main" Requires="a14">
-          <p:sp>
-            <p:nvSpPr>
-              <p:cNvPr id="14" name="Rectángulo 13"/>
-              <p:cNvSpPr/>
-              <p:nvPr/>
-            </p:nvSpPr>
-            <p:spPr>
-              <a:xfrm>
-                <a:off x="2699792" y="2134460"/>
-                <a:ext cx="690640" cy="576064"/>
-              </a:xfrm>
-              <a:prstGeom prst="rect">
-                <a:avLst/>
-              </a:prstGeom>
-              <a:ln w="28575"/>
-            </p:spPr>
-            <p:style>
-              <a:lnRef idx="2">
-                <a:schemeClr val="dk1"/>
-              </a:lnRef>
-              <a:fillRef idx="1">
-                <a:schemeClr val="lt1"/>
-              </a:fillRef>
-              <a:effectRef idx="0">
-                <a:schemeClr val="dk1"/>
-              </a:effectRef>
-              <a:fontRef idx="minor">
-                <a:schemeClr val="dk1"/>
-              </a:fontRef>
-            </p:style>
-            <p:txBody>
-              <a:bodyPr rtlCol="0" anchor="ctr"/>
-              <a:lstStyle/>
-              <a:p>
-                <a:pPr algn="ctr"/>
-                <a14:m>
-                  <m:oMathPara xmlns:m="http://schemas.openxmlformats.org/officeDocument/2006/math">
-                    <m:oMathParaPr>
-                      <m:jc m:val="centerGroup"/>
-                    </m:oMathParaPr>
-                    <m:oMath xmlns:m="http://schemas.openxmlformats.org/officeDocument/2006/math">
-                      <m:sSubSup>
-                        <m:sSubSupPr>
-                          <m:ctrlPr>
-                            <a:rPr lang="es-PE" i="1" smtClean="0">
-                              <a:latin typeface="Cambria Math" panose="02040503050406030204" pitchFamily="18" charset="0"/>
-                            </a:rPr>
-                          </m:ctrlPr>
-                        </m:sSubSupPr>
-                        <m:e>
-                          <m:r>
-                            <a:rPr lang="es-PE" b="1" i="1" smtClean="0">
-                              <a:latin typeface="Cambria Math" panose="02040503050406030204" pitchFamily="18" charset="0"/>
-                            </a:rPr>
-                            <m:t>𝒀</m:t>
-                          </m:r>
-                        </m:e>
-                        <m:sub>
-                          <m:r>
-                            <a:rPr lang="es-PE" b="0" i="1" smtClean="0">
-                              <a:latin typeface="Cambria Math" panose="02040503050406030204" pitchFamily="18" charset="0"/>
-                            </a:rPr>
-                            <m:t>𝑖𝑗</m:t>
-                          </m:r>
-                        </m:sub>
-                        <m:sup>
-                          <m:r>
-                            <a:rPr lang="es-PE" b="0" i="1" smtClean="0">
-                              <a:latin typeface="Cambria Math" panose="02040503050406030204" pitchFamily="18" charset="0"/>
-                            </a:rPr>
-                            <m:t>𝑐</m:t>
-                          </m:r>
-                        </m:sup>
-                      </m:sSubSup>
-                    </m:oMath>
-                  </m:oMathPara>
-                </a14:m>
-                <a:endParaRPr lang="es-PE" dirty="0"/>
-              </a:p>
-            </p:txBody>
-          </p:sp>
-        </mc:Choice>
-        <mc:Fallback>
-          <p:sp>
-            <p:nvSpPr>
-              <p:cNvPr id="14" name="Rectángulo 13"/>
-              <p:cNvSpPr>
-                <a:spLocks noRot="1" noChangeAspect="1" noMove="1" noResize="1" noEditPoints="1" noAdjustHandles="1" noChangeArrowheads="1" noChangeShapeType="1" noTextEdit="1"/>
-              </p:cNvSpPr>
-              <p:nvPr/>
-            </p:nvSpPr>
-            <p:spPr>
-              <a:xfrm>
-                <a:off x="2699792" y="2134460"/>
-                <a:ext cx="690640" cy="576064"/>
-              </a:xfrm>
-              <a:prstGeom prst="rect">
-                <a:avLst/>
-              </a:prstGeom>
-              <a:blipFill>
-                <a:blip r:embed="rId6"/>
-                <a:stretch>
-                  <a:fillRect/>
-                </a:stretch>
-              </a:blipFill>
-              <a:ln w="28575"/>
-            </p:spPr>
-            <p:txBody>
-              <a:bodyPr/>
-              <a:lstStyle/>
-              <a:p>
-                <a:r>
-                  <a:rPr lang="es-PE">
-                    <a:noFill/>
-                  </a:rPr>
-                  <a:t> </a:t>
-                </a:r>
-              </a:p>
-            </p:txBody>
-          </p:sp>
-        </mc:Fallback>
-      </mc:AlternateContent>
-      <mc:AlternateContent xmlns:mc="http://schemas.openxmlformats.org/markup-compatibility/2006">
-        <mc:Choice xmlns:a14="http://schemas.microsoft.com/office/drawing/2010/main" Requires="a14">
-          <p:sp>
-            <p:nvSpPr>
-              <p:cNvPr id="31" name="Rectángulo 30"/>
-              <p:cNvSpPr/>
-              <p:nvPr/>
-            </p:nvSpPr>
-            <p:spPr>
-              <a:xfrm>
-                <a:off x="5717564" y="2134460"/>
-                <a:ext cx="690640" cy="576064"/>
-              </a:xfrm>
-              <a:prstGeom prst="rect">
-                <a:avLst/>
-              </a:prstGeom>
-              <a:ln w="28575"/>
-            </p:spPr>
-            <p:style>
-              <a:lnRef idx="2">
-                <a:schemeClr val="dk1"/>
-              </a:lnRef>
-              <a:fillRef idx="1">
-                <a:schemeClr val="lt1"/>
-              </a:fillRef>
-              <a:effectRef idx="0">
-                <a:schemeClr val="dk1"/>
-              </a:effectRef>
-              <a:fontRef idx="minor">
-                <a:schemeClr val="dk1"/>
-              </a:fontRef>
-            </p:style>
-            <p:txBody>
-              <a:bodyPr rtlCol="0" anchor="ctr"/>
-              <a:lstStyle/>
-              <a:p>
-                <a:pPr algn="ctr"/>
-                <a14:m>
-                  <m:oMathPara xmlns:m="http://schemas.openxmlformats.org/officeDocument/2006/math">
-                    <m:oMathParaPr>
-                      <m:jc m:val="centerGroup"/>
-                    </m:oMathParaPr>
-                    <m:oMath xmlns:m="http://schemas.openxmlformats.org/officeDocument/2006/math">
-                      <m:sSubSup>
-                        <m:sSubSupPr>
-                          <m:ctrlPr>
-                            <a:rPr lang="es-PE" i="1" smtClean="0">
-                              <a:latin typeface="Cambria Math" panose="02040503050406030204" pitchFamily="18" charset="0"/>
-                            </a:rPr>
-                          </m:ctrlPr>
-                        </m:sSubSupPr>
-                        <m:e>
-                          <m:r>
-                            <a:rPr lang="es-PE" b="1" i="1" smtClean="0">
-                              <a:latin typeface="Cambria Math" panose="02040503050406030204" pitchFamily="18" charset="0"/>
-                            </a:rPr>
-                            <m:t>𝒀</m:t>
-                          </m:r>
-                        </m:e>
-                        <m:sub>
-                          <m:r>
-                            <a:rPr lang="es-PE" b="0" i="1" smtClean="0">
-                              <a:latin typeface="Cambria Math" panose="02040503050406030204" pitchFamily="18" charset="0"/>
-                            </a:rPr>
-                            <m:t>𝑖𝑗</m:t>
-                          </m:r>
-                        </m:sub>
-                        <m:sup>
-                          <m:r>
-                            <a:rPr lang="es-PE" b="0" i="1" smtClean="0">
-                              <a:latin typeface="Cambria Math" panose="02040503050406030204" pitchFamily="18" charset="0"/>
-                            </a:rPr>
-                            <m:t>𝑐</m:t>
-                          </m:r>
-                        </m:sup>
-                      </m:sSubSup>
-                    </m:oMath>
-                  </m:oMathPara>
-                </a14:m>
-                <a:endParaRPr lang="es-PE" dirty="0"/>
-              </a:p>
-            </p:txBody>
-          </p:sp>
-        </mc:Choice>
-        <mc:Fallback>
-          <p:sp>
-            <p:nvSpPr>
-              <p:cNvPr id="31" name="Rectángulo 30"/>
-              <p:cNvSpPr>
-                <a:spLocks noRot="1" noChangeAspect="1" noMove="1" noResize="1" noEditPoints="1" noAdjustHandles="1" noChangeArrowheads="1" noChangeShapeType="1" noTextEdit="1"/>
-              </p:cNvSpPr>
-              <p:nvPr/>
-            </p:nvSpPr>
-            <p:spPr>
-              <a:xfrm>
-                <a:off x="5717564" y="2134460"/>
-                <a:ext cx="690640" cy="576064"/>
-              </a:xfrm>
-              <a:prstGeom prst="rect">
-                <a:avLst/>
-              </a:prstGeom>
-              <a:blipFill>
-                <a:blip r:embed="rId7"/>
-                <a:stretch>
-                  <a:fillRect/>
-                </a:stretch>
-              </a:blipFill>
-              <a:ln w="28575"/>
-            </p:spPr>
-            <p:txBody>
-              <a:bodyPr/>
-              <a:lstStyle/>
-              <a:p>
-                <a:r>
-                  <a:rPr lang="es-PE">
-                    <a:noFill/>
-                  </a:rPr>
-                  <a:t> </a:t>
-                </a:r>
-              </a:p>
-            </p:txBody>
-          </p:sp>
-        </mc:Fallback>
-      </mc:AlternateContent>
-      <p:cxnSp>
-        <p:nvCxnSpPr>
-          <p:cNvPr id="16" name="Conector recto 15"/>
-          <p:cNvCxnSpPr>
-            <a:stCxn id="14" idx="0"/>
-          </p:cNvCxnSpPr>
-          <p:nvPr/>
-        </p:nvCxnSpPr>
-        <p:spPr>
-          <a:xfrm flipV="1">
-            <a:off x="3045112" y="1616264"/>
-            <a:ext cx="0" cy="518196"/>
-          </a:xfrm>
-          <a:prstGeom prst="line">
-            <a:avLst/>
-          </a:prstGeom>
-          <a:ln w="28575"/>
-        </p:spPr>
-        <p:style>
-          <a:lnRef idx="1">
-            <a:schemeClr val="dk1"/>
-          </a:lnRef>
-          <a:fillRef idx="0">
-            <a:schemeClr val="dk1"/>
-          </a:fillRef>
-          <a:effectRef idx="0">
-            <a:schemeClr val="dk1"/>
-          </a:effectRef>
-          <a:fontRef idx="minor">
-            <a:schemeClr val="tx1"/>
-          </a:fontRef>
-        </p:style>
-      </p:cxnSp>
-      <p:cxnSp>
-        <p:nvCxnSpPr>
-          <p:cNvPr id="34" name="Conector recto 33"/>
-          <p:cNvCxnSpPr/>
-          <p:nvPr/>
-        </p:nvCxnSpPr>
-        <p:spPr>
-          <a:xfrm flipV="1">
-            <a:off x="6062884" y="1616264"/>
-            <a:ext cx="0" cy="518196"/>
-          </a:xfrm>
-          <a:prstGeom prst="line">
-            <a:avLst/>
-          </a:prstGeom>
-          <a:ln w="28575"/>
-        </p:spPr>
-        <p:style>
-          <a:lnRef idx="1">
-            <a:schemeClr val="dk1"/>
-          </a:lnRef>
-          <a:fillRef idx="0">
-            <a:schemeClr val="dk1"/>
-          </a:fillRef>
-          <a:effectRef idx="0">
-            <a:schemeClr val="dk1"/>
-          </a:effectRef>
-          <a:fontRef idx="minor">
-            <a:schemeClr val="tx1"/>
-          </a:fontRef>
-        </p:style>
-      </p:cxnSp>
-      <p:cxnSp>
-        <p:nvCxnSpPr>
-          <p:cNvPr id="19" name="Conector recto 18"/>
-          <p:cNvCxnSpPr>
-            <a:stCxn id="14" idx="2"/>
-          </p:cNvCxnSpPr>
-          <p:nvPr/>
-        </p:nvCxnSpPr>
-        <p:spPr>
-          <a:xfrm>
-            <a:off x="3045112" y="2710524"/>
-            <a:ext cx="0" cy="502452"/>
-          </a:xfrm>
-          <a:prstGeom prst="line">
-            <a:avLst/>
-          </a:prstGeom>
-          <a:ln w="28575"/>
-        </p:spPr>
-        <p:style>
-          <a:lnRef idx="1">
-            <a:schemeClr val="dk1"/>
-          </a:lnRef>
-          <a:fillRef idx="0">
-            <a:schemeClr val="dk1"/>
-          </a:fillRef>
-          <a:effectRef idx="0">
-            <a:schemeClr val="dk1"/>
-          </a:effectRef>
-          <a:fontRef idx="minor">
-            <a:schemeClr val="tx1"/>
-          </a:fontRef>
-        </p:style>
-      </p:cxnSp>
-      <p:cxnSp>
-        <p:nvCxnSpPr>
-          <p:cNvPr id="37" name="Conector recto 36"/>
-          <p:cNvCxnSpPr/>
-          <p:nvPr/>
-        </p:nvCxnSpPr>
-        <p:spPr>
-          <a:xfrm>
-            <a:off x="6084139" y="2710524"/>
-            <a:ext cx="0" cy="502452"/>
-          </a:xfrm>
-          <a:prstGeom prst="line">
-            <a:avLst/>
-          </a:prstGeom>
-          <a:ln w="28575"/>
-        </p:spPr>
-        <p:style>
-          <a:lnRef idx="1">
-            <a:schemeClr val="dk1"/>
-          </a:lnRef>
-          <a:fillRef idx="0">
-            <a:schemeClr val="dk1"/>
-          </a:fillRef>
-          <a:effectRef idx="0">
-            <a:schemeClr val="dk1"/>
-          </a:effectRef>
-          <a:fontRef idx="minor">
-            <a:schemeClr val="tx1"/>
-          </a:fontRef>
-        </p:style>
-      </p:cxnSp>
-      <p:sp>
-        <p:nvSpPr>
-          <p:cNvPr id="21" name="CuadroTexto 20"/>
-          <p:cNvSpPr txBox="1"/>
-          <p:nvPr/>
-        </p:nvSpPr>
-        <p:spPr>
-          <a:xfrm>
-            <a:off x="6725897" y="2229954"/>
-            <a:ext cx="660758" cy="369332"/>
-          </a:xfrm>
-          <a:prstGeom prst="rect">
-            <a:avLst/>
-          </a:prstGeom>
-          <a:noFill/>
-        </p:spPr>
-        <p:txBody>
-          <a:bodyPr wrap="none" rtlCol="0">
-            <a:spAutoFit/>
-          </a:bodyPr>
-          <a:lstStyle/>
-          <a:p>
-            <a:r>
-              <a:rPr lang="es-PE" dirty="0"/>
-              <a:t>Shunt</a:t>
-            </a:r>
-          </a:p>
-        </p:txBody>
-      </p:sp>
-      <mc:AlternateContent xmlns:mc="http://schemas.openxmlformats.org/markup-compatibility/2006">
-        <mc:Choice xmlns:a14="http://schemas.microsoft.com/office/drawing/2010/main" Requires="a14">
-          <p:sp>
-            <p:nvSpPr>
-              <p:cNvPr id="39" name="CaixaDeTexto 57">
-                <a:extLst>
-                  <a:ext uri="{FF2B5EF4-FFF2-40B4-BE49-F238E27FC236}">
-                    <a16:creationId xmlns:a16="http://schemas.microsoft.com/office/drawing/2014/main" id="{DE48C7C5-FC79-441D-A92C-8033BD6FE0BB}"/>
-                  </a:ext>
-                </a:extLst>
-              </p:cNvPr>
-              <p:cNvSpPr txBox="1"/>
-              <p:nvPr/>
-            </p:nvSpPr>
-            <p:spPr>
-              <a:xfrm>
-                <a:off x="2594710" y="5318361"/>
-                <a:ext cx="6237477" cy="356444"/>
-              </a:xfrm>
-              <a:prstGeom prst="rect">
-                <a:avLst/>
-              </a:prstGeom>
-              <a:noFill/>
-            </p:spPr>
-            <p:txBody>
-              <a:bodyPr wrap="none" lIns="0" tIns="0" rIns="0" bIns="0" rtlCol="0">
-                <a:spAutoFit/>
-              </a:bodyPr>
-              <a:lstStyle/>
-              <a:p>
-                <a:pPr/>
-                <a14:m>
-                  <m:oMathPara xmlns:m="http://schemas.openxmlformats.org/officeDocument/2006/math">
-                    <m:oMathParaPr>
-                      <m:jc m:val="centerGroup"/>
-                    </m:oMathParaPr>
-                    <m:oMath xmlns:m="http://schemas.openxmlformats.org/officeDocument/2006/math">
-                      <m:sSub>
-                        <m:sSubPr>
-                          <m:ctrlPr>
-                            <a:rPr lang="es-PE" i="1" smtClean="0">
-                              <a:latin typeface="Cambria Math" panose="02040503050406030204" pitchFamily="18" charset="0"/>
-                            </a:rPr>
-                          </m:ctrlPr>
-                        </m:sSubPr>
-                        <m:e>
-                          <m:r>
-                            <a:rPr lang="pt-BR" b="0" i="1" smtClean="0">
-                              <a:latin typeface="Cambria Math" panose="02040503050406030204" pitchFamily="18" charset="0"/>
-                            </a:rPr>
-                            <m:t>𝑆</m:t>
-                          </m:r>
-                        </m:e>
-                        <m:sub>
-                          <m:r>
-                            <a:rPr lang="pt-BR" b="0" i="1" smtClean="0">
-                              <a:latin typeface="Cambria Math" panose="02040503050406030204" pitchFamily="18" charset="0"/>
-                            </a:rPr>
-                            <m:t>𝑗</m:t>
-                          </m:r>
-                          <m:r>
-                            <a:rPr lang="es-PE" b="0" i="1" smtClean="0">
-                              <a:latin typeface="Cambria Math" panose="02040503050406030204" pitchFamily="18" charset="0"/>
-                            </a:rPr>
-                            <m:t>𝑖</m:t>
-                          </m:r>
-                        </m:sub>
-                      </m:sSub>
-                      <m:r>
-                        <a:rPr lang="pt-BR" b="0" i="1" smtClean="0">
-                          <a:latin typeface="Cambria Math" panose="02040503050406030204" pitchFamily="18" charset="0"/>
-                        </a:rPr>
-                        <m:t>=</m:t>
-                      </m:r>
-                      <m:sSub>
-                        <m:sSubPr>
-                          <m:ctrlPr>
-                            <a:rPr lang="pt-BR" b="0" i="1" smtClean="0">
-                              <a:latin typeface="Cambria Math" panose="02040503050406030204" pitchFamily="18" charset="0"/>
-                            </a:rPr>
-                          </m:ctrlPr>
-                        </m:sSubPr>
-                        <m:e>
-                          <m:r>
-                            <a:rPr lang="pt-BR" b="0" i="1" smtClean="0">
-                              <a:latin typeface="Cambria Math" panose="02040503050406030204" pitchFamily="18" charset="0"/>
-                            </a:rPr>
-                            <m:t>𝑉</m:t>
-                          </m:r>
-                        </m:e>
-                        <m:sub>
-                          <m:r>
-                            <a:rPr lang="es-PE" b="0" i="1" smtClean="0">
-                              <a:latin typeface="Cambria Math" panose="02040503050406030204" pitchFamily="18" charset="0"/>
-                            </a:rPr>
-                            <m:t>𝑗</m:t>
-                          </m:r>
-                        </m:sub>
-                      </m:sSub>
-                      <m:sSup>
-                        <m:sSupPr>
-                          <m:ctrlPr>
-                            <a:rPr lang="pt-BR" b="0" i="1" smtClean="0">
-                              <a:latin typeface="Cambria Math" panose="02040503050406030204" pitchFamily="18" charset="0"/>
-                            </a:rPr>
-                          </m:ctrlPr>
-                        </m:sSupPr>
-                        <m:e>
-                          <m:d>
-                            <m:dPr>
-                              <m:ctrlPr>
-                                <a:rPr lang="pt-BR" i="1">
-                                  <a:latin typeface="Cambria Math" panose="02040503050406030204" pitchFamily="18" charset="0"/>
-                                </a:rPr>
-                              </m:ctrlPr>
-                            </m:dPr>
-                            <m:e>
-                              <m:r>
-                                <a:rPr lang="pt-BR" i="1">
-                                  <a:latin typeface="Cambria Math" panose="02040503050406030204" pitchFamily="18" charset="0"/>
-                                </a:rPr>
-                                <m:t>−</m:t>
-                              </m:r>
-                              <m:sSub>
-                                <m:sSubPr>
-                                  <m:ctrlPr>
-                                    <a:rPr lang="pt-BR" i="1">
-                                      <a:latin typeface="Cambria Math" panose="02040503050406030204" pitchFamily="18" charset="0"/>
-                                    </a:rPr>
-                                  </m:ctrlPr>
-                                </m:sSubPr>
-                                <m:e>
-                                  <m:sSub>
-                                    <m:sSubPr>
-                                      <m:ctrlPr>
-                                        <a:rPr lang="pt-BR" i="1">
-                                          <a:latin typeface="Cambria Math" panose="02040503050406030204" pitchFamily="18" charset="0"/>
-                                        </a:rPr>
-                                      </m:ctrlPr>
-                                    </m:sSubPr>
-                                    <m:e>
-                                      <m:r>
-                                        <a:rPr lang="es-PE" b="1" i="1">
-                                          <a:latin typeface="Cambria Math" panose="02040503050406030204" pitchFamily="18" charset="0"/>
-                                        </a:rPr>
-                                        <m:t>𝒀</m:t>
-                                      </m:r>
-                                    </m:e>
-                                    <m:sub>
-                                      <m:r>
-                                        <a:rPr lang="es-PE" i="1">
-                                          <a:latin typeface="Cambria Math" panose="02040503050406030204" pitchFamily="18" charset="0"/>
-                                        </a:rPr>
-                                        <m:t>𝑖𝑗</m:t>
-                                      </m:r>
-                                    </m:sub>
-                                  </m:sSub>
-                                  <m:r>
-                                    <a:rPr lang="pt-BR" i="1">
-                                      <a:latin typeface="Cambria Math" panose="02040503050406030204" pitchFamily="18" charset="0"/>
-                                    </a:rPr>
-                                    <m:t>𝑉</m:t>
-                                  </m:r>
-                                </m:e>
-                                <m:sub>
-                                  <m:r>
-                                    <a:rPr lang="es-PE" b="0" i="1" smtClean="0">
-                                      <a:latin typeface="Cambria Math" panose="02040503050406030204" pitchFamily="18" charset="0"/>
-                                    </a:rPr>
-                                    <m:t>𝑖</m:t>
-                                  </m:r>
-                                </m:sub>
-                              </m:sSub>
-                              <m:r>
-                                <a:rPr lang="es-PE" b="0" i="1" smtClean="0">
-                                  <a:latin typeface="Cambria Math" panose="02040503050406030204" pitchFamily="18" charset="0"/>
-                                </a:rPr>
-                                <m:t>+</m:t>
-                              </m:r>
-                              <m:d>
-                                <m:dPr>
-                                  <m:ctrlPr>
-                                    <a:rPr lang="pt-BR" i="1" smtClean="0">
-                                      <a:latin typeface="Cambria Math" panose="02040503050406030204" pitchFamily="18" charset="0"/>
-                                    </a:rPr>
-                                  </m:ctrlPr>
-                                </m:dPr>
-                                <m:e>
-                                  <m:sSub>
-                                    <m:sSubPr>
-                                      <m:ctrlPr>
-                                        <a:rPr lang="pt-BR" i="1" smtClean="0">
-                                          <a:latin typeface="Cambria Math" panose="02040503050406030204" pitchFamily="18" charset="0"/>
-                                        </a:rPr>
-                                      </m:ctrlPr>
-                                    </m:sSubPr>
-                                    <m:e>
-                                      <m:r>
-                                        <a:rPr lang="es-PE" b="1" i="1" smtClean="0">
-                                          <a:latin typeface="Cambria Math" panose="02040503050406030204" pitchFamily="18" charset="0"/>
-                                        </a:rPr>
-                                        <m:t>𝒀</m:t>
-                                      </m:r>
-                                    </m:e>
-                                    <m:sub>
-                                      <m:r>
-                                        <a:rPr lang="es-PE" b="0" i="1" smtClean="0">
-                                          <a:latin typeface="Cambria Math" panose="02040503050406030204" pitchFamily="18" charset="0"/>
-                                        </a:rPr>
-                                        <m:t>𝑖𝑗</m:t>
-                                      </m:r>
-                                    </m:sub>
-                                  </m:sSub>
-                                  <m:r>
-                                    <a:rPr lang="es-PE" b="0" i="1" smtClean="0">
-                                      <a:latin typeface="Cambria Math" panose="02040503050406030204" pitchFamily="18" charset="0"/>
-                                    </a:rPr>
-                                    <m:t>+</m:t>
-                                  </m:r>
-                                  <m:sSubSup>
-                                    <m:sSubSupPr>
-                                      <m:ctrlPr>
-                                        <a:rPr lang="es-PE" b="0" i="1" smtClean="0">
-                                          <a:latin typeface="Cambria Math" panose="02040503050406030204" pitchFamily="18" charset="0"/>
-                                        </a:rPr>
-                                      </m:ctrlPr>
-                                    </m:sSubSupPr>
-                                    <m:e>
-                                      <m:r>
-                                        <a:rPr lang="es-PE" b="1" i="1" smtClean="0">
-                                          <a:latin typeface="Cambria Math" panose="02040503050406030204" pitchFamily="18" charset="0"/>
-                                        </a:rPr>
-                                        <m:t>𝒀</m:t>
-                                      </m:r>
-                                    </m:e>
-                                    <m:sub>
-                                      <m:r>
-                                        <a:rPr lang="es-PE" b="0" i="1" smtClean="0">
-                                          <a:latin typeface="Cambria Math" panose="02040503050406030204" pitchFamily="18" charset="0"/>
-                                        </a:rPr>
-                                        <m:t>𝑖𝑗</m:t>
-                                      </m:r>
-                                    </m:sub>
-                                    <m:sup>
-                                      <m:r>
-                                        <a:rPr lang="es-PE" b="0" i="1" smtClean="0">
-                                          <a:latin typeface="Cambria Math" panose="02040503050406030204" pitchFamily="18" charset="0"/>
-                                        </a:rPr>
-                                        <m:t>𝑐</m:t>
-                                      </m:r>
-                                    </m:sup>
-                                  </m:sSubSup>
-                                </m:e>
-                              </m:d>
-                              <m:sSub>
-                                <m:sSubPr>
-                                  <m:ctrlPr>
-                                    <a:rPr lang="pt-BR" i="1">
-                                      <a:latin typeface="Cambria Math" panose="02040503050406030204" pitchFamily="18" charset="0"/>
-                                    </a:rPr>
-                                  </m:ctrlPr>
-                                </m:sSubPr>
-                                <m:e>
-                                  <m:r>
-                                    <a:rPr lang="pt-BR" i="1">
-                                      <a:latin typeface="Cambria Math" panose="02040503050406030204" pitchFamily="18" charset="0"/>
-                                    </a:rPr>
-                                    <m:t>𝑉</m:t>
-                                  </m:r>
-                                </m:e>
-                                <m:sub>
-                                  <m:r>
-                                    <a:rPr lang="es-PE" b="0" i="1" smtClean="0">
-                                      <a:latin typeface="Cambria Math" panose="02040503050406030204" pitchFamily="18" charset="0"/>
-                                    </a:rPr>
-                                    <m:t>𝑗</m:t>
-                                  </m:r>
-                                </m:sub>
-                              </m:sSub>
-                            </m:e>
-                          </m:d>
-                        </m:e>
-                        <m:sup>
-                          <m:r>
-                            <a:rPr lang="pt-BR" b="0" i="1" smtClean="0">
-                              <a:latin typeface="Cambria Math" panose="02040503050406030204" pitchFamily="18" charset="0"/>
-                            </a:rPr>
-                            <m:t>∗</m:t>
-                          </m:r>
-                        </m:sup>
-                      </m:sSup>
-                      <m:r>
-                        <a:rPr lang="es-PE" b="0" i="1" smtClean="0">
-                          <a:latin typeface="Cambria Math" panose="02040503050406030204" pitchFamily="18" charset="0"/>
-                        </a:rPr>
-                        <m:t>=</m:t>
-                      </m:r>
-                      <m:d>
-                        <m:dPr>
-                          <m:ctrlPr>
-                            <a:rPr lang="es-PE" b="0" i="1" smtClean="0">
-                              <a:latin typeface="Cambria Math" panose="02040503050406030204" pitchFamily="18" charset="0"/>
-                            </a:rPr>
-                          </m:ctrlPr>
-                        </m:dPr>
-                        <m:e>
-                          <m:sSubSup>
-                            <m:sSubSupPr>
-                              <m:ctrlPr>
-                                <a:rPr lang="es-PE" b="0" i="1" smtClean="0">
-                                  <a:latin typeface="Cambria Math" panose="02040503050406030204" pitchFamily="18" charset="0"/>
-                                </a:rPr>
-                              </m:ctrlPr>
-                            </m:sSubSupPr>
-                            <m:e>
-                              <m:r>
-                                <a:rPr lang="es-PE" b="1" i="1" smtClean="0">
-                                  <a:latin typeface="Cambria Math" panose="02040503050406030204" pitchFamily="18" charset="0"/>
-                                </a:rPr>
-                                <m:t>𝒀</m:t>
-                              </m:r>
-                            </m:e>
-                            <m:sub>
-                              <m:r>
-                                <a:rPr lang="es-PE" b="0" i="1" smtClean="0">
-                                  <a:latin typeface="Cambria Math" panose="02040503050406030204" pitchFamily="18" charset="0"/>
-                                </a:rPr>
-                                <m:t>𝑖𝑗</m:t>
-                              </m:r>
-                            </m:sub>
-                            <m:sup>
-                              <m:r>
-                                <a:rPr lang="es-PE" b="0" i="1" smtClean="0">
-                                  <a:latin typeface="Cambria Math" panose="02040503050406030204" pitchFamily="18" charset="0"/>
-                                </a:rPr>
-                                <m:t>∗</m:t>
-                              </m:r>
-                            </m:sup>
-                          </m:sSubSup>
-                          <m:r>
-                            <a:rPr lang="es-PE" b="0" i="1" smtClean="0">
-                              <a:latin typeface="Cambria Math" panose="02040503050406030204" pitchFamily="18" charset="0"/>
-                            </a:rPr>
-                            <m:t>+</m:t>
-                          </m:r>
-                          <m:sSubSup>
-                            <m:sSubSupPr>
-                              <m:ctrlPr>
-                                <a:rPr lang="es-PE" b="0" i="1" smtClean="0">
-                                  <a:latin typeface="Cambria Math" panose="02040503050406030204" pitchFamily="18" charset="0"/>
-                                </a:rPr>
-                              </m:ctrlPr>
-                            </m:sSubSupPr>
-                            <m:e>
-                              <m:r>
-                                <a:rPr lang="es-PE" b="1" i="1" smtClean="0">
-                                  <a:latin typeface="Cambria Math" panose="02040503050406030204" pitchFamily="18" charset="0"/>
-                                </a:rPr>
-                                <m:t>𝒀</m:t>
-                              </m:r>
-                            </m:e>
-                            <m:sub>
-                              <m:r>
-                                <a:rPr lang="es-PE" b="0" i="1" smtClean="0">
-                                  <a:latin typeface="Cambria Math" panose="02040503050406030204" pitchFamily="18" charset="0"/>
-                                </a:rPr>
-                                <m:t>𝑖𝑗</m:t>
-                              </m:r>
-                            </m:sub>
-                            <m:sup>
-                              <m:r>
-                                <a:rPr lang="es-PE" b="0" i="1" smtClean="0">
-                                  <a:latin typeface="Cambria Math" panose="02040503050406030204" pitchFamily="18" charset="0"/>
-                                </a:rPr>
-                                <m:t>𝑐</m:t>
-                              </m:r>
-                              <m:r>
-                                <a:rPr lang="es-PE" b="0" i="1" smtClean="0">
-                                  <a:latin typeface="Cambria Math" panose="02040503050406030204" pitchFamily="18" charset="0"/>
-                                </a:rPr>
-                                <m:t>∗</m:t>
-                              </m:r>
-                            </m:sup>
-                          </m:sSubSup>
-                        </m:e>
-                      </m:d>
-                      <m:sSub>
-                        <m:sSubPr>
-                          <m:ctrlPr>
-                            <a:rPr lang="es-PE" b="0" i="1" smtClean="0">
-                              <a:latin typeface="Cambria Math" panose="02040503050406030204" pitchFamily="18" charset="0"/>
-                            </a:rPr>
-                          </m:ctrlPr>
-                        </m:sSubPr>
-                        <m:e>
-                          <m:r>
-                            <a:rPr lang="es-PE" b="0" i="1" smtClean="0">
-                              <a:latin typeface="Cambria Math" panose="02040503050406030204" pitchFamily="18" charset="0"/>
-                            </a:rPr>
-                            <m:t>𝑉</m:t>
-                          </m:r>
-                        </m:e>
-                        <m:sub>
-                          <m:r>
-                            <a:rPr lang="es-PE" b="0" i="1" smtClean="0">
-                              <a:latin typeface="Cambria Math" panose="02040503050406030204" pitchFamily="18" charset="0"/>
-                            </a:rPr>
-                            <m:t>𝑗</m:t>
-                          </m:r>
-                        </m:sub>
-                      </m:sSub>
-                      <m:sSubSup>
-                        <m:sSubSupPr>
-                          <m:ctrlPr>
-                            <a:rPr lang="es-PE" b="0" i="1" smtClean="0">
-                              <a:latin typeface="Cambria Math" panose="02040503050406030204" pitchFamily="18" charset="0"/>
-                            </a:rPr>
-                          </m:ctrlPr>
-                        </m:sSubSupPr>
-                        <m:e>
-                          <m:r>
-                            <a:rPr lang="es-PE" b="0" i="1" smtClean="0">
-                              <a:latin typeface="Cambria Math" panose="02040503050406030204" pitchFamily="18" charset="0"/>
-                            </a:rPr>
-                            <m:t>𝑉</m:t>
-                          </m:r>
-                        </m:e>
-                        <m:sub>
-                          <m:r>
-                            <a:rPr lang="es-PE" b="0" i="1" smtClean="0">
-                              <a:latin typeface="Cambria Math" panose="02040503050406030204" pitchFamily="18" charset="0"/>
-                            </a:rPr>
-                            <m:t>𝑗</m:t>
-                          </m:r>
-                        </m:sub>
-                        <m:sup>
-                          <m:r>
-                            <a:rPr lang="es-PE" b="0" i="1" smtClean="0">
-                              <a:latin typeface="Cambria Math" panose="02040503050406030204" pitchFamily="18" charset="0"/>
-                            </a:rPr>
-                            <m:t>∗</m:t>
-                          </m:r>
-                        </m:sup>
-                      </m:sSubSup>
-                      <m:r>
-                        <a:rPr lang="es-PE" b="0" i="1" smtClean="0">
-                          <a:latin typeface="Cambria Math" panose="02040503050406030204" pitchFamily="18" charset="0"/>
-                        </a:rPr>
-                        <m:t>−</m:t>
-                      </m:r>
-                      <m:sSubSup>
-                        <m:sSubSupPr>
-                          <m:ctrlPr>
-                            <a:rPr lang="es-PE" b="0" i="1" smtClean="0">
-                              <a:latin typeface="Cambria Math" panose="02040503050406030204" pitchFamily="18" charset="0"/>
-                            </a:rPr>
-                          </m:ctrlPr>
-                        </m:sSubSupPr>
-                        <m:e>
-                          <m:r>
-                            <a:rPr lang="es-PE" b="1" i="1" smtClean="0">
-                              <a:latin typeface="Cambria Math" panose="02040503050406030204" pitchFamily="18" charset="0"/>
-                            </a:rPr>
-                            <m:t>𝒀</m:t>
-                          </m:r>
-                        </m:e>
-                        <m:sub>
-                          <m:r>
-                            <a:rPr lang="es-PE" b="0" i="1" smtClean="0">
-                              <a:latin typeface="Cambria Math" panose="02040503050406030204" pitchFamily="18" charset="0"/>
-                            </a:rPr>
-                            <m:t>𝑖𝑗</m:t>
-                          </m:r>
-                        </m:sub>
-                        <m:sup>
-                          <m:r>
-                            <a:rPr lang="es-PE" b="0" i="1" smtClean="0">
-                              <a:latin typeface="Cambria Math" panose="02040503050406030204" pitchFamily="18" charset="0"/>
-                            </a:rPr>
-                            <m:t>∗</m:t>
-                          </m:r>
-                        </m:sup>
-                      </m:sSubSup>
-                      <m:sSub>
-                        <m:sSubPr>
-                          <m:ctrlPr>
-                            <a:rPr lang="es-PE" b="0" i="1" smtClean="0">
-                              <a:latin typeface="Cambria Math" panose="02040503050406030204" pitchFamily="18" charset="0"/>
-                            </a:rPr>
-                          </m:ctrlPr>
-                        </m:sSubPr>
-                        <m:e>
-                          <m:r>
-                            <a:rPr lang="es-PE" b="0" i="1" smtClean="0">
-                              <a:latin typeface="Cambria Math" panose="02040503050406030204" pitchFamily="18" charset="0"/>
-                            </a:rPr>
-                            <m:t>𝑉</m:t>
-                          </m:r>
-                        </m:e>
-                        <m:sub>
-                          <m:r>
-                            <a:rPr lang="es-PE" b="0" i="1" smtClean="0">
-                              <a:latin typeface="Cambria Math" panose="02040503050406030204" pitchFamily="18" charset="0"/>
-                            </a:rPr>
-                            <m:t>𝑗</m:t>
-                          </m:r>
-                        </m:sub>
-                      </m:sSub>
-                      <m:sSubSup>
-                        <m:sSubSupPr>
-                          <m:ctrlPr>
-                            <a:rPr lang="es-PE" b="0" i="1" smtClean="0">
-                              <a:latin typeface="Cambria Math" panose="02040503050406030204" pitchFamily="18" charset="0"/>
-                            </a:rPr>
-                          </m:ctrlPr>
-                        </m:sSubSupPr>
-                        <m:e>
-                          <m:r>
-                            <a:rPr lang="es-PE" b="0" i="1" smtClean="0">
-                              <a:latin typeface="Cambria Math" panose="02040503050406030204" pitchFamily="18" charset="0"/>
-                            </a:rPr>
-                            <m:t>𝑉</m:t>
-                          </m:r>
-                        </m:e>
-                        <m:sub>
-                          <m:r>
-                            <a:rPr lang="es-PE" b="0" i="1" smtClean="0">
-                              <a:latin typeface="Cambria Math" panose="02040503050406030204" pitchFamily="18" charset="0"/>
-                            </a:rPr>
-                            <m:t>𝑖</m:t>
-                          </m:r>
-                        </m:sub>
-                        <m:sup>
-                          <m:r>
-                            <a:rPr lang="es-PE" b="0" i="1" smtClean="0">
-                              <a:latin typeface="Cambria Math" panose="02040503050406030204" pitchFamily="18" charset="0"/>
-                            </a:rPr>
-                            <m:t>∗</m:t>
-                          </m:r>
-                        </m:sup>
-                      </m:sSubSup>
-                    </m:oMath>
-                  </m:oMathPara>
-                </a14:m>
-                <a:endParaRPr lang="es-PE" dirty="0"/>
-              </a:p>
-            </p:txBody>
-          </p:sp>
-        </mc:Choice>
-        <mc:Fallback>
-          <p:sp>
-            <p:nvSpPr>
-              <p:cNvPr id="39" name="CaixaDeTexto 57">
-                <a:extLst>
-                  <a:ext uri="{FF2B5EF4-FFF2-40B4-BE49-F238E27FC236}">
-                    <a16:creationId xmlns:a16="http://schemas.microsoft.com/office/drawing/2014/main" id="{DE48C7C5-FC79-441D-A92C-8033BD6FE0BB}"/>
-                  </a:ext>
-                </a:extLst>
-              </p:cNvPr>
-              <p:cNvSpPr txBox="1">
-                <a:spLocks noRot="1" noChangeAspect="1" noMove="1" noResize="1" noEditPoints="1" noAdjustHandles="1" noChangeArrowheads="1" noChangeShapeType="1" noTextEdit="1"/>
-              </p:cNvSpPr>
-              <p:nvPr/>
-            </p:nvSpPr>
-            <p:spPr>
-              <a:xfrm>
-                <a:off x="2594710" y="5318361"/>
-                <a:ext cx="6237477" cy="356444"/>
-              </a:xfrm>
-              <a:prstGeom prst="rect">
-                <a:avLst/>
-              </a:prstGeom>
-              <a:blipFill>
-                <a:blip r:embed="rId8"/>
-                <a:stretch>
-                  <a:fillRect b="-20339"/>
-                </a:stretch>
-              </a:blipFill>
-            </p:spPr>
-            <p:txBody>
-              <a:bodyPr/>
-              <a:lstStyle/>
-              <a:p>
-                <a:r>
-                  <a:rPr lang="es-PE">
-                    <a:noFill/>
-                  </a:rPr>
-                  <a:t> </a:t>
-                </a:r>
-              </a:p>
-            </p:txBody>
-          </p:sp>
-        </mc:Fallback>
-      </mc:AlternateContent>
-    </p:spTree>
-    <p:extLst>
-      <p:ext uri="{BB962C8B-B14F-4D97-AF65-F5344CB8AC3E}">
-        <p14:creationId xmlns:p14="http://schemas.microsoft.com/office/powerpoint/2010/main" val="1420479825"/>
-      </p:ext>
-    </p:extLst>
-  </p:cSld>
-  <p:clrMapOvr>
-    <a:masterClrMapping/>
-  </p:clrMapOvr>
-  <p:transition spd="slow">
-    <p:fade/>
-  </p:transition>
-</p:sld>
-</file>
-
-<file path=ppt/slides/slide12.xml><?xml version="1.0" encoding="utf-8"?>
-<p:sld xmlns:a="http://schemas.openxmlformats.org/drawingml/2006/main" xmlns:r="http://schemas.openxmlformats.org/officeDocument/2006/relationships" xmlns:p="http://schemas.openxmlformats.org/presentationml/2006/main">
-  <p:cSld>
-    <p:spTree>
-      <p:nvGrpSpPr>
-        <p:cNvPr id="1" name=""/>
-        <p:cNvGrpSpPr/>
-        <p:nvPr/>
-      </p:nvGrpSpPr>
-      <p:grpSpPr>
-        <a:xfrm>
-          <a:off x="0" y="0"/>
-          <a:ext cx="0" cy="0"/>
-          <a:chOff x="0" y="0"/>
-          <a:chExt cx="0" cy="0"/>
-        </a:xfrm>
-      </p:grpSpPr>
-      <p:sp>
-        <p:nvSpPr>
-          <p:cNvPr id="2" name="Marcador de número de diapositiva 1"/>
-          <p:cNvSpPr>
-            <a:spLocks noGrp="1"/>
-          </p:cNvSpPr>
-          <p:nvPr>
-            <p:ph type="sldNum" sz="quarter" idx="12"/>
-          </p:nvPr>
-        </p:nvSpPr>
-        <p:spPr/>
-        <p:txBody>
-          <a:bodyPr/>
-          <a:lstStyle/>
-          <a:p>
-            <a:fld id="{64BD7E74-CBD2-4D88-9109-2EA8081AE675}" type="slidenum">
-              <a:rPr lang="es-ES" smtClean="0"/>
-              <a:pPr/>
-              <a:t>12</a:t>
-            </a:fld>
-            <a:endParaRPr lang="es-ES"/>
-          </a:p>
-        </p:txBody>
-      </p:sp>
-      <p:sp>
-        <p:nvSpPr>
-          <p:cNvPr id="3" name="4 Título"/>
-          <p:cNvSpPr txBox="1">
-            <a:spLocks/>
-          </p:cNvSpPr>
-          <p:nvPr/>
-        </p:nvSpPr>
-        <p:spPr>
-          <a:xfrm>
-            <a:off x="611560" y="188640"/>
-            <a:ext cx="8784976" cy="457120"/>
-          </a:xfrm>
-          <a:prstGeom prst="rect">
-            <a:avLst/>
-          </a:prstGeom>
-        </p:spPr>
-        <p:txBody>
-          <a:bodyPr bIns="91440" anchor="b" anchorCtr="0">
-            <a:noAutofit/>
-          </a:bodyPr>
-          <a:lstStyle>
-            <a:lvl1pPr>
-              <a:spcBef>
-                <a:spcPct val="0"/>
-              </a:spcBef>
-              <a:buNone/>
-              <a:defRPr kumimoji="0" sz="2400">
-                <a:ln w="0"/>
-                <a:solidFill>
-                  <a:schemeClr val="tx2"/>
-                </a:solidFill>
-                <a:effectLst>
-                  <a:outerShdw blurRad="38100" dist="19050" dir="2700000" algn="tl" rotWithShape="0">
-                    <a:schemeClr val="dk1">
-                      <a:alpha val="40000"/>
-                    </a:schemeClr>
-                  </a:outerShdw>
-                </a:effectLst>
-                <a:latin typeface="+mj-lt"/>
-                <a:ea typeface="+mj-ea"/>
-                <a:cs typeface="+mj-cs"/>
-              </a:defRPr>
-            </a:lvl1pPr>
-          </a:lstStyle>
-          <a:p>
-            <a:r>
-              <a:rPr lang="es-PE" altLang="en-US" dirty="0"/>
-              <a:t>Transformador: Modelo “Pi”</a:t>
-            </a:r>
-          </a:p>
-        </p:txBody>
-      </p:sp>
-      <mc:AlternateContent xmlns:mc="http://schemas.openxmlformats.org/markup-compatibility/2006">
-        <mc:Choice xmlns:a14="http://schemas.microsoft.com/office/drawing/2010/main" Requires="a14">
           <p:sp>
             <p:nvSpPr>
               <p:cNvPr id="4" name="Retângulo 3">
@@ -10132,7 +8387,7 @@
             </p:txBody>
           </p:sp>
         </mc:Choice>
-        <mc:Fallback>
+        <mc:Fallback xmlns="">
           <p:sp>
             <p:nvSpPr>
               <p:cNvPr id="4" name="Retângulo 3">
@@ -10281,8 +8536,8 @@
           </a:fontRef>
         </p:style>
       </p:cxnSp>
-      <mc:AlternateContent xmlns:mc="http://schemas.openxmlformats.org/markup-compatibility/2006">
-        <mc:Choice xmlns:a14="http://schemas.microsoft.com/office/drawing/2010/main" Requires="a14">
+      <mc:AlternateContent xmlns:mc="http://schemas.openxmlformats.org/markup-compatibility/2006" xmlns:a14="http://schemas.microsoft.com/office/drawing/2010/main">
+        <mc:Choice Requires="a14">
           <p:sp>
             <p:nvSpPr>
               <p:cNvPr id="13" name="CaixaDeTexto 12">
@@ -10351,7 +8606,7 @@
             </p:txBody>
           </p:sp>
         </mc:Choice>
-        <mc:Fallback>
+        <mc:Fallback xmlns="">
           <p:sp>
             <p:nvSpPr>
               <p:cNvPr id="13" name="CaixaDeTexto 12">
@@ -10490,8 +8745,8 @@
           </a:fontRef>
         </p:style>
       </p:cxnSp>
-      <mc:AlternateContent xmlns:mc="http://schemas.openxmlformats.org/markup-compatibility/2006">
-        <mc:Choice xmlns:a14="http://schemas.microsoft.com/office/drawing/2010/main" Requires="a14">
+      <mc:AlternateContent xmlns:mc="http://schemas.openxmlformats.org/markup-compatibility/2006" xmlns:a14="http://schemas.microsoft.com/office/drawing/2010/main">
+        <mc:Choice Requires="a14">
           <p:sp>
             <p:nvSpPr>
               <p:cNvPr id="46" name="CaixaDeTexto 45">
@@ -10560,7 +8815,7 @@
             </p:txBody>
           </p:sp>
         </mc:Choice>
-        <mc:Fallback>
+        <mc:Fallback xmlns="">
           <p:sp>
             <p:nvSpPr>
               <p:cNvPr id="46" name="CaixaDeTexto 45">
@@ -10763,8 +9018,8 @@
           </a:p>
         </p:txBody>
       </p:sp>
-      <mc:AlternateContent xmlns:mc="http://schemas.openxmlformats.org/markup-compatibility/2006">
-        <mc:Choice xmlns:a14="http://schemas.microsoft.com/office/drawing/2010/main" Requires="a14">
+      <mc:AlternateContent xmlns:mc="http://schemas.openxmlformats.org/markup-compatibility/2006" xmlns:a14="http://schemas.microsoft.com/office/drawing/2010/main">
+        <mc:Choice Requires="a14">
           <p:sp>
             <p:nvSpPr>
               <p:cNvPr id="58" name="CaixaDeTexto 57">
@@ -11192,7 +9447,7 @@
             </p:txBody>
           </p:sp>
         </mc:Choice>
-        <mc:Fallback>
+        <mc:Fallback xmlns="">
           <p:sp>
             <p:nvSpPr>
               <p:cNvPr id="58" name="CaixaDeTexto 57">
@@ -11268,8 +9523,8 @@
           </a:fontRef>
         </p:style>
       </p:cxnSp>
-      <mc:AlternateContent xmlns:mc="http://schemas.openxmlformats.org/markup-compatibility/2006">
-        <mc:Choice xmlns:a14="http://schemas.microsoft.com/office/drawing/2010/main" Requires="a14">
+      <mc:AlternateContent xmlns:mc="http://schemas.openxmlformats.org/markup-compatibility/2006" xmlns:a14="http://schemas.microsoft.com/office/drawing/2010/main">
+        <mc:Choice Requires="a14">
           <p:sp>
             <p:nvSpPr>
               <p:cNvPr id="14" name="Rectángulo 13"/>
@@ -11352,7 +9607,7 @@
             </p:txBody>
           </p:sp>
         </mc:Choice>
-        <mc:Fallback>
+        <mc:Fallback xmlns="">
           <p:sp>
             <p:nvSpPr>
               <p:cNvPr id="14" name="Rectángulo 13"/>
@@ -11392,8 +9647,8 @@
           </p:sp>
         </mc:Fallback>
       </mc:AlternateContent>
-      <mc:AlternateContent xmlns:mc="http://schemas.openxmlformats.org/markup-compatibility/2006">
-        <mc:Choice xmlns:a14="http://schemas.microsoft.com/office/drawing/2010/main" Requires="a14">
+      <mc:AlternateContent xmlns:mc="http://schemas.openxmlformats.org/markup-compatibility/2006" xmlns:a14="http://schemas.microsoft.com/office/drawing/2010/main">
+        <mc:Choice Requires="a14">
           <p:sp>
             <p:nvSpPr>
               <p:cNvPr id="31" name="Rectángulo 30"/>
@@ -11476,7 +9731,7 @@
             </p:txBody>
           </p:sp>
         </mc:Choice>
-        <mc:Fallback>
+        <mc:Fallback xmlns="">
           <p:sp>
             <p:nvSpPr>
               <p:cNvPr id="31" name="Rectángulo 30"/>
@@ -11803,8 +10058,8 @@
           </a:p>
         </p:txBody>
       </p:sp>
-      <mc:AlternateContent xmlns:mc="http://schemas.openxmlformats.org/markup-compatibility/2006">
-        <mc:Choice xmlns:a14="http://schemas.microsoft.com/office/drawing/2010/main" Requires="a14">
+      <mc:AlternateContent xmlns:mc="http://schemas.openxmlformats.org/markup-compatibility/2006" xmlns:a14="http://schemas.microsoft.com/office/drawing/2010/main">
+        <mc:Choice Requires="a14">
           <p:sp>
             <p:nvSpPr>
               <p:cNvPr id="30" name="CuadroTexto 29"/>
@@ -11827,6 +10082,7 @@
               </a:bodyPr>
               <a:lstStyle/>
               <a:p>
+                <a:pPr/>
                 <a14:m>
                   <m:oMathPara xmlns:m="http://schemas.openxmlformats.org/officeDocument/2006/math">
                     <m:oMathParaPr>
@@ -11872,7 +10128,7 @@
             </p:txBody>
           </p:sp>
         </mc:Choice>
-        <mc:Fallback>
+        <mc:Fallback xmlns="">
           <p:sp>
             <p:nvSpPr>
               <p:cNvPr id="30" name="CuadroTexto 29"/>
@@ -11911,8 +10167,8 @@
           </p:sp>
         </mc:Fallback>
       </mc:AlternateContent>
-      <mc:AlternateContent xmlns:mc="http://schemas.openxmlformats.org/markup-compatibility/2006">
-        <mc:Choice xmlns:a14="http://schemas.microsoft.com/office/drawing/2010/main" Requires="a14">
+      <mc:AlternateContent xmlns:mc="http://schemas.openxmlformats.org/markup-compatibility/2006" xmlns:a14="http://schemas.microsoft.com/office/drawing/2010/main">
+        <mc:Choice Requires="a14">
           <p:sp>
             <p:nvSpPr>
               <p:cNvPr id="41" name="CuadroTexto 40"/>
@@ -11935,6 +10191,7 @@
               </a:bodyPr>
               <a:lstStyle/>
               <a:p>
+                <a:pPr/>
                 <a14:m>
                   <m:oMathPara xmlns:m="http://schemas.openxmlformats.org/officeDocument/2006/math">
                     <m:oMathParaPr>
@@ -11974,7 +10231,7 @@
             </p:txBody>
           </p:sp>
         </mc:Choice>
-        <mc:Fallback>
+        <mc:Fallback xmlns="">
           <p:sp>
             <p:nvSpPr>
               <p:cNvPr id="41" name="CuadroTexto 40"/>
@@ -12013,8 +10270,8 @@
           </p:sp>
         </mc:Fallback>
       </mc:AlternateContent>
-      <mc:AlternateContent xmlns:mc="http://schemas.openxmlformats.org/markup-compatibility/2006">
-        <mc:Choice xmlns:a14="http://schemas.microsoft.com/office/drawing/2010/main" Requires="a14">
+      <mc:AlternateContent xmlns:mc="http://schemas.openxmlformats.org/markup-compatibility/2006" xmlns:a14="http://schemas.microsoft.com/office/drawing/2010/main">
+        <mc:Choice Requires="a14">
           <p:sp>
             <p:nvSpPr>
               <p:cNvPr id="43" name="CaixaDeTexto 57">
@@ -12385,7 +10642,7 @@
             </p:txBody>
           </p:sp>
         </mc:Choice>
-        <mc:Fallback>
+        <mc:Fallback xmlns="">
           <p:sp>
             <p:nvSpPr>
               <p:cNvPr id="43" name="CaixaDeTexto 57">
@@ -12446,7 +10703,7 @@
 </p:sld>
 </file>
 
-<file path=ppt/slides/slide13.xml><?xml version="1.0" encoding="utf-8"?>
+<file path=ppt/slides/slide12.xml><?xml version="1.0" encoding="utf-8"?>
 <p:sld xmlns:a="http://schemas.openxmlformats.org/drawingml/2006/main" xmlns:r="http://schemas.openxmlformats.org/officeDocument/2006/relationships" xmlns:p="http://schemas.openxmlformats.org/presentationml/2006/main">
   <p:cSld>
     <p:spTree>
@@ -12481,7 +10738,7 @@
             <a:fld id="{64BD7E74-CBD2-4D88-9109-2EA8081AE675}" type="slidenum">
               <a:rPr lang="es-ES" smtClean="0"/>
               <a:pPr/>
-              <a:t>13</a:t>
+              <a:t>12</a:t>
             </a:fld>
             <a:endParaRPr lang="es-ES"/>
           </a:p>
@@ -12855,7 +11112,7 @@
 </p:sld>
 </file>
 
-<file path=ppt/slides/slide14.xml><?xml version="1.0" encoding="utf-8"?>
+<file path=ppt/slides/slide13.xml><?xml version="1.0" encoding="utf-8"?>
 <p:sld xmlns:a="http://schemas.openxmlformats.org/drawingml/2006/main" xmlns:r="http://schemas.openxmlformats.org/officeDocument/2006/relationships" xmlns:p="http://schemas.openxmlformats.org/presentationml/2006/main">
   <p:cSld>
     <p:spTree>
@@ -12890,7 +11147,7 @@
             <a:fld id="{64BD7E74-CBD2-4D88-9109-2EA8081AE675}" type="slidenum">
               <a:rPr lang="es-ES" smtClean="0"/>
               <a:pPr/>
-              <a:t>14</a:t>
+              <a:t>13</a:t>
             </a:fld>
             <a:endParaRPr lang="es-ES"/>
           </a:p>
@@ -13264,7 +11521,7 @@
 </p:sld>
 </file>
 
-<file path=ppt/slides/slide15.xml><?xml version="1.0" encoding="utf-8"?>
+<file path=ppt/slides/slide14.xml><?xml version="1.0" encoding="utf-8"?>
 <p:sld xmlns:a="http://schemas.openxmlformats.org/drawingml/2006/main" xmlns:r="http://schemas.openxmlformats.org/officeDocument/2006/relationships" xmlns:p="http://schemas.openxmlformats.org/presentationml/2006/main">
   <p:cSld>
     <p:spTree>
@@ -13299,7 +11556,7 @@
             <a:fld id="{64BD7E74-CBD2-4D88-9109-2EA8081AE675}" type="slidenum">
               <a:rPr lang="es-ES" smtClean="0"/>
               <a:pPr/>
-              <a:t>15</a:t>
+              <a:t>14</a:t>
             </a:fld>
             <a:endParaRPr lang="es-ES"/>
           </a:p>
